--- a/개인1/발표용 파일/발표용.pptx
+++ b/개인1/발표용 파일/발표용.pptx
@@ -18,25 +18,30 @@
     <p:sldId id="265" r:id="rId12"/>
     <p:sldId id="267" r:id="rId13"/>
     <p:sldId id="270" r:id="rId14"/>
-    <p:sldId id="268" r:id="rId15"/>
-    <p:sldId id="269" r:id="rId16"/>
-    <p:sldId id="272" r:id="rId17"/>
-    <p:sldId id="273" r:id="rId18"/>
-    <p:sldId id="274" r:id="rId19"/>
-    <p:sldId id="275" r:id="rId20"/>
-    <p:sldId id="276" r:id="rId21"/>
-    <p:sldId id="277" r:id="rId22"/>
-    <p:sldId id="278" r:id="rId23"/>
-    <p:sldId id="279" r:id="rId24"/>
-    <p:sldId id="280" r:id="rId25"/>
-    <p:sldId id="281" r:id="rId26"/>
-    <p:sldId id="283" r:id="rId27"/>
-    <p:sldId id="284" r:id="rId28"/>
-    <p:sldId id="286" r:id="rId29"/>
-    <p:sldId id="287" r:id="rId30"/>
-    <p:sldId id="288" r:id="rId31"/>
-    <p:sldId id="289" r:id="rId32"/>
-    <p:sldId id="271" r:id="rId33"/>
+    <p:sldId id="290" r:id="rId15"/>
+    <p:sldId id="268" r:id="rId16"/>
+    <p:sldId id="269" r:id="rId17"/>
+    <p:sldId id="272" r:id="rId18"/>
+    <p:sldId id="291" r:id="rId19"/>
+    <p:sldId id="273" r:id="rId20"/>
+    <p:sldId id="274" r:id="rId21"/>
+    <p:sldId id="275" r:id="rId22"/>
+    <p:sldId id="276" r:id="rId23"/>
+    <p:sldId id="278" r:id="rId24"/>
+    <p:sldId id="279" r:id="rId25"/>
+    <p:sldId id="280" r:id="rId26"/>
+    <p:sldId id="293" r:id="rId27"/>
+    <p:sldId id="294" r:id="rId28"/>
+    <p:sldId id="292" r:id="rId29"/>
+    <p:sldId id="281" r:id="rId30"/>
+    <p:sldId id="283" r:id="rId31"/>
+    <p:sldId id="284" r:id="rId32"/>
+    <p:sldId id="277" r:id="rId33"/>
+    <p:sldId id="286" r:id="rId34"/>
+    <p:sldId id="287" r:id="rId35"/>
+    <p:sldId id="288" r:id="rId36"/>
+    <p:sldId id="289" r:id="rId37"/>
+    <p:sldId id="271" r:id="rId38"/>
   </p:sldIdLst>
   <p:sldSz cx="12192000" cy="6858000"/>
   <p:notesSz cx="6858000" cy="9144000"/>
@@ -2280,7 +2285,7 @@
             <a:fld id="{48A87A34-81AB-432B-8DAE-1953F412C126}" type="datetimeFigureOut">
               <a:rPr lang="en-US" dirty="0"/>
               <a:pPr/>
-              <a:t>8/1/2022</a:t>
+              <a:t>8/2/2022</a:t>
             </a:fld>
             <a:endParaRPr lang="en-US" dirty="0"/>
           </a:p>
@@ -3739,7 +3744,7 @@
           <a:p>
             <a:fld id="{48A87A34-81AB-432B-8DAE-1953F412C126}" type="datetimeFigureOut">
               <a:rPr lang="en-US" dirty="0"/>
-              <a:t>8/1/2022</a:t>
+              <a:t>8/2/2022</a:t>
             </a:fld>
             <a:endParaRPr lang="en-US" dirty="0"/>
           </a:p>
@@ -5192,7 +5197,7 @@
           <a:p>
             <a:fld id="{48A87A34-81AB-432B-8DAE-1953F412C126}" type="datetimeFigureOut">
               <a:rPr lang="en-US" dirty="0"/>
-              <a:t>8/1/2022</a:t>
+              <a:t>8/2/2022</a:t>
             </a:fld>
             <a:endParaRPr lang="en-US" dirty="0"/>
           </a:p>
@@ -6647,7 +6652,7 @@
           <a:p>
             <a:fld id="{48A87A34-81AB-432B-8DAE-1953F412C126}" type="datetimeFigureOut">
               <a:rPr lang="en-US" dirty="0"/>
-              <a:t>8/1/2022</a:t>
+              <a:t>8/2/2022</a:t>
             </a:fld>
             <a:endParaRPr lang="en-US" dirty="0"/>
           </a:p>
@@ -8155,7 +8160,7 @@
           <a:p>
             <a:fld id="{48A87A34-81AB-432B-8DAE-1953F412C126}" type="datetimeFigureOut">
               <a:rPr lang="en-US" dirty="0"/>
-              <a:t>8/1/2022</a:t>
+              <a:t>8/2/2022</a:t>
             </a:fld>
             <a:endParaRPr lang="en-US" dirty="0"/>
           </a:p>
@@ -9676,7 +9681,7 @@
           <a:p>
             <a:fld id="{48A87A34-81AB-432B-8DAE-1953F412C126}" type="datetimeFigureOut">
               <a:rPr lang="en-US" dirty="0"/>
-              <a:t>8/1/2022</a:t>
+              <a:t>8/2/2022</a:t>
             </a:fld>
             <a:endParaRPr lang="en-US" dirty="0"/>
           </a:p>
@@ -11341,7 +11346,7 @@
           <a:p>
             <a:fld id="{48A87A34-81AB-432B-8DAE-1953F412C126}" type="datetimeFigureOut">
               <a:rPr lang="en-US" dirty="0"/>
-              <a:t>8/1/2022</a:t>
+              <a:t>8/2/2022</a:t>
             </a:fld>
             <a:endParaRPr lang="en-US" dirty="0"/>
           </a:p>
@@ -12739,7 +12744,7 @@
           <a:p>
             <a:fld id="{48A87A34-81AB-432B-8DAE-1953F412C126}" type="datetimeFigureOut">
               <a:rPr lang="en-US" dirty="0"/>
-              <a:t>8/1/2022</a:t>
+              <a:t>8/2/2022</a:t>
             </a:fld>
             <a:endParaRPr lang="en-US" dirty="0"/>
           </a:p>
@@ -12839,7 +12844,7 @@
           <a:p>
             <a:fld id="{48A87A34-81AB-432B-8DAE-1953F412C126}" type="datetimeFigureOut">
               <a:rPr lang="en-US" dirty="0"/>
-              <a:t>8/1/2022</a:t>
+              <a:t>8/2/2022</a:t>
             </a:fld>
             <a:endParaRPr lang="en-US" dirty="0"/>
           </a:p>
@@ -14365,7 +14370,7 @@
           <a:p>
             <a:fld id="{48A87A34-81AB-432B-8DAE-1953F412C126}" type="datetimeFigureOut">
               <a:rPr lang="en-US" dirty="0"/>
-              <a:t>8/1/2022</a:t>
+              <a:t>8/2/2022</a:t>
             </a:fld>
             <a:endParaRPr lang="en-US" dirty="0"/>
           </a:p>
@@ -15901,7 +15906,7 @@
           <a:p>
             <a:fld id="{48A87A34-81AB-432B-8DAE-1953F412C126}" type="datetimeFigureOut">
               <a:rPr lang="en-US" dirty="0"/>
-              <a:t>8/1/2022</a:t>
+              <a:t>8/2/2022</a:t>
             </a:fld>
             <a:endParaRPr lang="en-US" dirty="0"/>
           </a:p>
@@ -16125,7 +16130,7 @@
             <a:fld id="{48A87A34-81AB-432B-8DAE-1953F412C126}" type="datetimeFigureOut">
               <a:rPr lang="en-US" dirty="0"/>
               <a:pPr/>
-              <a:t>8/1/2022</a:t>
+              <a:t>8/2/2022</a:t>
             </a:fld>
             <a:endParaRPr lang="en-US" dirty="0"/>
           </a:p>
@@ -16849,7 +16854,7 @@
         </p:blipFill>
         <p:spPr>
           <a:xfrm>
-            <a:off x="0" y="0"/>
+            <a:off x="0" y="1"/>
             <a:ext cx="12791071" cy="6857999"/>
           </a:xfrm>
           <a:prstGeom prst="rect">
@@ -16923,8 +16928,8 @@
         </p:nvSpPr>
         <p:spPr>
           <a:xfrm>
-            <a:off x="7874000" y="2286001"/>
-            <a:ext cx="4540250" cy="529166"/>
+            <a:off x="7926916" y="2497667"/>
+            <a:ext cx="4540250" cy="1651002"/>
           </a:xfrm>
           <a:prstGeom prst="rect">
             <a:avLst/>
@@ -17190,7 +17195,17 @@
           <a:p>
             <a:r>
               <a:rPr lang="ko" altLang="en-US"/>
-              <a:t>빈 데이터 채우기</a:t>
+              <a:t>빈 데이터 </a:t>
+            </a:r>
+            <a:br>
+              <a:rPr lang="en-US" altLang="ko"/>
+            </a:br>
+            <a:br>
+              <a:rPr lang="en-US" altLang="ko"/>
+            </a:br>
+            <a:r>
+              <a:rPr lang="ko" altLang="en-US"/>
+              <a:t>채우기</a:t>
             </a:r>
             <a:endParaRPr lang="ko-KR" altLang="en-US"/>
           </a:p>
@@ -17587,6 +17602,444 @@
           <a:chExt cx="0" cy="0"/>
         </a:xfrm>
       </p:grpSpPr>
+      <p:pic>
+        <p:nvPicPr>
+          <p:cNvPr id="5" name="그림 32">
+            <a:extLst>
+              <a:ext uri="{FF2B5EF4-FFF2-40B4-BE49-F238E27FC236}">
+                <a16:creationId xmlns:a16="http://schemas.microsoft.com/office/drawing/2014/main" id="{6CAA3D18-9A4C-4387-9ADC-19EC869857C9}"/>
+              </a:ext>
+            </a:extLst>
+          </p:cNvPr>
+          <p:cNvPicPr>
+            <a:picLocks noChangeAspect="1"/>
+          </p:cNvPicPr>
+          <p:nvPr/>
+        </p:nvPicPr>
+        <p:blipFill>
+          <a:blip r:embed="rId2">
+            <a:extLst>
+              <a:ext uri="{28A0092B-C50C-407E-A947-70E740481C1C}">
+                <a14:useLocalDpi xmlns:a14="http://schemas.microsoft.com/office/drawing/2010/main" val="0"/>
+              </a:ext>
+            </a:extLst>
+          </a:blip>
+          <a:stretch>
+            <a:fillRect/>
+          </a:stretch>
+        </p:blipFill>
+        <p:spPr>
+          <a:xfrm>
+            <a:off x="-527044" y="0"/>
+            <a:ext cx="12697878" cy="6860516"/>
+          </a:xfrm>
+          <a:prstGeom prst="rect">
+            <a:avLst/>
+          </a:prstGeom>
+        </p:spPr>
+      </p:pic>
+      <p:sp>
+        <p:nvSpPr>
+          <p:cNvPr id="7" name="직사각형 6">
+            <a:extLst>
+              <a:ext uri="{FF2B5EF4-FFF2-40B4-BE49-F238E27FC236}">
+                <a16:creationId xmlns:a16="http://schemas.microsoft.com/office/drawing/2014/main" id="{1DA6A52E-55C4-429D-B460-B3AF2E69B8AD}"/>
+              </a:ext>
+            </a:extLst>
+          </p:cNvPr>
+          <p:cNvSpPr/>
+          <p:nvPr/>
+        </p:nvSpPr>
+        <p:spPr>
+          <a:xfrm>
+            <a:off x="5964767" y="427037"/>
+            <a:ext cx="6375399" cy="599546"/>
+          </a:xfrm>
+          <a:prstGeom prst="rect">
+            <a:avLst/>
+          </a:prstGeom>
+          <a:noFill/>
+          <a:ln>
+            <a:solidFill>
+              <a:schemeClr val="accent5"/>
+            </a:solidFill>
+          </a:ln>
+        </p:spPr>
+        <p:style>
+          <a:lnRef idx="2">
+            <a:schemeClr val="accent1">
+              <a:shade val="50000"/>
+            </a:schemeClr>
+          </a:lnRef>
+          <a:fillRef idx="1">
+            <a:schemeClr val="accent1"/>
+          </a:fillRef>
+          <a:effectRef idx="0">
+            <a:schemeClr val="accent1"/>
+          </a:effectRef>
+          <a:fontRef idx="minor">
+            <a:schemeClr val="lt1"/>
+          </a:fontRef>
+        </p:style>
+        <p:txBody>
+          <a:bodyPr rtlCol="0" anchor="ctr"/>
+          <a:lstStyle/>
+          <a:p>
+            <a:pPr algn="ctr"/>
+            <a:endParaRPr lang="ko-KR" altLang="en-US"/>
+          </a:p>
+        </p:txBody>
+      </p:sp>
+      <p:sp>
+        <p:nvSpPr>
+          <p:cNvPr id="9" name="직사각형 8">
+            <a:extLst>
+              <a:ext uri="{FF2B5EF4-FFF2-40B4-BE49-F238E27FC236}">
+                <a16:creationId xmlns:a16="http://schemas.microsoft.com/office/drawing/2014/main" id="{5E5FE543-B7C4-4A13-B110-9680C1CF9250}"/>
+              </a:ext>
+            </a:extLst>
+          </p:cNvPr>
+          <p:cNvSpPr/>
+          <p:nvPr/>
+        </p:nvSpPr>
+        <p:spPr>
+          <a:xfrm>
+            <a:off x="5869518" y="1453620"/>
+            <a:ext cx="6375399" cy="599546"/>
+          </a:xfrm>
+          <a:prstGeom prst="rect">
+            <a:avLst/>
+          </a:prstGeom>
+          <a:noFill/>
+          <a:ln>
+            <a:solidFill>
+              <a:schemeClr val="accent5"/>
+            </a:solidFill>
+          </a:ln>
+        </p:spPr>
+        <p:style>
+          <a:lnRef idx="2">
+            <a:schemeClr val="accent1">
+              <a:shade val="50000"/>
+            </a:schemeClr>
+          </a:lnRef>
+          <a:fillRef idx="1">
+            <a:schemeClr val="accent1"/>
+          </a:fillRef>
+          <a:effectRef idx="0">
+            <a:schemeClr val="accent1"/>
+          </a:effectRef>
+          <a:fontRef idx="minor">
+            <a:schemeClr val="lt1"/>
+          </a:fontRef>
+        </p:style>
+        <p:txBody>
+          <a:bodyPr rtlCol="0" anchor="ctr"/>
+          <a:lstStyle/>
+          <a:p>
+            <a:pPr algn="ctr"/>
+            <a:endParaRPr lang="ko-KR" altLang="en-US"/>
+          </a:p>
+        </p:txBody>
+      </p:sp>
+      <p:sp>
+        <p:nvSpPr>
+          <p:cNvPr id="11" name="직사각형 10">
+            <a:extLst>
+              <a:ext uri="{FF2B5EF4-FFF2-40B4-BE49-F238E27FC236}">
+                <a16:creationId xmlns:a16="http://schemas.microsoft.com/office/drawing/2014/main" id="{25322CCE-1386-4E1C-81C1-BED79ED6B790}"/>
+              </a:ext>
+            </a:extLst>
+          </p:cNvPr>
+          <p:cNvSpPr/>
+          <p:nvPr/>
+        </p:nvSpPr>
+        <p:spPr>
+          <a:xfrm>
+            <a:off x="5880101" y="733953"/>
+            <a:ext cx="6375399" cy="1022880"/>
+          </a:xfrm>
+          <a:prstGeom prst="rect">
+            <a:avLst/>
+          </a:prstGeom>
+          <a:noFill/>
+          <a:ln>
+            <a:solidFill>
+              <a:srgbClr val="FF0000"/>
+            </a:solidFill>
+          </a:ln>
+        </p:spPr>
+        <p:style>
+          <a:lnRef idx="2">
+            <a:schemeClr val="accent1">
+              <a:shade val="50000"/>
+            </a:schemeClr>
+          </a:lnRef>
+          <a:fillRef idx="1">
+            <a:schemeClr val="accent1"/>
+          </a:fillRef>
+          <a:effectRef idx="0">
+            <a:schemeClr val="accent1"/>
+          </a:effectRef>
+          <a:fontRef idx="minor">
+            <a:schemeClr val="lt1"/>
+          </a:fontRef>
+        </p:style>
+        <p:txBody>
+          <a:bodyPr rtlCol="0" anchor="ctr"/>
+          <a:lstStyle/>
+          <a:p>
+            <a:pPr algn="ctr"/>
+            <a:endParaRPr lang="ko-KR" altLang="en-US"/>
+          </a:p>
+        </p:txBody>
+      </p:sp>
+    </p:spTree>
+    <p:extLst>
+      <p:ext uri="{BB962C8B-B14F-4D97-AF65-F5344CB8AC3E}">
+        <p14:creationId xmlns:p14="http://schemas.microsoft.com/office/powerpoint/2010/main" val="2629839422"/>
+      </p:ext>
+    </p:extLst>
+  </p:cSld>
+  <p:clrMapOvr>
+    <a:masterClrMapping/>
+  </p:clrMapOvr>
+  <p:timing>
+    <p:tnLst>
+      <p:par>
+        <p:cTn id="1" dur="indefinite" restart="never" nodeType="tmRoot">
+          <p:childTnLst>
+            <p:seq concurrent="1" nextAc="seek">
+              <p:cTn id="2" dur="indefinite" nodeType="mainSeq">
+                <p:childTnLst>
+                  <p:par>
+                    <p:cTn id="3" fill="hold">
+                      <p:stCondLst>
+                        <p:cond delay="indefinite"/>
+                      </p:stCondLst>
+                      <p:childTnLst>
+                        <p:par>
+                          <p:cTn id="4" fill="hold">
+                            <p:stCondLst>
+                              <p:cond delay="0"/>
+                            </p:stCondLst>
+                            <p:childTnLst>
+                              <p:par>
+                                <p:cTn id="5" presetID="1" presetClass="entr" presetSubtype="0" fill="hold" grpId="0" nodeType="clickEffect">
+                                  <p:stCondLst>
+                                    <p:cond delay="0"/>
+                                  </p:stCondLst>
+                                  <p:childTnLst>
+                                    <p:set>
+                                      <p:cBhvr>
+                                        <p:cTn id="6" dur="1" fill="hold">
+                                          <p:stCondLst>
+                                            <p:cond delay="0"/>
+                                          </p:stCondLst>
+                                        </p:cTn>
+                                        <p:tgtEl>
+                                          <p:spTgt spid="7"/>
+                                        </p:tgtEl>
+                                        <p:attrNameLst>
+                                          <p:attrName>style.visibility</p:attrName>
+                                        </p:attrNameLst>
+                                      </p:cBhvr>
+                                      <p:to>
+                                        <p:strVal val="visible"/>
+                                      </p:to>
+                                    </p:set>
+                                  </p:childTnLst>
+                                </p:cTn>
+                              </p:par>
+                            </p:childTnLst>
+                          </p:cTn>
+                        </p:par>
+                      </p:childTnLst>
+                    </p:cTn>
+                  </p:par>
+                  <p:par>
+                    <p:cTn id="7" fill="hold">
+                      <p:stCondLst>
+                        <p:cond delay="indefinite"/>
+                      </p:stCondLst>
+                      <p:childTnLst>
+                        <p:par>
+                          <p:cTn id="8" fill="hold">
+                            <p:stCondLst>
+                              <p:cond delay="0"/>
+                            </p:stCondLst>
+                            <p:childTnLst>
+                              <p:par>
+                                <p:cTn id="9" presetID="1" presetClass="entr" presetSubtype="0" fill="hold" grpId="0" nodeType="clickEffect">
+                                  <p:stCondLst>
+                                    <p:cond delay="0"/>
+                                  </p:stCondLst>
+                                  <p:childTnLst>
+                                    <p:set>
+                                      <p:cBhvr>
+                                        <p:cTn id="10" dur="1" fill="hold">
+                                          <p:stCondLst>
+                                            <p:cond delay="0"/>
+                                          </p:stCondLst>
+                                        </p:cTn>
+                                        <p:tgtEl>
+                                          <p:spTgt spid="9"/>
+                                        </p:tgtEl>
+                                        <p:attrNameLst>
+                                          <p:attrName>style.visibility</p:attrName>
+                                        </p:attrNameLst>
+                                      </p:cBhvr>
+                                      <p:to>
+                                        <p:strVal val="visible"/>
+                                      </p:to>
+                                    </p:set>
+                                  </p:childTnLst>
+                                </p:cTn>
+                              </p:par>
+                            </p:childTnLst>
+                          </p:cTn>
+                        </p:par>
+                      </p:childTnLst>
+                    </p:cTn>
+                  </p:par>
+                  <p:par>
+                    <p:cTn id="11" fill="hold">
+                      <p:stCondLst>
+                        <p:cond delay="indefinite"/>
+                      </p:stCondLst>
+                      <p:childTnLst>
+                        <p:par>
+                          <p:cTn id="12" fill="hold">
+                            <p:stCondLst>
+                              <p:cond delay="0"/>
+                            </p:stCondLst>
+                            <p:childTnLst>
+                              <p:par>
+                                <p:cTn id="13" presetID="1" presetClass="exit" presetSubtype="0" fill="hold" grpId="1" nodeType="clickEffect">
+                                  <p:stCondLst>
+                                    <p:cond delay="0"/>
+                                  </p:stCondLst>
+                                  <p:childTnLst>
+                                    <p:set>
+                                      <p:cBhvr>
+                                        <p:cTn id="14" dur="1" fill="hold">
+                                          <p:stCondLst>
+                                            <p:cond delay="0"/>
+                                          </p:stCondLst>
+                                        </p:cTn>
+                                        <p:tgtEl>
+                                          <p:spTgt spid="7"/>
+                                        </p:tgtEl>
+                                        <p:attrNameLst>
+                                          <p:attrName>style.visibility</p:attrName>
+                                        </p:attrNameLst>
+                                      </p:cBhvr>
+                                      <p:to>
+                                        <p:strVal val="hidden"/>
+                                      </p:to>
+                                    </p:set>
+                                  </p:childTnLst>
+                                </p:cTn>
+                              </p:par>
+                            </p:childTnLst>
+                          </p:cTn>
+                        </p:par>
+                      </p:childTnLst>
+                    </p:cTn>
+                  </p:par>
+                  <p:par>
+                    <p:cTn id="15" fill="hold">
+                      <p:stCondLst>
+                        <p:cond delay="indefinite"/>
+                      </p:stCondLst>
+                      <p:childTnLst>
+                        <p:par>
+                          <p:cTn id="16" fill="hold">
+                            <p:stCondLst>
+                              <p:cond delay="0"/>
+                            </p:stCondLst>
+                            <p:childTnLst>
+                              <p:par>
+                                <p:cTn id="17" presetID="1" presetClass="exit" presetSubtype="0" fill="hold" grpId="1" nodeType="clickEffect">
+                                  <p:stCondLst>
+                                    <p:cond delay="0"/>
+                                  </p:stCondLst>
+                                  <p:childTnLst>
+                                    <p:set>
+                                      <p:cBhvr>
+                                        <p:cTn id="18" dur="1" fill="hold">
+                                          <p:stCondLst>
+                                            <p:cond delay="0"/>
+                                          </p:stCondLst>
+                                        </p:cTn>
+                                        <p:tgtEl>
+                                          <p:spTgt spid="9"/>
+                                        </p:tgtEl>
+                                        <p:attrNameLst>
+                                          <p:attrName>style.visibility</p:attrName>
+                                        </p:attrNameLst>
+                                      </p:cBhvr>
+                                      <p:to>
+                                        <p:strVal val="hidden"/>
+                                      </p:to>
+                                    </p:set>
+                                  </p:childTnLst>
+                                </p:cTn>
+                              </p:par>
+                            </p:childTnLst>
+                          </p:cTn>
+                        </p:par>
+                      </p:childTnLst>
+                    </p:cTn>
+                  </p:par>
+                </p:childTnLst>
+              </p:cTn>
+              <p:prevCondLst>
+                <p:cond evt="onPrev" delay="0">
+                  <p:tgtEl>
+                    <p:sldTgt/>
+                  </p:tgtEl>
+                </p:cond>
+              </p:prevCondLst>
+              <p:nextCondLst>
+                <p:cond evt="onNext" delay="0">
+                  <p:tgtEl>
+                    <p:sldTgt/>
+                  </p:tgtEl>
+                </p:cond>
+              </p:nextCondLst>
+            </p:seq>
+          </p:childTnLst>
+        </p:cTn>
+      </p:par>
+    </p:tnLst>
+    <p:bldLst>
+      <p:bldP spid="7" grpId="0" animBg="1"/>
+      <p:bldP spid="7" grpId="1" animBg="1"/>
+      <p:bldP spid="9" grpId="0" animBg="1"/>
+      <p:bldP spid="9" grpId="1" animBg="1"/>
+    </p:bldLst>
+  </p:timing>
+</p:sld>
+</file>
+
+<file path=ppt/slides/slide15.xml><?xml version="1.0" encoding="utf-8"?>
+<p:sld xmlns:a="http://schemas.openxmlformats.org/drawingml/2006/main" xmlns:r="http://schemas.openxmlformats.org/officeDocument/2006/relationships" xmlns:p="http://schemas.openxmlformats.org/presentationml/2006/main">
+  <p:cSld>
+    <p:spTree>
+      <p:nvGrpSpPr>
+        <p:cNvPr id="1" name=""/>
+        <p:cNvGrpSpPr/>
+        <p:nvPr/>
+      </p:nvGrpSpPr>
+      <p:grpSpPr>
+        <a:xfrm>
+          <a:off x="0" y="0"/>
+          <a:ext cx="0" cy="0"/>
+          <a:chOff x="0" y="0"/>
+          <a:chExt cx="0" cy="0"/>
+        </a:xfrm>
+      </p:grpSpPr>
       <p:sp>
         <p:nvSpPr>
           <p:cNvPr id="2" name="제목 1">
@@ -17763,7 +18216,7 @@
 </p:sld>
 </file>
 
-<file path=ppt/slides/slide15.xml><?xml version="1.0" encoding="utf-8"?>
+<file path=ppt/slides/slide16.xml><?xml version="1.0" encoding="utf-8"?>
 <p:sld xmlns:a="http://schemas.openxmlformats.org/drawingml/2006/main" xmlns:r="http://schemas.openxmlformats.org/officeDocument/2006/relationships" xmlns:p="http://schemas.openxmlformats.org/presentationml/2006/main">
   <p:cSld>
     <p:spTree>
@@ -17867,7 +18320,7 @@
 </p:sld>
 </file>
 
-<file path=ppt/slides/slide16.xml><?xml version="1.0" encoding="utf-8"?>
+<file path=ppt/slides/slide17.xml><?xml version="1.0" encoding="utf-8"?>
 <p:sld xmlns:a="http://schemas.openxmlformats.org/drawingml/2006/main" xmlns:r="http://schemas.openxmlformats.org/officeDocument/2006/relationships" xmlns:p="http://schemas.openxmlformats.org/presentationml/2006/main">
   <p:cSld>
     <p:spTree>
@@ -17983,7 +18436,589 @@
 </p:sld>
 </file>
 
-<file path=ppt/slides/slide17.xml><?xml version="1.0" encoding="utf-8"?>
+<file path=ppt/slides/slide18.xml><?xml version="1.0" encoding="utf-8"?>
+<p:sld xmlns:a="http://schemas.openxmlformats.org/drawingml/2006/main" xmlns:r="http://schemas.openxmlformats.org/officeDocument/2006/relationships" xmlns:p="http://schemas.openxmlformats.org/presentationml/2006/main">
+  <p:cSld>
+    <p:spTree>
+      <p:nvGrpSpPr>
+        <p:cNvPr id="1" name=""/>
+        <p:cNvGrpSpPr/>
+        <p:nvPr/>
+      </p:nvGrpSpPr>
+      <p:grpSpPr>
+        <a:xfrm>
+          <a:off x="0" y="0"/>
+          <a:ext cx="0" cy="0"/>
+          <a:chOff x="0" y="0"/>
+          <a:chExt cx="0" cy="0"/>
+        </a:xfrm>
+      </p:grpSpPr>
+      <p:pic>
+        <p:nvPicPr>
+          <p:cNvPr id="5" name="그림 10">
+            <a:extLst>
+              <a:ext uri="{FF2B5EF4-FFF2-40B4-BE49-F238E27FC236}">
+                <a16:creationId xmlns:a16="http://schemas.microsoft.com/office/drawing/2014/main" id="{8C47F396-7449-4B94-8A12-622E4185DA56}"/>
+              </a:ext>
+            </a:extLst>
+          </p:cNvPr>
+          <p:cNvPicPr>
+            <a:picLocks noChangeAspect="1"/>
+          </p:cNvPicPr>
+          <p:nvPr/>
+        </p:nvPicPr>
+        <p:blipFill>
+          <a:blip r:embed="rId2">
+            <a:extLst>
+              <a:ext uri="{28A0092B-C50C-407E-A947-70E740481C1C}">
+                <a14:useLocalDpi xmlns:a14="http://schemas.microsoft.com/office/drawing/2010/main" val="0"/>
+              </a:ext>
+            </a:extLst>
+          </a:blip>
+          <a:stretch>
+            <a:fillRect/>
+          </a:stretch>
+        </p:blipFill>
+        <p:spPr>
+          <a:xfrm>
+            <a:off x="0" y="0"/>
+            <a:ext cx="12791071" cy="6857999"/>
+          </a:xfrm>
+          <a:prstGeom prst="rect">
+            <a:avLst/>
+          </a:prstGeom>
+        </p:spPr>
+      </p:pic>
+      <p:sp>
+        <p:nvSpPr>
+          <p:cNvPr id="7" name="직사각형 6">
+            <a:extLst>
+              <a:ext uri="{FF2B5EF4-FFF2-40B4-BE49-F238E27FC236}">
+                <a16:creationId xmlns:a16="http://schemas.microsoft.com/office/drawing/2014/main" id="{D80C25BC-4D9B-46C7-A65D-5B30617AF85D}"/>
+              </a:ext>
+            </a:extLst>
+          </p:cNvPr>
+          <p:cNvSpPr/>
+          <p:nvPr/>
+        </p:nvSpPr>
+        <p:spPr>
+          <a:xfrm>
+            <a:off x="1773767" y="0"/>
+            <a:ext cx="2226733" cy="3905250"/>
+          </a:xfrm>
+          <a:prstGeom prst="rect">
+            <a:avLst/>
+          </a:prstGeom>
+          <a:noFill/>
+          <a:ln>
+            <a:solidFill>
+              <a:schemeClr val="accent5"/>
+            </a:solidFill>
+          </a:ln>
+        </p:spPr>
+        <p:style>
+          <a:lnRef idx="2">
+            <a:schemeClr val="accent1">
+              <a:shade val="50000"/>
+            </a:schemeClr>
+          </a:lnRef>
+          <a:fillRef idx="1">
+            <a:schemeClr val="accent1"/>
+          </a:fillRef>
+          <a:effectRef idx="0">
+            <a:schemeClr val="accent1"/>
+          </a:effectRef>
+          <a:fontRef idx="minor">
+            <a:schemeClr val="lt1"/>
+          </a:fontRef>
+        </p:style>
+        <p:txBody>
+          <a:bodyPr rtlCol="0" anchor="ctr"/>
+          <a:lstStyle/>
+          <a:p>
+            <a:pPr algn="ctr"/>
+            <a:endParaRPr lang="ko-KR" altLang="en-US"/>
+          </a:p>
+        </p:txBody>
+      </p:sp>
+      <p:sp>
+        <p:nvSpPr>
+          <p:cNvPr id="9" name="직사각형 8">
+            <a:extLst>
+              <a:ext uri="{FF2B5EF4-FFF2-40B4-BE49-F238E27FC236}">
+                <a16:creationId xmlns:a16="http://schemas.microsoft.com/office/drawing/2014/main" id="{6EBE9A7D-1169-4540-9E22-B705D53D77DD}"/>
+              </a:ext>
+            </a:extLst>
+          </p:cNvPr>
+          <p:cNvSpPr/>
+          <p:nvPr/>
+        </p:nvSpPr>
+        <p:spPr>
+          <a:xfrm>
+            <a:off x="3689351" y="-1"/>
+            <a:ext cx="1485899" cy="3905249"/>
+          </a:xfrm>
+          <a:prstGeom prst="rect">
+            <a:avLst/>
+          </a:prstGeom>
+          <a:noFill/>
+          <a:ln>
+            <a:solidFill>
+              <a:srgbClr val="FF0000"/>
+            </a:solidFill>
+          </a:ln>
+        </p:spPr>
+        <p:style>
+          <a:lnRef idx="2">
+            <a:schemeClr val="accent1">
+              <a:shade val="50000"/>
+            </a:schemeClr>
+          </a:lnRef>
+          <a:fillRef idx="1">
+            <a:schemeClr val="accent1"/>
+          </a:fillRef>
+          <a:effectRef idx="0">
+            <a:schemeClr val="accent1"/>
+          </a:effectRef>
+          <a:fontRef idx="minor">
+            <a:schemeClr val="lt1"/>
+          </a:fontRef>
+        </p:style>
+        <p:txBody>
+          <a:bodyPr rtlCol="0" anchor="ctr"/>
+          <a:lstStyle/>
+          <a:p>
+            <a:pPr algn="ctr"/>
+            <a:endParaRPr lang="ko-KR" altLang="en-US"/>
+          </a:p>
+        </p:txBody>
+      </p:sp>
+      <p:sp>
+        <p:nvSpPr>
+          <p:cNvPr id="11" name="직사각형 10">
+            <a:extLst>
+              <a:ext uri="{FF2B5EF4-FFF2-40B4-BE49-F238E27FC236}">
+                <a16:creationId xmlns:a16="http://schemas.microsoft.com/office/drawing/2014/main" id="{9B5BB987-EA55-4464-9F5A-ADE4B7152B5B}"/>
+              </a:ext>
+            </a:extLst>
+          </p:cNvPr>
+          <p:cNvSpPr/>
+          <p:nvPr/>
+        </p:nvSpPr>
+        <p:spPr>
+          <a:xfrm>
+            <a:off x="1820333" y="3687234"/>
+            <a:ext cx="2180167" cy="2250016"/>
+          </a:xfrm>
+          <a:prstGeom prst="rect">
+            <a:avLst/>
+          </a:prstGeom>
+          <a:noFill/>
+          <a:ln>
+            <a:solidFill>
+              <a:schemeClr val="accent5"/>
+            </a:solidFill>
+          </a:ln>
+        </p:spPr>
+        <p:style>
+          <a:lnRef idx="2">
+            <a:schemeClr val="accent1">
+              <a:shade val="50000"/>
+            </a:schemeClr>
+          </a:lnRef>
+          <a:fillRef idx="1">
+            <a:schemeClr val="accent1"/>
+          </a:fillRef>
+          <a:effectRef idx="0">
+            <a:schemeClr val="accent1"/>
+          </a:effectRef>
+          <a:fontRef idx="minor">
+            <a:schemeClr val="lt1"/>
+          </a:fontRef>
+        </p:style>
+        <p:txBody>
+          <a:bodyPr rtlCol="0" anchor="ctr"/>
+          <a:lstStyle/>
+          <a:p>
+            <a:pPr algn="ctr"/>
+            <a:endParaRPr lang="ko-KR" altLang="en-US"/>
+          </a:p>
+        </p:txBody>
+      </p:sp>
+      <p:sp>
+        <p:nvSpPr>
+          <p:cNvPr id="13" name="직사각형 12">
+            <a:extLst>
+              <a:ext uri="{FF2B5EF4-FFF2-40B4-BE49-F238E27FC236}">
+                <a16:creationId xmlns:a16="http://schemas.microsoft.com/office/drawing/2014/main" id="{290F476E-FBAB-4866-A30E-09AB891D50C4}"/>
+              </a:ext>
+            </a:extLst>
+          </p:cNvPr>
+          <p:cNvSpPr/>
+          <p:nvPr/>
+        </p:nvSpPr>
+        <p:spPr>
+          <a:xfrm>
+            <a:off x="3689351" y="3687235"/>
+            <a:ext cx="1485899" cy="2250016"/>
+          </a:xfrm>
+          <a:prstGeom prst="rect">
+            <a:avLst/>
+          </a:prstGeom>
+          <a:noFill/>
+          <a:ln>
+            <a:solidFill>
+              <a:srgbClr val="FF0000"/>
+            </a:solidFill>
+          </a:ln>
+        </p:spPr>
+        <p:style>
+          <a:lnRef idx="2">
+            <a:schemeClr val="accent1">
+              <a:shade val="50000"/>
+            </a:schemeClr>
+          </a:lnRef>
+          <a:fillRef idx="1">
+            <a:schemeClr val="accent1"/>
+          </a:fillRef>
+          <a:effectRef idx="0">
+            <a:schemeClr val="accent1"/>
+          </a:effectRef>
+          <a:fontRef idx="minor">
+            <a:schemeClr val="lt1"/>
+          </a:fontRef>
+        </p:style>
+        <p:txBody>
+          <a:bodyPr rtlCol="0" anchor="ctr"/>
+          <a:lstStyle/>
+          <a:p>
+            <a:pPr algn="ctr"/>
+            <a:endParaRPr lang="ko-KR" altLang="en-US"/>
+          </a:p>
+        </p:txBody>
+      </p:sp>
+    </p:spTree>
+    <p:extLst>
+      <p:ext uri="{BB962C8B-B14F-4D97-AF65-F5344CB8AC3E}">
+        <p14:creationId xmlns:p14="http://schemas.microsoft.com/office/powerpoint/2010/main" val="2376587172"/>
+      </p:ext>
+    </p:extLst>
+  </p:cSld>
+  <p:clrMapOvr>
+    <a:masterClrMapping/>
+  </p:clrMapOvr>
+  <p:timing>
+    <p:tnLst>
+      <p:par>
+        <p:cTn id="1" dur="indefinite" restart="never" nodeType="tmRoot">
+          <p:childTnLst>
+            <p:seq concurrent="1" nextAc="seek">
+              <p:cTn id="2" dur="indefinite" nodeType="mainSeq">
+                <p:childTnLst>
+                  <p:par>
+                    <p:cTn id="3" fill="hold">
+                      <p:stCondLst>
+                        <p:cond delay="indefinite"/>
+                      </p:stCondLst>
+                      <p:childTnLst>
+                        <p:par>
+                          <p:cTn id="4" fill="hold">
+                            <p:stCondLst>
+                              <p:cond delay="0"/>
+                            </p:stCondLst>
+                            <p:childTnLst>
+                              <p:par>
+                                <p:cTn id="5" presetID="1" presetClass="exit" presetSubtype="0" fill="hold" grpId="0" nodeType="clickEffect">
+                                  <p:stCondLst>
+                                    <p:cond delay="0"/>
+                                  </p:stCondLst>
+                                  <p:childTnLst>
+                                    <p:set>
+                                      <p:cBhvr>
+                                        <p:cTn id="6" dur="1" fill="hold">
+                                          <p:stCondLst>
+                                            <p:cond delay="0"/>
+                                          </p:stCondLst>
+                                        </p:cTn>
+                                        <p:tgtEl>
+                                          <p:spTgt spid="7"/>
+                                        </p:tgtEl>
+                                        <p:attrNameLst>
+                                          <p:attrName>style.visibility</p:attrName>
+                                        </p:attrNameLst>
+                                      </p:cBhvr>
+                                      <p:to>
+                                        <p:strVal val="hidden"/>
+                                      </p:to>
+                                    </p:set>
+                                  </p:childTnLst>
+                                </p:cTn>
+                              </p:par>
+                            </p:childTnLst>
+                          </p:cTn>
+                        </p:par>
+                      </p:childTnLst>
+                    </p:cTn>
+                  </p:par>
+                  <p:par>
+                    <p:cTn id="7" fill="hold">
+                      <p:stCondLst>
+                        <p:cond delay="indefinite"/>
+                      </p:stCondLst>
+                      <p:childTnLst>
+                        <p:par>
+                          <p:cTn id="8" fill="hold">
+                            <p:stCondLst>
+                              <p:cond delay="0"/>
+                            </p:stCondLst>
+                            <p:childTnLst>
+                              <p:par>
+                                <p:cTn id="9" presetID="1" presetClass="entr" presetSubtype="0" fill="hold" grpId="0" nodeType="clickEffect">
+                                  <p:stCondLst>
+                                    <p:cond delay="0"/>
+                                  </p:stCondLst>
+                                  <p:childTnLst>
+                                    <p:set>
+                                      <p:cBhvr>
+                                        <p:cTn id="10" dur="1" fill="hold">
+                                          <p:stCondLst>
+                                            <p:cond delay="0"/>
+                                          </p:stCondLst>
+                                        </p:cTn>
+                                        <p:tgtEl>
+                                          <p:spTgt spid="9"/>
+                                        </p:tgtEl>
+                                        <p:attrNameLst>
+                                          <p:attrName>style.visibility</p:attrName>
+                                        </p:attrNameLst>
+                                      </p:cBhvr>
+                                      <p:to>
+                                        <p:strVal val="visible"/>
+                                      </p:to>
+                                    </p:set>
+                                  </p:childTnLst>
+                                </p:cTn>
+                              </p:par>
+                            </p:childTnLst>
+                          </p:cTn>
+                        </p:par>
+                      </p:childTnLst>
+                    </p:cTn>
+                  </p:par>
+                  <p:par>
+                    <p:cTn id="11" fill="hold">
+                      <p:stCondLst>
+                        <p:cond delay="indefinite"/>
+                      </p:stCondLst>
+                      <p:childTnLst>
+                        <p:par>
+                          <p:cTn id="12" fill="hold">
+                            <p:stCondLst>
+                              <p:cond delay="0"/>
+                            </p:stCondLst>
+                            <p:childTnLst>
+                              <p:par>
+                                <p:cTn id="13" presetID="1" presetClass="exit" presetSubtype="0" fill="hold" grpId="1" nodeType="clickEffect">
+                                  <p:stCondLst>
+                                    <p:cond delay="0"/>
+                                  </p:stCondLst>
+                                  <p:childTnLst>
+                                    <p:set>
+                                      <p:cBhvr>
+                                        <p:cTn id="14" dur="1" fill="hold">
+                                          <p:stCondLst>
+                                            <p:cond delay="0"/>
+                                          </p:stCondLst>
+                                        </p:cTn>
+                                        <p:tgtEl>
+                                          <p:spTgt spid="7"/>
+                                        </p:tgtEl>
+                                        <p:attrNameLst>
+                                          <p:attrName>style.visibility</p:attrName>
+                                        </p:attrNameLst>
+                                      </p:cBhvr>
+                                      <p:to>
+                                        <p:strVal val="hidden"/>
+                                      </p:to>
+                                    </p:set>
+                                  </p:childTnLst>
+                                </p:cTn>
+                              </p:par>
+                            </p:childTnLst>
+                          </p:cTn>
+                        </p:par>
+                      </p:childTnLst>
+                    </p:cTn>
+                  </p:par>
+                  <p:par>
+                    <p:cTn id="15" fill="hold">
+                      <p:stCondLst>
+                        <p:cond delay="indefinite"/>
+                      </p:stCondLst>
+                      <p:childTnLst>
+                        <p:par>
+                          <p:cTn id="16" fill="hold">
+                            <p:stCondLst>
+                              <p:cond delay="0"/>
+                            </p:stCondLst>
+                            <p:childTnLst>
+                              <p:par>
+                                <p:cTn id="17" presetID="1" presetClass="exit" presetSubtype="0" fill="hold" grpId="1" nodeType="clickEffect">
+                                  <p:stCondLst>
+                                    <p:cond delay="0"/>
+                                  </p:stCondLst>
+                                  <p:childTnLst>
+                                    <p:set>
+                                      <p:cBhvr>
+                                        <p:cTn id="18" dur="1" fill="hold">
+                                          <p:stCondLst>
+                                            <p:cond delay="0"/>
+                                          </p:stCondLst>
+                                        </p:cTn>
+                                        <p:tgtEl>
+                                          <p:spTgt spid="9"/>
+                                        </p:tgtEl>
+                                        <p:attrNameLst>
+                                          <p:attrName>style.visibility</p:attrName>
+                                        </p:attrNameLst>
+                                      </p:cBhvr>
+                                      <p:to>
+                                        <p:strVal val="hidden"/>
+                                      </p:to>
+                                    </p:set>
+                                  </p:childTnLst>
+                                </p:cTn>
+                              </p:par>
+                            </p:childTnLst>
+                          </p:cTn>
+                        </p:par>
+                      </p:childTnLst>
+                    </p:cTn>
+                  </p:par>
+                  <p:par>
+                    <p:cTn id="19" fill="hold">
+                      <p:stCondLst>
+                        <p:cond delay="indefinite"/>
+                      </p:stCondLst>
+                      <p:childTnLst>
+                        <p:par>
+                          <p:cTn id="20" fill="hold">
+                            <p:stCondLst>
+                              <p:cond delay="0"/>
+                            </p:stCondLst>
+                            <p:childTnLst>
+                              <p:par>
+                                <p:cTn id="21" presetID="1" presetClass="entr" presetSubtype="0" fill="hold" grpId="0" nodeType="clickEffect">
+                                  <p:stCondLst>
+                                    <p:cond delay="0"/>
+                                  </p:stCondLst>
+                                  <p:childTnLst>
+                                    <p:set>
+                                      <p:cBhvr>
+                                        <p:cTn id="22" dur="1" fill="hold">
+                                          <p:stCondLst>
+                                            <p:cond delay="0"/>
+                                          </p:stCondLst>
+                                        </p:cTn>
+                                        <p:tgtEl>
+                                          <p:spTgt spid="11"/>
+                                        </p:tgtEl>
+                                        <p:attrNameLst>
+                                          <p:attrName>style.visibility</p:attrName>
+                                        </p:attrNameLst>
+                                      </p:cBhvr>
+                                      <p:to>
+                                        <p:strVal val="visible"/>
+                                      </p:to>
+                                    </p:set>
+                                  </p:childTnLst>
+                                </p:cTn>
+                              </p:par>
+                            </p:childTnLst>
+                          </p:cTn>
+                        </p:par>
+                      </p:childTnLst>
+                    </p:cTn>
+                  </p:par>
+                  <p:par>
+                    <p:cTn id="23" fill="hold">
+                      <p:stCondLst>
+                        <p:cond delay="indefinite"/>
+                      </p:stCondLst>
+                      <p:childTnLst>
+                        <p:par>
+                          <p:cTn id="24" fill="hold">
+                            <p:stCondLst>
+                              <p:cond delay="0"/>
+                            </p:stCondLst>
+                            <p:childTnLst>
+                              <p:par>
+                                <p:cTn id="25" presetID="1" presetClass="entr" presetSubtype="0" fill="hold" grpId="0" nodeType="clickEffect">
+                                  <p:stCondLst>
+                                    <p:cond delay="0"/>
+                                  </p:stCondLst>
+                                  <p:childTnLst>
+                                    <p:set>
+                                      <p:cBhvr>
+                                        <p:cTn id="26" dur="1" fill="hold">
+                                          <p:stCondLst>
+                                            <p:cond delay="0"/>
+                                          </p:stCondLst>
+                                        </p:cTn>
+                                        <p:tgtEl>
+                                          <p:spTgt spid="13"/>
+                                        </p:tgtEl>
+                                        <p:attrNameLst>
+                                          <p:attrName>style.visibility</p:attrName>
+                                        </p:attrNameLst>
+                                      </p:cBhvr>
+                                      <p:to>
+                                        <p:strVal val="visible"/>
+                                      </p:to>
+                                    </p:set>
+                                  </p:childTnLst>
+                                </p:cTn>
+                              </p:par>
+                            </p:childTnLst>
+                          </p:cTn>
+                        </p:par>
+                      </p:childTnLst>
+                    </p:cTn>
+                  </p:par>
+                </p:childTnLst>
+              </p:cTn>
+              <p:prevCondLst>
+                <p:cond evt="onPrev" delay="0">
+                  <p:tgtEl>
+                    <p:sldTgt/>
+                  </p:tgtEl>
+                </p:cond>
+              </p:prevCondLst>
+              <p:nextCondLst>
+                <p:cond evt="onNext" delay="0">
+                  <p:tgtEl>
+                    <p:sldTgt/>
+                  </p:tgtEl>
+                </p:cond>
+              </p:nextCondLst>
+            </p:seq>
+          </p:childTnLst>
+        </p:cTn>
+      </p:par>
+    </p:tnLst>
+    <p:bldLst>
+      <p:bldP spid="7" grpId="0" animBg="1"/>
+      <p:bldP spid="7" grpId="1" animBg="1"/>
+      <p:bldP spid="9" grpId="0" animBg="1"/>
+      <p:bldP spid="9" grpId="1" animBg="1"/>
+      <p:bldP spid="11" grpId="0" animBg="1"/>
+      <p:bldP spid="13" grpId="0" animBg="1"/>
+    </p:bldLst>
+  </p:timing>
+</p:sld>
+</file>
+
+<file path=ppt/slides/slide19.xml><?xml version="1.0" encoding="utf-8"?>
 <p:sld xmlns:a="http://schemas.openxmlformats.org/drawingml/2006/main" xmlns:r="http://schemas.openxmlformats.org/officeDocument/2006/relationships" xmlns:p="http://schemas.openxmlformats.org/presentationml/2006/main">
   <p:cSld>
     <p:spTree>
@@ -18139,7 +19174,123 @@
 </p:sld>
 </file>
 
-<file path=ppt/slides/slide18.xml><?xml version="1.0" encoding="utf-8"?>
+<file path=ppt/slides/slide2.xml><?xml version="1.0" encoding="utf-8"?>
+<p:sld xmlns:a="http://schemas.openxmlformats.org/drawingml/2006/main" xmlns:r="http://schemas.openxmlformats.org/officeDocument/2006/relationships" xmlns:p="http://schemas.openxmlformats.org/presentationml/2006/main">
+  <p:cSld>
+    <p:spTree>
+      <p:nvGrpSpPr>
+        <p:cNvPr id="1" name=""/>
+        <p:cNvGrpSpPr/>
+        <p:nvPr/>
+      </p:nvGrpSpPr>
+      <p:grpSpPr>
+        <a:xfrm>
+          <a:off x="0" y="0"/>
+          <a:ext cx="0" cy="0"/>
+          <a:chOff x="0" y="0"/>
+          <a:chExt cx="0" cy="0"/>
+        </a:xfrm>
+      </p:grpSpPr>
+      <p:sp>
+        <p:nvSpPr>
+          <p:cNvPr id="2" name="제목 1">
+            <a:extLst>
+              <a:ext uri="{FF2B5EF4-FFF2-40B4-BE49-F238E27FC236}">
+                <a16:creationId xmlns:a16="http://schemas.microsoft.com/office/drawing/2014/main" id="{817EE748-0D85-404B-ADA8-27C321246DAF}"/>
+              </a:ext>
+            </a:extLst>
+          </p:cNvPr>
+          <p:cNvSpPr>
+            <a:spLocks noGrp="1"/>
+          </p:cNvSpPr>
+          <p:nvPr>
+            <p:ph type="title"/>
+          </p:nvPr>
+        </p:nvSpPr>
+        <p:spPr/>
+        <p:txBody>
+          <a:bodyPr/>
+          <a:lstStyle/>
+          <a:p>
+            <a:r>
+              <a:rPr lang="ko" altLang="en-US"/>
+              <a:t>절차</a:t>
+            </a:r>
+            <a:endParaRPr lang="ko-KR" altLang="en-US"/>
+          </a:p>
+        </p:txBody>
+      </p:sp>
+      <p:sp>
+        <p:nvSpPr>
+          <p:cNvPr id="3" name="내용 개체 틀 2">
+            <a:extLst>
+              <a:ext uri="{FF2B5EF4-FFF2-40B4-BE49-F238E27FC236}">
+                <a16:creationId xmlns:a16="http://schemas.microsoft.com/office/drawing/2014/main" id="{903AE8E8-08B6-434C-8AD4-5827D2137148}"/>
+              </a:ext>
+            </a:extLst>
+          </p:cNvPr>
+          <p:cNvSpPr>
+            <a:spLocks noGrp="1"/>
+          </p:cNvSpPr>
+          <p:nvPr>
+            <p:ph idx="1"/>
+          </p:nvPr>
+        </p:nvSpPr>
+        <p:spPr/>
+        <p:txBody>
+          <a:bodyPr/>
+          <a:lstStyle/>
+          <a:p>
+            <a:r>
+              <a:rPr lang="ko" altLang="en-US"/>
+              <a:t>데이터 수집</a:t>
+            </a:r>
+            <a:r>
+              <a:rPr lang="en-US" altLang="ko"/>
+              <a:t>,</a:t>
+            </a:r>
+            <a:r>
+              <a:rPr lang="ko" altLang="en-US"/>
+              <a:t> 목표값</a:t>
+            </a:r>
+            <a:endParaRPr lang="en-US" altLang="ko"/>
+          </a:p>
+          <a:p>
+            <a:endParaRPr lang="en-US" altLang="ko-KR"/>
+          </a:p>
+          <a:p>
+            <a:r>
+              <a:rPr lang="ko" altLang="en-US"/>
+              <a:t>빈 데이터 채우기</a:t>
+            </a:r>
+            <a:endParaRPr lang="en-US" altLang="ko"/>
+          </a:p>
+          <a:p>
+            <a:endParaRPr lang="en-US" altLang="ko-KR"/>
+          </a:p>
+          <a:p>
+            <a:r>
+              <a:rPr lang="ko" altLang="en-US"/>
+              <a:t>딥러닝 후 예측값</a:t>
+            </a:r>
+            <a:endParaRPr lang="en-US" altLang="ko-KR"/>
+          </a:p>
+        </p:txBody>
+      </p:sp>
+    </p:spTree>
+    <p:extLst>
+      <p:ext uri="{BB962C8B-B14F-4D97-AF65-F5344CB8AC3E}">
+        <p14:creationId xmlns:p14="http://schemas.microsoft.com/office/powerpoint/2010/main" val="1885636305"/>
+      </p:ext>
+    </p:extLst>
+  </p:cSld>
+  <p:clrMapOvr>
+    <a:masterClrMapping/>
+  </p:clrMapOvr>
+</p:sld>
+</file>
+
+<file path=ppt/slides/slide20.xml><?xml version="1.0" encoding="utf-8"?>
 <p:sld xmlns:a="http://schemas.openxmlformats.org/drawingml/2006/main" xmlns:r="http://schemas.openxmlformats.org/officeDocument/2006/relationships" xmlns:p="http://schemas.openxmlformats.org/presentationml/2006/main">
   <p:cSld>
     <p:spTree>
@@ -18531,7 +19682,7 @@
 </p:sld>
 </file>
 
-<file path=ppt/slides/slide19.xml><?xml version="1.0" encoding="utf-8"?>
+<file path=ppt/slides/slide21.xml><?xml version="1.0" encoding="utf-8"?>
 <p:sld xmlns:a="http://schemas.openxmlformats.org/drawingml/2006/main" xmlns:r="http://schemas.openxmlformats.org/officeDocument/2006/relationships" xmlns:p="http://schemas.openxmlformats.org/presentationml/2006/main">
   <p:cSld>
     <p:spTree>
@@ -18727,123 +19878,7 @@
 </p:sld>
 </file>
 
-<file path=ppt/slides/slide2.xml><?xml version="1.0" encoding="utf-8"?>
-<p:sld xmlns:a="http://schemas.openxmlformats.org/drawingml/2006/main" xmlns:r="http://schemas.openxmlformats.org/officeDocument/2006/relationships" xmlns:p="http://schemas.openxmlformats.org/presentationml/2006/main">
-  <p:cSld>
-    <p:spTree>
-      <p:nvGrpSpPr>
-        <p:cNvPr id="1" name=""/>
-        <p:cNvGrpSpPr/>
-        <p:nvPr/>
-      </p:nvGrpSpPr>
-      <p:grpSpPr>
-        <a:xfrm>
-          <a:off x="0" y="0"/>
-          <a:ext cx="0" cy="0"/>
-          <a:chOff x="0" y="0"/>
-          <a:chExt cx="0" cy="0"/>
-        </a:xfrm>
-      </p:grpSpPr>
-      <p:sp>
-        <p:nvSpPr>
-          <p:cNvPr id="2" name="제목 1">
-            <a:extLst>
-              <a:ext uri="{FF2B5EF4-FFF2-40B4-BE49-F238E27FC236}">
-                <a16:creationId xmlns:a16="http://schemas.microsoft.com/office/drawing/2014/main" id="{817EE748-0D85-404B-ADA8-27C321246DAF}"/>
-              </a:ext>
-            </a:extLst>
-          </p:cNvPr>
-          <p:cNvSpPr>
-            <a:spLocks noGrp="1"/>
-          </p:cNvSpPr>
-          <p:nvPr>
-            <p:ph type="title"/>
-          </p:nvPr>
-        </p:nvSpPr>
-        <p:spPr/>
-        <p:txBody>
-          <a:bodyPr/>
-          <a:lstStyle/>
-          <a:p>
-            <a:r>
-              <a:rPr lang="ko" altLang="en-US"/>
-              <a:t>절차</a:t>
-            </a:r>
-            <a:endParaRPr lang="ko-KR" altLang="en-US"/>
-          </a:p>
-        </p:txBody>
-      </p:sp>
-      <p:sp>
-        <p:nvSpPr>
-          <p:cNvPr id="3" name="내용 개체 틀 2">
-            <a:extLst>
-              <a:ext uri="{FF2B5EF4-FFF2-40B4-BE49-F238E27FC236}">
-                <a16:creationId xmlns:a16="http://schemas.microsoft.com/office/drawing/2014/main" id="{903AE8E8-08B6-434C-8AD4-5827D2137148}"/>
-              </a:ext>
-            </a:extLst>
-          </p:cNvPr>
-          <p:cNvSpPr>
-            <a:spLocks noGrp="1"/>
-          </p:cNvSpPr>
-          <p:nvPr>
-            <p:ph idx="1"/>
-          </p:nvPr>
-        </p:nvSpPr>
-        <p:spPr/>
-        <p:txBody>
-          <a:bodyPr/>
-          <a:lstStyle/>
-          <a:p>
-            <a:r>
-              <a:rPr lang="ko" altLang="en-US"/>
-              <a:t>데이터 수집</a:t>
-            </a:r>
-            <a:r>
-              <a:rPr lang="en-US" altLang="ko"/>
-              <a:t>,</a:t>
-            </a:r>
-            <a:r>
-              <a:rPr lang="ko" altLang="en-US"/>
-              <a:t> 목표값</a:t>
-            </a:r>
-            <a:endParaRPr lang="en-US" altLang="ko"/>
-          </a:p>
-          <a:p>
-            <a:endParaRPr lang="en-US" altLang="ko-KR"/>
-          </a:p>
-          <a:p>
-            <a:r>
-              <a:rPr lang="ko" altLang="en-US"/>
-              <a:t>빈 데이터 채우기</a:t>
-            </a:r>
-            <a:endParaRPr lang="en-US" altLang="ko"/>
-          </a:p>
-          <a:p>
-            <a:endParaRPr lang="en-US" altLang="ko-KR"/>
-          </a:p>
-          <a:p>
-            <a:r>
-              <a:rPr lang="ko" altLang="en-US"/>
-              <a:t>딥러닝 후 예측값</a:t>
-            </a:r>
-            <a:endParaRPr lang="en-US" altLang="ko-KR"/>
-          </a:p>
-        </p:txBody>
-      </p:sp>
-    </p:spTree>
-    <p:extLst>
-      <p:ext uri="{BB962C8B-B14F-4D97-AF65-F5344CB8AC3E}">
-        <p14:creationId xmlns:p14="http://schemas.microsoft.com/office/powerpoint/2010/main" val="1885636305"/>
-      </p:ext>
-    </p:extLst>
-  </p:cSld>
-  <p:clrMapOvr>
-    <a:masterClrMapping/>
-  </p:clrMapOvr>
-</p:sld>
-</file>
-
-<file path=ppt/slides/slide20.xml><?xml version="1.0" encoding="utf-8"?>
+<file path=ppt/slides/slide22.xml><?xml version="1.0" encoding="utf-8"?>
 <p:sld xmlns:a="http://schemas.openxmlformats.org/drawingml/2006/main" xmlns:r="http://schemas.openxmlformats.org/officeDocument/2006/relationships" xmlns:p="http://schemas.openxmlformats.org/presentationml/2006/main">
   <p:cSld>
     <p:spTree>
@@ -18910,7 +19945,7 @@
         </p:nvSpPr>
         <p:spPr>
           <a:xfrm>
-            <a:off x="105832" y="5381218"/>
+            <a:off x="148165" y="4058301"/>
             <a:ext cx="7571155" cy="1375833"/>
           </a:xfrm>
           <a:prstGeom prst="rect">
@@ -19235,7 +20270,1657 @@
 </p:sld>
 </file>
 
-<file path=ppt/slides/slide21.xml><?xml version="1.0" encoding="utf-8"?>
+<file path=ppt/slides/slide23.xml><?xml version="1.0" encoding="utf-8"?>
+<p:sld xmlns:a="http://schemas.openxmlformats.org/drawingml/2006/main" xmlns:r="http://schemas.openxmlformats.org/officeDocument/2006/relationships" xmlns:p="http://schemas.openxmlformats.org/presentationml/2006/main">
+  <p:cSld>
+    <p:spTree>
+      <p:nvGrpSpPr>
+        <p:cNvPr id="1" name=""/>
+        <p:cNvGrpSpPr/>
+        <p:nvPr/>
+      </p:nvGrpSpPr>
+      <p:grpSpPr>
+        <a:xfrm>
+          <a:off x="0" y="0"/>
+          <a:ext cx="0" cy="0"/>
+          <a:chOff x="0" y="0"/>
+          <a:chExt cx="0" cy="0"/>
+        </a:xfrm>
+      </p:grpSpPr>
+      <p:pic>
+        <p:nvPicPr>
+          <p:cNvPr id="3" name="그림 2">
+            <a:extLst>
+              <a:ext uri="{FF2B5EF4-FFF2-40B4-BE49-F238E27FC236}">
+                <a16:creationId xmlns:a16="http://schemas.microsoft.com/office/drawing/2014/main" id="{CDCA95A5-ADCD-4AA9-9160-E976AFA02AB8}"/>
+              </a:ext>
+            </a:extLst>
+          </p:cNvPr>
+          <p:cNvPicPr>
+            <a:picLocks noChangeAspect="1"/>
+          </p:cNvPicPr>
+          <p:nvPr/>
+        </p:nvPicPr>
+        <p:blipFill>
+          <a:blip r:embed="rId2"/>
+          <a:stretch>
+            <a:fillRect/>
+          </a:stretch>
+        </p:blipFill>
+        <p:spPr>
+          <a:xfrm>
+            <a:off x="0" y="0"/>
+            <a:ext cx="12207370" cy="7122583"/>
+          </a:xfrm>
+          <a:prstGeom prst="rect">
+            <a:avLst/>
+          </a:prstGeom>
+        </p:spPr>
+      </p:pic>
+      <p:cxnSp>
+        <p:nvCxnSpPr>
+          <p:cNvPr id="4" name="직선 화살표 연결선 3">
+            <a:extLst>
+              <a:ext uri="{FF2B5EF4-FFF2-40B4-BE49-F238E27FC236}">
+                <a16:creationId xmlns:a16="http://schemas.microsoft.com/office/drawing/2014/main" id="{53617162-C9E8-4852-B3AC-8E441B0FFBD6}"/>
+              </a:ext>
+            </a:extLst>
+          </p:cNvPr>
+          <p:cNvCxnSpPr>
+            <a:cxnSpLocks/>
+          </p:cNvCxnSpPr>
+          <p:nvPr/>
+        </p:nvCxnSpPr>
+        <p:spPr>
+          <a:xfrm>
+            <a:off x="859529" y="2856523"/>
+            <a:ext cx="3998221" cy="0"/>
+          </a:xfrm>
+          <a:prstGeom prst="straightConnector1">
+            <a:avLst/>
+          </a:prstGeom>
+        </p:spPr>
+        <p:style>
+          <a:lnRef idx="2">
+            <a:schemeClr val="accent2"/>
+          </a:lnRef>
+          <a:fillRef idx="0">
+            <a:schemeClr val="accent2"/>
+          </a:fillRef>
+          <a:effectRef idx="1">
+            <a:schemeClr val="accent2"/>
+          </a:effectRef>
+          <a:fontRef idx="minor">
+            <a:schemeClr val="tx1"/>
+          </a:fontRef>
+        </p:style>
+      </p:cxnSp>
+      <p:cxnSp>
+        <p:nvCxnSpPr>
+          <p:cNvPr id="7" name="직선 화살표 연결선 6">
+            <a:extLst>
+              <a:ext uri="{FF2B5EF4-FFF2-40B4-BE49-F238E27FC236}">
+                <a16:creationId xmlns:a16="http://schemas.microsoft.com/office/drawing/2014/main" id="{629164CA-C621-4E28-B2F4-D3D23380151A}"/>
+              </a:ext>
+            </a:extLst>
+          </p:cNvPr>
+          <p:cNvCxnSpPr>
+            <a:cxnSpLocks/>
+          </p:cNvCxnSpPr>
+          <p:nvPr/>
+        </p:nvCxnSpPr>
+        <p:spPr>
+          <a:xfrm>
+            <a:off x="859529" y="3292231"/>
+            <a:ext cx="1711732" cy="0"/>
+          </a:xfrm>
+          <a:prstGeom prst="straightConnector1">
+            <a:avLst/>
+          </a:prstGeom>
+        </p:spPr>
+        <p:style>
+          <a:lnRef idx="2">
+            <a:schemeClr val="accent2"/>
+          </a:lnRef>
+          <a:fillRef idx="0">
+            <a:schemeClr val="accent2"/>
+          </a:fillRef>
+          <a:effectRef idx="1">
+            <a:schemeClr val="accent2"/>
+          </a:effectRef>
+          <a:fontRef idx="minor">
+            <a:schemeClr val="tx1"/>
+          </a:fontRef>
+        </p:style>
+      </p:cxnSp>
+      <p:cxnSp>
+        <p:nvCxnSpPr>
+          <p:cNvPr id="9" name="직선 화살표 연결선 8">
+            <a:extLst>
+              <a:ext uri="{FF2B5EF4-FFF2-40B4-BE49-F238E27FC236}">
+                <a16:creationId xmlns:a16="http://schemas.microsoft.com/office/drawing/2014/main" id="{6BE9C0BD-183D-48F5-BD7B-36A437BB7C79}"/>
+              </a:ext>
+            </a:extLst>
+          </p:cNvPr>
+          <p:cNvCxnSpPr>
+            <a:cxnSpLocks/>
+          </p:cNvCxnSpPr>
+          <p:nvPr/>
+        </p:nvCxnSpPr>
+        <p:spPr>
+          <a:xfrm>
+            <a:off x="1567635" y="3787368"/>
+            <a:ext cx="4835282" cy="0"/>
+          </a:xfrm>
+          <a:prstGeom prst="straightConnector1">
+            <a:avLst/>
+          </a:prstGeom>
+        </p:spPr>
+        <p:style>
+          <a:lnRef idx="2">
+            <a:schemeClr val="accent2"/>
+          </a:lnRef>
+          <a:fillRef idx="0">
+            <a:schemeClr val="accent2"/>
+          </a:fillRef>
+          <a:effectRef idx="1">
+            <a:schemeClr val="accent2"/>
+          </a:effectRef>
+          <a:fontRef idx="minor">
+            <a:schemeClr val="tx1"/>
+          </a:fontRef>
+        </p:style>
+      </p:cxnSp>
+      <p:cxnSp>
+        <p:nvCxnSpPr>
+          <p:cNvPr id="11" name="직선 화살표 연결선 10">
+            <a:extLst>
+              <a:ext uri="{FF2B5EF4-FFF2-40B4-BE49-F238E27FC236}">
+                <a16:creationId xmlns:a16="http://schemas.microsoft.com/office/drawing/2014/main" id="{B8BC979B-5F76-4266-8935-BE03DD631DD2}"/>
+              </a:ext>
+            </a:extLst>
+          </p:cNvPr>
+          <p:cNvCxnSpPr>
+            <a:cxnSpLocks/>
+          </p:cNvCxnSpPr>
+          <p:nvPr/>
+        </p:nvCxnSpPr>
+        <p:spPr>
+          <a:xfrm>
+            <a:off x="1567635" y="4207281"/>
+            <a:ext cx="5470282" cy="0"/>
+          </a:xfrm>
+          <a:prstGeom prst="straightConnector1">
+            <a:avLst/>
+          </a:prstGeom>
+        </p:spPr>
+        <p:style>
+          <a:lnRef idx="2">
+            <a:schemeClr val="accent2"/>
+          </a:lnRef>
+          <a:fillRef idx="0">
+            <a:schemeClr val="accent2"/>
+          </a:fillRef>
+          <a:effectRef idx="1">
+            <a:schemeClr val="accent2"/>
+          </a:effectRef>
+          <a:fontRef idx="minor">
+            <a:schemeClr val="tx1"/>
+          </a:fontRef>
+        </p:style>
+      </p:cxnSp>
+      <p:cxnSp>
+        <p:nvCxnSpPr>
+          <p:cNvPr id="13" name="직선 화살표 연결선 12">
+            <a:extLst>
+              <a:ext uri="{FF2B5EF4-FFF2-40B4-BE49-F238E27FC236}">
+                <a16:creationId xmlns:a16="http://schemas.microsoft.com/office/drawing/2014/main" id="{59DC55F9-8E77-45E3-9908-7B9F2CE8F192}"/>
+              </a:ext>
+            </a:extLst>
+          </p:cNvPr>
+          <p:cNvCxnSpPr>
+            <a:cxnSpLocks/>
+          </p:cNvCxnSpPr>
+          <p:nvPr/>
+        </p:nvCxnSpPr>
+        <p:spPr>
+          <a:xfrm>
+            <a:off x="1567635" y="4618079"/>
+            <a:ext cx="3374782" cy="0"/>
+          </a:xfrm>
+          <a:prstGeom prst="straightConnector1">
+            <a:avLst/>
+          </a:prstGeom>
+        </p:spPr>
+        <p:style>
+          <a:lnRef idx="2">
+            <a:schemeClr val="accent2"/>
+          </a:lnRef>
+          <a:fillRef idx="0">
+            <a:schemeClr val="accent2"/>
+          </a:fillRef>
+          <a:effectRef idx="1">
+            <a:schemeClr val="accent2"/>
+          </a:effectRef>
+          <a:fontRef idx="minor">
+            <a:schemeClr val="tx1"/>
+          </a:fontRef>
+        </p:style>
+      </p:cxnSp>
+      <p:cxnSp>
+        <p:nvCxnSpPr>
+          <p:cNvPr id="15" name="직선 화살표 연결선 14">
+            <a:extLst>
+              <a:ext uri="{FF2B5EF4-FFF2-40B4-BE49-F238E27FC236}">
+                <a16:creationId xmlns:a16="http://schemas.microsoft.com/office/drawing/2014/main" id="{265486B5-C0D0-4779-A1AE-032C59E250B4}"/>
+              </a:ext>
+            </a:extLst>
+          </p:cNvPr>
+          <p:cNvCxnSpPr>
+            <a:cxnSpLocks/>
+          </p:cNvCxnSpPr>
+          <p:nvPr/>
+        </p:nvCxnSpPr>
+        <p:spPr>
+          <a:xfrm>
+            <a:off x="698011" y="5616331"/>
+            <a:ext cx="3831656" cy="0"/>
+          </a:xfrm>
+          <a:prstGeom prst="straightConnector1">
+            <a:avLst/>
+          </a:prstGeom>
+        </p:spPr>
+        <p:style>
+          <a:lnRef idx="2">
+            <a:schemeClr val="accent2"/>
+          </a:lnRef>
+          <a:fillRef idx="0">
+            <a:schemeClr val="accent2"/>
+          </a:fillRef>
+          <a:effectRef idx="1">
+            <a:schemeClr val="accent2"/>
+          </a:effectRef>
+          <a:fontRef idx="minor">
+            <a:schemeClr val="tx1"/>
+          </a:fontRef>
+        </p:style>
+      </p:cxnSp>
+      <p:cxnSp>
+        <p:nvCxnSpPr>
+          <p:cNvPr id="14" name="직선 화살표 연결선 13">
+            <a:extLst>
+              <a:ext uri="{FF2B5EF4-FFF2-40B4-BE49-F238E27FC236}">
+                <a16:creationId xmlns:a16="http://schemas.microsoft.com/office/drawing/2014/main" id="{7ECBEF04-72C2-435D-915D-04A5A1266F86}"/>
+              </a:ext>
+            </a:extLst>
+          </p:cNvPr>
+          <p:cNvCxnSpPr>
+            <a:cxnSpLocks/>
+          </p:cNvCxnSpPr>
+          <p:nvPr/>
+        </p:nvCxnSpPr>
+        <p:spPr>
+          <a:xfrm>
+            <a:off x="88411" y="6858814"/>
+            <a:ext cx="3831656" cy="0"/>
+          </a:xfrm>
+          <a:prstGeom prst="straightConnector1">
+            <a:avLst/>
+          </a:prstGeom>
+        </p:spPr>
+        <p:style>
+          <a:lnRef idx="2">
+            <a:schemeClr val="accent2"/>
+          </a:lnRef>
+          <a:fillRef idx="0">
+            <a:schemeClr val="accent2"/>
+          </a:fillRef>
+          <a:effectRef idx="1">
+            <a:schemeClr val="accent2"/>
+          </a:effectRef>
+          <a:fontRef idx="minor">
+            <a:schemeClr val="tx1"/>
+          </a:fontRef>
+        </p:style>
+      </p:cxnSp>
+    </p:spTree>
+    <p:extLst>
+      <p:ext uri="{BB962C8B-B14F-4D97-AF65-F5344CB8AC3E}">
+        <p14:creationId xmlns:p14="http://schemas.microsoft.com/office/powerpoint/2010/main" val="1352919399"/>
+      </p:ext>
+    </p:extLst>
+  </p:cSld>
+  <p:clrMapOvr>
+    <a:masterClrMapping/>
+  </p:clrMapOvr>
+  <p:timing>
+    <p:tnLst>
+      <p:par>
+        <p:cTn id="1" dur="indefinite" restart="never" nodeType="tmRoot">
+          <p:childTnLst>
+            <p:seq concurrent="1" nextAc="seek">
+              <p:cTn id="2" dur="indefinite" nodeType="mainSeq">
+                <p:childTnLst>
+                  <p:par>
+                    <p:cTn id="3" fill="hold">
+                      <p:stCondLst>
+                        <p:cond delay="indefinite"/>
+                      </p:stCondLst>
+                      <p:childTnLst>
+                        <p:par>
+                          <p:cTn id="4" fill="hold">
+                            <p:stCondLst>
+                              <p:cond delay="0"/>
+                            </p:stCondLst>
+                            <p:childTnLst>
+                              <p:par>
+                                <p:cTn id="5" presetID="1" presetClass="entr" presetSubtype="0" fill="hold" nodeType="clickEffect">
+                                  <p:stCondLst>
+                                    <p:cond delay="0"/>
+                                  </p:stCondLst>
+                                  <p:childTnLst>
+                                    <p:set>
+                                      <p:cBhvr>
+                                        <p:cTn id="6" dur="1" fill="hold">
+                                          <p:stCondLst>
+                                            <p:cond delay="0"/>
+                                          </p:stCondLst>
+                                        </p:cTn>
+                                        <p:tgtEl>
+                                          <p:spTgt spid="4"/>
+                                        </p:tgtEl>
+                                        <p:attrNameLst>
+                                          <p:attrName>style.visibility</p:attrName>
+                                        </p:attrNameLst>
+                                      </p:cBhvr>
+                                      <p:to>
+                                        <p:strVal val="visible"/>
+                                      </p:to>
+                                    </p:set>
+                                  </p:childTnLst>
+                                </p:cTn>
+                              </p:par>
+                            </p:childTnLst>
+                          </p:cTn>
+                        </p:par>
+                      </p:childTnLst>
+                    </p:cTn>
+                  </p:par>
+                  <p:par>
+                    <p:cTn id="7" fill="hold">
+                      <p:stCondLst>
+                        <p:cond delay="indefinite"/>
+                      </p:stCondLst>
+                      <p:childTnLst>
+                        <p:par>
+                          <p:cTn id="8" fill="hold">
+                            <p:stCondLst>
+                              <p:cond delay="0"/>
+                            </p:stCondLst>
+                            <p:childTnLst>
+                              <p:par>
+                                <p:cTn id="9" presetID="1" presetClass="entr" presetSubtype="0" fill="hold" nodeType="clickEffect">
+                                  <p:stCondLst>
+                                    <p:cond delay="0"/>
+                                  </p:stCondLst>
+                                  <p:childTnLst>
+                                    <p:set>
+                                      <p:cBhvr>
+                                        <p:cTn id="10" dur="1" fill="hold">
+                                          <p:stCondLst>
+                                            <p:cond delay="0"/>
+                                          </p:stCondLst>
+                                        </p:cTn>
+                                        <p:tgtEl>
+                                          <p:spTgt spid="7"/>
+                                        </p:tgtEl>
+                                        <p:attrNameLst>
+                                          <p:attrName>style.visibility</p:attrName>
+                                        </p:attrNameLst>
+                                      </p:cBhvr>
+                                      <p:to>
+                                        <p:strVal val="visible"/>
+                                      </p:to>
+                                    </p:set>
+                                  </p:childTnLst>
+                                </p:cTn>
+                              </p:par>
+                            </p:childTnLst>
+                          </p:cTn>
+                        </p:par>
+                      </p:childTnLst>
+                    </p:cTn>
+                  </p:par>
+                  <p:par>
+                    <p:cTn id="11" fill="hold">
+                      <p:stCondLst>
+                        <p:cond delay="indefinite"/>
+                      </p:stCondLst>
+                      <p:childTnLst>
+                        <p:par>
+                          <p:cTn id="12" fill="hold">
+                            <p:stCondLst>
+                              <p:cond delay="0"/>
+                            </p:stCondLst>
+                            <p:childTnLst>
+                              <p:par>
+                                <p:cTn id="13" presetID="1" presetClass="entr" presetSubtype="0" fill="hold" nodeType="clickEffect">
+                                  <p:stCondLst>
+                                    <p:cond delay="0"/>
+                                  </p:stCondLst>
+                                  <p:childTnLst>
+                                    <p:set>
+                                      <p:cBhvr>
+                                        <p:cTn id="14" dur="1" fill="hold">
+                                          <p:stCondLst>
+                                            <p:cond delay="0"/>
+                                          </p:stCondLst>
+                                        </p:cTn>
+                                        <p:tgtEl>
+                                          <p:spTgt spid="9"/>
+                                        </p:tgtEl>
+                                        <p:attrNameLst>
+                                          <p:attrName>style.visibility</p:attrName>
+                                        </p:attrNameLst>
+                                      </p:cBhvr>
+                                      <p:to>
+                                        <p:strVal val="visible"/>
+                                      </p:to>
+                                    </p:set>
+                                  </p:childTnLst>
+                                </p:cTn>
+                              </p:par>
+                            </p:childTnLst>
+                          </p:cTn>
+                        </p:par>
+                      </p:childTnLst>
+                    </p:cTn>
+                  </p:par>
+                  <p:par>
+                    <p:cTn id="15" fill="hold">
+                      <p:stCondLst>
+                        <p:cond delay="indefinite"/>
+                      </p:stCondLst>
+                      <p:childTnLst>
+                        <p:par>
+                          <p:cTn id="16" fill="hold">
+                            <p:stCondLst>
+                              <p:cond delay="0"/>
+                            </p:stCondLst>
+                            <p:childTnLst>
+                              <p:par>
+                                <p:cTn id="17" presetID="1" presetClass="entr" presetSubtype="0" fill="hold" nodeType="clickEffect">
+                                  <p:stCondLst>
+                                    <p:cond delay="0"/>
+                                  </p:stCondLst>
+                                  <p:childTnLst>
+                                    <p:set>
+                                      <p:cBhvr>
+                                        <p:cTn id="18" dur="1" fill="hold">
+                                          <p:stCondLst>
+                                            <p:cond delay="0"/>
+                                          </p:stCondLst>
+                                        </p:cTn>
+                                        <p:tgtEl>
+                                          <p:spTgt spid="11"/>
+                                        </p:tgtEl>
+                                        <p:attrNameLst>
+                                          <p:attrName>style.visibility</p:attrName>
+                                        </p:attrNameLst>
+                                      </p:cBhvr>
+                                      <p:to>
+                                        <p:strVal val="visible"/>
+                                      </p:to>
+                                    </p:set>
+                                  </p:childTnLst>
+                                </p:cTn>
+                              </p:par>
+                            </p:childTnLst>
+                          </p:cTn>
+                        </p:par>
+                      </p:childTnLst>
+                    </p:cTn>
+                  </p:par>
+                  <p:par>
+                    <p:cTn id="19" fill="hold">
+                      <p:stCondLst>
+                        <p:cond delay="indefinite"/>
+                      </p:stCondLst>
+                      <p:childTnLst>
+                        <p:par>
+                          <p:cTn id="20" fill="hold">
+                            <p:stCondLst>
+                              <p:cond delay="0"/>
+                            </p:stCondLst>
+                            <p:childTnLst>
+                              <p:par>
+                                <p:cTn id="21" presetID="1" presetClass="entr" presetSubtype="0" fill="hold" nodeType="clickEffect">
+                                  <p:stCondLst>
+                                    <p:cond delay="0"/>
+                                  </p:stCondLst>
+                                  <p:childTnLst>
+                                    <p:set>
+                                      <p:cBhvr>
+                                        <p:cTn id="22" dur="1" fill="hold">
+                                          <p:stCondLst>
+                                            <p:cond delay="0"/>
+                                          </p:stCondLst>
+                                        </p:cTn>
+                                        <p:tgtEl>
+                                          <p:spTgt spid="13"/>
+                                        </p:tgtEl>
+                                        <p:attrNameLst>
+                                          <p:attrName>style.visibility</p:attrName>
+                                        </p:attrNameLst>
+                                      </p:cBhvr>
+                                      <p:to>
+                                        <p:strVal val="visible"/>
+                                      </p:to>
+                                    </p:set>
+                                  </p:childTnLst>
+                                </p:cTn>
+                              </p:par>
+                            </p:childTnLst>
+                          </p:cTn>
+                        </p:par>
+                      </p:childTnLst>
+                    </p:cTn>
+                  </p:par>
+                  <p:par>
+                    <p:cTn id="23" fill="hold">
+                      <p:stCondLst>
+                        <p:cond delay="indefinite"/>
+                      </p:stCondLst>
+                      <p:childTnLst>
+                        <p:par>
+                          <p:cTn id="24" fill="hold">
+                            <p:stCondLst>
+                              <p:cond delay="0"/>
+                            </p:stCondLst>
+                            <p:childTnLst>
+                              <p:par>
+                                <p:cTn id="25" presetID="1" presetClass="entr" presetSubtype="0" fill="hold" nodeType="clickEffect">
+                                  <p:stCondLst>
+                                    <p:cond delay="0"/>
+                                  </p:stCondLst>
+                                  <p:childTnLst>
+                                    <p:set>
+                                      <p:cBhvr>
+                                        <p:cTn id="26" dur="1" fill="hold">
+                                          <p:stCondLst>
+                                            <p:cond delay="0"/>
+                                          </p:stCondLst>
+                                        </p:cTn>
+                                        <p:tgtEl>
+                                          <p:spTgt spid="15"/>
+                                        </p:tgtEl>
+                                        <p:attrNameLst>
+                                          <p:attrName>style.visibility</p:attrName>
+                                        </p:attrNameLst>
+                                      </p:cBhvr>
+                                      <p:to>
+                                        <p:strVal val="visible"/>
+                                      </p:to>
+                                    </p:set>
+                                  </p:childTnLst>
+                                </p:cTn>
+                              </p:par>
+                            </p:childTnLst>
+                          </p:cTn>
+                        </p:par>
+                      </p:childTnLst>
+                    </p:cTn>
+                  </p:par>
+                  <p:par>
+                    <p:cTn id="27" fill="hold">
+                      <p:stCondLst>
+                        <p:cond delay="indefinite"/>
+                      </p:stCondLst>
+                      <p:childTnLst>
+                        <p:par>
+                          <p:cTn id="28" fill="hold">
+                            <p:stCondLst>
+                              <p:cond delay="0"/>
+                            </p:stCondLst>
+                            <p:childTnLst>
+                              <p:par>
+                                <p:cTn id="29" presetID="1" presetClass="entr" presetSubtype="0" fill="hold" nodeType="clickEffect">
+                                  <p:stCondLst>
+                                    <p:cond delay="0"/>
+                                  </p:stCondLst>
+                                  <p:childTnLst>
+                                    <p:set>
+                                      <p:cBhvr>
+                                        <p:cTn id="30" dur="1" fill="hold">
+                                          <p:stCondLst>
+                                            <p:cond delay="0"/>
+                                          </p:stCondLst>
+                                        </p:cTn>
+                                        <p:tgtEl>
+                                          <p:spTgt spid="14"/>
+                                        </p:tgtEl>
+                                        <p:attrNameLst>
+                                          <p:attrName>style.visibility</p:attrName>
+                                        </p:attrNameLst>
+                                      </p:cBhvr>
+                                      <p:to>
+                                        <p:strVal val="visible"/>
+                                      </p:to>
+                                    </p:set>
+                                  </p:childTnLst>
+                                </p:cTn>
+                              </p:par>
+                            </p:childTnLst>
+                          </p:cTn>
+                        </p:par>
+                      </p:childTnLst>
+                    </p:cTn>
+                  </p:par>
+                </p:childTnLst>
+              </p:cTn>
+              <p:prevCondLst>
+                <p:cond evt="onPrev" delay="0">
+                  <p:tgtEl>
+                    <p:sldTgt/>
+                  </p:tgtEl>
+                </p:cond>
+              </p:prevCondLst>
+              <p:nextCondLst>
+                <p:cond evt="onNext" delay="0">
+                  <p:tgtEl>
+                    <p:sldTgt/>
+                  </p:tgtEl>
+                </p:cond>
+              </p:nextCondLst>
+            </p:seq>
+          </p:childTnLst>
+        </p:cTn>
+      </p:par>
+    </p:tnLst>
+  </p:timing>
+</p:sld>
+</file>
+
+<file path=ppt/slides/slide24.xml><?xml version="1.0" encoding="utf-8"?>
+<p:sld xmlns:a="http://schemas.openxmlformats.org/drawingml/2006/main" xmlns:r="http://schemas.openxmlformats.org/officeDocument/2006/relationships" xmlns:p="http://schemas.openxmlformats.org/presentationml/2006/main">
+  <p:cSld>
+    <p:spTree>
+      <p:nvGrpSpPr>
+        <p:cNvPr id="1" name=""/>
+        <p:cNvGrpSpPr/>
+        <p:nvPr/>
+      </p:nvGrpSpPr>
+      <p:grpSpPr>
+        <a:xfrm>
+          <a:off x="0" y="0"/>
+          <a:ext cx="0" cy="0"/>
+          <a:chOff x="0" y="0"/>
+          <a:chExt cx="0" cy="0"/>
+        </a:xfrm>
+      </p:grpSpPr>
+      <p:pic>
+        <p:nvPicPr>
+          <p:cNvPr id="8" name="그림 7">
+            <a:extLst>
+              <a:ext uri="{FF2B5EF4-FFF2-40B4-BE49-F238E27FC236}">
+                <a16:creationId xmlns:a16="http://schemas.microsoft.com/office/drawing/2014/main" id="{06188C26-2320-4A92-9A0B-D5AB50818F83}"/>
+              </a:ext>
+            </a:extLst>
+          </p:cNvPr>
+          <p:cNvPicPr>
+            <a:picLocks noChangeAspect="1"/>
+          </p:cNvPicPr>
+          <p:nvPr/>
+        </p:nvPicPr>
+        <p:blipFill>
+          <a:blip r:embed="rId2"/>
+          <a:stretch>
+            <a:fillRect/>
+          </a:stretch>
+        </p:blipFill>
+        <p:spPr>
+          <a:xfrm>
+            <a:off x="0" y="0"/>
+            <a:ext cx="8872780" cy="16920435"/>
+          </a:xfrm>
+          <a:prstGeom prst="rect">
+            <a:avLst/>
+          </a:prstGeom>
+        </p:spPr>
+      </p:pic>
+      <p:pic>
+        <p:nvPicPr>
+          <p:cNvPr id="2" name="그림 1">
+            <a:extLst>
+              <a:ext uri="{FF2B5EF4-FFF2-40B4-BE49-F238E27FC236}">
+                <a16:creationId xmlns:a16="http://schemas.microsoft.com/office/drawing/2014/main" id="{ABB3777F-C11A-4BEB-A0D7-72173F8EFFBB}"/>
+              </a:ext>
+            </a:extLst>
+          </p:cNvPr>
+          <p:cNvPicPr>
+            <a:picLocks noChangeAspect="1"/>
+          </p:cNvPicPr>
+          <p:nvPr/>
+        </p:nvPicPr>
+        <p:blipFill>
+          <a:blip r:embed="rId2"/>
+          <a:stretch>
+            <a:fillRect/>
+          </a:stretch>
+        </p:blipFill>
+        <p:spPr>
+          <a:xfrm>
+            <a:off x="5738955" y="-4642664"/>
+            <a:ext cx="8872780" cy="16920435"/>
+          </a:xfrm>
+          <a:prstGeom prst="rect">
+            <a:avLst/>
+          </a:prstGeom>
+        </p:spPr>
+      </p:pic>
+      <p:cxnSp>
+        <p:nvCxnSpPr>
+          <p:cNvPr id="3" name="직선 화살표 연결선 2">
+            <a:extLst>
+              <a:ext uri="{FF2B5EF4-FFF2-40B4-BE49-F238E27FC236}">
+                <a16:creationId xmlns:a16="http://schemas.microsoft.com/office/drawing/2014/main" id="{B4A01BE3-3496-46AC-8426-21FE908735BB}"/>
+              </a:ext>
+            </a:extLst>
+          </p:cNvPr>
+          <p:cNvCxnSpPr>
+            <a:cxnSpLocks/>
+          </p:cNvCxnSpPr>
+          <p:nvPr/>
+        </p:nvCxnSpPr>
+        <p:spPr>
+          <a:xfrm>
+            <a:off x="0" y="2475523"/>
+            <a:ext cx="2698750" cy="0"/>
+          </a:xfrm>
+          <a:prstGeom prst="straightConnector1">
+            <a:avLst/>
+          </a:prstGeom>
+        </p:spPr>
+        <p:style>
+          <a:lnRef idx="2">
+            <a:schemeClr val="accent2"/>
+          </a:lnRef>
+          <a:fillRef idx="0">
+            <a:schemeClr val="accent2"/>
+          </a:fillRef>
+          <a:effectRef idx="1">
+            <a:schemeClr val="accent2"/>
+          </a:effectRef>
+          <a:fontRef idx="minor">
+            <a:schemeClr val="tx1"/>
+          </a:fontRef>
+        </p:style>
+      </p:cxnSp>
+      <p:cxnSp>
+        <p:nvCxnSpPr>
+          <p:cNvPr id="10" name="직선 화살표 연결선 9">
+            <a:extLst>
+              <a:ext uri="{FF2B5EF4-FFF2-40B4-BE49-F238E27FC236}">
+                <a16:creationId xmlns:a16="http://schemas.microsoft.com/office/drawing/2014/main" id="{17089FAC-7288-4803-86CA-14EB10AC8F3E}"/>
+              </a:ext>
+            </a:extLst>
+          </p:cNvPr>
+          <p:cNvCxnSpPr>
+            <a:cxnSpLocks/>
+          </p:cNvCxnSpPr>
+          <p:nvPr/>
+        </p:nvCxnSpPr>
+        <p:spPr>
+          <a:xfrm>
+            <a:off x="5738955" y="2475523"/>
+            <a:ext cx="2664212" cy="0"/>
+          </a:xfrm>
+          <a:prstGeom prst="straightConnector1">
+            <a:avLst/>
+          </a:prstGeom>
+        </p:spPr>
+        <p:style>
+          <a:lnRef idx="2">
+            <a:schemeClr val="accent2"/>
+          </a:lnRef>
+          <a:fillRef idx="0">
+            <a:schemeClr val="accent2"/>
+          </a:fillRef>
+          <a:effectRef idx="1">
+            <a:schemeClr val="accent2"/>
+          </a:effectRef>
+          <a:fontRef idx="minor">
+            <a:schemeClr val="tx1"/>
+          </a:fontRef>
+        </p:style>
+      </p:cxnSp>
+      <p:cxnSp>
+        <p:nvCxnSpPr>
+          <p:cNvPr id="12" name="직선 화살표 연결선 11">
+            <a:extLst>
+              <a:ext uri="{FF2B5EF4-FFF2-40B4-BE49-F238E27FC236}">
+                <a16:creationId xmlns:a16="http://schemas.microsoft.com/office/drawing/2014/main" id="{02DA4B26-E8DF-493F-8170-AA5B13F41AC1}"/>
+              </a:ext>
+            </a:extLst>
+          </p:cNvPr>
+          <p:cNvCxnSpPr>
+            <a:cxnSpLocks/>
+          </p:cNvCxnSpPr>
+          <p:nvPr/>
+        </p:nvCxnSpPr>
+        <p:spPr>
+          <a:xfrm>
+            <a:off x="0" y="5415573"/>
+            <a:ext cx="2942167" cy="0"/>
+          </a:xfrm>
+          <a:prstGeom prst="straightConnector1">
+            <a:avLst/>
+          </a:prstGeom>
+        </p:spPr>
+        <p:style>
+          <a:lnRef idx="2">
+            <a:schemeClr val="accent2"/>
+          </a:lnRef>
+          <a:fillRef idx="0">
+            <a:schemeClr val="accent2"/>
+          </a:fillRef>
+          <a:effectRef idx="1">
+            <a:schemeClr val="accent2"/>
+          </a:effectRef>
+          <a:fontRef idx="minor">
+            <a:schemeClr val="tx1"/>
+          </a:fontRef>
+        </p:style>
+      </p:cxnSp>
+      <p:cxnSp>
+        <p:nvCxnSpPr>
+          <p:cNvPr id="14" name="직선 화살표 연결선 13">
+            <a:extLst>
+              <a:ext uri="{FF2B5EF4-FFF2-40B4-BE49-F238E27FC236}">
+                <a16:creationId xmlns:a16="http://schemas.microsoft.com/office/drawing/2014/main" id="{03692286-F209-404E-8926-BD5443F658BE}"/>
+              </a:ext>
+            </a:extLst>
+          </p:cNvPr>
+          <p:cNvCxnSpPr>
+            <a:cxnSpLocks/>
+          </p:cNvCxnSpPr>
+          <p:nvPr/>
+        </p:nvCxnSpPr>
+        <p:spPr>
+          <a:xfrm>
+            <a:off x="5749538" y="5134056"/>
+            <a:ext cx="2949962" cy="0"/>
+          </a:xfrm>
+          <a:prstGeom prst="straightConnector1">
+            <a:avLst/>
+          </a:prstGeom>
+        </p:spPr>
+        <p:style>
+          <a:lnRef idx="2">
+            <a:schemeClr val="accent2"/>
+          </a:lnRef>
+          <a:fillRef idx="0">
+            <a:schemeClr val="accent2"/>
+          </a:fillRef>
+          <a:effectRef idx="1">
+            <a:schemeClr val="accent2"/>
+          </a:effectRef>
+          <a:fontRef idx="minor">
+            <a:schemeClr val="tx1"/>
+          </a:fontRef>
+        </p:style>
+      </p:cxnSp>
+    </p:spTree>
+    <p:extLst>
+      <p:ext uri="{BB962C8B-B14F-4D97-AF65-F5344CB8AC3E}">
+        <p14:creationId xmlns:p14="http://schemas.microsoft.com/office/powerpoint/2010/main" val="2153230922"/>
+      </p:ext>
+    </p:extLst>
+  </p:cSld>
+  <p:clrMapOvr>
+    <a:masterClrMapping/>
+  </p:clrMapOvr>
+  <p:timing>
+    <p:tnLst>
+      <p:par>
+        <p:cTn id="1" dur="indefinite" restart="never" nodeType="tmRoot">
+          <p:childTnLst>
+            <p:seq concurrent="1" nextAc="seek">
+              <p:cTn id="2" dur="indefinite" nodeType="mainSeq">
+                <p:childTnLst>
+                  <p:par>
+                    <p:cTn id="3" fill="hold">
+                      <p:stCondLst>
+                        <p:cond delay="indefinite"/>
+                      </p:stCondLst>
+                      <p:childTnLst>
+                        <p:par>
+                          <p:cTn id="4" fill="hold">
+                            <p:stCondLst>
+                              <p:cond delay="0"/>
+                            </p:stCondLst>
+                            <p:childTnLst>
+                              <p:par>
+                                <p:cTn id="5" presetID="1" presetClass="entr" presetSubtype="0" fill="hold" nodeType="clickEffect">
+                                  <p:stCondLst>
+                                    <p:cond delay="0"/>
+                                  </p:stCondLst>
+                                  <p:childTnLst>
+                                    <p:set>
+                                      <p:cBhvr>
+                                        <p:cTn id="6" dur="1" fill="hold">
+                                          <p:stCondLst>
+                                            <p:cond delay="0"/>
+                                          </p:stCondLst>
+                                        </p:cTn>
+                                        <p:tgtEl>
+                                          <p:spTgt spid="3"/>
+                                        </p:tgtEl>
+                                        <p:attrNameLst>
+                                          <p:attrName>style.visibility</p:attrName>
+                                        </p:attrNameLst>
+                                      </p:cBhvr>
+                                      <p:to>
+                                        <p:strVal val="visible"/>
+                                      </p:to>
+                                    </p:set>
+                                  </p:childTnLst>
+                                </p:cTn>
+                              </p:par>
+                            </p:childTnLst>
+                          </p:cTn>
+                        </p:par>
+                      </p:childTnLst>
+                    </p:cTn>
+                  </p:par>
+                  <p:par>
+                    <p:cTn id="7" fill="hold">
+                      <p:stCondLst>
+                        <p:cond delay="indefinite"/>
+                      </p:stCondLst>
+                      <p:childTnLst>
+                        <p:par>
+                          <p:cTn id="8" fill="hold">
+                            <p:stCondLst>
+                              <p:cond delay="0"/>
+                            </p:stCondLst>
+                            <p:childTnLst>
+                              <p:par>
+                                <p:cTn id="9" presetID="1" presetClass="entr" presetSubtype="0" fill="hold" nodeType="clickEffect">
+                                  <p:stCondLst>
+                                    <p:cond delay="0"/>
+                                  </p:stCondLst>
+                                  <p:childTnLst>
+                                    <p:set>
+                                      <p:cBhvr>
+                                        <p:cTn id="10" dur="1" fill="hold">
+                                          <p:stCondLst>
+                                            <p:cond delay="0"/>
+                                          </p:stCondLst>
+                                        </p:cTn>
+                                        <p:tgtEl>
+                                          <p:spTgt spid="10"/>
+                                        </p:tgtEl>
+                                        <p:attrNameLst>
+                                          <p:attrName>style.visibility</p:attrName>
+                                        </p:attrNameLst>
+                                      </p:cBhvr>
+                                      <p:to>
+                                        <p:strVal val="visible"/>
+                                      </p:to>
+                                    </p:set>
+                                  </p:childTnLst>
+                                </p:cTn>
+                              </p:par>
+                            </p:childTnLst>
+                          </p:cTn>
+                        </p:par>
+                      </p:childTnLst>
+                    </p:cTn>
+                  </p:par>
+                  <p:par>
+                    <p:cTn id="11" fill="hold">
+                      <p:stCondLst>
+                        <p:cond delay="indefinite"/>
+                      </p:stCondLst>
+                      <p:childTnLst>
+                        <p:par>
+                          <p:cTn id="12" fill="hold">
+                            <p:stCondLst>
+                              <p:cond delay="0"/>
+                            </p:stCondLst>
+                            <p:childTnLst>
+                              <p:par>
+                                <p:cTn id="13" presetID="1" presetClass="entr" presetSubtype="0" fill="hold" nodeType="clickEffect">
+                                  <p:stCondLst>
+                                    <p:cond delay="0"/>
+                                  </p:stCondLst>
+                                  <p:childTnLst>
+                                    <p:set>
+                                      <p:cBhvr>
+                                        <p:cTn id="14" dur="1" fill="hold">
+                                          <p:stCondLst>
+                                            <p:cond delay="0"/>
+                                          </p:stCondLst>
+                                        </p:cTn>
+                                        <p:tgtEl>
+                                          <p:spTgt spid="12"/>
+                                        </p:tgtEl>
+                                        <p:attrNameLst>
+                                          <p:attrName>style.visibility</p:attrName>
+                                        </p:attrNameLst>
+                                      </p:cBhvr>
+                                      <p:to>
+                                        <p:strVal val="visible"/>
+                                      </p:to>
+                                    </p:set>
+                                  </p:childTnLst>
+                                </p:cTn>
+                              </p:par>
+                            </p:childTnLst>
+                          </p:cTn>
+                        </p:par>
+                      </p:childTnLst>
+                    </p:cTn>
+                  </p:par>
+                  <p:par>
+                    <p:cTn id="15" fill="hold">
+                      <p:stCondLst>
+                        <p:cond delay="indefinite"/>
+                      </p:stCondLst>
+                      <p:childTnLst>
+                        <p:par>
+                          <p:cTn id="16" fill="hold">
+                            <p:stCondLst>
+                              <p:cond delay="0"/>
+                            </p:stCondLst>
+                            <p:childTnLst>
+                              <p:par>
+                                <p:cTn id="17" presetID="1" presetClass="entr" presetSubtype="0" fill="hold" nodeType="clickEffect">
+                                  <p:stCondLst>
+                                    <p:cond delay="0"/>
+                                  </p:stCondLst>
+                                  <p:childTnLst>
+                                    <p:set>
+                                      <p:cBhvr>
+                                        <p:cTn id="18" dur="1" fill="hold">
+                                          <p:stCondLst>
+                                            <p:cond delay="0"/>
+                                          </p:stCondLst>
+                                        </p:cTn>
+                                        <p:tgtEl>
+                                          <p:spTgt spid="14"/>
+                                        </p:tgtEl>
+                                        <p:attrNameLst>
+                                          <p:attrName>style.visibility</p:attrName>
+                                        </p:attrNameLst>
+                                      </p:cBhvr>
+                                      <p:to>
+                                        <p:strVal val="visible"/>
+                                      </p:to>
+                                    </p:set>
+                                  </p:childTnLst>
+                                </p:cTn>
+                              </p:par>
+                            </p:childTnLst>
+                          </p:cTn>
+                        </p:par>
+                      </p:childTnLst>
+                    </p:cTn>
+                  </p:par>
+                </p:childTnLst>
+              </p:cTn>
+              <p:prevCondLst>
+                <p:cond evt="onPrev" delay="0">
+                  <p:tgtEl>
+                    <p:sldTgt/>
+                  </p:tgtEl>
+                </p:cond>
+              </p:prevCondLst>
+              <p:nextCondLst>
+                <p:cond evt="onNext" delay="0">
+                  <p:tgtEl>
+                    <p:sldTgt/>
+                  </p:tgtEl>
+                </p:cond>
+              </p:nextCondLst>
+            </p:seq>
+          </p:childTnLst>
+        </p:cTn>
+      </p:par>
+    </p:tnLst>
+  </p:timing>
+</p:sld>
+</file>
+
+<file path=ppt/slides/slide25.xml><?xml version="1.0" encoding="utf-8"?>
+<p:sld xmlns:a="http://schemas.openxmlformats.org/drawingml/2006/main" xmlns:r="http://schemas.openxmlformats.org/officeDocument/2006/relationships" xmlns:p="http://schemas.openxmlformats.org/presentationml/2006/main">
+  <p:cSld>
+    <p:spTree>
+      <p:nvGrpSpPr>
+        <p:cNvPr id="1" name=""/>
+        <p:cNvGrpSpPr/>
+        <p:nvPr/>
+      </p:nvGrpSpPr>
+      <p:grpSpPr>
+        <a:xfrm>
+          <a:off x="0" y="0"/>
+          <a:ext cx="0" cy="0"/>
+          <a:chOff x="0" y="0"/>
+          <a:chExt cx="0" cy="0"/>
+        </a:xfrm>
+      </p:grpSpPr>
+      <p:pic>
+        <p:nvPicPr>
+          <p:cNvPr id="8" name="그림 7">
+            <a:extLst>
+              <a:ext uri="{FF2B5EF4-FFF2-40B4-BE49-F238E27FC236}">
+                <a16:creationId xmlns:a16="http://schemas.microsoft.com/office/drawing/2014/main" id="{06188C26-2320-4A92-9A0B-D5AB50818F83}"/>
+              </a:ext>
+            </a:extLst>
+          </p:cNvPr>
+          <p:cNvPicPr>
+            <a:picLocks noChangeAspect="1"/>
+          </p:cNvPicPr>
+          <p:nvPr/>
+        </p:nvPicPr>
+        <p:blipFill>
+          <a:blip r:embed="rId2"/>
+          <a:stretch>
+            <a:fillRect/>
+          </a:stretch>
+        </p:blipFill>
+        <p:spPr>
+          <a:xfrm>
+            <a:off x="0" y="-15671473"/>
+            <a:ext cx="12192000" cy="23250202"/>
+          </a:xfrm>
+          <a:prstGeom prst="rect">
+            <a:avLst/>
+          </a:prstGeom>
+        </p:spPr>
+      </p:pic>
+      <p:cxnSp>
+        <p:nvCxnSpPr>
+          <p:cNvPr id="2" name="직선 화살표 연결선 1">
+            <a:extLst>
+              <a:ext uri="{FF2B5EF4-FFF2-40B4-BE49-F238E27FC236}">
+                <a16:creationId xmlns:a16="http://schemas.microsoft.com/office/drawing/2014/main" id="{3002CA73-FF3D-49C7-A78C-98E08C756D39}"/>
+              </a:ext>
+            </a:extLst>
+          </p:cNvPr>
+          <p:cNvCxnSpPr>
+            <a:cxnSpLocks/>
+          </p:cNvCxnSpPr>
+          <p:nvPr/>
+        </p:nvCxnSpPr>
+        <p:spPr>
+          <a:xfrm>
+            <a:off x="129279" y="813939"/>
+            <a:ext cx="5151804" cy="0"/>
+          </a:xfrm>
+          <a:prstGeom prst="straightConnector1">
+            <a:avLst/>
+          </a:prstGeom>
+        </p:spPr>
+        <p:style>
+          <a:lnRef idx="2">
+            <a:schemeClr val="accent2"/>
+          </a:lnRef>
+          <a:fillRef idx="0">
+            <a:schemeClr val="accent2"/>
+          </a:fillRef>
+          <a:effectRef idx="1">
+            <a:schemeClr val="accent2"/>
+          </a:effectRef>
+          <a:fontRef idx="minor">
+            <a:schemeClr val="tx1"/>
+          </a:fontRef>
+        </p:style>
+      </p:cxnSp>
+      <p:cxnSp>
+        <p:nvCxnSpPr>
+          <p:cNvPr id="5" name="직선 화살표 연결선 4">
+            <a:extLst>
+              <a:ext uri="{FF2B5EF4-FFF2-40B4-BE49-F238E27FC236}">
+                <a16:creationId xmlns:a16="http://schemas.microsoft.com/office/drawing/2014/main" id="{851664FF-BF4C-482D-9F3F-00CF8C7C2D4A}"/>
+              </a:ext>
+            </a:extLst>
+          </p:cNvPr>
+          <p:cNvCxnSpPr>
+            <a:cxnSpLocks/>
+          </p:cNvCxnSpPr>
+          <p:nvPr/>
+        </p:nvCxnSpPr>
+        <p:spPr>
+          <a:xfrm>
+            <a:off x="129279" y="4194255"/>
+            <a:ext cx="5151804" cy="0"/>
+          </a:xfrm>
+          <a:prstGeom prst="straightConnector1">
+            <a:avLst/>
+          </a:prstGeom>
+        </p:spPr>
+        <p:style>
+          <a:lnRef idx="2">
+            <a:schemeClr val="accent2"/>
+          </a:lnRef>
+          <a:fillRef idx="0">
+            <a:schemeClr val="accent2"/>
+          </a:fillRef>
+          <a:effectRef idx="1">
+            <a:schemeClr val="accent2"/>
+          </a:effectRef>
+          <a:fontRef idx="minor">
+            <a:schemeClr val="tx1"/>
+          </a:fontRef>
+        </p:style>
+      </p:cxnSp>
+      <p:sp>
+        <p:nvSpPr>
+          <p:cNvPr id="10" name="타원 9">
+            <a:extLst>
+              <a:ext uri="{FF2B5EF4-FFF2-40B4-BE49-F238E27FC236}">
+                <a16:creationId xmlns:a16="http://schemas.microsoft.com/office/drawing/2014/main" id="{85E4D448-5AFD-4DE9-ADAD-7BA278D31F0D}"/>
+              </a:ext>
+            </a:extLst>
+          </p:cNvPr>
+          <p:cNvSpPr/>
+          <p:nvPr/>
+        </p:nvSpPr>
+        <p:spPr>
+          <a:xfrm>
+            <a:off x="2349499" y="2935815"/>
+            <a:ext cx="607483" cy="728133"/>
+          </a:xfrm>
+          <a:prstGeom prst="ellipse">
+            <a:avLst/>
+          </a:prstGeom>
+          <a:noFill/>
+        </p:spPr>
+        <p:style>
+          <a:lnRef idx="2">
+            <a:schemeClr val="accent2">
+              <a:shade val="50000"/>
+            </a:schemeClr>
+          </a:lnRef>
+          <a:fillRef idx="1">
+            <a:schemeClr val="accent2"/>
+          </a:fillRef>
+          <a:effectRef idx="0">
+            <a:schemeClr val="accent2"/>
+          </a:effectRef>
+          <a:fontRef idx="minor">
+            <a:schemeClr val="lt1"/>
+          </a:fontRef>
+        </p:style>
+        <p:txBody>
+          <a:bodyPr rtlCol="0" anchor="ctr"/>
+          <a:lstStyle/>
+          <a:p>
+            <a:pPr algn="ctr"/>
+            <a:endParaRPr lang="ko-KR" altLang="en-US"/>
+          </a:p>
+        </p:txBody>
+      </p:sp>
+      <p:sp>
+        <p:nvSpPr>
+          <p:cNvPr id="12" name="타원 11">
+            <a:extLst>
+              <a:ext uri="{FF2B5EF4-FFF2-40B4-BE49-F238E27FC236}">
+                <a16:creationId xmlns:a16="http://schemas.microsoft.com/office/drawing/2014/main" id="{4EC34A51-6036-47D9-AA66-D44146543B11}"/>
+              </a:ext>
+            </a:extLst>
+          </p:cNvPr>
+          <p:cNvSpPr/>
+          <p:nvPr/>
+        </p:nvSpPr>
+        <p:spPr>
+          <a:xfrm>
+            <a:off x="2205565" y="5945715"/>
+            <a:ext cx="607483" cy="728133"/>
+          </a:xfrm>
+          <a:prstGeom prst="ellipse">
+            <a:avLst/>
+          </a:prstGeom>
+          <a:noFill/>
+        </p:spPr>
+        <p:style>
+          <a:lnRef idx="2">
+            <a:schemeClr val="accent2">
+              <a:shade val="50000"/>
+            </a:schemeClr>
+          </a:lnRef>
+          <a:fillRef idx="1">
+            <a:schemeClr val="accent2"/>
+          </a:fillRef>
+          <a:effectRef idx="0">
+            <a:schemeClr val="accent2"/>
+          </a:effectRef>
+          <a:fontRef idx="minor">
+            <a:schemeClr val="lt1"/>
+          </a:fontRef>
+        </p:style>
+        <p:txBody>
+          <a:bodyPr rtlCol="0" anchor="ctr"/>
+          <a:lstStyle/>
+          <a:p>
+            <a:pPr algn="ctr"/>
+            <a:endParaRPr lang="ko-KR" altLang="en-US"/>
+          </a:p>
+        </p:txBody>
+      </p:sp>
+      <p:cxnSp>
+        <p:nvCxnSpPr>
+          <p:cNvPr id="14" name="직선 화살표 연결선 13">
+            <a:extLst>
+              <a:ext uri="{FF2B5EF4-FFF2-40B4-BE49-F238E27FC236}">
+                <a16:creationId xmlns:a16="http://schemas.microsoft.com/office/drawing/2014/main" id="{1ABE4364-1712-4708-868D-BE3916E1EAA0}"/>
+              </a:ext>
+            </a:extLst>
+          </p:cNvPr>
+          <p:cNvCxnSpPr>
+            <a:cxnSpLocks/>
+          </p:cNvCxnSpPr>
+          <p:nvPr/>
+        </p:nvCxnSpPr>
+        <p:spPr>
+          <a:xfrm>
+            <a:off x="2956982" y="7214738"/>
+            <a:ext cx="6081185" cy="0"/>
+          </a:xfrm>
+          <a:prstGeom prst="straightConnector1">
+            <a:avLst/>
+          </a:prstGeom>
+        </p:spPr>
+        <p:style>
+          <a:lnRef idx="2">
+            <a:schemeClr val="accent2"/>
+          </a:lnRef>
+          <a:fillRef idx="0">
+            <a:schemeClr val="accent2"/>
+          </a:fillRef>
+          <a:effectRef idx="1">
+            <a:schemeClr val="accent2"/>
+          </a:effectRef>
+          <a:fontRef idx="minor">
+            <a:schemeClr val="tx1"/>
+          </a:fontRef>
+        </p:style>
+      </p:cxnSp>
+    </p:spTree>
+    <p:extLst>
+      <p:ext uri="{BB962C8B-B14F-4D97-AF65-F5344CB8AC3E}">
+        <p14:creationId xmlns:p14="http://schemas.microsoft.com/office/powerpoint/2010/main" val="2837429668"/>
+      </p:ext>
+    </p:extLst>
+  </p:cSld>
+  <p:clrMapOvr>
+    <a:masterClrMapping/>
+  </p:clrMapOvr>
+  <p:timing>
+    <p:tnLst>
+      <p:par>
+        <p:cTn id="1" dur="indefinite" restart="never" nodeType="tmRoot">
+          <p:childTnLst>
+            <p:seq concurrent="1" nextAc="seek">
+              <p:cTn id="2" dur="indefinite" nodeType="mainSeq">
+                <p:childTnLst>
+                  <p:par>
+                    <p:cTn id="3" fill="hold">
+                      <p:stCondLst>
+                        <p:cond delay="indefinite"/>
+                      </p:stCondLst>
+                      <p:childTnLst>
+                        <p:par>
+                          <p:cTn id="4" fill="hold">
+                            <p:stCondLst>
+                              <p:cond delay="0"/>
+                            </p:stCondLst>
+                            <p:childTnLst>
+                              <p:par>
+                                <p:cTn id="5" presetID="1" presetClass="entr" presetSubtype="0" fill="hold" nodeType="clickEffect">
+                                  <p:stCondLst>
+                                    <p:cond delay="0"/>
+                                  </p:stCondLst>
+                                  <p:childTnLst>
+                                    <p:set>
+                                      <p:cBhvr>
+                                        <p:cTn id="6" dur="1" fill="hold">
+                                          <p:stCondLst>
+                                            <p:cond delay="0"/>
+                                          </p:stCondLst>
+                                        </p:cTn>
+                                        <p:tgtEl>
+                                          <p:spTgt spid="2"/>
+                                        </p:tgtEl>
+                                        <p:attrNameLst>
+                                          <p:attrName>style.visibility</p:attrName>
+                                        </p:attrNameLst>
+                                      </p:cBhvr>
+                                      <p:to>
+                                        <p:strVal val="visible"/>
+                                      </p:to>
+                                    </p:set>
+                                  </p:childTnLst>
+                                </p:cTn>
+                              </p:par>
+                            </p:childTnLst>
+                          </p:cTn>
+                        </p:par>
+                      </p:childTnLst>
+                    </p:cTn>
+                  </p:par>
+                  <p:par>
+                    <p:cTn id="7" fill="hold">
+                      <p:stCondLst>
+                        <p:cond delay="indefinite"/>
+                      </p:stCondLst>
+                      <p:childTnLst>
+                        <p:par>
+                          <p:cTn id="8" fill="hold">
+                            <p:stCondLst>
+                              <p:cond delay="0"/>
+                            </p:stCondLst>
+                            <p:childTnLst>
+                              <p:par>
+                                <p:cTn id="9" presetID="1" presetClass="entr" presetSubtype="0" fill="hold" nodeType="clickEffect">
+                                  <p:stCondLst>
+                                    <p:cond delay="0"/>
+                                  </p:stCondLst>
+                                  <p:childTnLst>
+                                    <p:set>
+                                      <p:cBhvr>
+                                        <p:cTn id="10" dur="1" fill="hold">
+                                          <p:stCondLst>
+                                            <p:cond delay="0"/>
+                                          </p:stCondLst>
+                                        </p:cTn>
+                                        <p:tgtEl>
+                                          <p:spTgt spid="5"/>
+                                        </p:tgtEl>
+                                        <p:attrNameLst>
+                                          <p:attrName>style.visibility</p:attrName>
+                                        </p:attrNameLst>
+                                      </p:cBhvr>
+                                      <p:to>
+                                        <p:strVal val="visible"/>
+                                      </p:to>
+                                    </p:set>
+                                  </p:childTnLst>
+                                </p:cTn>
+                              </p:par>
+                            </p:childTnLst>
+                          </p:cTn>
+                        </p:par>
+                      </p:childTnLst>
+                    </p:cTn>
+                  </p:par>
+                  <p:par>
+                    <p:cTn id="11" fill="hold">
+                      <p:stCondLst>
+                        <p:cond delay="indefinite"/>
+                      </p:stCondLst>
+                      <p:childTnLst>
+                        <p:par>
+                          <p:cTn id="12" fill="hold">
+                            <p:stCondLst>
+                              <p:cond delay="0"/>
+                            </p:stCondLst>
+                            <p:childTnLst>
+                              <p:par>
+                                <p:cTn id="13" presetID="1" presetClass="entr" presetSubtype="0" fill="hold" grpId="0" nodeType="clickEffect">
+                                  <p:stCondLst>
+                                    <p:cond delay="0"/>
+                                  </p:stCondLst>
+                                  <p:childTnLst>
+                                    <p:set>
+                                      <p:cBhvr>
+                                        <p:cTn id="14" dur="1" fill="hold">
+                                          <p:stCondLst>
+                                            <p:cond delay="0"/>
+                                          </p:stCondLst>
+                                        </p:cTn>
+                                        <p:tgtEl>
+                                          <p:spTgt spid="10"/>
+                                        </p:tgtEl>
+                                        <p:attrNameLst>
+                                          <p:attrName>style.visibility</p:attrName>
+                                        </p:attrNameLst>
+                                      </p:cBhvr>
+                                      <p:to>
+                                        <p:strVal val="visible"/>
+                                      </p:to>
+                                    </p:set>
+                                  </p:childTnLst>
+                                </p:cTn>
+                              </p:par>
+                            </p:childTnLst>
+                          </p:cTn>
+                        </p:par>
+                      </p:childTnLst>
+                    </p:cTn>
+                  </p:par>
+                  <p:par>
+                    <p:cTn id="15" fill="hold">
+                      <p:stCondLst>
+                        <p:cond delay="indefinite"/>
+                      </p:stCondLst>
+                      <p:childTnLst>
+                        <p:par>
+                          <p:cTn id="16" fill="hold">
+                            <p:stCondLst>
+                              <p:cond delay="0"/>
+                            </p:stCondLst>
+                            <p:childTnLst>
+                              <p:par>
+                                <p:cTn id="17" presetID="1" presetClass="entr" presetSubtype="0" fill="hold" grpId="0" nodeType="clickEffect">
+                                  <p:stCondLst>
+                                    <p:cond delay="0"/>
+                                  </p:stCondLst>
+                                  <p:childTnLst>
+                                    <p:set>
+                                      <p:cBhvr>
+                                        <p:cTn id="18" dur="1" fill="hold">
+                                          <p:stCondLst>
+                                            <p:cond delay="0"/>
+                                          </p:stCondLst>
+                                        </p:cTn>
+                                        <p:tgtEl>
+                                          <p:spTgt spid="12"/>
+                                        </p:tgtEl>
+                                        <p:attrNameLst>
+                                          <p:attrName>style.visibility</p:attrName>
+                                        </p:attrNameLst>
+                                      </p:cBhvr>
+                                      <p:to>
+                                        <p:strVal val="visible"/>
+                                      </p:to>
+                                    </p:set>
+                                  </p:childTnLst>
+                                </p:cTn>
+                              </p:par>
+                            </p:childTnLst>
+                          </p:cTn>
+                        </p:par>
+                      </p:childTnLst>
+                    </p:cTn>
+                  </p:par>
+                  <p:par>
+                    <p:cTn id="19" fill="hold">
+                      <p:stCondLst>
+                        <p:cond delay="indefinite"/>
+                      </p:stCondLst>
+                      <p:childTnLst>
+                        <p:par>
+                          <p:cTn id="20" fill="hold">
+                            <p:stCondLst>
+                              <p:cond delay="0"/>
+                            </p:stCondLst>
+                            <p:childTnLst>
+                              <p:par>
+                                <p:cTn id="21" presetID="1" presetClass="entr" presetSubtype="0" fill="hold" nodeType="clickEffect">
+                                  <p:stCondLst>
+                                    <p:cond delay="0"/>
+                                  </p:stCondLst>
+                                  <p:childTnLst>
+                                    <p:set>
+                                      <p:cBhvr>
+                                        <p:cTn id="22" dur="1" fill="hold">
+                                          <p:stCondLst>
+                                            <p:cond delay="0"/>
+                                          </p:stCondLst>
+                                        </p:cTn>
+                                        <p:tgtEl>
+                                          <p:spTgt spid="14"/>
+                                        </p:tgtEl>
+                                        <p:attrNameLst>
+                                          <p:attrName>style.visibility</p:attrName>
+                                        </p:attrNameLst>
+                                      </p:cBhvr>
+                                      <p:to>
+                                        <p:strVal val="visible"/>
+                                      </p:to>
+                                    </p:set>
+                                  </p:childTnLst>
+                                </p:cTn>
+                              </p:par>
+                            </p:childTnLst>
+                          </p:cTn>
+                        </p:par>
+                      </p:childTnLst>
+                    </p:cTn>
+                  </p:par>
+                </p:childTnLst>
+              </p:cTn>
+              <p:prevCondLst>
+                <p:cond evt="onPrev" delay="0">
+                  <p:tgtEl>
+                    <p:sldTgt/>
+                  </p:tgtEl>
+                </p:cond>
+              </p:prevCondLst>
+              <p:nextCondLst>
+                <p:cond evt="onNext" delay="0">
+                  <p:tgtEl>
+                    <p:sldTgt/>
+                  </p:tgtEl>
+                </p:cond>
+              </p:nextCondLst>
+            </p:seq>
+          </p:childTnLst>
+        </p:cTn>
+      </p:par>
+    </p:tnLst>
+    <p:bldLst>
+      <p:bldP spid="10" grpId="0" animBg="1"/>
+      <p:bldP spid="12" grpId="0" animBg="1"/>
+    </p:bldLst>
+  </p:timing>
+</p:sld>
+</file>
+
+<file path=ppt/slides/slide26.xml><?xml version="1.0" encoding="utf-8"?>
 <p:sld xmlns:a="http://schemas.openxmlformats.org/drawingml/2006/main" xmlns:r="http://schemas.openxmlformats.org/officeDocument/2006/relationships" xmlns:p="http://schemas.openxmlformats.org/presentationml/2006/main">
   <p:cSld>
     <p:spTree>
@@ -19257,7 +21942,7 @@
           <p:cNvPr id="4" name="그림 3">
             <a:extLst>
               <a:ext uri="{FF2B5EF4-FFF2-40B4-BE49-F238E27FC236}">
-                <a16:creationId xmlns:a16="http://schemas.microsoft.com/office/drawing/2014/main" id="{AB844F8C-222E-4554-A29E-115F346A22EA}"/>
+                <a16:creationId xmlns:a16="http://schemas.microsoft.com/office/drawing/2014/main" id="{67B0E88A-E480-4BAD-B50B-32AB065A66A4}"/>
               </a:ext>
             </a:extLst>
           </p:cNvPr>
@@ -19274,14 +21959,1005 @@
         </p:blipFill>
         <p:spPr>
           <a:xfrm>
-            <a:off x="-1" y="0"/>
-            <a:ext cx="12561603" cy="6875114"/>
+            <a:off x="0" y="0"/>
+            <a:ext cx="12414598" cy="6858000"/>
           </a:xfrm>
           <a:prstGeom prst="rect">
             <a:avLst/>
           </a:prstGeom>
         </p:spPr>
       </p:pic>
+      <p:cxnSp>
+        <p:nvCxnSpPr>
+          <p:cNvPr id="6" name="직선 화살표 연결선 5">
+            <a:extLst>
+              <a:ext uri="{FF2B5EF4-FFF2-40B4-BE49-F238E27FC236}">
+                <a16:creationId xmlns:a16="http://schemas.microsoft.com/office/drawing/2014/main" id="{66F6EA4D-02F6-4D0E-97BA-47F06DB55AE9}"/>
+              </a:ext>
+            </a:extLst>
+          </p:cNvPr>
+          <p:cNvCxnSpPr>
+            <a:cxnSpLocks/>
+          </p:cNvCxnSpPr>
+          <p:nvPr/>
+        </p:nvCxnSpPr>
+        <p:spPr>
+          <a:xfrm>
+            <a:off x="2669279" y="3195189"/>
+            <a:ext cx="3797138" cy="0"/>
+          </a:xfrm>
+          <a:prstGeom prst="straightConnector1">
+            <a:avLst/>
+          </a:prstGeom>
+        </p:spPr>
+        <p:style>
+          <a:lnRef idx="2">
+            <a:schemeClr val="accent2"/>
+          </a:lnRef>
+          <a:fillRef idx="0">
+            <a:schemeClr val="accent2"/>
+          </a:fillRef>
+          <a:effectRef idx="1">
+            <a:schemeClr val="accent2"/>
+          </a:effectRef>
+          <a:fontRef idx="minor">
+            <a:schemeClr val="tx1"/>
+          </a:fontRef>
+        </p:style>
+      </p:cxnSp>
+      <p:cxnSp>
+        <p:nvCxnSpPr>
+          <p:cNvPr id="9" name="직선 화살표 연결선 8">
+            <a:extLst>
+              <a:ext uri="{FF2B5EF4-FFF2-40B4-BE49-F238E27FC236}">
+                <a16:creationId xmlns:a16="http://schemas.microsoft.com/office/drawing/2014/main" id="{DB43868D-4C50-4D4F-9B4D-1513D1754D6E}"/>
+              </a:ext>
+            </a:extLst>
+          </p:cNvPr>
+          <p:cNvCxnSpPr>
+            <a:cxnSpLocks/>
+          </p:cNvCxnSpPr>
+          <p:nvPr/>
+        </p:nvCxnSpPr>
+        <p:spPr>
+          <a:xfrm>
+            <a:off x="2451263" y="3580423"/>
+            <a:ext cx="9539654" cy="0"/>
+          </a:xfrm>
+          <a:prstGeom prst="straightConnector1">
+            <a:avLst/>
+          </a:prstGeom>
+        </p:spPr>
+        <p:style>
+          <a:lnRef idx="2">
+            <a:schemeClr val="accent2"/>
+          </a:lnRef>
+          <a:fillRef idx="0">
+            <a:schemeClr val="accent2"/>
+          </a:fillRef>
+          <a:effectRef idx="1">
+            <a:schemeClr val="accent2"/>
+          </a:effectRef>
+          <a:fontRef idx="minor">
+            <a:schemeClr val="tx1"/>
+          </a:fontRef>
+        </p:style>
+      </p:cxnSp>
+    </p:spTree>
+    <p:extLst>
+      <p:ext uri="{BB962C8B-B14F-4D97-AF65-F5344CB8AC3E}">
+        <p14:creationId xmlns:p14="http://schemas.microsoft.com/office/powerpoint/2010/main" val="3555049307"/>
+      </p:ext>
+    </p:extLst>
+  </p:cSld>
+  <p:clrMapOvr>
+    <a:masterClrMapping/>
+  </p:clrMapOvr>
+  <p:timing>
+    <p:tnLst>
+      <p:par>
+        <p:cTn id="1" dur="indefinite" restart="never" nodeType="tmRoot">
+          <p:childTnLst>
+            <p:seq concurrent="1" nextAc="seek">
+              <p:cTn id="2" dur="indefinite" nodeType="mainSeq">
+                <p:childTnLst>
+                  <p:par>
+                    <p:cTn id="3" fill="hold">
+                      <p:stCondLst>
+                        <p:cond delay="indefinite"/>
+                      </p:stCondLst>
+                      <p:childTnLst>
+                        <p:par>
+                          <p:cTn id="4" fill="hold">
+                            <p:stCondLst>
+                              <p:cond delay="0"/>
+                            </p:stCondLst>
+                            <p:childTnLst>
+                              <p:par>
+                                <p:cTn id="5" presetID="1" presetClass="entr" presetSubtype="0" fill="hold" nodeType="clickEffect">
+                                  <p:stCondLst>
+                                    <p:cond delay="0"/>
+                                  </p:stCondLst>
+                                  <p:childTnLst>
+                                    <p:set>
+                                      <p:cBhvr>
+                                        <p:cTn id="6" dur="1" fill="hold">
+                                          <p:stCondLst>
+                                            <p:cond delay="0"/>
+                                          </p:stCondLst>
+                                        </p:cTn>
+                                        <p:tgtEl>
+                                          <p:spTgt spid="6"/>
+                                        </p:tgtEl>
+                                        <p:attrNameLst>
+                                          <p:attrName>style.visibility</p:attrName>
+                                        </p:attrNameLst>
+                                      </p:cBhvr>
+                                      <p:to>
+                                        <p:strVal val="visible"/>
+                                      </p:to>
+                                    </p:set>
+                                  </p:childTnLst>
+                                </p:cTn>
+                              </p:par>
+                            </p:childTnLst>
+                          </p:cTn>
+                        </p:par>
+                      </p:childTnLst>
+                    </p:cTn>
+                  </p:par>
+                  <p:par>
+                    <p:cTn id="7" fill="hold">
+                      <p:stCondLst>
+                        <p:cond delay="indefinite"/>
+                      </p:stCondLst>
+                      <p:childTnLst>
+                        <p:par>
+                          <p:cTn id="8" fill="hold">
+                            <p:stCondLst>
+                              <p:cond delay="0"/>
+                            </p:stCondLst>
+                            <p:childTnLst>
+                              <p:par>
+                                <p:cTn id="9" presetID="1" presetClass="entr" presetSubtype="0" fill="hold" nodeType="clickEffect">
+                                  <p:stCondLst>
+                                    <p:cond delay="0"/>
+                                  </p:stCondLst>
+                                  <p:childTnLst>
+                                    <p:set>
+                                      <p:cBhvr>
+                                        <p:cTn id="10" dur="1" fill="hold">
+                                          <p:stCondLst>
+                                            <p:cond delay="0"/>
+                                          </p:stCondLst>
+                                        </p:cTn>
+                                        <p:tgtEl>
+                                          <p:spTgt spid="9"/>
+                                        </p:tgtEl>
+                                        <p:attrNameLst>
+                                          <p:attrName>style.visibility</p:attrName>
+                                        </p:attrNameLst>
+                                      </p:cBhvr>
+                                      <p:to>
+                                        <p:strVal val="visible"/>
+                                      </p:to>
+                                    </p:set>
+                                  </p:childTnLst>
+                                </p:cTn>
+                              </p:par>
+                            </p:childTnLst>
+                          </p:cTn>
+                        </p:par>
+                      </p:childTnLst>
+                    </p:cTn>
+                  </p:par>
+                </p:childTnLst>
+              </p:cTn>
+              <p:prevCondLst>
+                <p:cond evt="onPrev" delay="0">
+                  <p:tgtEl>
+                    <p:sldTgt/>
+                  </p:tgtEl>
+                </p:cond>
+              </p:prevCondLst>
+              <p:nextCondLst>
+                <p:cond evt="onNext" delay="0">
+                  <p:tgtEl>
+                    <p:sldTgt/>
+                  </p:tgtEl>
+                </p:cond>
+              </p:nextCondLst>
+            </p:seq>
+          </p:childTnLst>
+        </p:cTn>
+      </p:par>
+    </p:tnLst>
+  </p:timing>
+</p:sld>
+</file>
+
+<file path=ppt/slides/slide27.xml><?xml version="1.0" encoding="utf-8"?>
+<p:sld xmlns:a="http://schemas.openxmlformats.org/drawingml/2006/main" xmlns:r="http://schemas.openxmlformats.org/officeDocument/2006/relationships" xmlns:p="http://schemas.openxmlformats.org/presentationml/2006/main">
+  <p:cSld>
+    <p:spTree>
+      <p:nvGrpSpPr>
+        <p:cNvPr id="1" name=""/>
+        <p:cNvGrpSpPr/>
+        <p:nvPr/>
+      </p:nvGrpSpPr>
+      <p:grpSpPr>
+        <a:xfrm>
+          <a:off x="0" y="0"/>
+          <a:ext cx="0" cy="0"/>
+          <a:chOff x="0" y="0"/>
+          <a:chExt cx="0" cy="0"/>
+        </a:xfrm>
+      </p:grpSpPr>
+    </p:spTree>
+    <p:extLst>
+      <p:ext uri="{BB962C8B-B14F-4D97-AF65-F5344CB8AC3E}">
+        <p14:creationId xmlns:p14="http://schemas.microsoft.com/office/powerpoint/2010/main" val="3011672381"/>
+      </p:ext>
+    </p:extLst>
+  </p:cSld>
+  <p:clrMapOvr>
+    <a:masterClrMapping/>
+  </p:clrMapOvr>
+</p:sld>
+</file>
+
+<file path=ppt/slides/slide28.xml><?xml version="1.0" encoding="utf-8"?>
+<p:sld xmlns:a="http://schemas.openxmlformats.org/drawingml/2006/main" xmlns:r="http://schemas.openxmlformats.org/officeDocument/2006/relationships" xmlns:p="http://schemas.openxmlformats.org/presentationml/2006/main">
+  <p:cSld>
+    <p:spTree>
+      <p:nvGrpSpPr>
+        <p:cNvPr id="1" name=""/>
+        <p:cNvGrpSpPr/>
+        <p:nvPr/>
+      </p:nvGrpSpPr>
+      <p:grpSpPr>
+        <a:xfrm>
+          <a:off x="0" y="0"/>
+          <a:ext cx="0" cy="0"/>
+          <a:chOff x="0" y="0"/>
+          <a:chExt cx="0" cy="0"/>
+        </a:xfrm>
+      </p:grpSpPr>
+      <p:pic>
+        <p:nvPicPr>
+          <p:cNvPr id="4" name="그림 3">
+            <a:extLst>
+              <a:ext uri="{FF2B5EF4-FFF2-40B4-BE49-F238E27FC236}">
+                <a16:creationId xmlns:a16="http://schemas.microsoft.com/office/drawing/2014/main" id="{E9ABA14E-99A9-450C-9ACC-88640A910890}"/>
+              </a:ext>
+            </a:extLst>
+          </p:cNvPr>
+          <p:cNvPicPr>
+            <a:picLocks noChangeAspect="1"/>
+          </p:cNvPicPr>
+          <p:nvPr/>
+        </p:nvPicPr>
+        <p:blipFill>
+          <a:blip r:embed="rId2"/>
+          <a:stretch>
+            <a:fillRect/>
+          </a:stretch>
+        </p:blipFill>
+        <p:spPr>
+          <a:xfrm>
+            <a:off x="0" y="-1"/>
+            <a:ext cx="12192000" cy="7132735"/>
+          </a:xfrm>
+          <a:prstGeom prst="rect">
+            <a:avLst/>
+          </a:prstGeom>
+        </p:spPr>
+      </p:pic>
+    </p:spTree>
+    <p:extLst>
+      <p:ext uri="{BB962C8B-B14F-4D97-AF65-F5344CB8AC3E}">
+        <p14:creationId xmlns:p14="http://schemas.microsoft.com/office/powerpoint/2010/main" val="597390886"/>
+      </p:ext>
+    </p:extLst>
+  </p:cSld>
+  <p:clrMapOvr>
+    <a:masterClrMapping/>
+  </p:clrMapOvr>
+</p:sld>
+</file>
+
+<file path=ppt/slides/slide29.xml><?xml version="1.0" encoding="utf-8"?>
+<p:sld xmlns:a="http://schemas.openxmlformats.org/drawingml/2006/main" xmlns:r="http://schemas.openxmlformats.org/officeDocument/2006/relationships" xmlns:p="http://schemas.openxmlformats.org/presentationml/2006/main">
+  <p:cSld>
+    <p:spTree>
+      <p:nvGrpSpPr>
+        <p:cNvPr id="1" name=""/>
+        <p:cNvGrpSpPr/>
+        <p:nvPr/>
+      </p:nvGrpSpPr>
+      <p:grpSpPr>
+        <a:xfrm>
+          <a:off x="0" y="0"/>
+          <a:ext cx="0" cy="0"/>
+          <a:chOff x="0" y="0"/>
+          <a:chExt cx="0" cy="0"/>
+        </a:xfrm>
+      </p:grpSpPr>
+      <p:sp>
+        <p:nvSpPr>
+          <p:cNvPr id="2" name="제목 1">
+            <a:extLst>
+              <a:ext uri="{FF2B5EF4-FFF2-40B4-BE49-F238E27FC236}">
+                <a16:creationId xmlns:a16="http://schemas.microsoft.com/office/drawing/2014/main" id="{A8825A3A-46BD-46AF-91D6-F8A3DD1A8763}"/>
+              </a:ext>
+            </a:extLst>
+          </p:cNvPr>
+          <p:cNvSpPr>
+            <a:spLocks noGrp="1"/>
+          </p:cNvSpPr>
+          <p:nvPr>
+            <p:ph type="title"/>
+          </p:nvPr>
+        </p:nvSpPr>
+        <p:spPr/>
+        <p:txBody>
+          <a:bodyPr/>
+          <a:lstStyle/>
+          <a:p>
+            <a:r>
+              <a:rPr lang="af-ZA" altLang="ko-KR"/>
+              <a:t>R</a:t>
+            </a:r>
+            <a:r>
+              <a:rPr lang="LID4096" altLang="ko-KR"/>
+              <a:t>2</a:t>
+            </a:r>
+            <a:r>
+              <a:rPr lang="ko" altLang="en-US"/>
+              <a:t> 스코어</a:t>
+            </a:r>
+            <a:endParaRPr lang="ko-KR" altLang="en-US"/>
+          </a:p>
+        </p:txBody>
+      </p:sp>
+      <p:sp>
+        <p:nvSpPr>
+          <p:cNvPr id="3" name="내용 개체 틀 2">
+            <a:extLst>
+              <a:ext uri="{FF2B5EF4-FFF2-40B4-BE49-F238E27FC236}">
+                <a16:creationId xmlns:a16="http://schemas.microsoft.com/office/drawing/2014/main" id="{9F54871D-2D6A-4371-8557-2FA599D8113B}"/>
+              </a:ext>
+            </a:extLst>
+          </p:cNvPr>
+          <p:cNvSpPr>
+            <a:spLocks noGrp="1"/>
+          </p:cNvSpPr>
+          <p:nvPr>
+            <p:ph idx="1"/>
+          </p:nvPr>
+        </p:nvSpPr>
+        <p:spPr/>
+        <p:txBody>
+          <a:bodyPr/>
+          <a:lstStyle/>
+          <a:p>
+            <a:endParaRPr lang="ko-KR" altLang="en-US"/>
+          </a:p>
+        </p:txBody>
+      </p:sp>
+    </p:spTree>
+    <p:extLst>
+      <p:ext uri="{BB962C8B-B14F-4D97-AF65-F5344CB8AC3E}">
+        <p14:creationId xmlns:p14="http://schemas.microsoft.com/office/powerpoint/2010/main" val="2554699977"/>
+      </p:ext>
+    </p:extLst>
+  </p:cSld>
+  <p:clrMapOvr>
+    <a:masterClrMapping/>
+  </p:clrMapOvr>
+</p:sld>
+</file>
+
+<file path=ppt/slides/slide3.xml><?xml version="1.0" encoding="utf-8"?>
+<p:sld xmlns:a="http://schemas.openxmlformats.org/drawingml/2006/main" xmlns:r="http://schemas.openxmlformats.org/officeDocument/2006/relationships" xmlns:p="http://schemas.openxmlformats.org/presentationml/2006/main">
+  <p:cSld>
+    <p:spTree>
+      <p:nvGrpSpPr>
+        <p:cNvPr id="1" name=""/>
+        <p:cNvGrpSpPr/>
+        <p:nvPr/>
+      </p:nvGrpSpPr>
+      <p:grpSpPr>
+        <a:xfrm>
+          <a:off x="0" y="0"/>
+          <a:ext cx="0" cy="0"/>
+          <a:chOff x="0" y="0"/>
+          <a:chExt cx="0" cy="0"/>
+        </a:xfrm>
+      </p:grpSpPr>
+      <p:sp>
+        <p:nvSpPr>
+          <p:cNvPr id="2" name="제목 1">
+            <a:extLst>
+              <a:ext uri="{FF2B5EF4-FFF2-40B4-BE49-F238E27FC236}">
+                <a16:creationId xmlns:a16="http://schemas.microsoft.com/office/drawing/2014/main" id="{A564643B-9141-F8EE-9089-CC26FD48927C}"/>
+              </a:ext>
+            </a:extLst>
+          </p:cNvPr>
+          <p:cNvSpPr>
+            <a:spLocks noGrp="1"/>
+          </p:cNvSpPr>
+          <p:nvPr>
+            <p:ph type="title"/>
+          </p:nvPr>
+        </p:nvSpPr>
+        <p:spPr/>
+        <p:txBody>
+          <a:bodyPr/>
+          <a:lstStyle/>
+          <a:p>
+            <a:r>
+              <a:rPr lang="ko-KR" altLang="en-US" dirty="0">
+                <a:ea typeface="맑은 고딕"/>
+              </a:rPr>
+              <a:t>데이터</a:t>
+            </a:r>
+            <a:br>
+              <a:rPr lang="en-US" altLang="ko-KR" dirty="0">
+                <a:ea typeface="맑은 고딕"/>
+              </a:rPr>
+            </a:br>
+            <a:r>
+              <a:rPr lang="ko-KR" altLang="en-US" dirty="0">
+                <a:ea typeface="맑은 고딕"/>
+              </a:rPr>
+              <a:t> </a:t>
+            </a:r>
+            <a:br>
+              <a:rPr lang="en-US" altLang="ko-KR" dirty="0">
+                <a:ea typeface="맑은 고딕"/>
+              </a:rPr>
+            </a:br>
+            <a:r>
+              <a:rPr lang="ko-KR" altLang="en-US" dirty="0">
+                <a:ea typeface="맑은 고딕"/>
+              </a:rPr>
+              <a:t>수집과정</a:t>
+            </a:r>
+          </a:p>
+        </p:txBody>
+      </p:sp>
+      <p:sp>
+        <p:nvSpPr>
+          <p:cNvPr id="3" name="내용 개체 틀 2">
+            <a:extLst>
+              <a:ext uri="{FF2B5EF4-FFF2-40B4-BE49-F238E27FC236}">
+                <a16:creationId xmlns:a16="http://schemas.microsoft.com/office/drawing/2014/main" id="{6DE2F383-298E-12EE-A134-72E995296C3F}"/>
+              </a:ext>
+            </a:extLst>
+          </p:cNvPr>
+          <p:cNvSpPr>
+            <a:spLocks noGrp="1"/>
+          </p:cNvSpPr>
+          <p:nvPr>
+            <p:ph idx="1"/>
+          </p:nvPr>
+        </p:nvSpPr>
+        <p:spPr>
+          <a:xfrm>
+            <a:off x="5118447" y="1261858"/>
+            <a:ext cx="6281873" cy="4789949"/>
+          </a:xfrm>
+        </p:spPr>
+        <p:txBody>
+          <a:bodyPr vert="horz" lIns="91440" tIns="45720" rIns="91440" bIns="45720" rtlCol="0" anchor="t">
+            <a:normAutofit/>
+          </a:bodyPr>
+          <a:lstStyle/>
+          <a:p>
+            <a:r>
+              <a:rPr lang="ko-KR" altLang="en-US" dirty="0">
+                <a:ea typeface="맑은 고딕"/>
+              </a:rPr>
+              <a:t>출처 - 위키백과, 나무위키</a:t>
+            </a:r>
+            <a:endParaRPr lang="en-US" altLang="ko-KR" dirty="0">
+              <a:ea typeface="맑은 고딕"/>
+            </a:endParaRPr>
+          </a:p>
+          <a:p>
+            <a:endParaRPr lang="ko-KR" altLang="en-US" dirty="0">
+              <a:ea typeface="맑은 고딕"/>
+            </a:endParaRPr>
+          </a:p>
+          <a:p>
+            <a:r>
+              <a:rPr lang="ko-KR" altLang="en-US" dirty="0">
+                <a:ea typeface="맑은 고딕"/>
+              </a:rPr>
+              <a:t>대통령 분류 기준</a:t>
+            </a:r>
+          </a:p>
+          <a:p>
+            <a:pPr lvl="1"/>
+            <a:r>
+              <a:rPr lang="ko-KR" altLang="en-US" dirty="0">
+                <a:ea typeface="맑은 고딕"/>
+              </a:rPr>
+              <a:t>0 = 여당</a:t>
+            </a:r>
+          </a:p>
+          <a:p>
+            <a:pPr lvl="1"/>
+            <a:r>
+              <a:rPr lang="ko-KR" altLang="en-US" dirty="0">
+                <a:ea typeface="맑은 고딕"/>
+              </a:rPr>
+              <a:t>1 = 야당</a:t>
+            </a:r>
+          </a:p>
+          <a:p>
+            <a:pPr lvl="1"/>
+            <a:endParaRPr lang="ko-KR" altLang="en-US" dirty="0">
+              <a:ea typeface="맑은 고딕"/>
+            </a:endParaRPr>
+          </a:p>
+          <a:p>
+            <a:r>
+              <a:rPr lang="ko-KR" altLang="en-US" dirty="0">
+                <a:ea typeface="맑은 고딕"/>
+              </a:rPr>
+              <a:t>국회의원 분류 기준</a:t>
+            </a:r>
+          </a:p>
+          <a:p>
+            <a:pPr lvl="1"/>
+            <a:r>
+              <a:rPr lang="ko-KR" altLang="en-US" dirty="0">
+                <a:ea typeface="맑은 고딕"/>
+              </a:rPr>
+              <a:t>민주당계</a:t>
+            </a:r>
+          </a:p>
+          <a:p>
+            <a:pPr lvl="1"/>
+            <a:r>
+              <a:rPr lang="ko-KR" altLang="en-US" dirty="0">
+                <a:ea typeface="맑은 고딕"/>
+              </a:rPr>
+              <a:t>보수당계</a:t>
+            </a:r>
+          </a:p>
+          <a:p>
+            <a:pPr lvl="1"/>
+            <a:r>
+              <a:rPr lang="ko-KR" altLang="en-US" dirty="0">
+                <a:ea typeface="맑은 고딕"/>
+              </a:rPr>
+              <a:t>진보당계</a:t>
+            </a:r>
+          </a:p>
+          <a:p>
+            <a:pPr lvl="1"/>
+            <a:r>
+              <a:rPr lang="ko-KR" altLang="en-US" dirty="0">
+                <a:ea typeface="맑은 고딕"/>
+              </a:rPr>
+              <a:t>무소속</a:t>
+            </a:r>
+          </a:p>
+          <a:p>
+            <a:pPr lvl="1"/>
+            <a:endParaRPr lang="ko-KR" altLang="en-US" dirty="0">
+              <a:ea typeface="맑은 고딕"/>
+            </a:endParaRPr>
+          </a:p>
+        </p:txBody>
+      </p:sp>
+    </p:spTree>
+    <p:extLst>
+      <p:ext uri="{BB962C8B-B14F-4D97-AF65-F5344CB8AC3E}">
+        <p14:creationId xmlns:p14="http://schemas.microsoft.com/office/powerpoint/2010/main" val="3146945159"/>
+      </p:ext>
+    </p:extLst>
+  </p:cSld>
+  <p:clrMapOvr>
+    <a:masterClrMapping/>
+  </p:clrMapOvr>
+</p:sld>
+</file>
+
+<file path=ppt/slides/slide30.xml><?xml version="1.0" encoding="utf-8"?>
+<p:sld xmlns:a="http://schemas.openxmlformats.org/drawingml/2006/main" xmlns:r="http://schemas.openxmlformats.org/officeDocument/2006/relationships" xmlns:p="http://schemas.openxmlformats.org/presentationml/2006/main">
+  <p:cSld>
+    <p:spTree>
+      <p:nvGrpSpPr>
+        <p:cNvPr id="1" name=""/>
+        <p:cNvGrpSpPr/>
+        <p:nvPr/>
+      </p:nvGrpSpPr>
+      <p:grpSpPr>
+        <a:xfrm>
+          <a:off x="0" y="0"/>
+          <a:ext cx="0" cy="0"/>
+          <a:chOff x="0" y="0"/>
+          <a:chExt cx="0" cy="0"/>
+        </a:xfrm>
+      </p:grpSpPr>
+      <p:sp>
+        <p:nvSpPr>
+          <p:cNvPr id="2" name="제목 1">
+            <a:extLst>
+              <a:ext uri="{FF2B5EF4-FFF2-40B4-BE49-F238E27FC236}">
+                <a16:creationId xmlns:a16="http://schemas.microsoft.com/office/drawing/2014/main" id="{AEA75DA2-93CB-4E87-99E8-C0F0ED98BD53}"/>
+              </a:ext>
+            </a:extLst>
+          </p:cNvPr>
+          <p:cNvSpPr>
+            <a:spLocks noGrp="1"/>
+          </p:cNvSpPr>
+          <p:nvPr>
+            <p:ph type="title"/>
+          </p:nvPr>
+        </p:nvSpPr>
+        <p:spPr/>
+        <p:txBody>
+          <a:bodyPr/>
+          <a:lstStyle/>
+          <a:p>
+            <a:r>
+              <a:rPr lang="ko" altLang="en-US"/>
+              <a:t>결과값</a:t>
+            </a:r>
+            <a:endParaRPr lang="ko-KR" altLang="en-US"/>
+          </a:p>
+        </p:txBody>
+      </p:sp>
+      <p:sp>
+        <p:nvSpPr>
+          <p:cNvPr id="3" name="내용 개체 틀 2">
+            <a:extLst>
+              <a:ext uri="{FF2B5EF4-FFF2-40B4-BE49-F238E27FC236}">
+                <a16:creationId xmlns:a16="http://schemas.microsoft.com/office/drawing/2014/main" id="{A4C2AD02-DB97-4D2C-BF24-45CE1BA99BF3}"/>
+              </a:ext>
+            </a:extLst>
+          </p:cNvPr>
+          <p:cNvSpPr>
+            <a:spLocks noGrp="1"/>
+          </p:cNvSpPr>
+          <p:nvPr>
+            <p:ph idx="1"/>
+          </p:nvPr>
+        </p:nvSpPr>
+        <p:spPr/>
+        <p:txBody>
+          <a:bodyPr/>
+          <a:lstStyle/>
+          <a:p>
+            <a:endParaRPr lang="ko-KR" altLang="en-US"/>
+          </a:p>
+        </p:txBody>
+      </p:sp>
+    </p:spTree>
+    <p:extLst>
+      <p:ext uri="{BB962C8B-B14F-4D97-AF65-F5344CB8AC3E}">
+        <p14:creationId xmlns:p14="http://schemas.microsoft.com/office/powerpoint/2010/main" val="1966618554"/>
+      </p:ext>
+    </p:extLst>
+  </p:cSld>
+  <p:clrMapOvr>
+    <a:masterClrMapping/>
+  </p:clrMapOvr>
+</p:sld>
+</file>
+
+<file path=ppt/slides/slide31.xml><?xml version="1.0" encoding="utf-8"?>
+<p:sld xmlns:a="http://schemas.openxmlformats.org/drawingml/2006/main" xmlns:r="http://schemas.openxmlformats.org/officeDocument/2006/relationships" xmlns:p="http://schemas.openxmlformats.org/presentationml/2006/main">
+  <p:cSld>
+    <p:spTree>
+      <p:nvGrpSpPr>
+        <p:cNvPr id="1" name=""/>
+        <p:cNvGrpSpPr/>
+        <p:nvPr/>
+      </p:nvGrpSpPr>
+      <p:grpSpPr>
+        <a:xfrm>
+          <a:off x="0" y="0"/>
+          <a:ext cx="0" cy="0"/>
+          <a:chOff x="0" y="0"/>
+          <a:chExt cx="0" cy="0"/>
+        </a:xfrm>
+      </p:grpSpPr>
+      <p:sp>
+        <p:nvSpPr>
+          <p:cNvPr id="2" name="제목 1">
+            <a:extLst>
+              <a:ext uri="{FF2B5EF4-FFF2-40B4-BE49-F238E27FC236}">
+                <a16:creationId xmlns:a16="http://schemas.microsoft.com/office/drawing/2014/main" id="{20B809F1-AAB9-4606-A695-25E68C513A43}"/>
+              </a:ext>
+            </a:extLst>
+          </p:cNvPr>
+          <p:cNvSpPr>
+            <a:spLocks noGrp="1"/>
+          </p:cNvSpPr>
+          <p:nvPr>
+            <p:ph type="title"/>
+          </p:nvPr>
+        </p:nvSpPr>
+        <p:spPr/>
+        <p:txBody>
+          <a:bodyPr/>
+          <a:lstStyle/>
+          <a:p>
+            <a:r>
+              <a:rPr lang="ko" altLang="en-US"/>
+              <a:t>핵심코드 </a:t>
+            </a:r>
+            <a:endParaRPr lang="ko-KR" altLang="en-US"/>
+          </a:p>
+        </p:txBody>
+      </p:sp>
+      <p:sp>
+        <p:nvSpPr>
+          <p:cNvPr id="3" name="내용 개체 틀 2">
+            <a:extLst>
+              <a:ext uri="{FF2B5EF4-FFF2-40B4-BE49-F238E27FC236}">
+                <a16:creationId xmlns:a16="http://schemas.microsoft.com/office/drawing/2014/main" id="{8A11E129-9E12-44EA-A4E3-5DD874109E28}"/>
+              </a:ext>
+            </a:extLst>
+          </p:cNvPr>
+          <p:cNvSpPr>
+            <a:spLocks noGrp="1"/>
+          </p:cNvSpPr>
+          <p:nvPr>
+            <p:ph idx="1"/>
+          </p:nvPr>
+        </p:nvSpPr>
+        <p:spPr/>
+        <p:txBody>
+          <a:bodyPr>
+            <a:normAutofit/>
+          </a:bodyPr>
+          <a:lstStyle/>
+          <a:p>
+            <a:r>
+              <a:rPr lang="af-ZA" altLang="ko-KR" b="0">
+                <a:solidFill>
+                  <a:srgbClr val="9CDCFE"/>
+                </a:solidFill>
+                <a:effectLst/>
+                <a:latin typeface="Consolas" panose="020B0609020204030204" pitchFamily="49" charset="0"/>
+              </a:rPr>
+              <a:t>econo_x_test</a:t>
+            </a:r>
+            <a:r>
+              <a:rPr lang="af-ZA" altLang="ko-KR" b="0">
+                <a:solidFill>
+                  <a:srgbClr val="D4D4D4"/>
+                </a:solidFill>
+                <a:effectLst/>
+                <a:latin typeface="Consolas" panose="020B0609020204030204" pitchFamily="49" charset="0"/>
+              </a:rPr>
+              <a:t> = </a:t>
+            </a:r>
+            <a:r>
+              <a:rPr lang="af-ZA" altLang="ko-KR" b="0">
+                <a:solidFill>
+                  <a:srgbClr val="4EC9B0"/>
+                </a:solidFill>
+                <a:effectLst/>
+                <a:latin typeface="Consolas" panose="020B0609020204030204" pitchFamily="49" charset="0"/>
+              </a:rPr>
+              <a:t>F</a:t>
+            </a:r>
+            <a:r>
+              <a:rPr lang="af-ZA" altLang="ko-KR" b="0">
+                <a:solidFill>
+                  <a:srgbClr val="D4D4D4"/>
+                </a:solidFill>
+                <a:effectLst/>
+                <a:latin typeface="Consolas" panose="020B0609020204030204" pitchFamily="49" charset="0"/>
+              </a:rPr>
+              <a:t>.</a:t>
+            </a:r>
+            <a:r>
+              <a:rPr lang="af-ZA" altLang="ko-KR" b="0">
+                <a:solidFill>
+                  <a:srgbClr val="DCDCAA"/>
+                </a:solidFill>
+                <a:effectLst/>
+                <a:latin typeface="Consolas" panose="020B0609020204030204" pitchFamily="49" charset="0"/>
+              </a:rPr>
+              <a:t>interpolate</a:t>
+            </a:r>
+            <a:r>
+              <a:rPr lang="af-ZA" altLang="ko-KR" b="0">
+                <a:solidFill>
+                  <a:srgbClr val="D4D4D4"/>
+                </a:solidFill>
+                <a:effectLst/>
+                <a:latin typeface="Consolas" panose="020B0609020204030204" pitchFamily="49" charset="0"/>
+              </a:rPr>
+              <a:t>(</a:t>
+            </a:r>
+            <a:r>
+              <a:rPr lang="af-ZA" altLang="ko-KR" b="0">
+                <a:solidFill>
+                  <a:srgbClr val="9CDCFE"/>
+                </a:solidFill>
+                <a:effectLst/>
+                <a:latin typeface="Consolas" panose="020B0609020204030204" pitchFamily="49" charset="0"/>
+              </a:rPr>
+              <a:t>econo_x_test</a:t>
+            </a:r>
+            <a:r>
+              <a:rPr lang="af-ZA" altLang="ko-KR" b="0">
+                <a:solidFill>
+                  <a:srgbClr val="D4D4D4"/>
+                </a:solidFill>
+                <a:effectLst/>
+                <a:latin typeface="Consolas" panose="020B0609020204030204" pitchFamily="49" charset="0"/>
+              </a:rPr>
+              <a:t>, </a:t>
+            </a:r>
+            <a:r>
+              <a:rPr lang="af-ZA" altLang="ko-KR" b="0">
+                <a:solidFill>
+                  <a:srgbClr val="9CDCFE"/>
+                </a:solidFill>
+                <a:effectLst/>
+                <a:latin typeface="Consolas" panose="020B0609020204030204" pitchFamily="49" charset="0"/>
+              </a:rPr>
+              <a:t>scale_factor</a:t>
+            </a:r>
+            <a:r>
+              <a:rPr lang="af-ZA" altLang="ko-KR" b="0">
+                <a:solidFill>
+                  <a:srgbClr val="D4D4D4"/>
+                </a:solidFill>
+                <a:effectLst/>
+                <a:latin typeface="Consolas" panose="020B0609020204030204" pitchFamily="49" charset="0"/>
+              </a:rPr>
+              <a:t>=</a:t>
+            </a:r>
+            <a:r>
+              <a:rPr lang="af-ZA" altLang="ko-KR" b="0">
+                <a:solidFill>
+                  <a:srgbClr val="B5CEA8"/>
+                </a:solidFill>
+                <a:effectLst/>
+                <a:latin typeface="Consolas" panose="020B0609020204030204" pitchFamily="49" charset="0"/>
+              </a:rPr>
+              <a:t>50</a:t>
+            </a:r>
+            <a:r>
+              <a:rPr lang="af-ZA" altLang="ko-KR" b="0">
+                <a:solidFill>
+                  <a:srgbClr val="D4D4D4"/>
+                </a:solidFill>
+                <a:effectLst/>
+                <a:latin typeface="Consolas" panose="020B0609020204030204" pitchFamily="49" charset="0"/>
+              </a:rPr>
+              <a:t>, </a:t>
+            </a:r>
+            <a:r>
+              <a:rPr lang="af-ZA" altLang="ko-KR" b="0">
+                <a:solidFill>
+                  <a:srgbClr val="9CDCFE"/>
+                </a:solidFill>
+                <a:effectLst/>
+                <a:latin typeface="Consolas" panose="020B0609020204030204" pitchFamily="49" charset="0"/>
+              </a:rPr>
+              <a:t>mode</a:t>
+            </a:r>
+            <a:r>
+              <a:rPr lang="af-ZA" altLang="ko-KR" b="0">
+                <a:solidFill>
+                  <a:srgbClr val="D4D4D4"/>
+                </a:solidFill>
+                <a:effectLst/>
+                <a:latin typeface="Consolas" panose="020B0609020204030204" pitchFamily="49" charset="0"/>
+              </a:rPr>
+              <a:t>=</a:t>
+            </a:r>
+            <a:r>
+              <a:rPr lang="af-ZA" altLang="ko-KR" b="0">
+                <a:solidFill>
+                  <a:srgbClr val="CE9178"/>
+                </a:solidFill>
+                <a:effectLst/>
+                <a:latin typeface="Consolas" panose="020B0609020204030204" pitchFamily="49" charset="0"/>
+              </a:rPr>
+              <a:t>'linear＇</a:t>
+            </a:r>
+            <a:r>
+              <a:rPr lang="af-ZA" altLang="ko-KR" b="0">
+                <a:solidFill>
+                  <a:srgbClr val="D4D4D4"/>
+                </a:solidFill>
+                <a:effectLst/>
+                <a:latin typeface="Consolas" panose="020B0609020204030204" pitchFamily="49" charset="0"/>
+              </a:rPr>
+              <a:t>)</a:t>
+            </a:r>
+            <a:endParaRPr lang="LID4096" altLang="ko-KR" b="0">
+              <a:solidFill>
+                <a:srgbClr val="D4D4D4"/>
+              </a:solidFill>
+              <a:effectLst/>
+              <a:latin typeface="Consolas" panose="020B0609020204030204" pitchFamily="49" charset="0"/>
+            </a:endParaRPr>
+          </a:p>
+          <a:p>
+            <a:endParaRPr lang="LID4096" altLang="ko-KR">
+              <a:solidFill>
+                <a:srgbClr val="D4D4D4"/>
+              </a:solidFill>
+              <a:latin typeface="Consolas" panose="020B0609020204030204" pitchFamily="49" charset="0"/>
+            </a:endParaRPr>
+          </a:p>
+          <a:p>
+            <a:r>
+              <a:rPr lang="ko" altLang="en-US">
+                <a:effectLst/>
+                <a:latin typeface="Consolas" panose="020B0609020204030204" pitchFamily="49" charset="0"/>
+              </a:rPr>
+              <a:t>적은 표본 수 </a:t>
+            </a:r>
+            <a:r>
+              <a:rPr lang="en-US" altLang="ko">
+                <a:effectLst/>
+                <a:latin typeface="Consolas" panose="020B0609020204030204" pitchFamily="49" charset="0"/>
+              </a:rPr>
+              <a:t>-&gt;</a:t>
+            </a:r>
+            <a:r>
+              <a:rPr lang="ko" altLang="en-US">
+                <a:effectLst/>
+                <a:latin typeface="Consolas" panose="020B0609020204030204" pitchFamily="49" charset="0"/>
+              </a:rPr>
+              <a:t> 충분한 양으로 오버샘플링</a:t>
+            </a:r>
+            <a:endParaRPr lang="af-ZA" altLang="ko-KR">
+              <a:effectLst/>
+              <a:latin typeface="Consolas" panose="020B0609020204030204" pitchFamily="49" charset="0"/>
+            </a:endParaRPr>
+          </a:p>
+          <a:p>
+            <a:endParaRPr lang="en-US" altLang="ko-KR"/>
+          </a:p>
+        </p:txBody>
+      </p:sp>
+    </p:spTree>
+    <p:extLst>
+      <p:ext uri="{BB962C8B-B14F-4D97-AF65-F5344CB8AC3E}">
+        <p14:creationId xmlns:p14="http://schemas.microsoft.com/office/powerpoint/2010/main" val="1900565453"/>
+      </p:ext>
+    </p:extLst>
+  </p:cSld>
+  <p:clrMapOvr>
+    <a:masterClrMapping/>
+  </p:clrMapOvr>
+</p:sld>
+</file>
+
+<file path=ppt/slides/slide32.xml><?xml version="1.0" encoding="utf-8"?>
+<p:sld xmlns:a="http://schemas.openxmlformats.org/drawingml/2006/main" xmlns:r="http://schemas.openxmlformats.org/officeDocument/2006/relationships" xmlns:p="http://schemas.openxmlformats.org/presentationml/2006/main">
+  <p:cSld>
+    <p:spTree>
+      <p:nvGrpSpPr>
+        <p:cNvPr id="1" name=""/>
+        <p:cNvGrpSpPr/>
+        <p:nvPr/>
+      </p:nvGrpSpPr>
+      <p:grpSpPr>
+        <a:xfrm>
+          <a:off x="0" y="0"/>
+          <a:ext cx="0" cy="0"/>
+          <a:chOff x="0" y="0"/>
+          <a:chExt cx="0" cy="0"/>
+        </a:xfrm>
+      </p:grpSpPr>
       <p:cxnSp>
         <p:nvCxnSpPr>
           <p:cNvPr id="2" name="직선 화살표 연결선 1">
@@ -19989,1457 +23665,7 @@
 </p:sld>
 </file>
 
-<file path=ppt/slides/slide22.xml><?xml version="1.0" encoding="utf-8"?>
-<p:sld xmlns:a="http://schemas.openxmlformats.org/drawingml/2006/main" xmlns:r="http://schemas.openxmlformats.org/officeDocument/2006/relationships" xmlns:p="http://schemas.openxmlformats.org/presentationml/2006/main">
-  <p:cSld>
-    <p:spTree>
-      <p:nvGrpSpPr>
-        <p:cNvPr id="1" name=""/>
-        <p:cNvGrpSpPr/>
-        <p:nvPr/>
-      </p:nvGrpSpPr>
-      <p:grpSpPr>
-        <a:xfrm>
-          <a:off x="0" y="0"/>
-          <a:ext cx="0" cy="0"/>
-          <a:chOff x="0" y="0"/>
-          <a:chExt cx="0" cy="0"/>
-        </a:xfrm>
-      </p:grpSpPr>
-      <p:pic>
-        <p:nvPicPr>
-          <p:cNvPr id="2" name="그림 2">
-            <a:extLst>
-              <a:ext uri="{FF2B5EF4-FFF2-40B4-BE49-F238E27FC236}">
-                <a16:creationId xmlns:a16="http://schemas.microsoft.com/office/drawing/2014/main" id="{A56F79B9-4C2A-4D1F-9E55-E2841D51F731}"/>
-              </a:ext>
-            </a:extLst>
-          </p:cNvPr>
-          <p:cNvPicPr>
-            <a:picLocks noChangeAspect="1"/>
-          </p:cNvPicPr>
-          <p:nvPr/>
-        </p:nvPicPr>
-        <p:blipFill>
-          <a:blip r:embed="rId2">
-            <a:extLst>
-              <a:ext uri="{28A0092B-C50C-407E-A947-70E740481C1C}">
-                <a14:useLocalDpi xmlns:a14="http://schemas.microsoft.com/office/drawing/2010/main" val="0"/>
-              </a:ext>
-            </a:extLst>
-          </a:blip>
-          <a:stretch>
-            <a:fillRect/>
-          </a:stretch>
-        </p:blipFill>
-        <p:spPr>
-          <a:xfrm>
-            <a:off x="0" y="0"/>
-            <a:ext cx="12192000" cy="7061310"/>
-          </a:xfrm>
-          <a:prstGeom prst="rect">
-            <a:avLst/>
-          </a:prstGeom>
-        </p:spPr>
-      </p:pic>
-      <p:cxnSp>
-        <p:nvCxnSpPr>
-          <p:cNvPr id="4" name="직선 화살표 연결선 3">
-            <a:extLst>
-              <a:ext uri="{FF2B5EF4-FFF2-40B4-BE49-F238E27FC236}">
-                <a16:creationId xmlns:a16="http://schemas.microsoft.com/office/drawing/2014/main" id="{53617162-C9E8-4852-B3AC-8E441B0FFBD6}"/>
-              </a:ext>
-            </a:extLst>
-          </p:cNvPr>
-          <p:cNvCxnSpPr>
-            <a:cxnSpLocks/>
-          </p:cNvCxnSpPr>
-          <p:nvPr/>
-        </p:nvCxnSpPr>
-        <p:spPr>
-          <a:xfrm>
-            <a:off x="1780279" y="1808773"/>
-            <a:ext cx="6580554" cy="0"/>
-          </a:xfrm>
-          <a:prstGeom prst="straightConnector1">
-            <a:avLst/>
-          </a:prstGeom>
-        </p:spPr>
-        <p:style>
-          <a:lnRef idx="2">
-            <a:schemeClr val="accent2"/>
-          </a:lnRef>
-          <a:fillRef idx="0">
-            <a:schemeClr val="accent2"/>
-          </a:fillRef>
-          <a:effectRef idx="1">
-            <a:schemeClr val="accent2"/>
-          </a:effectRef>
-          <a:fontRef idx="minor">
-            <a:schemeClr val="tx1"/>
-          </a:fontRef>
-        </p:style>
-      </p:cxnSp>
-      <p:cxnSp>
-        <p:nvCxnSpPr>
-          <p:cNvPr id="7" name="직선 화살표 연결선 6">
-            <a:extLst>
-              <a:ext uri="{FF2B5EF4-FFF2-40B4-BE49-F238E27FC236}">
-                <a16:creationId xmlns:a16="http://schemas.microsoft.com/office/drawing/2014/main" id="{629164CA-C621-4E28-B2F4-D3D23380151A}"/>
-              </a:ext>
-            </a:extLst>
-          </p:cNvPr>
-          <p:cNvCxnSpPr>
-            <a:cxnSpLocks/>
-          </p:cNvCxnSpPr>
-          <p:nvPr/>
-        </p:nvCxnSpPr>
-        <p:spPr>
-          <a:xfrm>
-            <a:off x="2614897" y="2392648"/>
-            <a:ext cx="2359270" cy="0"/>
-          </a:xfrm>
-          <a:prstGeom prst="straightConnector1">
-            <a:avLst/>
-          </a:prstGeom>
-        </p:spPr>
-        <p:style>
-          <a:lnRef idx="2">
-            <a:schemeClr val="accent2"/>
-          </a:lnRef>
-          <a:fillRef idx="0">
-            <a:schemeClr val="accent2"/>
-          </a:fillRef>
-          <a:effectRef idx="1">
-            <a:schemeClr val="accent2"/>
-          </a:effectRef>
-          <a:fontRef idx="minor">
-            <a:schemeClr val="tx1"/>
-          </a:fontRef>
-        </p:style>
-      </p:cxnSp>
-      <p:cxnSp>
-        <p:nvCxnSpPr>
-          <p:cNvPr id="9" name="직선 화살표 연결선 8">
-            <a:extLst>
-              <a:ext uri="{FF2B5EF4-FFF2-40B4-BE49-F238E27FC236}">
-                <a16:creationId xmlns:a16="http://schemas.microsoft.com/office/drawing/2014/main" id="{6BE9C0BD-183D-48F5-BD7B-36A437BB7C79}"/>
-              </a:ext>
-            </a:extLst>
-          </p:cNvPr>
-          <p:cNvCxnSpPr>
-            <a:cxnSpLocks/>
-          </p:cNvCxnSpPr>
-          <p:nvPr/>
-        </p:nvCxnSpPr>
-        <p:spPr>
-          <a:xfrm>
-            <a:off x="4690207" y="3025368"/>
-            <a:ext cx="5436253" cy="0"/>
-          </a:xfrm>
-          <a:prstGeom prst="straightConnector1">
-            <a:avLst/>
-          </a:prstGeom>
-        </p:spPr>
-        <p:style>
-          <a:lnRef idx="2">
-            <a:schemeClr val="accent2"/>
-          </a:lnRef>
-          <a:fillRef idx="0">
-            <a:schemeClr val="accent2"/>
-          </a:fillRef>
-          <a:effectRef idx="1">
-            <a:schemeClr val="accent2"/>
-          </a:effectRef>
-          <a:fontRef idx="minor">
-            <a:schemeClr val="tx1"/>
-          </a:fontRef>
-        </p:style>
-      </p:cxnSp>
-      <p:cxnSp>
-        <p:nvCxnSpPr>
-          <p:cNvPr id="11" name="직선 화살표 연결선 10">
-            <a:extLst>
-              <a:ext uri="{FF2B5EF4-FFF2-40B4-BE49-F238E27FC236}">
-                <a16:creationId xmlns:a16="http://schemas.microsoft.com/office/drawing/2014/main" id="{B8BC979B-5F76-4266-8935-BE03DD631DD2}"/>
-              </a:ext>
-            </a:extLst>
-          </p:cNvPr>
-          <p:cNvCxnSpPr>
-            <a:cxnSpLocks/>
-          </p:cNvCxnSpPr>
-          <p:nvPr/>
-        </p:nvCxnSpPr>
-        <p:spPr>
-          <a:xfrm>
-            <a:off x="5861538" y="3568537"/>
-            <a:ext cx="5153270" cy="0"/>
-          </a:xfrm>
-          <a:prstGeom prst="straightConnector1">
-            <a:avLst/>
-          </a:prstGeom>
-        </p:spPr>
-        <p:style>
-          <a:lnRef idx="2">
-            <a:schemeClr val="accent2"/>
-          </a:lnRef>
-          <a:fillRef idx="0">
-            <a:schemeClr val="accent2"/>
-          </a:fillRef>
-          <a:effectRef idx="1">
-            <a:schemeClr val="accent2"/>
-          </a:effectRef>
-          <a:fontRef idx="minor">
-            <a:schemeClr val="tx1"/>
-          </a:fontRef>
-        </p:style>
-      </p:cxnSp>
-      <p:cxnSp>
-        <p:nvCxnSpPr>
-          <p:cNvPr id="13" name="직선 화살표 연결선 12">
-            <a:extLst>
-              <a:ext uri="{FF2B5EF4-FFF2-40B4-BE49-F238E27FC236}">
-                <a16:creationId xmlns:a16="http://schemas.microsoft.com/office/drawing/2014/main" id="{59DC55F9-8E77-45E3-9908-7B9F2CE8F192}"/>
-              </a:ext>
-            </a:extLst>
-          </p:cNvPr>
-          <p:cNvCxnSpPr>
-            <a:cxnSpLocks/>
-          </p:cNvCxnSpPr>
-          <p:nvPr/>
-        </p:nvCxnSpPr>
-        <p:spPr>
-          <a:xfrm>
-            <a:off x="3651739" y="4152411"/>
-            <a:ext cx="4342748" cy="0"/>
-          </a:xfrm>
-          <a:prstGeom prst="straightConnector1">
-            <a:avLst/>
-          </a:prstGeom>
-        </p:spPr>
-        <p:style>
-          <a:lnRef idx="2">
-            <a:schemeClr val="accent2"/>
-          </a:lnRef>
-          <a:fillRef idx="0">
-            <a:schemeClr val="accent2"/>
-          </a:fillRef>
-          <a:effectRef idx="1">
-            <a:schemeClr val="accent2"/>
-          </a:effectRef>
-          <a:fontRef idx="minor">
-            <a:schemeClr val="tx1"/>
-          </a:fontRef>
-        </p:style>
-      </p:cxnSp>
-      <p:cxnSp>
-        <p:nvCxnSpPr>
-          <p:cNvPr id="15" name="직선 화살표 연결선 14">
-            <a:extLst>
-              <a:ext uri="{FF2B5EF4-FFF2-40B4-BE49-F238E27FC236}">
-                <a16:creationId xmlns:a16="http://schemas.microsoft.com/office/drawing/2014/main" id="{265486B5-C0D0-4779-A1AE-032C59E250B4}"/>
-              </a:ext>
-            </a:extLst>
-          </p:cNvPr>
-          <p:cNvCxnSpPr>
-            <a:cxnSpLocks/>
-          </p:cNvCxnSpPr>
-          <p:nvPr/>
-        </p:nvCxnSpPr>
-        <p:spPr>
-          <a:xfrm>
-            <a:off x="2571261" y="5330581"/>
-            <a:ext cx="5040598" cy="0"/>
-          </a:xfrm>
-          <a:prstGeom prst="straightConnector1">
-            <a:avLst/>
-          </a:prstGeom>
-        </p:spPr>
-        <p:style>
-          <a:lnRef idx="2">
-            <a:schemeClr val="accent2"/>
-          </a:lnRef>
-          <a:fillRef idx="0">
-            <a:schemeClr val="accent2"/>
-          </a:fillRef>
-          <a:effectRef idx="1">
-            <a:schemeClr val="accent2"/>
-          </a:effectRef>
-          <a:fontRef idx="minor">
-            <a:schemeClr val="tx1"/>
-          </a:fontRef>
-        </p:style>
-      </p:cxnSp>
-    </p:spTree>
-    <p:extLst>
-      <p:ext uri="{BB962C8B-B14F-4D97-AF65-F5344CB8AC3E}">
-        <p14:creationId xmlns:p14="http://schemas.microsoft.com/office/powerpoint/2010/main" val="1352919399"/>
-      </p:ext>
-    </p:extLst>
-  </p:cSld>
-  <p:clrMapOvr>
-    <a:masterClrMapping/>
-  </p:clrMapOvr>
-  <p:timing>
-    <p:tnLst>
-      <p:par>
-        <p:cTn id="1" dur="indefinite" restart="never" nodeType="tmRoot">
-          <p:childTnLst>
-            <p:seq concurrent="1" nextAc="seek">
-              <p:cTn id="2" dur="indefinite" nodeType="mainSeq">
-                <p:childTnLst>
-                  <p:par>
-                    <p:cTn id="3" fill="hold">
-                      <p:stCondLst>
-                        <p:cond delay="indefinite"/>
-                      </p:stCondLst>
-                      <p:childTnLst>
-                        <p:par>
-                          <p:cTn id="4" fill="hold">
-                            <p:stCondLst>
-                              <p:cond delay="0"/>
-                            </p:stCondLst>
-                            <p:childTnLst>
-                              <p:par>
-                                <p:cTn id="5" presetID="1" presetClass="entr" presetSubtype="0" fill="hold" nodeType="clickEffect">
-                                  <p:stCondLst>
-                                    <p:cond delay="0"/>
-                                  </p:stCondLst>
-                                  <p:childTnLst>
-                                    <p:set>
-                                      <p:cBhvr>
-                                        <p:cTn id="6" dur="1" fill="hold">
-                                          <p:stCondLst>
-                                            <p:cond delay="0"/>
-                                          </p:stCondLst>
-                                        </p:cTn>
-                                        <p:tgtEl>
-                                          <p:spTgt spid="4"/>
-                                        </p:tgtEl>
-                                        <p:attrNameLst>
-                                          <p:attrName>style.visibility</p:attrName>
-                                        </p:attrNameLst>
-                                      </p:cBhvr>
-                                      <p:to>
-                                        <p:strVal val="visible"/>
-                                      </p:to>
-                                    </p:set>
-                                  </p:childTnLst>
-                                </p:cTn>
-                              </p:par>
-                            </p:childTnLst>
-                          </p:cTn>
-                        </p:par>
-                      </p:childTnLst>
-                    </p:cTn>
-                  </p:par>
-                  <p:par>
-                    <p:cTn id="7" fill="hold">
-                      <p:stCondLst>
-                        <p:cond delay="indefinite"/>
-                      </p:stCondLst>
-                      <p:childTnLst>
-                        <p:par>
-                          <p:cTn id="8" fill="hold">
-                            <p:stCondLst>
-                              <p:cond delay="0"/>
-                            </p:stCondLst>
-                            <p:childTnLst>
-                              <p:par>
-                                <p:cTn id="9" presetID="1" presetClass="entr" presetSubtype="0" fill="hold" nodeType="clickEffect">
-                                  <p:stCondLst>
-                                    <p:cond delay="0"/>
-                                  </p:stCondLst>
-                                  <p:childTnLst>
-                                    <p:set>
-                                      <p:cBhvr>
-                                        <p:cTn id="10" dur="1" fill="hold">
-                                          <p:stCondLst>
-                                            <p:cond delay="0"/>
-                                          </p:stCondLst>
-                                        </p:cTn>
-                                        <p:tgtEl>
-                                          <p:spTgt spid="7"/>
-                                        </p:tgtEl>
-                                        <p:attrNameLst>
-                                          <p:attrName>style.visibility</p:attrName>
-                                        </p:attrNameLst>
-                                      </p:cBhvr>
-                                      <p:to>
-                                        <p:strVal val="visible"/>
-                                      </p:to>
-                                    </p:set>
-                                  </p:childTnLst>
-                                </p:cTn>
-                              </p:par>
-                            </p:childTnLst>
-                          </p:cTn>
-                        </p:par>
-                      </p:childTnLst>
-                    </p:cTn>
-                  </p:par>
-                  <p:par>
-                    <p:cTn id="11" fill="hold">
-                      <p:stCondLst>
-                        <p:cond delay="indefinite"/>
-                      </p:stCondLst>
-                      <p:childTnLst>
-                        <p:par>
-                          <p:cTn id="12" fill="hold">
-                            <p:stCondLst>
-                              <p:cond delay="0"/>
-                            </p:stCondLst>
-                            <p:childTnLst>
-                              <p:par>
-                                <p:cTn id="13" presetID="1" presetClass="entr" presetSubtype="0" fill="hold" nodeType="clickEffect">
-                                  <p:stCondLst>
-                                    <p:cond delay="0"/>
-                                  </p:stCondLst>
-                                  <p:childTnLst>
-                                    <p:set>
-                                      <p:cBhvr>
-                                        <p:cTn id="14" dur="1" fill="hold">
-                                          <p:stCondLst>
-                                            <p:cond delay="0"/>
-                                          </p:stCondLst>
-                                        </p:cTn>
-                                        <p:tgtEl>
-                                          <p:spTgt spid="9"/>
-                                        </p:tgtEl>
-                                        <p:attrNameLst>
-                                          <p:attrName>style.visibility</p:attrName>
-                                        </p:attrNameLst>
-                                      </p:cBhvr>
-                                      <p:to>
-                                        <p:strVal val="visible"/>
-                                      </p:to>
-                                    </p:set>
-                                  </p:childTnLst>
-                                </p:cTn>
-                              </p:par>
-                            </p:childTnLst>
-                          </p:cTn>
-                        </p:par>
-                      </p:childTnLst>
-                    </p:cTn>
-                  </p:par>
-                  <p:par>
-                    <p:cTn id="15" fill="hold">
-                      <p:stCondLst>
-                        <p:cond delay="indefinite"/>
-                      </p:stCondLst>
-                      <p:childTnLst>
-                        <p:par>
-                          <p:cTn id="16" fill="hold">
-                            <p:stCondLst>
-                              <p:cond delay="0"/>
-                            </p:stCondLst>
-                            <p:childTnLst>
-                              <p:par>
-                                <p:cTn id="17" presetID="1" presetClass="entr" presetSubtype="0" fill="hold" nodeType="clickEffect">
-                                  <p:stCondLst>
-                                    <p:cond delay="0"/>
-                                  </p:stCondLst>
-                                  <p:childTnLst>
-                                    <p:set>
-                                      <p:cBhvr>
-                                        <p:cTn id="18" dur="1" fill="hold">
-                                          <p:stCondLst>
-                                            <p:cond delay="0"/>
-                                          </p:stCondLst>
-                                        </p:cTn>
-                                        <p:tgtEl>
-                                          <p:spTgt spid="11"/>
-                                        </p:tgtEl>
-                                        <p:attrNameLst>
-                                          <p:attrName>style.visibility</p:attrName>
-                                        </p:attrNameLst>
-                                      </p:cBhvr>
-                                      <p:to>
-                                        <p:strVal val="visible"/>
-                                      </p:to>
-                                    </p:set>
-                                  </p:childTnLst>
-                                </p:cTn>
-                              </p:par>
-                            </p:childTnLst>
-                          </p:cTn>
-                        </p:par>
-                      </p:childTnLst>
-                    </p:cTn>
-                  </p:par>
-                  <p:par>
-                    <p:cTn id="19" fill="hold">
-                      <p:stCondLst>
-                        <p:cond delay="indefinite"/>
-                      </p:stCondLst>
-                      <p:childTnLst>
-                        <p:par>
-                          <p:cTn id="20" fill="hold">
-                            <p:stCondLst>
-                              <p:cond delay="0"/>
-                            </p:stCondLst>
-                            <p:childTnLst>
-                              <p:par>
-                                <p:cTn id="21" presetID="1" presetClass="entr" presetSubtype="0" fill="hold" nodeType="clickEffect">
-                                  <p:stCondLst>
-                                    <p:cond delay="0"/>
-                                  </p:stCondLst>
-                                  <p:childTnLst>
-                                    <p:set>
-                                      <p:cBhvr>
-                                        <p:cTn id="22" dur="1" fill="hold">
-                                          <p:stCondLst>
-                                            <p:cond delay="0"/>
-                                          </p:stCondLst>
-                                        </p:cTn>
-                                        <p:tgtEl>
-                                          <p:spTgt spid="13"/>
-                                        </p:tgtEl>
-                                        <p:attrNameLst>
-                                          <p:attrName>style.visibility</p:attrName>
-                                        </p:attrNameLst>
-                                      </p:cBhvr>
-                                      <p:to>
-                                        <p:strVal val="visible"/>
-                                      </p:to>
-                                    </p:set>
-                                  </p:childTnLst>
-                                </p:cTn>
-                              </p:par>
-                            </p:childTnLst>
-                          </p:cTn>
-                        </p:par>
-                      </p:childTnLst>
-                    </p:cTn>
-                  </p:par>
-                  <p:par>
-                    <p:cTn id="23" fill="hold">
-                      <p:stCondLst>
-                        <p:cond delay="indefinite"/>
-                      </p:stCondLst>
-                      <p:childTnLst>
-                        <p:par>
-                          <p:cTn id="24" fill="hold">
-                            <p:stCondLst>
-                              <p:cond delay="0"/>
-                            </p:stCondLst>
-                            <p:childTnLst>
-                              <p:par>
-                                <p:cTn id="25" presetID="1" presetClass="entr" presetSubtype="0" fill="hold" nodeType="clickEffect">
-                                  <p:stCondLst>
-                                    <p:cond delay="0"/>
-                                  </p:stCondLst>
-                                  <p:childTnLst>
-                                    <p:set>
-                                      <p:cBhvr>
-                                        <p:cTn id="26" dur="1" fill="hold">
-                                          <p:stCondLst>
-                                            <p:cond delay="0"/>
-                                          </p:stCondLst>
-                                        </p:cTn>
-                                        <p:tgtEl>
-                                          <p:spTgt spid="15"/>
-                                        </p:tgtEl>
-                                        <p:attrNameLst>
-                                          <p:attrName>style.visibility</p:attrName>
-                                        </p:attrNameLst>
-                                      </p:cBhvr>
-                                      <p:to>
-                                        <p:strVal val="visible"/>
-                                      </p:to>
-                                    </p:set>
-                                  </p:childTnLst>
-                                </p:cTn>
-                              </p:par>
-                            </p:childTnLst>
-                          </p:cTn>
-                        </p:par>
-                      </p:childTnLst>
-                    </p:cTn>
-                  </p:par>
-                </p:childTnLst>
-              </p:cTn>
-              <p:prevCondLst>
-                <p:cond evt="onPrev" delay="0">
-                  <p:tgtEl>
-                    <p:sldTgt/>
-                  </p:tgtEl>
-                </p:cond>
-              </p:prevCondLst>
-              <p:nextCondLst>
-                <p:cond evt="onNext" delay="0">
-                  <p:tgtEl>
-                    <p:sldTgt/>
-                  </p:tgtEl>
-                </p:cond>
-              </p:nextCondLst>
-            </p:seq>
-          </p:childTnLst>
-        </p:cTn>
-      </p:par>
-    </p:tnLst>
-  </p:timing>
-</p:sld>
-</file>
-
-<file path=ppt/slides/slide23.xml><?xml version="1.0" encoding="utf-8"?>
-<p:sld xmlns:a="http://schemas.openxmlformats.org/drawingml/2006/main" xmlns:r="http://schemas.openxmlformats.org/officeDocument/2006/relationships" xmlns:p="http://schemas.openxmlformats.org/presentationml/2006/main">
-  <p:cSld>
-    <p:spTree>
-      <p:nvGrpSpPr>
-        <p:cNvPr id="1" name=""/>
-        <p:cNvGrpSpPr/>
-        <p:nvPr/>
-      </p:nvGrpSpPr>
-      <p:grpSpPr>
-        <a:xfrm>
-          <a:off x="0" y="0"/>
-          <a:ext cx="0" cy="0"/>
-          <a:chOff x="0" y="0"/>
-          <a:chExt cx="0" cy="0"/>
-        </a:xfrm>
-      </p:grpSpPr>
-      <p:pic>
-        <p:nvPicPr>
-          <p:cNvPr id="8" name="그림 7">
-            <a:extLst>
-              <a:ext uri="{FF2B5EF4-FFF2-40B4-BE49-F238E27FC236}">
-                <a16:creationId xmlns:a16="http://schemas.microsoft.com/office/drawing/2014/main" id="{06188C26-2320-4A92-9A0B-D5AB50818F83}"/>
-              </a:ext>
-            </a:extLst>
-          </p:cNvPr>
-          <p:cNvPicPr>
-            <a:picLocks noChangeAspect="1"/>
-          </p:cNvPicPr>
-          <p:nvPr/>
-        </p:nvPicPr>
-        <p:blipFill>
-          <a:blip r:embed="rId2"/>
-          <a:stretch>
-            <a:fillRect/>
-          </a:stretch>
-        </p:blipFill>
-        <p:spPr>
-          <a:xfrm>
-            <a:off x="0" y="0"/>
-            <a:ext cx="8872780" cy="16920435"/>
-          </a:xfrm>
-          <a:prstGeom prst="rect">
-            <a:avLst/>
-          </a:prstGeom>
-        </p:spPr>
-      </p:pic>
-      <p:pic>
-        <p:nvPicPr>
-          <p:cNvPr id="2" name="그림 1">
-            <a:extLst>
-              <a:ext uri="{FF2B5EF4-FFF2-40B4-BE49-F238E27FC236}">
-                <a16:creationId xmlns:a16="http://schemas.microsoft.com/office/drawing/2014/main" id="{ABB3777F-C11A-4BEB-A0D7-72173F8EFFBB}"/>
-              </a:ext>
-            </a:extLst>
-          </p:cNvPr>
-          <p:cNvPicPr>
-            <a:picLocks noChangeAspect="1"/>
-          </p:cNvPicPr>
-          <p:nvPr/>
-        </p:nvPicPr>
-        <p:blipFill>
-          <a:blip r:embed="rId2"/>
-          <a:stretch>
-            <a:fillRect/>
-          </a:stretch>
-        </p:blipFill>
-        <p:spPr>
-          <a:xfrm>
-            <a:off x="5738955" y="-4642664"/>
-            <a:ext cx="8872780" cy="16920435"/>
-          </a:xfrm>
-          <a:prstGeom prst="rect">
-            <a:avLst/>
-          </a:prstGeom>
-        </p:spPr>
-      </p:pic>
-    </p:spTree>
-    <p:extLst>
-      <p:ext uri="{BB962C8B-B14F-4D97-AF65-F5344CB8AC3E}">
-        <p14:creationId xmlns:p14="http://schemas.microsoft.com/office/powerpoint/2010/main" val="2153230922"/>
-      </p:ext>
-    </p:extLst>
-  </p:cSld>
-  <p:clrMapOvr>
-    <a:masterClrMapping/>
-  </p:clrMapOvr>
-</p:sld>
-</file>
-
-<file path=ppt/slides/slide24.xml><?xml version="1.0" encoding="utf-8"?>
-<p:sld xmlns:a="http://schemas.openxmlformats.org/drawingml/2006/main" xmlns:r="http://schemas.openxmlformats.org/officeDocument/2006/relationships" xmlns:p="http://schemas.openxmlformats.org/presentationml/2006/main">
-  <p:cSld>
-    <p:spTree>
-      <p:nvGrpSpPr>
-        <p:cNvPr id="1" name=""/>
-        <p:cNvGrpSpPr/>
-        <p:nvPr/>
-      </p:nvGrpSpPr>
-      <p:grpSpPr>
-        <a:xfrm>
-          <a:off x="0" y="0"/>
-          <a:ext cx="0" cy="0"/>
-          <a:chOff x="0" y="0"/>
-          <a:chExt cx="0" cy="0"/>
-        </a:xfrm>
-      </p:grpSpPr>
-      <p:pic>
-        <p:nvPicPr>
-          <p:cNvPr id="8" name="그림 7">
-            <a:extLst>
-              <a:ext uri="{FF2B5EF4-FFF2-40B4-BE49-F238E27FC236}">
-                <a16:creationId xmlns:a16="http://schemas.microsoft.com/office/drawing/2014/main" id="{06188C26-2320-4A92-9A0B-D5AB50818F83}"/>
-              </a:ext>
-            </a:extLst>
-          </p:cNvPr>
-          <p:cNvPicPr>
-            <a:picLocks noChangeAspect="1"/>
-          </p:cNvPicPr>
-          <p:nvPr/>
-        </p:nvPicPr>
-        <p:blipFill>
-          <a:blip r:embed="rId2"/>
-          <a:stretch>
-            <a:fillRect/>
-          </a:stretch>
-        </p:blipFill>
-        <p:spPr>
-          <a:xfrm>
-            <a:off x="0" y="-15671473"/>
-            <a:ext cx="12192000" cy="23250202"/>
-          </a:xfrm>
-          <a:prstGeom prst="rect">
-            <a:avLst/>
-          </a:prstGeom>
-        </p:spPr>
-      </p:pic>
-    </p:spTree>
-    <p:extLst>
-      <p:ext uri="{BB962C8B-B14F-4D97-AF65-F5344CB8AC3E}">
-        <p14:creationId xmlns:p14="http://schemas.microsoft.com/office/powerpoint/2010/main" val="2837429668"/>
-      </p:ext>
-    </p:extLst>
-  </p:cSld>
-  <p:clrMapOvr>
-    <a:masterClrMapping/>
-  </p:clrMapOvr>
-</p:sld>
-</file>
-
-<file path=ppt/slides/slide25.xml><?xml version="1.0" encoding="utf-8"?>
-<p:sld xmlns:a="http://schemas.openxmlformats.org/drawingml/2006/main" xmlns:r="http://schemas.openxmlformats.org/officeDocument/2006/relationships" xmlns:p="http://schemas.openxmlformats.org/presentationml/2006/main">
-  <p:cSld>
-    <p:spTree>
-      <p:nvGrpSpPr>
-        <p:cNvPr id="1" name=""/>
-        <p:cNvGrpSpPr/>
-        <p:nvPr/>
-      </p:nvGrpSpPr>
-      <p:grpSpPr>
-        <a:xfrm>
-          <a:off x="0" y="0"/>
-          <a:ext cx="0" cy="0"/>
-          <a:chOff x="0" y="0"/>
-          <a:chExt cx="0" cy="0"/>
-        </a:xfrm>
-      </p:grpSpPr>
-      <p:sp>
-        <p:nvSpPr>
-          <p:cNvPr id="2" name="제목 1">
-            <a:extLst>
-              <a:ext uri="{FF2B5EF4-FFF2-40B4-BE49-F238E27FC236}">
-                <a16:creationId xmlns:a16="http://schemas.microsoft.com/office/drawing/2014/main" id="{A8825A3A-46BD-46AF-91D6-F8A3DD1A8763}"/>
-              </a:ext>
-            </a:extLst>
-          </p:cNvPr>
-          <p:cNvSpPr>
-            <a:spLocks noGrp="1"/>
-          </p:cNvSpPr>
-          <p:nvPr>
-            <p:ph type="title"/>
-          </p:nvPr>
-        </p:nvSpPr>
-        <p:spPr/>
-        <p:txBody>
-          <a:bodyPr/>
-          <a:lstStyle/>
-          <a:p>
-            <a:r>
-              <a:rPr lang="af-ZA" altLang="ko-KR"/>
-              <a:t>R</a:t>
-            </a:r>
-            <a:r>
-              <a:rPr lang="LID4096" altLang="ko-KR"/>
-              <a:t>2</a:t>
-            </a:r>
-            <a:r>
-              <a:rPr lang="ko" altLang="en-US"/>
-              <a:t> 스코어</a:t>
-            </a:r>
-            <a:endParaRPr lang="ko-KR" altLang="en-US"/>
-          </a:p>
-        </p:txBody>
-      </p:sp>
-      <p:sp>
-        <p:nvSpPr>
-          <p:cNvPr id="3" name="내용 개체 틀 2">
-            <a:extLst>
-              <a:ext uri="{FF2B5EF4-FFF2-40B4-BE49-F238E27FC236}">
-                <a16:creationId xmlns:a16="http://schemas.microsoft.com/office/drawing/2014/main" id="{9F54871D-2D6A-4371-8557-2FA599D8113B}"/>
-              </a:ext>
-            </a:extLst>
-          </p:cNvPr>
-          <p:cNvSpPr>
-            <a:spLocks noGrp="1"/>
-          </p:cNvSpPr>
-          <p:nvPr>
-            <p:ph idx="1"/>
-          </p:nvPr>
-        </p:nvSpPr>
-        <p:spPr/>
-        <p:txBody>
-          <a:bodyPr/>
-          <a:lstStyle/>
-          <a:p>
-            <a:endParaRPr lang="ko-KR" altLang="en-US"/>
-          </a:p>
-        </p:txBody>
-      </p:sp>
-    </p:spTree>
-    <p:extLst>
-      <p:ext uri="{BB962C8B-B14F-4D97-AF65-F5344CB8AC3E}">
-        <p14:creationId xmlns:p14="http://schemas.microsoft.com/office/powerpoint/2010/main" val="2554699977"/>
-      </p:ext>
-    </p:extLst>
-  </p:cSld>
-  <p:clrMapOvr>
-    <a:masterClrMapping/>
-  </p:clrMapOvr>
-</p:sld>
-</file>
-
-<file path=ppt/slides/slide26.xml><?xml version="1.0" encoding="utf-8"?>
-<p:sld xmlns:a="http://schemas.openxmlformats.org/drawingml/2006/main" xmlns:r="http://schemas.openxmlformats.org/officeDocument/2006/relationships" xmlns:p="http://schemas.openxmlformats.org/presentationml/2006/main">
-  <p:cSld>
-    <p:spTree>
-      <p:nvGrpSpPr>
-        <p:cNvPr id="1" name=""/>
-        <p:cNvGrpSpPr/>
-        <p:nvPr/>
-      </p:nvGrpSpPr>
-      <p:grpSpPr>
-        <a:xfrm>
-          <a:off x="0" y="0"/>
-          <a:ext cx="0" cy="0"/>
-          <a:chOff x="0" y="0"/>
-          <a:chExt cx="0" cy="0"/>
-        </a:xfrm>
-      </p:grpSpPr>
-      <p:sp>
-        <p:nvSpPr>
-          <p:cNvPr id="2" name="제목 1">
-            <a:extLst>
-              <a:ext uri="{FF2B5EF4-FFF2-40B4-BE49-F238E27FC236}">
-                <a16:creationId xmlns:a16="http://schemas.microsoft.com/office/drawing/2014/main" id="{AEA75DA2-93CB-4E87-99E8-C0F0ED98BD53}"/>
-              </a:ext>
-            </a:extLst>
-          </p:cNvPr>
-          <p:cNvSpPr>
-            <a:spLocks noGrp="1"/>
-          </p:cNvSpPr>
-          <p:nvPr>
-            <p:ph type="title"/>
-          </p:nvPr>
-        </p:nvSpPr>
-        <p:spPr/>
-        <p:txBody>
-          <a:bodyPr/>
-          <a:lstStyle/>
-          <a:p>
-            <a:r>
-              <a:rPr lang="ko" altLang="en-US"/>
-              <a:t>결과값</a:t>
-            </a:r>
-            <a:endParaRPr lang="ko-KR" altLang="en-US"/>
-          </a:p>
-        </p:txBody>
-      </p:sp>
-      <p:sp>
-        <p:nvSpPr>
-          <p:cNvPr id="3" name="내용 개체 틀 2">
-            <a:extLst>
-              <a:ext uri="{FF2B5EF4-FFF2-40B4-BE49-F238E27FC236}">
-                <a16:creationId xmlns:a16="http://schemas.microsoft.com/office/drawing/2014/main" id="{A4C2AD02-DB97-4D2C-BF24-45CE1BA99BF3}"/>
-              </a:ext>
-            </a:extLst>
-          </p:cNvPr>
-          <p:cNvSpPr>
-            <a:spLocks noGrp="1"/>
-          </p:cNvSpPr>
-          <p:nvPr>
-            <p:ph idx="1"/>
-          </p:nvPr>
-        </p:nvSpPr>
-        <p:spPr/>
-        <p:txBody>
-          <a:bodyPr/>
-          <a:lstStyle/>
-          <a:p>
-            <a:endParaRPr lang="ko-KR" altLang="en-US"/>
-          </a:p>
-        </p:txBody>
-      </p:sp>
-    </p:spTree>
-    <p:extLst>
-      <p:ext uri="{BB962C8B-B14F-4D97-AF65-F5344CB8AC3E}">
-        <p14:creationId xmlns:p14="http://schemas.microsoft.com/office/powerpoint/2010/main" val="1966618554"/>
-      </p:ext>
-    </p:extLst>
-  </p:cSld>
-  <p:clrMapOvr>
-    <a:masterClrMapping/>
-  </p:clrMapOvr>
-</p:sld>
-</file>
-
-<file path=ppt/slides/slide27.xml><?xml version="1.0" encoding="utf-8"?>
-<p:sld xmlns:a="http://schemas.openxmlformats.org/drawingml/2006/main" xmlns:r="http://schemas.openxmlformats.org/officeDocument/2006/relationships" xmlns:p="http://schemas.openxmlformats.org/presentationml/2006/main">
-  <p:cSld>
-    <p:spTree>
-      <p:nvGrpSpPr>
-        <p:cNvPr id="1" name=""/>
-        <p:cNvGrpSpPr/>
-        <p:nvPr/>
-      </p:nvGrpSpPr>
-      <p:grpSpPr>
-        <a:xfrm>
-          <a:off x="0" y="0"/>
-          <a:ext cx="0" cy="0"/>
-          <a:chOff x="0" y="0"/>
-          <a:chExt cx="0" cy="0"/>
-        </a:xfrm>
-      </p:grpSpPr>
-      <p:sp>
-        <p:nvSpPr>
-          <p:cNvPr id="2" name="제목 1">
-            <a:extLst>
-              <a:ext uri="{FF2B5EF4-FFF2-40B4-BE49-F238E27FC236}">
-                <a16:creationId xmlns:a16="http://schemas.microsoft.com/office/drawing/2014/main" id="{20B809F1-AAB9-4606-A695-25E68C513A43}"/>
-              </a:ext>
-            </a:extLst>
-          </p:cNvPr>
-          <p:cNvSpPr>
-            <a:spLocks noGrp="1"/>
-          </p:cNvSpPr>
-          <p:nvPr>
-            <p:ph type="title"/>
-          </p:nvPr>
-        </p:nvSpPr>
-        <p:spPr/>
-        <p:txBody>
-          <a:bodyPr/>
-          <a:lstStyle/>
-          <a:p>
-            <a:r>
-              <a:rPr lang="ko" altLang="en-US"/>
-              <a:t>핵심코드 </a:t>
-            </a:r>
-            <a:r>
-              <a:rPr lang="en-US" altLang="ko"/>
-              <a:t>1</a:t>
-            </a:r>
-            <a:endParaRPr lang="ko-KR" altLang="en-US"/>
-          </a:p>
-        </p:txBody>
-      </p:sp>
-      <p:sp>
-        <p:nvSpPr>
-          <p:cNvPr id="3" name="내용 개체 틀 2">
-            <a:extLst>
-              <a:ext uri="{FF2B5EF4-FFF2-40B4-BE49-F238E27FC236}">
-                <a16:creationId xmlns:a16="http://schemas.microsoft.com/office/drawing/2014/main" id="{8A11E129-9E12-44EA-A4E3-5DD874109E28}"/>
-              </a:ext>
-            </a:extLst>
-          </p:cNvPr>
-          <p:cNvSpPr>
-            <a:spLocks noGrp="1"/>
-          </p:cNvSpPr>
-          <p:nvPr>
-            <p:ph idx="1"/>
-          </p:nvPr>
-        </p:nvSpPr>
-        <p:spPr/>
-        <p:txBody>
-          <a:bodyPr>
-            <a:normAutofit/>
-          </a:bodyPr>
-          <a:lstStyle/>
-          <a:p>
-            <a:r>
-              <a:rPr lang="af-ZA" altLang="ko-KR" sz="2800" b="0">
-                <a:solidFill>
-                  <a:srgbClr val="4EC9B0"/>
-                </a:solidFill>
-                <a:effectLst/>
-                <a:latin typeface="Consolas" panose="020B0609020204030204" pitchFamily="49" charset="0"/>
-              </a:rPr>
-              <a:t>linear_model</a:t>
-            </a:r>
-            <a:r>
-              <a:rPr lang="af-ZA" altLang="ko-KR" sz="2800" b="0">
-                <a:solidFill>
-                  <a:srgbClr val="D4D4D4"/>
-                </a:solidFill>
-                <a:effectLst/>
-                <a:latin typeface="Consolas" panose="020B0609020204030204" pitchFamily="49" charset="0"/>
-              </a:rPr>
-              <a:t>.</a:t>
-            </a:r>
-            <a:r>
-              <a:rPr lang="af-ZA" altLang="ko-KR" sz="2800" b="0">
-                <a:solidFill>
-                  <a:srgbClr val="4EC9B0"/>
-                </a:solidFill>
-                <a:effectLst/>
-                <a:latin typeface="Consolas" panose="020B0609020204030204" pitchFamily="49" charset="0"/>
-              </a:rPr>
-              <a:t>LinearRegression</a:t>
-            </a:r>
-            <a:r>
-              <a:rPr lang="af-ZA" altLang="ko-KR" sz="2800" b="0">
-                <a:solidFill>
-                  <a:srgbClr val="D4D4D4"/>
-                </a:solidFill>
-                <a:effectLst/>
-                <a:latin typeface="Consolas" panose="020B0609020204030204" pitchFamily="49" charset="0"/>
-              </a:rPr>
-              <a:t>()</a:t>
-            </a:r>
-          </a:p>
-          <a:p>
-            <a:r>
-              <a:rPr lang="af-ZA" altLang="ko-KR" sz="3200" b="0">
-                <a:solidFill>
-                  <a:srgbClr val="9CDCFE"/>
-                </a:solidFill>
-                <a:effectLst/>
-                <a:latin typeface="Consolas" panose="020B0609020204030204" pitchFamily="49" charset="0"/>
-              </a:rPr>
-              <a:t>x</a:t>
-            </a:r>
-            <a:r>
-              <a:rPr lang="af-ZA" altLang="ko-KR" sz="3200" b="0">
-                <a:solidFill>
-                  <a:srgbClr val="D4D4D4"/>
-                </a:solidFill>
-                <a:effectLst/>
-                <a:latin typeface="Consolas" panose="020B0609020204030204" pitchFamily="49" charset="0"/>
-              </a:rPr>
-              <a:t> = </a:t>
-            </a:r>
-            <a:r>
-              <a:rPr lang="af-ZA" altLang="ko-KR" sz="3200" b="0">
-                <a:solidFill>
-                  <a:srgbClr val="9CDCFE"/>
-                </a:solidFill>
-                <a:effectLst/>
-                <a:latin typeface="Consolas" panose="020B0609020204030204" pitchFamily="49" charset="0"/>
-              </a:rPr>
-              <a:t>data</a:t>
-            </a:r>
-            <a:r>
-              <a:rPr lang="af-ZA" altLang="ko-KR" sz="3200" b="0">
-                <a:solidFill>
-                  <a:srgbClr val="D4D4D4"/>
-                </a:solidFill>
-                <a:effectLst/>
-                <a:latin typeface="Consolas" panose="020B0609020204030204" pitchFamily="49" charset="0"/>
-              </a:rPr>
-              <a:t>.</a:t>
-            </a:r>
-            <a:r>
-              <a:rPr lang="af-ZA" altLang="ko-KR" sz="3200" b="0">
-                <a:solidFill>
-                  <a:srgbClr val="9CDCFE"/>
-                </a:solidFill>
-                <a:effectLst/>
-                <a:latin typeface="Consolas" panose="020B0609020204030204" pitchFamily="49" charset="0"/>
-              </a:rPr>
-              <a:t>iloc</a:t>
-            </a:r>
-            <a:r>
-              <a:rPr lang="af-ZA" altLang="ko-KR" sz="3200" b="0">
-                <a:solidFill>
-                  <a:srgbClr val="D4D4D4"/>
-                </a:solidFill>
-                <a:effectLst/>
-                <a:latin typeface="Consolas" panose="020B0609020204030204" pitchFamily="49" charset="0"/>
-              </a:rPr>
-              <a:t>[</a:t>
-            </a:r>
-            <a:r>
-              <a:rPr lang="af-ZA" altLang="ko-KR" sz="3200" b="0">
-                <a:solidFill>
-                  <a:srgbClr val="B5CEA8"/>
-                </a:solidFill>
-                <a:effectLst/>
-                <a:latin typeface="Consolas" panose="020B0609020204030204" pitchFamily="49" charset="0"/>
-              </a:rPr>
-              <a:t>27</a:t>
-            </a:r>
-            <a:r>
-              <a:rPr lang="af-ZA" altLang="ko-KR" sz="3200" b="0">
-                <a:solidFill>
-                  <a:srgbClr val="D4D4D4"/>
-                </a:solidFill>
-                <a:effectLst/>
-                <a:latin typeface="Consolas" panose="020B0609020204030204" pitchFamily="49" charset="0"/>
-              </a:rPr>
-              <a:t>:</a:t>
-            </a:r>
-            <a:r>
-              <a:rPr lang="af-ZA" altLang="ko-KR" sz="3200" b="0">
-                <a:solidFill>
-                  <a:srgbClr val="B5CEA8"/>
-                </a:solidFill>
-                <a:effectLst/>
-                <a:latin typeface="Consolas" panose="020B0609020204030204" pitchFamily="49" charset="0"/>
-              </a:rPr>
-              <a:t>51</a:t>
-            </a:r>
-            <a:r>
-              <a:rPr lang="af-ZA" altLang="ko-KR" sz="3200" b="0">
-                <a:solidFill>
-                  <a:srgbClr val="D4D4D4"/>
-                </a:solidFill>
-                <a:effectLst/>
-                <a:latin typeface="Consolas" panose="020B0609020204030204" pitchFamily="49" charset="0"/>
-              </a:rPr>
-              <a:t>,</a:t>
-            </a:r>
-            <a:r>
-              <a:rPr lang="af-ZA" altLang="ko-KR" sz="3200" b="0">
-                <a:solidFill>
-                  <a:srgbClr val="B5CEA8"/>
-                </a:solidFill>
-                <a:effectLst/>
-                <a:latin typeface="Consolas" panose="020B0609020204030204" pitchFamily="49" charset="0"/>
-              </a:rPr>
-              <a:t>2</a:t>
-            </a:r>
-            <a:r>
-              <a:rPr lang="af-ZA" altLang="ko-KR" sz="3200" b="0">
-                <a:solidFill>
-                  <a:srgbClr val="D4D4D4"/>
-                </a:solidFill>
-                <a:effectLst/>
-                <a:latin typeface="Consolas" panose="020B0609020204030204" pitchFamily="49" charset="0"/>
-              </a:rPr>
-              <a:t>:</a:t>
-            </a:r>
-            <a:r>
-              <a:rPr lang="af-ZA" altLang="ko-KR" sz="3200" b="0">
-                <a:solidFill>
-                  <a:srgbClr val="B5CEA8"/>
-                </a:solidFill>
-                <a:effectLst/>
-                <a:latin typeface="Consolas" panose="020B0609020204030204" pitchFamily="49" charset="0"/>
-              </a:rPr>
-              <a:t>4</a:t>
-            </a:r>
-            <a:r>
-              <a:rPr lang="af-ZA" altLang="ko-KR" sz="3200" b="0">
-                <a:solidFill>
-                  <a:srgbClr val="D4D4D4"/>
-                </a:solidFill>
-                <a:effectLst/>
-                <a:latin typeface="Consolas" panose="020B0609020204030204" pitchFamily="49" charset="0"/>
-              </a:rPr>
-              <a:t>]</a:t>
-            </a:r>
-          </a:p>
-          <a:p>
-            <a:r>
-              <a:rPr lang="af-ZA" altLang="ko-KR" sz="3200" b="0">
-                <a:solidFill>
-                  <a:srgbClr val="9CDCFE"/>
-                </a:solidFill>
-                <a:effectLst/>
-                <a:latin typeface="Consolas" panose="020B0609020204030204" pitchFamily="49" charset="0"/>
-              </a:rPr>
-              <a:t>y</a:t>
-            </a:r>
-            <a:r>
-              <a:rPr lang="af-ZA" altLang="ko-KR" sz="3200" b="0">
-                <a:solidFill>
-                  <a:srgbClr val="D4D4D4"/>
-                </a:solidFill>
-                <a:effectLst/>
-                <a:latin typeface="Consolas" panose="020B0609020204030204" pitchFamily="49" charset="0"/>
-              </a:rPr>
-              <a:t> = </a:t>
-            </a:r>
-            <a:r>
-              <a:rPr lang="af-ZA" altLang="ko-KR" sz="3200" b="0">
-                <a:solidFill>
-                  <a:srgbClr val="9CDCFE"/>
-                </a:solidFill>
-                <a:effectLst/>
-                <a:latin typeface="Consolas" panose="020B0609020204030204" pitchFamily="49" charset="0"/>
-              </a:rPr>
-              <a:t>data</a:t>
-            </a:r>
-            <a:r>
-              <a:rPr lang="af-ZA" altLang="ko-KR" sz="3200" b="0">
-                <a:solidFill>
-                  <a:srgbClr val="D4D4D4"/>
-                </a:solidFill>
-                <a:effectLst/>
-                <a:latin typeface="Consolas" panose="020B0609020204030204" pitchFamily="49" charset="0"/>
-              </a:rPr>
-              <a:t>[</a:t>
-            </a:r>
-            <a:r>
-              <a:rPr lang="af-ZA" altLang="ko-KR" sz="3200" b="0">
-                <a:solidFill>
-                  <a:srgbClr val="CE9178"/>
-                </a:solidFill>
-                <a:effectLst/>
-                <a:latin typeface="Consolas" panose="020B0609020204030204" pitchFamily="49" charset="0"/>
-              </a:rPr>
-              <a:t>'</a:t>
-            </a:r>
-            <a:r>
-              <a:rPr lang="ko-KR" altLang="en-US" sz="3200" b="0">
-                <a:solidFill>
-                  <a:srgbClr val="CE9178"/>
-                </a:solidFill>
-                <a:effectLst/>
-                <a:latin typeface="Consolas" panose="020B0609020204030204" pitchFamily="49" charset="0"/>
-              </a:rPr>
-              <a:t>언론자유도</a:t>
-            </a:r>
-            <a:r>
-              <a:rPr lang="en-US" altLang="ko-KR" sz="3200" b="0">
-                <a:solidFill>
-                  <a:srgbClr val="CE9178"/>
-                </a:solidFill>
-                <a:effectLst/>
-                <a:latin typeface="Consolas" panose="020B0609020204030204" pitchFamily="49" charset="0"/>
-              </a:rPr>
-              <a:t>'</a:t>
-            </a:r>
-            <a:r>
-              <a:rPr lang="en-US" altLang="ko-KR" sz="3200" b="0">
-                <a:solidFill>
-                  <a:srgbClr val="D4D4D4"/>
-                </a:solidFill>
-                <a:effectLst/>
-                <a:latin typeface="Consolas" panose="020B0609020204030204" pitchFamily="49" charset="0"/>
-              </a:rPr>
-              <a:t>]</a:t>
-            </a:r>
-          </a:p>
-          <a:p>
-            <a:r>
-              <a:rPr lang="af-ZA" altLang="ko-KR" sz="3200" b="0">
-                <a:solidFill>
-                  <a:srgbClr val="9CDCFE"/>
-                </a:solidFill>
-                <a:effectLst/>
-                <a:latin typeface="Consolas" panose="020B0609020204030204" pitchFamily="49" charset="0"/>
-              </a:rPr>
-              <a:t>y</a:t>
-            </a:r>
-            <a:r>
-              <a:rPr lang="af-ZA" altLang="ko-KR" sz="3200" b="0">
-                <a:solidFill>
-                  <a:srgbClr val="D4D4D4"/>
-                </a:solidFill>
-                <a:effectLst/>
-                <a:latin typeface="Consolas" panose="020B0609020204030204" pitchFamily="49" charset="0"/>
-              </a:rPr>
-              <a:t> = </a:t>
-            </a:r>
-            <a:r>
-              <a:rPr lang="af-ZA" altLang="ko-KR" sz="3200" b="0">
-                <a:solidFill>
-                  <a:srgbClr val="9CDCFE"/>
-                </a:solidFill>
-                <a:effectLst/>
-                <a:latin typeface="Consolas" panose="020B0609020204030204" pitchFamily="49" charset="0"/>
-              </a:rPr>
-              <a:t>y</a:t>
-            </a:r>
-            <a:r>
-              <a:rPr lang="af-ZA" altLang="ko-KR" sz="3200" b="0">
-                <a:solidFill>
-                  <a:srgbClr val="D4D4D4"/>
-                </a:solidFill>
-                <a:effectLst/>
-                <a:latin typeface="Consolas" panose="020B0609020204030204" pitchFamily="49" charset="0"/>
-              </a:rPr>
-              <a:t>.</a:t>
-            </a:r>
-            <a:r>
-              <a:rPr lang="af-ZA" altLang="ko-KR" sz="3200" b="0">
-                <a:solidFill>
-                  <a:srgbClr val="DCDCAA"/>
-                </a:solidFill>
-                <a:effectLst/>
-                <a:latin typeface="Consolas" panose="020B0609020204030204" pitchFamily="49" charset="0"/>
-              </a:rPr>
-              <a:t>dropna</a:t>
-            </a:r>
-            <a:r>
-              <a:rPr lang="af-ZA" altLang="ko-KR" sz="3200" b="0">
-                <a:solidFill>
-                  <a:srgbClr val="D4D4D4"/>
-                </a:solidFill>
-                <a:effectLst/>
-                <a:latin typeface="Consolas" panose="020B0609020204030204" pitchFamily="49" charset="0"/>
-              </a:rPr>
-              <a:t>()</a:t>
-            </a:r>
-          </a:p>
-          <a:p>
-            <a:r>
-              <a:rPr lang="af-ZA" altLang="ko-KR" sz="3200" b="0">
-                <a:solidFill>
-                  <a:srgbClr val="9CDCFE"/>
-                </a:solidFill>
-                <a:effectLst/>
-                <a:latin typeface="Consolas" panose="020B0609020204030204" pitchFamily="49" charset="0"/>
-              </a:rPr>
-              <a:t>reg_lin</a:t>
-            </a:r>
-            <a:r>
-              <a:rPr lang="af-ZA" altLang="ko-KR" sz="3200" b="0">
-                <a:solidFill>
-                  <a:srgbClr val="D4D4D4"/>
-                </a:solidFill>
-                <a:effectLst/>
-                <a:latin typeface="Consolas" panose="020B0609020204030204" pitchFamily="49" charset="0"/>
-              </a:rPr>
-              <a:t>.</a:t>
-            </a:r>
-            <a:r>
-              <a:rPr lang="af-ZA" altLang="ko-KR" sz="3200" b="0">
-                <a:solidFill>
-                  <a:srgbClr val="DCDCAA"/>
-                </a:solidFill>
-                <a:effectLst/>
-                <a:latin typeface="Consolas" panose="020B0609020204030204" pitchFamily="49" charset="0"/>
-              </a:rPr>
-              <a:t>fit</a:t>
-            </a:r>
-            <a:r>
-              <a:rPr lang="af-ZA" altLang="ko-KR" sz="3200" b="0">
-                <a:solidFill>
-                  <a:srgbClr val="D4D4D4"/>
-                </a:solidFill>
-                <a:effectLst/>
-                <a:latin typeface="Consolas" panose="020B0609020204030204" pitchFamily="49" charset="0"/>
-              </a:rPr>
-              <a:t>(</a:t>
-            </a:r>
-            <a:r>
-              <a:rPr lang="af-ZA" altLang="ko-KR" sz="3200" b="0">
-                <a:solidFill>
-                  <a:srgbClr val="9CDCFE"/>
-                </a:solidFill>
-                <a:effectLst/>
-                <a:latin typeface="Consolas" panose="020B0609020204030204" pitchFamily="49" charset="0"/>
-              </a:rPr>
-              <a:t>x</a:t>
-            </a:r>
-            <a:r>
-              <a:rPr lang="af-ZA" altLang="ko-KR" sz="3200" b="0">
-                <a:solidFill>
-                  <a:srgbClr val="D4D4D4"/>
-                </a:solidFill>
-                <a:effectLst/>
-                <a:latin typeface="Consolas" panose="020B0609020204030204" pitchFamily="49" charset="0"/>
-              </a:rPr>
-              <a:t>,</a:t>
-            </a:r>
-            <a:r>
-              <a:rPr lang="af-ZA" altLang="ko-KR" sz="3200" b="0">
-                <a:solidFill>
-                  <a:srgbClr val="9CDCFE"/>
-                </a:solidFill>
-                <a:effectLst/>
-                <a:latin typeface="Consolas" panose="020B0609020204030204" pitchFamily="49" charset="0"/>
-              </a:rPr>
-              <a:t>y</a:t>
-            </a:r>
-            <a:r>
-              <a:rPr lang="af-ZA" altLang="ko-KR" sz="3200" b="0">
-                <a:solidFill>
-                  <a:srgbClr val="D4D4D4"/>
-                </a:solidFill>
-                <a:effectLst/>
-                <a:latin typeface="Consolas" panose="020B0609020204030204" pitchFamily="49" charset="0"/>
-              </a:rPr>
-              <a:t>)  </a:t>
-            </a:r>
-            <a:endParaRPr lang="en-US" altLang="ko-KR" sz="3200" b="0">
-              <a:solidFill>
-                <a:srgbClr val="D4D4D4"/>
-              </a:solidFill>
-              <a:effectLst/>
-              <a:latin typeface="Consolas" panose="020B0609020204030204" pitchFamily="49" charset="0"/>
-            </a:endParaRPr>
-          </a:p>
-          <a:p>
-            <a:pPr lvl="2"/>
-            <a:endParaRPr lang="af-ZA" altLang="ko-KR" sz="2400" b="0">
-              <a:solidFill>
-                <a:srgbClr val="D4D4D4"/>
-              </a:solidFill>
-              <a:effectLst/>
-              <a:latin typeface="Consolas" panose="020B0609020204030204" pitchFamily="49" charset="0"/>
-            </a:endParaRPr>
-          </a:p>
-          <a:p>
-            <a:pPr lvl="1"/>
-            <a:r>
-              <a:rPr lang="ko" altLang="en-US"/>
-              <a:t>가장 많은 데이터에 기반</a:t>
-            </a:r>
-            <a:endParaRPr lang="en-US" altLang="ko"/>
-          </a:p>
-          <a:p>
-            <a:pPr lvl="1"/>
-            <a:r>
-              <a:rPr lang="ko" altLang="en-US"/>
-              <a:t>추세를 반영한 예측</a:t>
-            </a:r>
-            <a:endParaRPr lang="en-US" altLang="ko-KR"/>
-          </a:p>
-        </p:txBody>
-      </p:sp>
-    </p:spTree>
-    <p:extLst>
-      <p:ext uri="{BB962C8B-B14F-4D97-AF65-F5344CB8AC3E}">
-        <p14:creationId xmlns:p14="http://schemas.microsoft.com/office/powerpoint/2010/main" val="1900565453"/>
-      </p:ext>
-    </p:extLst>
-  </p:cSld>
-  <p:clrMapOvr>
-    <a:masterClrMapping/>
-  </p:clrMapOvr>
-</p:sld>
-</file>
-
-<file path=ppt/slides/slide28.xml><?xml version="1.0" encoding="utf-8"?>
+<file path=ppt/slides/slide33.xml><?xml version="1.0" encoding="utf-8"?>
 <p:sld xmlns:a="http://schemas.openxmlformats.org/drawingml/2006/main" xmlns:r="http://schemas.openxmlformats.org/officeDocument/2006/relationships" xmlns:p="http://schemas.openxmlformats.org/presentationml/2006/main">
   <p:cSld>
     <p:spTree>
@@ -22206,7 +24432,7 @@
 </p:sld>
 </file>
 
-<file path=ppt/slides/slide29.xml><?xml version="1.0" encoding="utf-8"?>
+<file path=ppt/slides/slide34.xml><?xml version="1.0" encoding="utf-8"?>
 <p:sld xmlns:a="http://schemas.openxmlformats.org/drawingml/2006/main" xmlns:r="http://schemas.openxmlformats.org/officeDocument/2006/relationships" xmlns:p="http://schemas.openxmlformats.org/presentationml/2006/main">
   <p:cSld>
     <p:spTree>
@@ -22290,7 +24516,7 @@
 </p:sld>
 </file>
 
-<file path=ppt/slides/slide3.xml><?xml version="1.0" encoding="utf-8"?>
+<file path=ppt/slides/slide35.xml><?xml version="1.0" encoding="utf-8"?>
 <p:sld xmlns:a="http://schemas.openxmlformats.org/drawingml/2006/main" xmlns:r="http://schemas.openxmlformats.org/officeDocument/2006/relationships" xmlns:p="http://schemas.openxmlformats.org/presentationml/2006/main">
   <p:cSld>
     <p:spTree>
@@ -22312,193 +24538,6 @@
           <p:cNvPr id="2" name="제목 1">
             <a:extLst>
               <a:ext uri="{FF2B5EF4-FFF2-40B4-BE49-F238E27FC236}">
-                <a16:creationId xmlns:a16="http://schemas.microsoft.com/office/drawing/2014/main" id="{A564643B-9141-F8EE-9089-CC26FD48927C}"/>
-              </a:ext>
-            </a:extLst>
-          </p:cNvPr>
-          <p:cNvSpPr>
-            <a:spLocks noGrp="1"/>
-          </p:cNvSpPr>
-          <p:nvPr>
-            <p:ph type="title"/>
-          </p:nvPr>
-        </p:nvSpPr>
-        <p:spPr/>
-        <p:txBody>
-          <a:bodyPr/>
-          <a:lstStyle/>
-          <a:p>
-            <a:r>
-              <a:rPr lang="ko-KR" altLang="en-US" dirty="0">
-                <a:ea typeface="맑은 고딕"/>
-              </a:rPr>
-              <a:t>데이터 수집과정</a:t>
-            </a:r>
-          </a:p>
-        </p:txBody>
-      </p:sp>
-      <p:sp>
-        <p:nvSpPr>
-          <p:cNvPr id="3" name="내용 개체 틀 2">
-            <a:extLst>
-              <a:ext uri="{FF2B5EF4-FFF2-40B4-BE49-F238E27FC236}">
-                <a16:creationId xmlns:a16="http://schemas.microsoft.com/office/drawing/2014/main" id="{6DE2F383-298E-12EE-A134-72E995296C3F}"/>
-              </a:ext>
-            </a:extLst>
-          </p:cNvPr>
-          <p:cNvSpPr>
-            <a:spLocks noGrp="1"/>
-          </p:cNvSpPr>
-          <p:nvPr>
-            <p:ph idx="1"/>
-          </p:nvPr>
-        </p:nvSpPr>
-        <p:spPr>
-          <a:xfrm>
-            <a:off x="5118447" y="1261858"/>
-            <a:ext cx="6281873" cy="4789949"/>
-          </a:xfrm>
-        </p:spPr>
-        <p:txBody>
-          <a:bodyPr vert="horz" lIns="91440" tIns="45720" rIns="91440" bIns="45720" rtlCol="0" anchor="t">
-            <a:normAutofit/>
-          </a:bodyPr>
-          <a:lstStyle/>
-          <a:p>
-            <a:r>
-              <a:rPr lang="ko-KR" altLang="en-US" dirty="0">
-                <a:ea typeface="맑은 고딕"/>
-              </a:rPr>
-              <a:t>출처 - 위키백과, 나무위키</a:t>
-            </a:r>
-            <a:endParaRPr lang="en-US" altLang="ko-KR" dirty="0">
-              <a:ea typeface="맑은 고딕"/>
-            </a:endParaRPr>
-          </a:p>
-          <a:p>
-            <a:endParaRPr lang="ko-KR" altLang="en-US" dirty="0">
-              <a:ea typeface="맑은 고딕"/>
-            </a:endParaRPr>
-          </a:p>
-          <a:p>
-            <a:r>
-              <a:rPr lang="ko-KR" altLang="en-US" dirty="0">
-                <a:ea typeface="맑은 고딕"/>
-              </a:rPr>
-              <a:t>대통령 분류 기준</a:t>
-            </a:r>
-          </a:p>
-          <a:p>
-            <a:pPr lvl="1"/>
-            <a:r>
-              <a:rPr lang="ko-KR" altLang="en-US" dirty="0">
-                <a:ea typeface="맑은 고딕"/>
-              </a:rPr>
-              <a:t>0 = 여당</a:t>
-            </a:r>
-          </a:p>
-          <a:p>
-            <a:pPr lvl="1"/>
-            <a:r>
-              <a:rPr lang="ko-KR" altLang="en-US" dirty="0">
-                <a:ea typeface="맑은 고딕"/>
-              </a:rPr>
-              <a:t>1 = 야당</a:t>
-            </a:r>
-          </a:p>
-          <a:p>
-            <a:pPr lvl="1"/>
-            <a:endParaRPr lang="ko-KR" altLang="en-US" dirty="0">
-              <a:ea typeface="맑은 고딕"/>
-            </a:endParaRPr>
-          </a:p>
-          <a:p>
-            <a:r>
-              <a:rPr lang="ko-KR" altLang="en-US" dirty="0">
-                <a:ea typeface="맑은 고딕"/>
-              </a:rPr>
-              <a:t>국회의원 분류 기준</a:t>
-            </a:r>
-          </a:p>
-          <a:p>
-            <a:pPr lvl="1"/>
-            <a:r>
-              <a:rPr lang="ko-KR" altLang="en-US" dirty="0">
-                <a:ea typeface="맑은 고딕"/>
-              </a:rPr>
-              <a:t>민주당계</a:t>
-            </a:r>
-          </a:p>
-          <a:p>
-            <a:pPr lvl="1"/>
-            <a:r>
-              <a:rPr lang="ko-KR" altLang="en-US" dirty="0">
-                <a:ea typeface="맑은 고딕"/>
-              </a:rPr>
-              <a:t>보수당계</a:t>
-            </a:r>
-          </a:p>
-          <a:p>
-            <a:pPr lvl="1"/>
-            <a:r>
-              <a:rPr lang="ko-KR" altLang="en-US" dirty="0">
-                <a:ea typeface="맑은 고딕"/>
-              </a:rPr>
-              <a:t>진보당계</a:t>
-            </a:r>
-          </a:p>
-          <a:p>
-            <a:pPr lvl="1"/>
-            <a:r>
-              <a:rPr lang="ko-KR" altLang="en-US" dirty="0">
-                <a:ea typeface="맑은 고딕"/>
-              </a:rPr>
-              <a:t>무소속</a:t>
-            </a:r>
-          </a:p>
-          <a:p>
-            <a:pPr lvl="1"/>
-            <a:endParaRPr lang="ko-KR" altLang="en-US" dirty="0">
-              <a:ea typeface="맑은 고딕"/>
-            </a:endParaRPr>
-          </a:p>
-        </p:txBody>
-      </p:sp>
-    </p:spTree>
-    <p:extLst>
-      <p:ext uri="{BB962C8B-B14F-4D97-AF65-F5344CB8AC3E}">
-        <p14:creationId xmlns:p14="http://schemas.microsoft.com/office/powerpoint/2010/main" val="3146945159"/>
-      </p:ext>
-    </p:extLst>
-  </p:cSld>
-  <p:clrMapOvr>
-    <a:masterClrMapping/>
-  </p:clrMapOvr>
-</p:sld>
-</file>
-
-<file path=ppt/slides/slide30.xml><?xml version="1.0" encoding="utf-8"?>
-<p:sld xmlns:a="http://schemas.openxmlformats.org/drawingml/2006/main" xmlns:r="http://schemas.openxmlformats.org/officeDocument/2006/relationships" xmlns:p="http://schemas.openxmlformats.org/presentationml/2006/main">
-  <p:cSld>
-    <p:spTree>
-      <p:nvGrpSpPr>
-        <p:cNvPr id="1" name=""/>
-        <p:cNvGrpSpPr/>
-        <p:nvPr/>
-      </p:nvGrpSpPr>
-      <p:grpSpPr>
-        <a:xfrm>
-          <a:off x="0" y="0"/>
-          <a:ext cx="0" cy="0"/>
-          <a:chOff x="0" y="0"/>
-          <a:chExt cx="0" cy="0"/>
-        </a:xfrm>
-      </p:grpSpPr>
-      <p:sp>
-        <p:nvSpPr>
-          <p:cNvPr id="2" name="제목 1">
-            <a:extLst>
-              <a:ext uri="{FF2B5EF4-FFF2-40B4-BE49-F238E27FC236}">
                 <a16:creationId xmlns:a16="http://schemas.microsoft.com/office/drawing/2014/main" id="{8B6056B6-26C9-4688-A503-0D9DB2EC68CA}"/>
               </a:ext>
             </a:extLst>
@@ -22519,31 +24558,41 @@
           </a:p>
         </p:txBody>
       </p:sp>
-      <p:sp>
-        <p:nvSpPr>
-          <p:cNvPr id="3" name="내용 개체 틀 2">
+      <p:pic>
+        <p:nvPicPr>
+          <p:cNvPr id="4" name="그림 4">
             <a:extLst>
               <a:ext uri="{FF2B5EF4-FFF2-40B4-BE49-F238E27FC236}">
-                <a16:creationId xmlns:a16="http://schemas.microsoft.com/office/drawing/2014/main" id="{EBD1FD76-7317-4A80-B61F-2D9FDCD8F965}"/>
+                <a16:creationId xmlns:a16="http://schemas.microsoft.com/office/drawing/2014/main" id="{3F6D5E5E-B974-49CC-8396-87518CFCF4BA}"/>
               </a:ext>
             </a:extLst>
           </p:cNvPr>
-          <p:cNvSpPr>
-            <a:spLocks noGrp="1"/>
-          </p:cNvSpPr>
+          <p:cNvPicPr>
+            <a:picLocks noGrp="1" noChangeAspect="1"/>
+          </p:cNvPicPr>
           <p:nvPr>
             <p:ph idx="1"/>
           </p:nvPr>
-        </p:nvSpPr>
-        <p:spPr/>
-        <p:txBody>
-          <a:bodyPr/>
-          <a:lstStyle/>
-          <a:p>
-            <a:endParaRPr lang="ko-KR" altLang="en-US"/>
-          </a:p>
-        </p:txBody>
-      </p:sp>
+        </p:nvPicPr>
+        <p:blipFill>
+          <a:blip r:embed="rId2">
+            <a:extLst>
+              <a:ext uri="{28A0092B-C50C-407E-A947-70E740481C1C}">
+                <a14:useLocalDpi xmlns:a14="http://schemas.microsoft.com/office/drawing/2010/main" val="0"/>
+              </a:ext>
+            </a:extLst>
+          </a:blip>
+          <a:stretch>
+            <a:fillRect/>
+          </a:stretch>
+        </p:blipFill>
+        <p:spPr>
+          <a:xfrm>
+            <a:off x="0" y="14389"/>
+            <a:ext cx="12230942" cy="6938861"/>
+          </a:xfrm>
+        </p:spPr>
+      </p:pic>
     </p:spTree>
     <p:extLst>
       <p:ext uri="{BB962C8B-B14F-4D97-AF65-F5344CB8AC3E}">
@@ -22557,7 +24606,7 @@
 </p:sld>
 </file>
 
-<file path=ppt/slides/slide31.xml><?xml version="1.0" encoding="utf-8"?>
+<file path=ppt/slides/slide36.xml><?xml version="1.0" encoding="utf-8"?>
 <p:sld xmlns:a="http://schemas.openxmlformats.org/drawingml/2006/main" xmlns:r="http://schemas.openxmlformats.org/officeDocument/2006/relationships" xmlns:p="http://schemas.openxmlformats.org/presentationml/2006/main">
   <p:cSld>
     <p:spTree>
@@ -22637,7 +24686,7 @@
 </p:sld>
 </file>
 
-<file path=ppt/slides/slide32.xml><?xml version="1.0" encoding="utf-8"?>
+<file path=ppt/slides/slide37.xml><?xml version="1.0" encoding="utf-8"?>
 <p:sld xmlns:a="http://schemas.openxmlformats.org/drawingml/2006/main" xmlns:r="http://schemas.openxmlformats.org/officeDocument/2006/relationships" xmlns:p="http://schemas.openxmlformats.org/presentationml/2006/main">
   <p:cSld>
     <p:spTree>
@@ -22845,7 +24894,23 @@
               <a:rPr lang="ko-KR" altLang="en-US" dirty="0">
                 <a:ea typeface="맑은 고딕"/>
               </a:rPr>
-              <a:t>국회의원 분류법</a:t>
+              <a:t>국회의원 </a:t>
+            </a:r>
+            <a:br>
+              <a:rPr lang="en-US" altLang="ko-KR" dirty="0">
+                <a:ea typeface="맑은 고딕"/>
+              </a:rPr>
+            </a:br>
+            <a:br>
+              <a:rPr lang="en-US" altLang="ko-KR" dirty="0">
+                <a:ea typeface="맑은 고딕"/>
+              </a:rPr>
+            </a:br>
+            <a:r>
+              <a:rPr lang="ko-KR" altLang="en-US" dirty="0">
+                <a:ea typeface="맑은 고딕"/>
+              </a:rPr>
+              <a:t>분류법</a:t>
             </a:r>
             <a:endParaRPr lang="ko-KR" altLang="en-US" dirty="0"/>
           </a:p>
@@ -22968,8 +25033,8 @@
         </p:nvSpPr>
         <p:spPr>
           <a:xfrm>
-            <a:off x="888631" y="1717755"/>
-            <a:ext cx="3498979" cy="3088611"/>
+            <a:off x="888631" y="2141090"/>
+            <a:ext cx="3498979" cy="2665276"/>
           </a:xfrm>
         </p:spPr>
         <p:txBody>

--- a/개인1/발표용 파일/발표용.pptx
+++ b/개인1/발표용 파일/발표용.pptx
@@ -28,20 +28,19 @@
     <p:sldId id="275" r:id="rId22"/>
     <p:sldId id="276" r:id="rId23"/>
     <p:sldId id="278" r:id="rId24"/>
-    <p:sldId id="279" r:id="rId25"/>
-    <p:sldId id="280" r:id="rId26"/>
-    <p:sldId id="293" r:id="rId27"/>
-    <p:sldId id="294" r:id="rId28"/>
-    <p:sldId id="292" r:id="rId29"/>
-    <p:sldId id="281" r:id="rId30"/>
-    <p:sldId id="283" r:id="rId31"/>
-    <p:sldId id="284" r:id="rId32"/>
-    <p:sldId id="277" r:id="rId33"/>
+    <p:sldId id="288" r:id="rId25"/>
+    <p:sldId id="279" r:id="rId26"/>
+    <p:sldId id="280" r:id="rId27"/>
+    <p:sldId id="293" r:id="rId28"/>
+    <p:sldId id="294" r:id="rId29"/>
+    <p:sldId id="292" r:id="rId30"/>
+    <p:sldId id="284" r:id="rId31"/>
+    <p:sldId id="287" r:id="rId32"/>
+    <p:sldId id="289" r:id="rId33"/>
     <p:sldId id="286" r:id="rId34"/>
-    <p:sldId id="287" r:id="rId35"/>
-    <p:sldId id="288" r:id="rId36"/>
-    <p:sldId id="289" r:id="rId37"/>
-    <p:sldId id="271" r:id="rId38"/>
+    <p:sldId id="271" r:id="rId35"/>
+    <p:sldId id="295" r:id="rId36"/>
+    <p:sldId id="281" r:id="rId37"/>
   </p:sldIdLst>
   <p:sldSz cx="12192000" cy="6858000"/>
   <p:notesSz cx="6858000" cy="9144000"/>
@@ -20958,6 +20957,458 @@
           <a:chExt cx="0" cy="0"/>
         </a:xfrm>
       </p:grpSpPr>
+      <p:sp>
+        <p:nvSpPr>
+          <p:cNvPr id="2" name="제목 1">
+            <a:extLst>
+              <a:ext uri="{FF2B5EF4-FFF2-40B4-BE49-F238E27FC236}">
+                <a16:creationId xmlns:a16="http://schemas.microsoft.com/office/drawing/2014/main" id="{8B6056B6-26C9-4688-A503-0D9DB2EC68CA}"/>
+              </a:ext>
+            </a:extLst>
+          </p:cNvPr>
+          <p:cNvSpPr>
+            <a:spLocks noGrp="1"/>
+          </p:cNvSpPr>
+          <p:nvPr>
+            <p:ph type="title"/>
+          </p:nvPr>
+        </p:nvSpPr>
+        <p:spPr/>
+        <p:txBody>
+          <a:bodyPr/>
+          <a:lstStyle/>
+          <a:p>
+            <a:endParaRPr lang="ko-KR" altLang="en-US"/>
+          </a:p>
+        </p:txBody>
+      </p:sp>
+      <p:pic>
+        <p:nvPicPr>
+          <p:cNvPr id="4" name="그림 4">
+            <a:extLst>
+              <a:ext uri="{FF2B5EF4-FFF2-40B4-BE49-F238E27FC236}">
+                <a16:creationId xmlns:a16="http://schemas.microsoft.com/office/drawing/2014/main" id="{3F6D5E5E-B974-49CC-8396-87518CFCF4BA}"/>
+              </a:ext>
+            </a:extLst>
+          </p:cNvPr>
+          <p:cNvPicPr>
+            <a:picLocks noGrp="1" noChangeAspect="1"/>
+          </p:cNvPicPr>
+          <p:nvPr>
+            <p:ph idx="1"/>
+          </p:nvPr>
+        </p:nvPicPr>
+        <p:blipFill>
+          <a:blip r:embed="rId2">
+            <a:extLst>
+              <a:ext uri="{28A0092B-C50C-407E-A947-70E740481C1C}">
+                <a14:useLocalDpi xmlns:a14="http://schemas.microsoft.com/office/drawing/2010/main" val="0"/>
+              </a:ext>
+            </a:extLst>
+          </a:blip>
+          <a:stretch>
+            <a:fillRect/>
+          </a:stretch>
+        </p:blipFill>
+        <p:spPr>
+          <a:xfrm>
+            <a:off x="0" y="14389"/>
+            <a:ext cx="12230942" cy="6938861"/>
+          </a:xfrm>
+        </p:spPr>
+      </p:pic>
+      <p:cxnSp>
+        <p:nvCxnSpPr>
+          <p:cNvPr id="3" name="직선 화살표 연결선 2">
+            <a:extLst>
+              <a:ext uri="{FF2B5EF4-FFF2-40B4-BE49-F238E27FC236}">
+                <a16:creationId xmlns:a16="http://schemas.microsoft.com/office/drawing/2014/main" id="{CA049F63-75A3-45F6-A12A-77A30C161DCA}"/>
+              </a:ext>
+            </a:extLst>
+          </p:cNvPr>
+          <p:cNvCxnSpPr>
+            <a:cxnSpLocks/>
+          </p:cNvCxnSpPr>
+          <p:nvPr/>
+        </p:nvCxnSpPr>
+        <p:spPr>
+          <a:xfrm>
+            <a:off x="173991" y="1152606"/>
+            <a:ext cx="4906009" cy="0"/>
+          </a:xfrm>
+          <a:prstGeom prst="straightConnector1">
+            <a:avLst/>
+          </a:prstGeom>
+        </p:spPr>
+        <p:style>
+          <a:lnRef idx="2">
+            <a:schemeClr val="accent2"/>
+          </a:lnRef>
+          <a:fillRef idx="0">
+            <a:schemeClr val="accent2"/>
+          </a:fillRef>
+          <a:effectRef idx="1">
+            <a:schemeClr val="accent2"/>
+          </a:effectRef>
+          <a:fontRef idx="minor">
+            <a:schemeClr val="tx1"/>
+          </a:fontRef>
+        </p:style>
+      </p:cxnSp>
+      <p:cxnSp>
+        <p:nvCxnSpPr>
+          <p:cNvPr id="8" name="직선 화살표 연결선 7">
+            <a:extLst>
+              <a:ext uri="{FF2B5EF4-FFF2-40B4-BE49-F238E27FC236}">
+                <a16:creationId xmlns:a16="http://schemas.microsoft.com/office/drawing/2014/main" id="{7EF91D4A-7D8C-4262-991D-0F8A03FF8A92}"/>
+              </a:ext>
+            </a:extLst>
+          </p:cNvPr>
+          <p:cNvCxnSpPr>
+            <a:cxnSpLocks/>
+          </p:cNvCxnSpPr>
+          <p:nvPr/>
+        </p:nvCxnSpPr>
+        <p:spPr>
+          <a:xfrm>
+            <a:off x="336974" y="1527256"/>
+            <a:ext cx="7039609" cy="0"/>
+          </a:xfrm>
+          <a:prstGeom prst="straightConnector1">
+            <a:avLst/>
+          </a:prstGeom>
+        </p:spPr>
+        <p:style>
+          <a:lnRef idx="2">
+            <a:schemeClr val="accent2"/>
+          </a:lnRef>
+          <a:fillRef idx="0">
+            <a:schemeClr val="accent2"/>
+          </a:fillRef>
+          <a:effectRef idx="1">
+            <a:schemeClr val="accent2"/>
+          </a:effectRef>
+          <a:fontRef idx="minor">
+            <a:schemeClr val="tx1"/>
+          </a:fontRef>
+        </p:style>
+      </p:cxnSp>
+      <p:cxnSp>
+        <p:nvCxnSpPr>
+          <p:cNvPr id="11" name="직선 화살표 연결선 10">
+            <a:extLst>
+              <a:ext uri="{FF2B5EF4-FFF2-40B4-BE49-F238E27FC236}">
+                <a16:creationId xmlns:a16="http://schemas.microsoft.com/office/drawing/2014/main" id="{669E9DC2-7A1B-47B0-B465-1666351A8E53}"/>
+              </a:ext>
+            </a:extLst>
+          </p:cNvPr>
+          <p:cNvCxnSpPr>
+            <a:cxnSpLocks/>
+          </p:cNvCxnSpPr>
+          <p:nvPr/>
+        </p:nvCxnSpPr>
+        <p:spPr>
+          <a:xfrm>
+            <a:off x="173991" y="3711656"/>
+            <a:ext cx="11457092" cy="0"/>
+          </a:xfrm>
+          <a:prstGeom prst="straightConnector1">
+            <a:avLst/>
+          </a:prstGeom>
+        </p:spPr>
+        <p:style>
+          <a:lnRef idx="2">
+            <a:schemeClr val="accent2"/>
+          </a:lnRef>
+          <a:fillRef idx="0">
+            <a:schemeClr val="accent2"/>
+          </a:fillRef>
+          <a:effectRef idx="1">
+            <a:schemeClr val="accent2"/>
+          </a:effectRef>
+          <a:fontRef idx="minor">
+            <a:schemeClr val="tx1"/>
+          </a:fontRef>
+        </p:style>
+      </p:cxnSp>
+      <p:cxnSp>
+        <p:nvCxnSpPr>
+          <p:cNvPr id="14" name="직선 화살표 연결선 13">
+            <a:extLst>
+              <a:ext uri="{FF2B5EF4-FFF2-40B4-BE49-F238E27FC236}">
+                <a16:creationId xmlns:a16="http://schemas.microsoft.com/office/drawing/2014/main" id="{F40DE3ED-135E-41DD-95DB-59256A73ADC1}"/>
+              </a:ext>
+            </a:extLst>
+          </p:cNvPr>
+          <p:cNvCxnSpPr>
+            <a:cxnSpLocks/>
+          </p:cNvCxnSpPr>
+          <p:nvPr/>
+        </p:nvCxnSpPr>
+        <p:spPr>
+          <a:xfrm>
+            <a:off x="336974" y="5917223"/>
+            <a:ext cx="5483859" cy="0"/>
+          </a:xfrm>
+          <a:prstGeom prst="straightConnector1">
+            <a:avLst/>
+          </a:prstGeom>
+        </p:spPr>
+        <p:style>
+          <a:lnRef idx="2">
+            <a:schemeClr val="accent2"/>
+          </a:lnRef>
+          <a:fillRef idx="0">
+            <a:schemeClr val="accent2"/>
+          </a:fillRef>
+          <a:effectRef idx="1">
+            <a:schemeClr val="accent2"/>
+          </a:effectRef>
+          <a:fontRef idx="minor">
+            <a:schemeClr val="tx1"/>
+          </a:fontRef>
+        </p:style>
+      </p:cxnSp>
+    </p:spTree>
+    <p:extLst>
+      <p:ext uri="{BB962C8B-B14F-4D97-AF65-F5344CB8AC3E}">
+        <p14:creationId xmlns:p14="http://schemas.microsoft.com/office/powerpoint/2010/main" val="2091271417"/>
+      </p:ext>
+    </p:extLst>
+  </p:cSld>
+  <p:clrMapOvr>
+    <a:masterClrMapping/>
+  </p:clrMapOvr>
+  <p:timing>
+    <p:tnLst>
+      <p:par>
+        <p:cTn id="1" dur="indefinite" restart="never" nodeType="tmRoot">
+          <p:childTnLst>
+            <p:seq concurrent="1" nextAc="seek">
+              <p:cTn id="2" dur="indefinite" nodeType="mainSeq">
+                <p:childTnLst>
+                  <p:par>
+                    <p:cTn id="3" fill="hold">
+                      <p:stCondLst>
+                        <p:cond delay="indefinite"/>
+                      </p:stCondLst>
+                      <p:childTnLst>
+                        <p:par>
+                          <p:cTn id="4" fill="hold">
+                            <p:stCondLst>
+                              <p:cond delay="0"/>
+                            </p:stCondLst>
+                            <p:childTnLst>
+                              <p:par>
+                                <p:cTn id="5" presetID="1" presetClass="entr" presetSubtype="0" fill="hold" nodeType="clickEffect">
+                                  <p:stCondLst>
+                                    <p:cond delay="0"/>
+                                  </p:stCondLst>
+                                  <p:childTnLst>
+                                    <p:set>
+                                      <p:cBhvr>
+                                        <p:cTn id="6" dur="1" fill="hold">
+                                          <p:stCondLst>
+                                            <p:cond delay="0"/>
+                                          </p:stCondLst>
+                                        </p:cTn>
+                                        <p:tgtEl>
+                                          <p:spTgt spid="3"/>
+                                        </p:tgtEl>
+                                        <p:attrNameLst>
+                                          <p:attrName>style.visibility</p:attrName>
+                                        </p:attrNameLst>
+                                      </p:cBhvr>
+                                      <p:to>
+                                        <p:strVal val="visible"/>
+                                      </p:to>
+                                    </p:set>
+                                  </p:childTnLst>
+                                </p:cTn>
+                              </p:par>
+                            </p:childTnLst>
+                          </p:cTn>
+                        </p:par>
+                      </p:childTnLst>
+                    </p:cTn>
+                  </p:par>
+                  <p:par>
+                    <p:cTn id="7" fill="hold">
+                      <p:stCondLst>
+                        <p:cond delay="indefinite"/>
+                      </p:stCondLst>
+                      <p:childTnLst>
+                        <p:par>
+                          <p:cTn id="8" fill="hold">
+                            <p:stCondLst>
+                              <p:cond delay="0"/>
+                            </p:stCondLst>
+                            <p:childTnLst>
+                              <p:par>
+                                <p:cTn id="9" presetID="1" presetClass="entr" presetSubtype="0" fill="hold" nodeType="clickEffect">
+                                  <p:stCondLst>
+                                    <p:cond delay="0"/>
+                                  </p:stCondLst>
+                                  <p:childTnLst>
+                                    <p:set>
+                                      <p:cBhvr>
+                                        <p:cTn id="10" dur="1" fill="hold">
+                                          <p:stCondLst>
+                                            <p:cond delay="0"/>
+                                          </p:stCondLst>
+                                        </p:cTn>
+                                        <p:tgtEl>
+                                          <p:spTgt spid="8"/>
+                                        </p:tgtEl>
+                                        <p:attrNameLst>
+                                          <p:attrName>style.visibility</p:attrName>
+                                        </p:attrNameLst>
+                                      </p:cBhvr>
+                                      <p:to>
+                                        <p:strVal val="visible"/>
+                                      </p:to>
+                                    </p:set>
+                                  </p:childTnLst>
+                                </p:cTn>
+                              </p:par>
+                            </p:childTnLst>
+                          </p:cTn>
+                        </p:par>
+                      </p:childTnLst>
+                    </p:cTn>
+                  </p:par>
+                  <p:par>
+                    <p:cTn id="11" fill="hold">
+                      <p:stCondLst>
+                        <p:cond delay="indefinite"/>
+                      </p:stCondLst>
+                      <p:childTnLst>
+                        <p:par>
+                          <p:cTn id="12" fill="hold">
+                            <p:stCondLst>
+                              <p:cond delay="0"/>
+                            </p:stCondLst>
+                            <p:childTnLst>
+                              <p:par>
+                                <p:cTn id="13" presetID="1" presetClass="entr" presetSubtype="0" fill="hold" nodeType="clickEffect">
+                                  <p:stCondLst>
+                                    <p:cond delay="0"/>
+                                  </p:stCondLst>
+                                  <p:childTnLst>
+                                    <p:set>
+                                      <p:cBhvr>
+                                        <p:cTn id="14" dur="1" fill="hold">
+                                          <p:stCondLst>
+                                            <p:cond delay="0"/>
+                                          </p:stCondLst>
+                                        </p:cTn>
+                                        <p:tgtEl>
+                                          <p:spTgt spid="11"/>
+                                        </p:tgtEl>
+                                        <p:attrNameLst>
+                                          <p:attrName>style.visibility</p:attrName>
+                                        </p:attrNameLst>
+                                      </p:cBhvr>
+                                      <p:to>
+                                        <p:strVal val="visible"/>
+                                      </p:to>
+                                    </p:set>
+                                  </p:childTnLst>
+                                </p:cTn>
+                              </p:par>
+                            </p:childTnLst>
+                          </p:cTn>
+                        </p:par>
+                      </p:childTnLst>
+                    </p:cTn>
+                  </p:par>
+                  <p:par>
+                    <p:cTn id="15" fill="hold">
+                      <p:stCondLst>
+                        <p:cond delay="indefinite"/>
+                      </p:stCondLst>
+                      <p:childTnLst>
+                        <p:par>
+                          <p:cTn id="16" fill="hold">
+                            <p:stCondLst>
+                              <p:cond delay="0"/>
+                            </p:stCondLst>
+                            <p:childTnLst>
+                              <p:par>
+                                <p:cTn id="17" presetID="1" presetClass="entr" presetSubtype="0" fill="hold" nodeType="clickEffect">
+                                  <p:stCondLst>
+                                    <p:cond delay="0"/>
+                                  </p:stCondLst>
+                                  <p:childTnLst>
+                                    <p:set>
+                                      <p:cBhvr>
+                                        <p:cTn id="18" dur="1" fill="hold">
+                                          <p:stCondLst>
+                                            <p:cond delay="0"/>
+                                          </p:stCondLst>
+                                        </p:cTn>
+                                        <p:tgtEl>
+                                          <p:spTgt spid="14"/>
+                                        </p:tgtEl>
+                                        <p:attrNameLst>
+                                          <p:attrName>style.visibility</p:attrName>
+                                        </p:attrNameLst>
+                                      </p:cBhvr>
+                                      <p:to>
+                                        <p:strVal val="visible"/>
+                                      </p:to>
+                                    </p:set>
+                                  </p:childTnLst>
+                                </p:cTn>
+                              </p:par>
+                            </p:childTnLst>
+                          </p:cTn>
+                        </p:par>
+                      </p:childTnLst>
+                    </p:cTn>
+                  </p:par>
+                </p:childTnLst>
+              </p:cTn>
+              <p:prevCondLst>
+                <p:cond evt="onPrev" delay="0">
+                  <p:tgtEl>
+                    <p:sldTgt/>
+                  </p:tgtEl>
+                </p:cond>
+              </p:prevCondLst>
+              <p:nextCondLst>
+                <p:cond evt="onNext" delay="0">
+                  <p:tgtEl>
+                    <p:sldTgt/>
+                  </p:tgtEl>
+                </p:cond>
+              </p:nextCondLst>
+            </p:seq>
+          </p:childTnLst>
+        </p:cTn>
+      </p:par>
+    </p:tnLst>
+  </p:timing>
+</p:sld>
+</file>
+
+<file path=ppt/slides/slide25.xml><?xml version="1.0" encoding="utf-8"?>
+<p:sld xmlns:a="http://schemas.openxmlformats.org/drawingml/2006/main" xmlns:r="http://schemas.openxmlformats.org/officeDocument/2006/relationships" xmlns:p="http://schemas.openxmlformats.org/presentationml/2006/main">
+  <p:cSld>
+    <p:spTree>
+      <p:nvGrpSpPr>
+        <p:cNvPr id="1" name=""/>
+        <p:cNvGrpSpPr/>
+        <p:nvPr/>
+      </p:nvGrpSpPr>
+      <p:grpSpPr>
+        <a:xfrm>
+          <a:off x="0" y="0"/>
+          <a:ext cx="0" cy="0"/>
+          <a:chOff x="0" y="0"/>
+          <a:chExt cx="0" cy="0"/>
+        </a:xfrm>
+      </p:grpSpPr>
       <p:pic>
         <p:nvPicPr>
           <p:cNvPr id="8" name="그림 7">
@@ -21393,7 +21844,7 @@
 </p:sld>
 </file>
 
-<file path=ppt/slides/slide25.xml><?xml version="1.0" encoding="utf-8"?>
+<file path=ppt/slides/slide26.xml><?xml version="1.0" encoding="utf-8"?>
 <p:sld xmlns:a="http://schemas.openxmlformats.org/drawingml/2006/main" xmlns:r="http://schemas.openxmlformats.org/officeDocument/2006/relationships" xmlns:p="http://schemas.openxmlformats.org/presentationml/2006/main">
   <p:cSld>
     <p:spTree>
@@ -21920,7 +22371,7 @@
 </p:sld>
 </file>
 
-<file path=ppt/slides/slide26.xml><?xml version="1.0" encoding="utf-8"?>
+<file path=ppt/slides/slide27.xml><?xml version="1.0" encoding="utf-8"?>
 <p:sld xmlns:a="http://schemas.openxmlformats.org/drawingml/2006/main" xmlns:r="http://schemas.openxmlformats.org/officeDocument/2006/relationships" xmlns:p="http://schemas.openxmlformats.org/presentationml/2006/main">
   <p:cSld>
     <p:spTree>
@@ -21939,10 +22390,10 @@
       </p:grpSpPr>
       <p:pic>
         <p:nvPicPr>
-          <p:cNvPr id="4" name="그림 3">
+          <p:cNvPr id="2" name="그림 2">
             <a:extLst>
               <a:ext uri="{FF2B5EF4-FFF2-40B4-BE49-F238E27FC236}">
-                <a16:creationId xmlns:a16="http://schemas.microsoft.com/office/drawing/2014/main" id="{67B0E88A-E480-4BAD-B50B-32AB065A66A4}"/>
+                <a16:creationId xmlns:a16="http://schemas.microsoft.com/office/drawing/2014/main" id="{3C3F8492-BE68-41EA-BB9D-5F8B4DEF37F2}"/>
               </a:ext>
             </a:extLst>
           </p:cNvPr>
@@ -21952,15 +22403,21 @@
           <p:nvPr/>
         </p:nvPicPr>
         <p:blipFill>
-          <a:blip r:embed="rId2"/>
+          <a:blip r:embed="rId2">
+            <a:extLst>
+              <a:ext uri="{28A0092B-C50C-407E-A947-70E740481C1C}">
+                <a14:useLocalDpi xmlns:a14="http://schemas.microsoft.com/office/drawing/2010/main" val="0"/>
+              </a:ext>
+            </a:extLst>
+          </a:blip>
           <a:stretch>
             <a:fillRect/>
           </a:stretch>
         </p:blipFill>
         <p:spPr>
           <a:xfrm>
-            <a:off x="0" y="0"/>
-            <a:ext cx="12414598" cy="6858000"/>
+            <a:off x="10583" y="0"/>
+            <a:ext cx="12202466" cy="6953250"/>
           </a:xfrm>
           <a:prstGeom prst="rect">
             <a:avLst/>
@@ -22176,36 +22633,6 @@
 </p:sld>
 </file>
 
-<file path=ppt/slides/slide27.xml><?xml version="1.0" encoding="utf-8"?>
-<p:sld xmlns:a="http://schemas.openxmlformats.org/drawingml/2006/main" xmlns:r="http://schemas.openxmlformats.org/officeDocument/2006/relationships" xmlns:p="http://schemas.openxmlformats.org/presentationml/2006/main">
-  <p:cSld>
-    <p:spTree>
-      <p:nvGrpSpPr>
-        <p:cNvPr id="1" name=""/>
-        <p:cNvGrpSpPr/>
-        <p:nvPr/>
-      </p:nvGrpSpPr>
-      <p:grpSpPr>
-        <a:xfrm>
-          <a:off x="0" y="0"/>
-          <a:ext cx="0" cy="0"/>
-          <a:chOff x="0" y="0"/>
-          <a:chExt cx="0" cy="0"/>
-        </a:xfrm>
-      </p:grpSpPr>
-    </p:spTree>
-    <p:extLst>
-      <p:ext uri="{BB962C8B-B14F-4D97-AF65-F5344CB8AC3E}">
-        <p14:creationId xmlns:p14="http://schemas.microsoft.com/office/powerpoint/2010/main" val="3011672381"/>
-      </p:ext>
-    </p:extLst>
-  </p:cSld>
-  <p:clrMapOvr>
-    <a:masterClrMapping/>
-  </p:clrMapOvr>
-</p:sld>
-</file>
-
 <file path=ppt/slides/slide28.xml><?xml version="1.0" encoding="utf-8"?>
 <p:sld xmlns:a="http://schemas.openxmlformats.org/drawingml/2006/main" xmlns:r="http://schemas.openxmlformats.org/officeDocument/2006/relationships" xmlns:p="http://schemas.openxmlformats.org/presentationml/2006/main">
   <p:cSld>
@@ -22225,10 +22652,10 @@
       </p:grpSpPr>
       <p:pic>
         <p:nvPicPr>
-          <p:cNvPr id="4" name="그림 3">
+          <p:cNvPr id="2" name="그림 2">
             <a:extLst>
               <a:ext uri="{FF2B5EF4-FFF2-40B4-BE49-F238E27FC236}">
-                <a16:creationId xmlns:a16="http://schemas.microsoft.com/office/drawing/2014/main" id="{E9ABA14E-99A9-450C-9ACC-88640A910890}"/>
+                <a16:creationId xmlns:a16="http://schemas.microsoft.com/office/drawing/2014/main" id="{D6EA31C4-C687-4179-A4C4-FAE137BF210F}"/>
               </a:ext>
             </a:extLst>
           </p:cNvPr>
@@ -22238,7 +22665,13 @@
           <p:nvPr/>
         </p:nvPicPr>
         <p:blipFill>
-          <a:blip r:embed="rId2"/>
+          <a:blip r:embed="rId2">
+            <a:extLst>
+              <a:ext uri="{28A0092B-C50C-407E-A947-70E740481C1C}">
+                <a14:useLocalDpi xmlns:a14="http://schemas.microsoft.com/office/drawing/2010/main" val="0"/>
+              </a:ext>
+            </a:extLst>
+          </a:blip>
           <a:stretch>
             <a:fillRect/>
           </a:stretch>
@@ -22246,23 +22679,670 @@
         <p:spPr>
           <a:xfrm>
             <a:off x="0" y="-1"/>
-            <a:ext cx="12192000" cy="7132735"/>
+            <a:ext cx="12239906" cy="7122583"/>
           </a:xfrm>
           <a:prstGeom prst="rect">
             <a:avLst/>
           </a:prstGeom>
         </p:spPr>
       </p:pic>
+      <p:pic>
+        <p:nvPicPr>
+          <p:cNvPr id="3" name="그림 3">
+            <a:extLst>
+              <a:ext uri="{FF2B5EF4-FFF2-40B4-BE49-F238E27FC236}">
+                <a16:creationId xmlns:a16="http://schemas.microsoft.com/office/drawing/2014/main" id="{41C9FE01-3C8F-4785-9074-4EEDEC5B897B}"/>
+              </a:ext>
+            </a:extLst>
+          </p:cNvPr>
+          <p:cNvPicPr>
+            <a:picLocks noChangeAspect="1"/>
+          </p:cNvPicPr>
+          <p:nvPr/>
+        </p:nvPicPr>
+        <p:blipFill>
+          <a:blip r:embed="rId3">
+            <a:extLst>
+              <a:ext uri="{28A0092B-C50C-407E-A947-70E740481C1C}">
+                <a14:useLocalDpi xmlns:a14="http://schemas.microsoft.com/office/drawing/2010/main" val="0"/>
+              </a:ext>
+            </a:extLst>
+          </a:blip>
+          <a:stretch>
+            <a:fillRect/>
+          </a:stretch>
+        </p:blipFill>
+        <p:spPr>
+          <a:xfrm>
+            <a:off x="232304" y="1583265"/>
+            <a:ext cx="10947169" cy="850901"/>
+          </a:xfrm>
+          <a:prstGeom prst="rect">
+            <a:avLst/>
+          </a:prstGeom>
+        </p:spPr>
+      </p:pic>
+      <p:cxnSp>
+        <p:nvCxnSpPr>
+          <p:cNvPr id="5" name="직선 화살표 연결선 4">
+            <a:extLst>
+              <a:ext uri="{FF2B5EF4-FFF2-40B4-BE49-F238E27FC236}">
+                <a16:creationId xmlns:a16="http://schemas.microsoft.com/office/drawing/2014/main" id="{E427E369-6CB3-4103-9D58-3EB345AC6BD7}"/>
+              </a:ext>
+            </a:extLst>
+          </p:cNvPr>
+          <p:cNvCxnSpPr>
+            <a:cxnSpLocks/>
+          </p:cNvCxnSpPr>
+          <p:nvPr/>
+        </p:nvCxnSpPr>
+        <p:spPr>
+          <a:xfrm>
+            <a:off x="232304" y="2136856"/>
+            <a:ext cx="10732029" cy="0"/>
+          </a:xfrm>
+          <a:prstGeom prst="straightConnector1">
+            <a:avLst/>
+          </a:prstGeom>
+        </p:spPr>
+        <p:style>
+          <a:lnRef idx="2">
+            <a:schemeClr val="accent2"/>
+          </a:lnRef>
+          <a:fillRef idx="0">
+            <a:schemeClr val="accent2"/>
+          </a:fillRef>
+          <a:effectRef idx="1">
+            <a:schemeClr val="accent2"/>
+          </a:effectRef>
+          <a:fontRef idx="minor">
+            <a:schemeClr val="tx1"/>
+          </a:fontRef>
+        </p:style>
+      </p:cxnSp>
+      <p:cxnSp>
+        <p:nvCxnSpPr>
+          <p:cNvPr id="8" name="직선 화살표 연결선 7">
+            <a:extLst>
+              <a:ext uri="{FF2B5EF4-FFF2-40B4-BE49-F238E27FC236}">
+                <a16:creationId xmlns:a16="http://schemas.microsoft.com/office/drawing/2014/main" id="{D148D1BD-FD58-41A6-BD04-0BF8E439B882}"/>
+              </a:ext>
+            </a:extLst>
+          </p:cNvPr>
+          <p:cNvCxnSpPr>
+            <a:cxnSpLocks/>
+          </p:cNvCxnSpPr>
+          <p:nvPr/>
+        </p:nvCxnSpPr>
+        <p:spPr>
+          <a:xfrm>
+            <a:off x="912446" y="3047022"/>
+            <a:ext cx="3797138" cy="0"/>
+          </a:xfrm>
+          <a:prstGeom prst="straightConnector1">
+            <a:avLst/>
+          </a:prstGeom>
+        </p:spPr>
+        <p:style>
+          <a:lnRef idx="2">
+            <a:schemeClr val="accent2"/>
+          </a:lnRef>
+          <a:fillRef idx="0">
+            <a:schemeClr val="accent2"/>
+          </a:fillRef>
+          <a:effectRef idx="1">
+            <a:schemeClr val="accent2"/>
+          </a:effectRef>
+          <a:fontRef idx="minor">
+            <a:schemeClr val="tx1"/>
+          </a:fontRef>
+        </p:style>
+      </p:cxnSp>
+      <p:cxnSp>
+        <p:nvCxnSpPr>
+          <p:cNvPr id="10" name="직선 화살표 연결선 9">
+            <a:extLst>
+              <a:ext uri="{FF2B5EF4-FFF2-40B4-BE49-F238E27FC236}">
+                <a16:creationId xmlns:a16="http://schemas.microsoft.com/office/drawing/2014/main" id="{DC158B96-91EB-4479-A6FD-97E7EC8B1D80}"/>
+              </a:ext>
+            </a:extLst>
+          </p:cNvPr>
+          <p:cNvCxnSpPr>
+            <a:cxnSpLocks/>
+          </p:cNvCxnSpPr>
+          <p:nvPr/>
+        </p:nvCxnSpPr>
+        <p:spPr>
+          <a:xfrm>
+            <a:off x="6807363" y="3047022"/>
+            <a:ext cx="1235970" cy="0"/>
+          </a:xfrm>
+          <a:prstGeom prst="straightConnector1">
+            <a:avLst/>
+          </a:prstGeom>
+        </p:spPr>
+        <p:style>
+          <a:lnRef idx="2">
+            <a:schemeClr val="accent2"/>
+          </a:lnRef>
+          <a:fillRef idx="0">
+            <a:schemeClr val="accent2"/>
+          </a:fillRef>
+          <a:effectRef idx="1">
+            <a:schemeClr val="accent2"/>
+          </a:effectRef>
+          <a:fontRef idx="minor">
+            <a:schemeClr val="tx1"/>
+          </a:fontRef>
+        </p:style>
+      </p:cxnSp>
+      <p:cxnSp>
+        <p:nvCxnSpPr>
+          <p:cNvPr id="13" name="직선 화살표 연결선 12">
+            <a:extLst>
+              <a:ext uri="{FF2B5EF4-FFF2-40B4-BE49-F238E27FC236}">
+                <a16:creationId xmlns:a16="http://schemas.microsoft.com/office/drawing/2014/main" id="{3C2FB11E-8BB8-45ED-9D83-05706814A66E}"/>
+              </a:ext>
+            </a:extLst>
+          </p:cNvPr>
+          <p:cNvCxnSpPr>
+            <a:cxnSpLocks/>
+          </p:cNvCxnSpPr>
+          <p:nvPr/>
+        </p:nvCxnSpPr>
+        <p:spPr>
+          <a:xfrm>
+            <a:off x="232304" y="3353939"/>
+            <a:ext cx="1291696" cy="0"/>
+          </a:xfrm>
+          <a:prstGeom prst="straightConnector1">
+            <a:avLst/>
+          </a:prstGeom>
+        </p:spPr>
+        <p:style>
+          <a:lnRef idx="2">
+            <a:schemeClr val="accent2"/>
+          </a:lnRef>
+          <a:fillRef idx="0">
+            <a:schemeClr val="accent2"/>
+          </a:fillRef>
+          <a:effectRef idx="1">
+            <a:schemeClr val="accent2"/>
+          </a:effectRef>
+          <a:fontRef idx="minor">
+            <a:schemeClr val="tx1"/>
+          </a:fontRef>
+        </p:style>
+      </p:cxnSp>
+      <p:cxnSp>
+        <p:nvCxnSpPr>
+          <p:cNvPr id="16" name="직선 화살표 연결선 15">
+            <a:extLst>
+              <a:ext uri="{FF2B5EF4-FFF2-40B4-BE49-F238E27FC236}">
+                <a16:creationId xmlns:a16="http://schemas.microsoft.com/office/drawing/2014/main" id="{85C2C1E9-51D3-4A20-B2F6-46FE146793F9}"/>
+              </a:ext>
+            </a:extLst>
+          </p:cNvPr>
+          <p:cNvCxnSpPr>
+            <a:cxnSpLocks/>
+          </p:cNvCxnSpPr>
+          <p:nvPr/>
+        </p:nvCxnSpPr>
+        <p:spPr>
+          <a:xfrm>
+            <a:off x="4197431" y="4518106"/>
+            <a:ext cx="3797138" cy="0"/>
+          </a:xfrm>
+          <a:prstGeom prst="straightConnector1">
+            <a:avLst/>
+          </a:prstGeom>
+        </p:spPr>
+        <p:style>
+          <a:lnRef idx="2">
+            <a:schemeClr val="accent2"/>
+          </a:lnRef>
+          <a:fillRef idx="0">
+            <a:schemeClr val="accent2"/>
+          </a:fillRef>
+          <a:effectRef idx="1">
+            <a:schemeClr val="accent2"/>
+          </a:effectRef>
+          <a:fontRef idx="minor">
+            <a:schemeClr val="tx1"/>
+          </a:fontRef>
+        </p:style>
+      </p:cxnSp>
+      <p:cxnSp>
+        <p:nvCxnSpPr>
+          <p:cNvPr id="18" name="직선 화살표 연결선 17">
+            <a:extLst>
+              <a:ext uri="{FF2B5EF4-FFF2-40B4-BE49-F238E27FC236}">
+                <a16:creationId xmlns:a16="http://schemas.microsoft.com/office/drawing/2014/main" id="{ABD2B8E4-C514-4669-8FA9-F1C66F6BDECF}"/>
+              </a:ext>
+            </a:extLst>
+          </p:cNvPr>
+          <p:cNvCxnSpPr>
+            <a:cxnSpLocks/>
+          </p:cNvCxnSpPr>
+          <p:nvPr/>
+        </p:nvCxnSpPr>
+        <p:spPr>
+          <a:xfrm>
+            <a:off x="232304" y="3957189"/>
+            <a:ext cx="1746779" cy="0"/>
+          </a:xfrm>
+          <a:prstGeom prst="straightConnector1">
+            <a:avLst/>
+          </a:prstGeom>
+        </p:spPr>
+        <p:style>
+          <a:lnRef idx="2">
+            <a:schemeClr val="accent2"/>
+          </a:lnRef>
+          <a:fillRef idx="0">
+            <a:schemeClr val="accent2"/>
+          </a:fillRef>
+          <a:effectRef idx="1">
+            <a:schemeClr val="accent2"/>
+          </a:effectRef>
+          <a:fontRef idx="minor">
+            <a:schemeClr val="tx1"/>
+          </a:fontRef>
+        </p:style>
+      </p:cxnSp>
+      <p:cxnSp>
+        <p:nvCxnSpPr>
+          <p:cNvPr id="22" name="직선 화살표 연결선 21">
+            <a:extLst>
+              <a:ext uri="{FF2B5EF4-FFF2-40B4-BE49-F238E27FC236}">
+                <a16:creationId xmlns:a16="http://schemas.microsoft.com/office/drawing/2014/main" id="{FE382A31-50B6-4010-8A37-A58633F2E1DE}"/>
+              </a:ext>
+            </a:extLst>
+          </p:cNvPr>
+          <p:cNvCxnSpPr>
+            <a:cxnSpLocks/>
+          </p:cNvCxnSpPr>
+          <p:nvPr/>
+        </p:nvCxnSpPr>
+        <p:spPr>
+          <a:xfrm>
+            <a:off x="1979083" y="5421922"/>
+            <a:ext cx="1746779" cy="0"/>
+          </a:xfrm>
+          <a:prstGeom prst="straightConnector1">
+            <a:avLst/>
+          </a:prstGeom>
+        </p:spPr>
+        <p:style>
+          <a:lnRef idx="2">
+            <a:schemeClr val="accent2"/>
+          </a:lnRef>
+          <a:fillRef idx="0">
+            <a:schemeClr val="accent2"/>
+          </a:fillRef>
+          <a:effectRef idx="1">
+            <a:schemeClr val="accent2"/>
+          </a:effectRef>
+          <a:fontRef idx="minor">
+            <a:schemeClr val="tx1"/>
+          </a:fontRef>
+        </p:style>
+      </p:cxnSp>
     </p:spTree>
     <p:extLst>
       <p:ext uri="{BB962C8B-B14F-4D97-AF65-F5344CB8AC3E}">
-        <p14:creationId xmlns:p14="http://schemas.microsoft.com/office/powerpoint/2010/main" val="597390886"/>
+        <p14:creationId xmlns:p14="http://schemas.microsoft.com/office/powerpoint/2010/main" val="3011672381"/>
       </p:ext>
     </p:extLst>
   </p:cSld>
   <p:clrMapOvr>
     <a:masterClrMapping/>
   </p:clrMapOvr>
+  <p:timing>
+    <p:tnLst>
+      <p:par>
+        <p:cTn id="1" dur="indefinite" restart="never" nodeType="tmRoot">
+          <p:childTnLst>
+            <p:seq concurrent="1" nextAc="seek">
+              <p:cTn id="2" dur="indefinite" nodeType="mainSeq">
+                <p:childTnLst>
+                  <p:par>
+                    <p:cTn id="3" fill="hold">
+                      <p:stCondLst>
+                        <p:cond delay="indefinite"/>
+                      </p:stCondLst>
+                      <p:childTnLst>
+                        <p:par>
+                          <p:cTn id="4" fill="hold">
+                            <p:stCondLst>
+                              <p:cond delay="0"/>
+                            </p:stCondLst>
+                            <p:childTnLst>
+                              <p:par>
+                                <p:cTn id="5" presetID="1" presetClass="entr" presetSubtype="0" fill="hold" nodeType="clickEffect">
+                                  <p:stCondLst>
+                                    <p:cond delay="0"/>
+                                  </p:stCondLst>
+                                  <p:childTnLst>
+                                    <p:set>
+                                      <p:cBhvr>
+                                        <p:cTn id="6" dur="1" fill="hold">
+                                          <p:stCondLst>
+                                            <p:cond delay="0"/>
+                                          </p:stCondLst>
+                                        </p:cTn>
+                                        <p:tgtEl>
+                                          <p:spTgt spid="5"/>
+                                        </p:tgtEl>
+                                        <p:attrNameLst>
+                                          <p:attrName>style.visibility</p:attrName>
+                                        </p:attrNameLst>
+                                      </p:cBhvr>
+                                      <p:to>
+                                        <p:strVal val="visible"/>
+                                      </p:to>
+                                    </p:set>
+                                  </p:childTnLst>
+                                </p:cTn>
+                              </p:par>
+                            </p:childTnLst>
+                          </p:cTn>
+                        </p:par>
+                      </p:childTnLst>
+                    </p:cTn>
+                  </p:par>
+                  <p:par>
+                    <p:cTn id="7" fill="hold">
+                      <p:stCondLst>
+                        <p:cond delay="indefinite"/>
+                      </p:stCondLst>
+                      <p:childTnLst>
+                        <p:par>
+                          <p:cTn id="8" fill="hold">
+                            <p:stCondLst>
+                              <p:cond delay="0"/>
+                            </p:stCondLst>
+                            <p:childTnLst>
+                              <p:par>
+                                <p:cTn id="9" presetID="1" presetClass="entr" presetSubtype="0" fill="hold" nodeType="clickEffect">
+                                  <p:stCondLst>
+                                    <p:cond delay="0"/>
+                                  </p:stCondLst>
+                                  <p:childTnLst>
+                                    <p:set>
+                                      <p:cBhvr>
+                                        <p:cTn id="10" dur="1" fill="hold">
+                                          <p:stCondLst>
+                                            <p:cond delay="0"/>
+                                          </p:stCondLst>
+                                        </p:cTn>
+                                        <p:tgtEl>
+                                          <p:spTgt spid="8"/>
+                                        </p:tgtEl>
+                                        <p:attrNameLst>
+                                          <p:attrName>style.visibility</p:attrName>
+                                        </p:attrNameLst>
+                                      </p:cBhvr>
+                                      <p:to>
+                                        <p:strVal val="visible"/>
+                                      </p:to>
+                                    </p:set>
+                                  </p:childTnLst>
+                                </p:cTn>
+                              </p:par>
+                            </p:childTnLst>
+                          </p:cTn>
+                        </p:par>
+                      </p:childTnLst>
+                    </p:cTn>
+                  </p:par>
+                  <p:par>
+                    <p:cTn id="11" fill="hold">
+                      <p:stCondLst>
+                        <p:cond delay="indefinite"/>
+                      </p:stCondLst>
+                      <p:childTnLst>
+                        <p:par>
+                          <p:cTn id="12" fill="hold">
+                            <p:stCondLst>
+                              <p:cond delay="0"/>
+                            </p:stCondLst>
+                            <p:childTnLst>
+                              <p:par>
+                                <p:cTn id="13" presetID="1" presetClass="entr" presetSubtype="0" fill="hold" nodeType="clickEffect">
+                                  <p:stCondLst>
+                                    <p:cond delay="0"/>
+                                  </p:stCondLst>
+                                  <p:childTnLst>
+                                    <p:set>
+                                      <p:cBhvr>
+                                        <p:cTn id="14" dur="1" fill="hold">
+                                          <p:stCondLst>
+                                            <p:cond delay="0"/>
+                                          </p:stCondLst>
+                                        </p:cTn>
+                                        <p:tgtEl>
+                                          <p:spTgt spid="10"/>
+                                        </p:tgtEl>
+                                        <p:attrNameLst>
+                                          <p:attrName>style.visibility</p:attrName>
+                                        </p:attrNameLst>
+                                      </p:cBhvr>
+                                      <p:to>
+                                        <p:strVal val="visible"/>
+                                      </p:to>
+                                    </p:set>
+                                  </p:childTnLst>
+                                </p:cTn>
+                              </p:par>
+                            </p:childTnLst>
+                          </p:cTn>
+                        </p:par>
+                      </p:childTnLst>
+                    </p:cTn>
+                  </p:par>
+                  <p:par>
+                    <p:cTn id="15" fill="hold">
+                      <p:stCondLst>
+                        <p:cond delay="indefinite"/>
+                      </p:stCondLst>
+                      <p:childTnLst>
+                        <p:par>
+                          <p:cTn id="16" fill="hold">
+                            <p:stCondLst>
+                              <p:cond delay="0"/>
+                            </p:stCondLst>
+                            <p:childTnLst>
+                              <p:par>
+                                <p:cTn id="17" presetID="1" presetClass="entr" presetSubtype="0" fill="hold" nodeType="clickEffect">
+                                  <p:stCondLst>
+                                    <p:cond delay="0"/>
+                                  </p:stCondLst>
+                                  <p:childTnLst>
+                                    <p:set>
+                                      <p:cBhvr>
+                                        <p:cTn id="18" dur="1" fill="hold">
+                                          <p:stCondLst>
+                                            <p:cond delay="0"/>
+                                          </p:stCondLst>
+                                        </p:cTn>
+                                        <p:tgtEl>
+                                          <p:spTgt spid="13"/>
+                                        </p:tgtEl>
+                                        <p:attrNameLst>
+                                          <p:attrName>style.visibility</p:attrName>
+                                        </p:attrNameLst>
+                                      </p:cBhvr>
+                                      <p:to>
+                                        <p:strVal val="visible"/>
+                                      </p:to>
+                                    </p:set>
+                                  </p:childTnLst>
+                                </p:cTn>
+                              </p:par>
+                            </p:childTnLst>
+                          </p:cTn>
+                        </p:par>
+                      </p:childTnLst>
+                    </p:cTn>
+                  </p:par>
+                  <p:par>
+                    <p:cTn id="19" fill="hold">
+                      <p:stCondLst>
+                        <p:cond delay="indefinite"/>
+                      </p:stCondLst>
+                      <p:childTnLst>
+                        <p:par>
+                          <p:cTn id="20" fill="hold">
+                            <p:stCondLst>
+                              <p:cond delay="0"/>
+                            </p:stCondLst>
+                            <p:childTnLst>
+                              <p:par>
+                                <p:cTn id="21" presetID="1" presetClass="entr" presetSubtype="0" fill="hold" nodeType="clickEffect">
+                                  <p:stCondLst>
+                                    <p:cond delay="0"/>
+                                  </p:stCondLst>
+                                  <p:childTnLst>
+                                    <p:set>
+                                      <p:cBhvr>
+                                        <p:cTn id="22" dur="1" fill="hold">
+                                          <p:stCondLst>
+                                            <p:cond delay="0"/>
+                                          </p:stCondLst>
+                                        </p:cTn>
+                                        <p:tgtEl>
+                                          <p:spTgt spid="16"/>
+                                        </p:tgtEl>
+                                        <p:attrNameLst>
+                                          <p:attrName>style.visibility</p:attrName>
+                                        </p:attrNameLst>
+                                      </p:cBhvr>
+                                      <p:to>
+                                        <p:strVal val="visible"/>
+                                      </p:to>
+                                    </p:set>
+                                  </p:childTnLst>
+                                </p:cTn>
+                              </p:par>
+                            </p:childTnLst>
+                          </p:cTn>
+                        </p:par>
+                      </p:childTnLst>
+                    </p:cTn>
+                  </p:par>
+                  <p:par>
+                    <p:cTn id="23" fill="hold">
+                      <p:stCondLst>
+                        <p:cond delay="indefinite"/>
+                      </p:stCondLst>
+                      <p:childTnLst>
+                        <p:par>
+                          <p:cTn id="24" fill="hold">
+                            <p:stCondLst>
+                              <p:cond delay="0"/>
+                            </p:stCondLst>
+                            <p:childTnLst>
+                              <p:par>
+                                <p:cTn id="25" presetID="1" presetClass="entr" presetSubtype="0" fill="hold" nodeType="clickEffect">
+                                  <p:stCondLst>
+                                    <p:cond delay="0"/>
+                                  </p:stCondLst>
+                                  <p:childTnLst>
+                                    <p:set>
+                                      <p:cBhvr>
+                                        <p:cTn id="26" dur="1" fill="hold">
+                                          <p:stCondLst>
+                                            <p:cond delay="0"/>
+                                          </p:stCondLst>
+                                        </p:cTn>
+                                        <p:tgtEl>
+                                          <p:spTgt spid="18"/>
+                                        </p:tgtEl>
+                                        <p:attrNameLst>
+                                          <p:attrName>style.visibility</p:attrName>
+                                        </p:attrNameLst>
+                                      </p:cBhvr>
+                                      <p:to>
+                                        <p:strVal val="visible"/>
+                                      </p:to>
+                                    </p:set>
+                                  </p:childTnLst>
+                                </p:cTn>
+                              </p:par>
+                            </p:childTnLst>
+                          </p:cTn>
+                        </p:par>
+                      </p:childTnLst>
+                    </p:cTn>
+                  </p:par>
+                  <p:par>
+                    <p:cTn id="27" fill="hold">
+                      <p:stCondLst>
+                        <p:cond delay="indefinite"/>
+                      </p:stCondLst>
+                      <p:childTnLst>
+                        <p:par>
+                          <p:cTn id="28" fill="hold">
+                            <p:stCondLst>
+                              <p:cond delay="0"/>
+                            </p:stCondLst>
+                            <p:childTnLst>
+                              <p:par>
+                                <p:cTn id="29" presetID="1" presetClass="entr" presetSubtype="0" fill="hold" nodeType="clickEffect">
+                                  <p:stCondLst>
+                                    <p:cond delay="0"/>
+                                  </p:stCondLst>
+                                  <p:childTnLst>
+                                    <p:set>
+                                      <p:cBhvr>
+                                        <p:cTn id="30" dur="1" fill="hold">
+                                          <p:stCondLst>
+                                            <p:cond delay="0"/>
+                                          </p:stCondLst>
+                                        </p:cTn>
+                                        <p:tgtEl>
+                                          <p:spTgt spid="22"/>
+                                        </p:tgtEl>
+                                        <p:attrNameLst>
+                                          <p:attrName>style.visibility</p:attrName>
+                                        </p:attrNameLst>
+                                      </p:cBhvr>
+                                      <p:to>
+                                        <p:strVal val="visible"/>
+                                      </p:to>
+                                    </p:set>
+                                  </p:childTnLst>
+                                </p:cTn>
+                              </p:par>
+                            </p:childTnLst>
+                          </p:cTn>
+                        </p:par>
+                      </p:childTnLst>
+                    </p:cTn>
+                  </p:par>
+                </p:childTnLst>
+              </p:cTn>
+              <p:prevCondLst>
+                <p:cond evt="onPrev" delay="0">
+                  <p:tgtEl>
+                    <p:sldTgt/>
+                  </p:tgtEl>
+                </p:cond>
+              </p:prevCondLst>
+              <p:nextCondLst>
+                <p:cond evt="onNext" delay="0">
+                  <p:tgtEl>
+                    <p:sldTgt/>
+                  </p:tgtEl>
+                </p:cond>
+              </p:nextCondLst>
+            </p:seq>
+          </p:childTnLst>
+        </p:cTn>
+      </p:par>
+    </p:tnLst>
+  </p:timing>
 </p:sld>
 </file>
 
@@ -22283,78 +23363,331 @@
           <a:chExt cx="0" cy="0"/>
         </a:xfrm>
       </p:grpSpPr>
-      <p:sp>
-        <p:nvSpPr>
-          <p:cNvPr id="2" name="제목 1">
+      <p:pic>
+        <p:nvPicPr>
+          <p:cNvPr id="2" name="그림 2">
             <a:extLst>
               <a:ext uri="{FF2B5EF4-FFF2-40B4-BE49-F238E27FC236}">
-                <a16:creationId xmlns:a16="http://schemas.microsoft.com/office/drawing/2014/main" id="{A8825A3A-46BD-46AF-91D6-F8A3DD1A8763}"/>
+                <a16:creationId xmlns:a16="http://schemas.microsoft.com/office/drawing/2014/main" id="{DBD726E9-74A2-4A2D-9D6F-F1727819339E}"/>
               </a:ext>
             </a:extLst>
           </p:cNvPr>
-          <p:cNvSpPr>
-            <a:spLocks noGrp="1"/>
-          </p:cNvSpPr>
-          <p:nvPr>
-            <p:ph type="title"/>
-          </p:nvPr>
-        </p:nvSpPr>
-        <p:spPr/>
-        <p:txBody>
-          <a:bodyPr/>
-          <a:lstStyle/>
-          <a:p>
-            <a:r>
-              <a:rPr lang="af-ZA" altLang="ko-KR"/>
-              <a:t>R</a:t>
-            </a:r>
-            <a:r>
-              <a:rPr lang="LID4096" altLang="ko-KR"/>
-              <a:t>2</a:t>
-            </a:r>
-            <a:r>
-              <a:rPr lang="ko" altLang="en-US"/>
-              <a:t> 스코어</a:t>
-            </a:r>
-            <a:endParaRPr lang="ko-KR" altLang="en-US"/>
-          </a:p>
-        </p:txBody>
-      </p:sp>
-      <p:sp>
-        <p:nvSpPr>
-          <p:cNvPr id="3" name="내용 개체 틀 2">
+          <p:cNvPicPr>
+            <a:picLocks noChangeAspect="1"/>
+          </p:cNvPicPr>
+          <p:nvPr/>
+        </p:nvPicPr>
+        <p:blipFill>
+          <a:blip r:embed="rId2">
+            <a:extLst>
+              <a:ext uri="{28A0092B-C50C-407E-A947-70E740481C1C}">
+                <a14:useLocalDpi xmlns:a14="http://schemas.microsoft.com/office/drawing/2010/main" val="0"/>
+              </a:ext>
+            </a:extLst>
+          </a:blip>
+          <a:stretch>
+            <a:fillRect/>
+          </a:stretch>
+        </p:blipFill>
+        <p:spPr>
+          <a:xfrm>
+            <a:off x="0" y="-1"/>
+            <a:ext cx="12247010" cy="7164917"/>
+          </a:xfrm>
+          <a:prstGeom prst="rect">
+            <a:avLst/>
+          </a:prstGeom>
+        </p:spPr>
+      </p:pic>
+      <p:cxnSp>
+        <p:nvCxnSpPr>
+          <p:cNvPr id="3" name="직선 화살표 연결선 2">
             <a:extLst>
               <a:ext uri="{FF2B5EF4-FFF2-40B4-BE49-F238E27FC236}">
-                <a16:creationId xmlns:a16="http://schemas.microsoft.com/office/drawing/2014/main" id="{9F54871D-2D6A-4371-8557-2FA599D8113B}"/>
+                <a16:creationId xmlns:a16="http://schemas.microsoft.com/office/drawing/2014/main" id="{F1ADF67A-3812-407D-94D5-FBB45F51626A}"/>
               </a:ext>
             </a:extLst>
           </p:cNvPr>
-          <p:cNvSpPr>
-            <a:spLocks noGrp="1"/>
-          </p:cNvSpPr>
-          <p:nvPr>
-            <p:ph idx="1"/>
-          </p:nvPr>
-        </p:nvSpPr>
-        <p:spPr/>
-        <p:txBody>
-          <a:bodyPr/>
-          <a:lstStyle/>
-          <a:p>
-            <a:endParaRPr lang="ko-KR" altLang="en-US"/>
-          </a:p>
-        </p:txBody>
-      </p:sp>
+          <p:cNvCxnSpPr>
+            <a:cxnSpLocks/>
+          </p:cNvCxnSpPr>
+          <p:nvPr/>
+        </p:nvCxnSpPr>
+        <p:spPr>
+          <a:xfrm>
+            <a:off x="2211388" y="5735189"/>
+            <a:ext cx="1429279" cy="0"/>
+          </a:xfrm>
+          <a:prstGeom prst="straightConnector1">
+            <a:avLst/>
+          </a:prstGeom>
+        </p:spPr>
+        <p:style>
+          <a:lnRef idx="2">
+            <a:schemeClr val="accent2"/>
+          </a:lnRef>
+          <a:fillRef idx="0">
+            <a:schemeClr val="accent2"/>
+          </a:fillRef>
+          <a:effectRef idx="1">
+            <a:schemeClr val="accent2"/>
+          </a:effectRef>
+          <a:fontRef idx="minor">
+            <a:schemeClr val="tx1"/>
+          </a:fontRef>
+        </p:style>
+      </p:cxnSp>
+      <p:cxnSp>
+        <p:nvCxnSpPr>
+          <p:cNvPr id="8" name="직선 화살표 연결선 7">
+            <a:extLst>
+              <a:ext uri="{FF2B5EF4-FFF2-40B4-BE49-F238E27FC236}">
+                <a16:creationId xmlns:a16="http://schemas.microsoft.com/office/drawing/2014/main" id="{2EC98F05-553C-4873-9ABB-0A87078CC79F}"/>
+              </a:ext>
+            </a:extLst>
+          </p:cNvPr>
+          <p:cNvCxnSpPr>
+            <a:cxnSpLocks/>
+          </p:cNvCxnSpPr>
+          <p:nvPr/>
+        </p:nvCxnSpPr>
+        <p:spPr>
+          <a:xfrm>
+            <a:off x="2056871" y="6078089"/>
+            <a:ext cx="8029046" cy="0"/>
+          </a:xfrm>
+          <a:prstGeom prst="straightConnector1">
+            <a:avLst/>
+          </a:prstGeom>
+        </p:spPr>
+        <p:style>
+          <a:lnRef idx="2">
+            <a:schemeClr val="accent2"/>
+          </a:lnRef>
+          <a:fillRef idx="0">
+            <a:schemeClr val="accent2"/>
+          </a:fillRef>
+          <a:effectRef idx="1">
+            <a:schemeClr val="accent2"/>
+          </a:effectRef>
+          <a:fontRef idx="minor">
+            <a:schemeClr val="tx1"/>
+          </a:fontRef>
+        </p:style>
+      </p:cxnSp>
+      <p:cxnSp>
+        <p:nvCxnSpPr>
+          <p:cNvPr id="11" name="직선 화살표 연결선 10">
+            <a:extLst>
+              <a:ext uri="{FF2B5EF4-FFF2-40B4-BE49-F238E27FC236}">
+                <a16:creationId xmlns:a16="http://schemas.microsoft.com/office/drawing/2014/main" id="{266D2019-BBAA-4801-BFF4-A4AC5F67C360}"/>
+              </a:ext>
+            </a:extLst>
+          </p:cNvPr>
+          <p:cNvCxnSpPr>
+            <a:cxnSpLocks/>
+          </p:cNvCxnSpPr>
+          <p:nvPr/>
+        </p:nvCxnSpPr>
+        <p:spPr>
+          <a:xfrm>
+            <a:off x="321205" y="6363839"/>
+            <a:ext cx="1429279" cy="0"/>
+          </a:xfrm>
+          <a:prstGeom prst="straightConnector1">
+            <a:avLst/>
+          </a:prstGeom>
+        </p:spPr>
+        <p:style>
+          <a:lnRef idx="2">
+            <a:schemeClr val="accent2"/>
+          </a:lnRef>
+          <a:fillRef idx="0">
+            <a:schemeClr val="accent2"/>
+          </a:fillRef>
+          <a:effectRef idx="1">
+            <a:schemeClr val="accent2"/>
+          </a:effectRef>
+          <a:fontRef idx="minor">
+            <a:schemeClr val="tx1"/>
+          </a:fontRef>
+        </p:style>
+      </p:cxnSp>
     </p:spTree>
     <p:extLst>
       <p:ext uri="{BB962C8B-B14F-4D97-AF65-F5344CB8AC3E}">
-        <p14:creationId xmlns:p14="http://schemas.microsoft.com/office/powerpoint/2010/main" val="2554699977"/>
+        <p14:creationId xmlns:p14="http://schemas.microsoft.com/office/powerpoint/2010/main" val="597390886"/>
       </p:ext>
     </p:extLst>
   </p:cSld>
   <p:clrMapOvr>
     <a:masterClrMapping/>
   </p:clrMapOvr>
+  <p:timing>
+    <p:tnLst>
+      <p:par>
+        <p:cTn id="1" dur="indefinite" restart="never" nodeType="tmRoot">
+          <p:childTnLst>
+            <p:seq concurrent="1" nextAc="seek">
+              <p:cTn id="2" dur="indefinite" nodeType="mainSeq">
+                <p:childTnLst>
+                  <p:par>
+                    <p:cTn id="3" fill="hold">
+                      <p:stCondLst>
+                        <p:cond delay="indefinite"/>
+                      </p:stCondLst>
+                      <p:childTnLst>
+                        <p:par>
+                          <p:cTn id="4" fill="hold">
+                            <p:stCondLst>
+                              <p:cond delay="0"/>
+                            </p:stCondLst>
+                            <p:childTnLst>
+                              <p:par>
+                                <p:cTn id="5" presetID="1" presetClass="entr" presetSubtype="0" fill="hold" nodeType="clickEffect">
+                                  <p:stCondLst>
+                                    <p:cond delay="0"/>
+                                  </p:stCondLst>
+                                  <p:childTnLst>
+                                    <p:set>
+                                      <p:cBhvr>
+                                        <p:cTn id="6" dur="1" fill="hold">
+                                          <p:stCondLst>
+                                            <p:cond delay="0"/>
+                                          </p:stCondLst>
+                                        </p:cTn>
+                                        <p:tgtEl>
+                                          <p:spTgt spid="3"/>
+                                        </p:tgtEl>
+                                        <p:attrNameLst>
+                                          <p:attrName>style.visibility</p:attrName>
+                                        </p:attrNameLst>
+                                      </p:cBhvr>
+                                      <p:to>
+                                        <p:strVal val="visible"/>
+                                      </p:to>
+                                    </p:set>
+                                  </p:childTnLst>
+                                </p:cTn>
+                              </p:par>
+                            </p:childTnLst>
+                          </p:cTn>
+                        </p:par>
+                      </p:childTnLst>
+                    </p:cTn>
+                  </p:par>
+                  <p:par>
+                    <p:cTn id="7" fill="hold">
+                      <p:stCondLst>
+                        <p:cond delay="indefinite"/>
+                      </p:stCondLst>
+                      <p:childTnLst>
+                        <p:par>
+                          <p:cTn id="8" fill="hold">
+                            <p:stCondLst>
+                              <p:cond delay="0"/>
+                            </p:stCondLst>
+                            <p:childTnLst>
+                              <p:par>
+                                <p:cTn id="9" presetID="1" presetClass="entr" presetSubtype="0" fill="hold" nodeType="clickEffect">
+                                  <p:stCondLst>
+                                    <p:cond delay="0"/>
+                                  </p:stCondLst>
+                                  <p:childTnLst>
+                                    <p:set>
+                                      <p:cBhvr>
+                                        <p:cTn id="10" dur="1" fill="hold">
+                                          <p:stCondLst>
+                                            <p:cond delay="0"/>
+                                          </p:stCondLst>
+                                        </p:cTn>
+                                        <p:tgtEl>
+                                          <p:spTgt spid="8"/>
+                                        </p:tgtEl>
+                                        <p:attrNameLst>
+                                          <p:attrName>style.visibility</p:attrName>
+                                        </p:attrNameLst>
+                                      </p:cBhvr>
+                                      <p:to>
+                                        <p:strVal val="visible"/>
+                                      </p:to>
+                                    </p:set>
+                                  </p:childTnLst>
+                                </p:cTn>
+                              </p:par>
+                            </p:childTnLst>
+                          </p:cTn>
+                        </p:par>
+                      </p:childTnLst>
+                    </p:cTn>
+                  </p:par>
+                  <p:par>
+                    <p:cTn id="11" fill="hold">
+                      <p:stCondLst>
+                        <p:cond delay="indefinite"/>
+                      </p:stCondLst>
+                      <p:childTnLst>
+                        <p:par>
+                          <p:cTn id="12" fill="hold">
+                            <p:stCondLst>
+                              <p:cond delay="0"/>
+                            </p:stCondLst>
+                            <p:childTnLst>
+                              <p:par>
+                                <p:cTn id="13" presetID="1" presetClass="entr" presetSubtype="0" fill="hold" nodeType="clickEffect">
+                                  <p:stCondLst>
+                                    <p:cond delay="0"/>
+                                  </p:stCondLst>
+                                  <p:childTnLst>
+                                    <p:set>
+                                      <p:cBhvr>
+                                        <p:cTn id="14" dur="1" fill="hold">
+                                          <p:stCondLst>
+                                            <p:cond delay="0"/>
+                                          </p:stCondLst>
+                                        </p:cTn>
+                                        <p:tgtEl>
+                                          <p:spTgt spid="11"/>
+                                        </p:tgtEl>
+                                        <p:attrNameLst>
+                                          <p:attrName>style.visibility</p:attrName>
+                                        </p:attrNameLst>
+                                      </p:cBhvr>
+                                      <p:to>
+                                        <p:strVal val="visible"/>
+                                      </p:to>
+                                    </p:set>
+                                  </p:childTnLst>
+                                </p:cTn>
+                              </p:par>
+                            </p:childTnLst>
+                          </p:cTn>
+                        </p:par>
+                      </p:childTnLst>
+                    </p:cTn>
+                  </p:par>
+                </p:childTnLst>
+              </p:cTn>
+              <p:prevCondLst>
+                <p:cond evt="onPrev" delay="0">
+                  <p:tgtEl>
+                    <p:sldTgt/>
+                  </p:tgtEl>
+                </p:cond>
+              </p:prevCondLst>
+              <p:nextCondLst>
+                <p:cond evt="onNext" delay="0">
+                  <p:tgtEl>
+                    <p:sldTgt/>
+                  </p:tgtEl>
+                </p:cond>
+              </p:nextCondLst>
+            </p:seq>
+          </p:childTnLst>
+        </p:cTn>
+      </p:par>
+    </p:tnLst>
+  </p:timing>
 </p:sld>
 </file>
 
@@ -22589,90 +23922,6 @@
           <p:cNvPr id="2" name="제목 1">
             <a:extLst>
               <a:ext uri="{FF2B5EF4-FFF2-40B4-BE49-F238E27FC236}">
-                <a16:creationId xmlns:a16="http://schemas.microsoft.com/office/drawing/2014/main" id="{AEA75DA2-93CB-4E87-99E8-C0F0ED98BD53}"/>
-              </a:ext>
-            </a:extLst>
-          </p:cNvPr>
-          <p:cNvSpPr>
-            <a:spLocks noGrp="1"/>
-          </p:cNvSpPr>
-          <p:nvPr>
-            <p:ph type="title"/>
-          </p:nvPr>
-        </p:nvSpPr>
-        <p:spPr/>
-        <p:txBody>
-          <a:bodyPr/>
-          <a:lstStyle/>
-          <a:p>
-            <a:r>
-              <a:rPr lang="ko" altLang="en-US"/>
-              <a:t>결과값</a:t>
-            </a:r>
-            <a:endParaRPr lang="ko-KR" altLang="en-US"/>
-          </a:p>
-        </p:txBody>
-      </p:sp>
-      <p:sp>
-        <p:nvSpPr>
-          <p:cNvPr id="3" name="내용 개체 틀 2">
-            <a:extLst>
-              <a:ext uri="{FF2B5EF4-FFF2-40B4-BE49-F238E27FC236}">
-                <a16:creationId xmlns:a16="http://schemas.microsoft.com/office/drawing/2014/main" id="{A4C2AD02-DB97-4D2C-BF24-45CE1BA99BF3}"/>
-              </a:ext>
-            </a:extLst>
-          </p:cNvPr>
-          <p:cNvSpPr>
-            <a:spLocks noGrp="1"/>
-          </p:cNvSpPr>
-          <p:nvPr>
-            <p:ph idx="1"/>
-          </p:nvPr>
-        </p:nvSpPr>
-        <p:spPr/>
-        <p:txBody>
-          <a:bodyPr/>
-          <a:lstStyle/>
-          <a:p>
-            <a:endParaRPr lang="ko-KR" altLang="en-US"/>
-          </a:p>
-        </p:txBody>
-      </p:sp>
-    </p:spTree>
-    <p:extLst>
-      <p:ext uri="{BB962C8B-B14F-4D97-AF65-F5344CB8AC3E}">
-        <p14:creationId xmlns:p14="http://schemas.microsoft.com/office/powerpoint/2010/main" val="1966618554"/>
-      </p:ext>
-    </p:extLst>
-  </p:cSld>
-  <p:clrMapOvr>
-    <a:masterClrMapping/>
-  </p:clrMapOvr>
-</p:sld>
-</file>
-
-<file path=ppt/slides/slide31.xml><?xml version="1.0" encoding="utf-8"?>
-<p:sld xmlns:a="http://schemas.openxmlformats.org/drawingml/2006/main" xmlns:r="http://schemas.openxmlformats.org/officeDocument/2006/relationships" xmlns:p="http://schemas.openxmlformats.org/presentationml/2006/main">
-  <p:cSld>
-    <p:spTree>
-      <p:nvGrpSpPr>
-        <p:cNvPr id="1" name=""/>
-        <p:cNvGrpSpPr/>
-        <p:nvPr/>
-      </p:nvGrpSpPr>
-      <p:grpSpPr>
-        <a:xfrm>
-          <a:off x="0" y="0"/>
-          <a:ext cx="0" cy="0"/>
-          <a:chOff x="0" y="0"/>
-          <a:chExt cx="0" cy="0"/>
-        </a:xfrm>
-      </p:grpSpPr>
-      <p:sp>
-        <p:nvSpPr>
-          <p:cNvPr id="2" name="제목 1">
-            <a:extLst>
-              <a:ext uri="{FF2B5EF4-FFF2-40B4-BE49-F238E27FC236}">
                 <a16:creationId xmlns:a16="http://schemas.microsoft.com/office/drawing/2014/main" id="{20B809F1-AAB9-4606-A695-25E68C513A43}"/>
               </a:ext>
             </a:extLst>
@@ -22719,6 +23968,134 @@
             <a:normAutofit/>
           </a:bodyPr>
           <a:lstStyle/>
+          <a:p>
+            <a:endParaRPr lang="LID4096" altLang="ko-KR" b="0">
+              <a:solidFill>
+                <a:srgbClr val="9CDCFE"/>
+              </a:solidFill>
+              <a:effectLst/>
+              <a:latin typeface="Consolas" panose="020B0609020204030204" pitchFamily="49" charset="0"/>
+            </a:endParaRPr>
+          </a:p>
+          <a:p>
+            <a:r>
+              <a:rPr lang="af-ZA" altLang="ko-KR" b="0">
+                <a:solidFill>
+                  <a:srgbClr val="C586C0"/>
+                </a:solidFill>
+                <a:effectLst/>
+                <a:latin typeface="Consolas" panose="020B0609020204030204" pitchFamily="49" charset="0"/>
+              </a:rPr>
+              <a:t>import</a:t>
+            </a:r>
+            <a:r>
+              <a:rPr lang="af-ZA" altLang="ko-KR" b="0">
+                <a:solidFill>
+                  <a:srgbClr val="D4D4D4"/>
+                </a:solidFill>
+                <a:effectLst/>
+                <a:latin typeface="Consolas" panose="020B0609020204030204" pitchFamily="49" charset="0"/>
+              </a:rPr>
+              <a:t> </a:t>
+            </a:r>
+            <a:r>
+              <a:rPr lang="af-ZA" altLang="ko-KR" b="0">
+                <a:solidFill>
+                  <a:srgbClr val="4EC9B0"/>
+                </a:solidFill>
+                <a:effectLst/>
+                <a:latin typeface="Consolas" panose="020B0609020204030204" pitchFamily="49" charset="0"/>
+              </a:rPr>
+              <a:t>torch</a:t>
+            </a:r>
+            <a:r>
+              <a:rPr lang="af-ZA" altLang="ko-KR" b="0">
+                <a:solidFill>
+                  <a:srgbClr val="D4D4D4"/>
+                </a:solidFill>
+                <a:effectLst/>
+                <a:latin typeface="Consolas" panose="020B0609020204030204" pitchFamily="49" charset="0"/>
+              </a:rPr>
+              <a:t>.</a:t>
+            </a:r>
+            <a:r>
+              <a:rPr lang="af-ZA" altLang="ko-KR" b="0">
+                <a:solidFill>
+                  <a:srgbClr val="4EC9B0"/>
+                </a:solidFill>
+                <a:effectLst/>
+                <a:latin typeface="Consolas" panose="020B0609020204030204" pitchFamily="49" charset="0"/>
+              </a:rPr>
+              <a:t>nn</a:t>
+            </a:r>
+            <a:r>
+              <a:rPr lang="af-ZA" altLang="ko-KR" b="0">
+                <a:solidFill>
+                  <a:srgbClr val="D4D4D4"/>
+                </a:solidFill>
+                <a:effectLst/>
+                <a:latin typeface="Consolas" panose="020B0609020204030204" pitchFamily="49" charset="0"/>
+              </a:rPr>
+              <a:t>.</a:t>
+            </a:r>
+            <a:r>
+              <a:rPr lang="af-ZA" altLang="ko-KR" b="0">
+                <a:solidFill>
+                  <a:srgbClr val="4EC9B0"/>
+                </a:solidFill>
+                <a:effectLst/>
+                <a:latin typeface="Consolas" panose="020B0609020204030204" pitchFamily="49" charset="0"/>
+              </a:rPr>
+              <a:t>functional</a:t>
+            </a:r>
+            <a:r>
+              <a:rPr lang="af-ZA" altLang="ko-KR" b="0">
+                <a:solidFill>
+                  <a:srgbClr val="D4D4D4"/>
+                </a:solidFill>
+                <a:effectLst/>
+                <a:latin typeface="Consolas" panose="020B0609020204030204" pitchFamily="49" charset="0"/>
+              </a:rPr>
+              <a:t> </a:t>
+            </a:r>
+            <a:r>
+              <a:rPr lang="af-ZA" altLang="ko-KR" b="0">
+                <a:solidFill>
+                  <a:srgbClr val="C586C0"/>
+                </a:solidFill>
+                <a:effectLst/>
+                <a:latin typeface="Consolas" panose="020B0609020204030204" pitchFamily="49" charset="0"/>
+              </a:rPr>
+              <a:t>as</a:t>
+            </a:r>
+            <a:r>
+              <a:rPr lang="af-ZA" altLang="ko-KR" b="0">
+                <a:solidFill>
+                  <a:srgbClr val="D4D4D4"/>
+                </a:solidFill>
+                <a:effectLst/>
+                <a:latin typeface="Consolas" panose="020B0609020204030204" pitchFamily="49" charset="0"/>
+              </a:rPr>
+              <a:t> </a:t>
+            </a:r>
+            <a:r>
+              <a:rPr lang="af-ZA" altLang="ko-KR" b="0">
+                <a:solidFill>
+                  <a:srgbClr val="4EC9B0"/>
+                </a:solidFill>
+                <a:effectLst/>
+                <a:latin typeface="Consolas" panose="020B0609020204030204" pitchFamily="49" charset="0"/>
+              </a:rPr>
+              <a:t>F</a:t>
+            </a:r>
+            <a:endParaRPr lang="LID4096" altLang="ko-KR" b="0">
+              <a:solidFill>
+                <a:srgbClr val="4EC9B0"/>
+              </a:solidFill>
+              <a:effectLst/>
+              <a:latin typeface="Consolas" panose="020B0609020204030204" pitchFamily="49" charset="0"/>
+            </a:endParaRPr>
+          </a:p>
           <a:p>
             <a:r>
               <a:rPr lang="af-ZA" altLang="ko-KR" b="0">
@@ -22889,6 +24266,15 @@
             </a:endParaRPr>
           </a:p>
           <a:p>
+            <a:endParaRPr lang="LID4096" altLang="ko-KR" b="0">
+              <a:solidFill>
+                <a:srgbClr val="D4D4D4"/>
+              </a:solidFill>
+              <a:effectLst/>
+              <a:latin typeface="Consolas" panose="020B0609020204030204" pitchFamily="49" charset="0"/>
+            </a:endParaRPr>
+          </a:p>
+          <a:p>
             <a:endParaRPr lang="LID4096" altLang="ko-KR">
               <a:solidFill>
                 <a:srgbClr val="D4D4D4"/>
@@ -22941,6 +24327,90 @@
 </p:sld>
 </file>
 
+<file path=ppt/slides/slide31.xml><?xml version="1.0" encoding="utf-8"?>
+<p:sld xmlns:a="http://schemas.openxmlformats.org/drawingml/2006/main" xmlns:r="http://schemas.openxmlformats.org/officeDocument/2006/relationships" xmlns:p="http://schemas.openxmlformats.org/presentationml/2006/main">
+  <p:cSld>
+    <p:spTree>
+      <p:nvGrpSpPr>
+        <p:cNvPr id="1" name=""/>
+        <p:cNvGrpSpPr/>
+        <p:nvPr/>
+      </p:nvGrpSpPr>
+      <p:grpSpPr>
+        <a:xfrm>
+          <a:off x="0" y="0"/>
+          <a:ext cx="0" cy="0"/>
+          <a:chOff x="0" y="0"/>
+          <a:chExt cx="0" cy="0"/>
+        </a:xfrm>
+      </p:grpSpPr>
+      <p:sp>
+        <p:nvSpPr>
+          <p:cNvPr id="2" name="제목 1">
+            <a:extLst>
+              <a:ext uri="{FF2B5EF4-FFF2-40B4-BE49-F238E27FC236}">
+                <a16:creationId xmlns:a16="http://schemas.microsoft.com/office/drawing/2014/main" id="{6B1DF135-B173-4D1B-82A9-791ACAB2CF85}"/>
+              </a:ext>
+            </a:extLst>
+          </p:cNvPr>
+          <p:cNvSpPr>
+            <a:spLocks noGrp="1"/>
+          </p:cNvSpPr>
+          <p:nvPr>
+            <p:ph type="title"/>
+          </p:nvPr>
+        </p:nvSpPr>
+        <p:spPr/>
+        <p:txBody>
+          <a:bodyPr/>
+          <a:lstStyle/>
+          <a:p>
+            <a:r>
+              <a:rPr lang="ko" altLang="en-US"/>
+              <a:t>질문 사항</a:t>
+            </a:r>
+            <a:endParaRPr lang="ko-KR" altLang="en-US"/>
+          </a:p>
+        </p:txBody>
+      </p:sp>
+      <p:sp>
+        <p:nvSpPr>
+          <p:cNvPr id="3" name="내용 개체 틀 2">
+            <a:extLst>
+              <a:ext uri="{FF2B5EF4-FFF2-40B4-BE49-F238E27FC236}">
+                <a16:creationId xmlns:a16="http://schemas.microsoft.com/office/drawing/2014/main" id="{1BAD0D56-6F8A-4210-B0D5-8D5FCEC075C0}"/>
+              </a:ext>
+            </a:extLst>
+          </p:cNvPr>
+          <p:cNvSpPr>
+            <a:spLocks noGrp="1"/>
+          </p:cNvSpPr>
+          <p:nvPr>
+            <p:ph idx="1"/>
+          </p:nvPr>
+        </p:nvSpPr>
+        <p:spPr/>
+        <p:txBody>
+          <a:bodyPr/>
+          <a:lstStyle/>
+          <a:p>
+            <a:endParaRPr lang="ko-KR" altLang="en-US"/>
+          </a:p>
+        </p:txBody>
+      </p:sp>
+    </p:spTree>
+    <p:extLst>
+      <p:ext uri="{BB962C8B-B14F-4D97-AF65-F5344CB8AC3E}">
+        <p14:creationId xmlns:p14="http://schemas.microsoft.com/office/powerpoint/2010/main" val="555893149"/>
+      </p:ext>
+    </p:extLst>
+  </p:cSld>
+  <p:clrMapOvr>
+    <a:masterClrMapping/>
+  </p:clrMapOvr>
+</p:sld>
+</file>
+
 <file path=ppt/slides/slide32.xml><?xml version="1.0" encoding="utf-8"?>
 <p:sld xmlns:a="http://schemas.openxmlformats.org/drawingml/2006/main" xmlns:r="http://schemas.openxmlformats.org/officeDocument/2006/relationships" xmlns:p="http://schemas.openxmlformats.org/presentationml/2006/main">
   <p:cSld>
@@ -22958,710 +24428,52 @@
           <a:chExt cx="0" cy="0"/>
         </a:xfrm>
       </p:grpSpPr>
-      <p:cxnSp>
-        <p:nvCxnSpPr>
-          <p:cNvPr id="2" name="직선 화살표 연결선 1">
+      <p:pic>
+        <p:nvPicPr>
+          <p:cNvPr id="4" name="그림 4">
             <a:extLst>
               <a:ext uri="{FF2B5EF4-FFF2-40B4-BE49-F238E27FC236}">
-                <a16:creationId xmlns:a16="http://schemas.microsoft.com/office/drawing/2014/main" id="{09F7ABD3-582B-4E3F-81DE-E670678C33DB}"/>
+                <a16:creationId xmlns:a16="http://schemas.microsoft.com/office/drawing/2014/main" id="{39198ABE-2DBA-4A85-8DA3-17A3D91D6B8E}"/>
               </a:ext>
             </a:extLst>
           </p:cNvPr>
-          <p:cNvCxnSpPr>
-            <a:cxnSpLocks/>
-          </p:cNvCxnSpPr>
+          <p:cNvPicPr>
+            <a:picLocks noChangeAspect="1"/>
+          </p:cNvPicPr>
           <p:nvPr/>
-        </p:nvCxnSpPr>
+        </p:nvPicPr>
+        <p:blipFill>
+          <a:blip r:embed="rId2">
+            <a:extLst>
+              <a:ext uri="{28A0092B-C50C-407E-A947-70E740481C1C}">
+                <a14:useLocalDpi xmlns:a14="http://schemas.microsoft.com/office/drawing/2010/main" val="0"/>
+              </a:ext>
+            </a:extLst>
+          </a:blip>
+          <a:stretch>
+            <a:fillRect/>
+          </a:stretch>
+        </p:blipFill>
         <p:spPr>
           <a:xfrm>
-            <a:off x="884766" y="4861657"/>
-            <a:ext cx="702734" cy="0"/>
+            <a:off x="-105834" y="-1"/>
+            <a:ext cx="12283903" cy="7186083"/>
           </a:xfrm>
-          <a:prstGeom prst="straightConnector1">
+          <a:prstGeom prst="rect">
             <a:avLst/>
           </a:prstGeom>
         </p:spPr>
-        <p:style>
-          <a:lnRef idx="2">
-            <a:schemeClr val="accent2"/>
-          </a:lnRef>
-          <a:fillRef idx="0">
-            <a:schemeClr val="accent2"/>
-          </a:fillRef>
-          <a:effectRef idx="1">
-            <a:schemeClr val="accent2"/>
-          </a:effectRef>
-          <a:fontRef idx="minor">
-            <a:schemeClr val="tx1"/>
-          </a:fontRef>
-        </p:style>
-      </p:cxnSp>
-      <p:cxnSp>
-        <p:nvCxnSpPr>
-          <p:cNvPr id="7" name="직선 화살표 연결선 6">
-            <a:extLst>
-              <a:ext uri="{FF2B5EF4-FFF2-40B4-BE49-F238E27FC236}">
-                <a16:creationId xmlns:a16="http://schemas.microsoft.com/office/drawing/2014/main" id="{B217EE48-EC26-4BC8-A6A8-DA920F25C643}"/>
-              </a:ext>
-            </a:extLst>
-          </p:cNvPr>
-          <p:cNvCxnSpPr>
-            <a:cxnSpLocks/>
-          </p:cNvCxnSpPr>
-          <p:nvPr/>
-        </p:nvCxnSpPr>
-        <p:spPr>
-          <a:xfrm>
-            <a:off x="5573997" y="4861657"/>
-            <a:ext cx="702734" cy="0"/>
-          </a:xfrm>
-          <a:prstGeom prst="straightConnector1">
-            <a:avLst/>
-          </a:prstGeom>
-        </p:spPr>
-        <p:style>
-          <a:lnRef idx="2">
-            <a:schemeClr val="accent2"/>
-          </a:lnRef>
-          <a:fillRef idx="0">
-            <a:schemeClr val="accent2"/>
-          </a:fillRef>
-          <a:effectRef idx="1">
-            <a:schemeClr val="accent2"/>
-          </a:effectRef>
-          <a:fontRef idx="minor">
-            <a:schemeClr val="tx1"/>
-          </a:fontRef>
-        </p:style>
-      </p:cxnSp>
-      <p:cxnSp>
-        <p:nvCxnSpPr>
-          <p:cNvPr id="9" name="직선 화살표 연결선 8">
-            <a:extLst>
-              <a:ext uri="{FF2B5EF4-FFF2-40B4-BE49-F238E27FC236}">
-                <a16:creationId xmlns:a16="http://schemas.microsoft.com/office/drawing/2014/main" id="{872D95F1-12B9-40D8-A606-62767EA1D212}"/>
-              </a:ext>
-            </a:extLst>
-          </p:cNvPr>
-          <p:cNvCxnSpPr>
-            <a:cxnSpLocks/>
-          </p:cNvCxnSpPr>
-          <p:nvPr/>
-        </p:nvCxnSpPr>
-        <p:spPr>
-          <a:xfrm>
-            <a:off x="884766" y="5182739"/>
-            <a:ext cx="702734" cy="0"/>
-          </a:xfrm>
-          <a:prstGeom prst="straightConnector1">
-            <a:avLst/>
-          </a:prstGeom>
-        </p:spPr>
-        <p:style>
-          <a:lnRef idx="2">
-            <a:schemeClr val="accent2"/>
-          </a:lnRef>
-          <a:fillRef idx="0">
-            <a:schemeClr val="accent2"/>
-          </a:fillRef>
-          <a:effectRef idx="1">
-            <a:schemeClr val="accent2"/>
-          </a:effectRef>
-          <a:fontRef idx="minor">
-            <a:schemeClr val="tx1"/>
-          </a:fontRef>
-        </p:style>
-      </p:cxnSp>
-      <p:cxnSp>
-        <p:nvCxnSpPr>
-          <p:cNvPr id="11" name="직선 화살표 연결선 10">
-            <a:extLst>
-              <a:ext uri="{FF2B5EF4-FFF2-40B4-BE49-F238E27FC236}">
-                <a16:creationId xmlns:a16="http://schemas.microsoft.com/office/drawing/2014/main" id="{A51BDB50-F9EB-4C17-8C44-C0B26569AF18}"/>
-              </a:ext>
-            </a:extLst>
-          </p:cNvPr>
-          <p:cNvCxnSpPr>
-            <a:cxnSpLocks/>
-          </p:cNvCxnSpPr>
-          <p:nvPr/>
-        </p:nvCxnSpPr>
-        <p:spPr>
-          <a:xfrm>
-            <a:off x="5819530" y="5182739"/>
-            <a:ext cx="702734" cy="0"/>
-          </a:xfrm>
-          <a:prstGeom prst="straightConnector1">
-            <a:avLst/>
-          </a:prstGeom>
-        </p:spPr>
-        <p:style>
-          <a:lnRef idx="2">
-            <a:schemeClr val="accent2"/>
-          </a:lnRef>
-          <a:fillRef idx="0">
-            <a:schemeClr val="accent2"/>
-          </a:fillRef>
-          <a:effectRef idx="1">
-            <a:schemeClr val="accent2"/>
-          </a:effectRef>
-          <a:fontRef idx="minor">
-            <a:schemeClr val="tx1"/>
-          </a:fontRef>
-        </p:style>
-      </p:cxnSp>
-      <p:cxnSp>
-        <p:nvCxnSpPr>
-          <p:cNvPr id="13" name="직선 화살표 연결선 12">
-            <a:extLst>
-              <a:ext uri="{FF2B5EF4-FFF2-40B4-BE49-F238E27FC236}">
-                <a16:creationId xmlns:a16="http://schemas.microsoft.com/office/drawing/2014/main" id="{90ABE929-70CC-4116-8ABC-3C1D953213AA}"/>
-              </a:ext>
-            </a:extLst>
-          </p:cNvPr>
-          <p:cNvCxnSpPr>
-            <a:cxnSpLocks/>
-          </p:cNvCxnSpPr>
-          <p:nvPr/>
-        </p:nvCxnSpPr>
-        <p:spPr>
-          <a:xfrm>
-            <a:off x="884766" y="5494865"/>
-            <a:ext cx="702734" cy="0"/>
-          </a:xfrm>
-          <a:prstGeom prst="straightConnector1">
-            <a:avLst/>
-          </a:prstGeom>
-        </p:spPr>
-        <p:style>
-          <a:lnRef idx="2">
-            <a:schemeClr val="accent2"/>
-          </a:lnRef>
-          <a:fillRef idx="0">
-            <a:schemeClr val="accent2"/>
-          </a:fillRef>
-          <a:effectRef idx="1">
-            <a:schemeClr val="accent2"/>
-          </a:effectRef>
-          <a:fontRef idx="minor">
-            <a:schemeClr val="tx1"/>
-          </a:fontRef>
-        </p:style>
-      </p:cxnSp>
-      <p:cxnSp>
-        <p:nvCxnSpPr>
-          <p:cNvPr id="15" name="직선 화살표 연결선 14">
-            <a:extLst>
-              <a:ext uri="{FF2B5EF4-FFF2-40B4-BE49-F238E27FC236}">
-                <a16:creationId xmlns:a16="http://schemas.microsoft.com/office/drawing/2014/main" id="{EF00FB1D-17F6-4350-9D8D-6F80C542049C}"/>
-              </a:ext>
-            </a:extLst>
-          </p:cNvPr>
-          <p:cNvCxnSpPr>
-            <a:cxnSpLocks/>
-          </p:cNvCxnSpPr>
-          <p:nvPr/>
-        </p:nvCxnSpPr>
-        <p:spPr>
-          <a:xfrm>
-            <a:off x="5584092" y="5494865"/>
-            <a:ext cx="702734" cy="0"/>
-          </a:xfrm>
-          <a:prstGeom prst="straightConnector1">
-            <a:avLst/>
-          </a:prstGeom>
-        </p:spPr>
-        <p:style>
-          <a:lnRef idx="2">
-            <a:schemeClr val="accent2"/>
-          </a:lnRef>
-          <a:fillRef idx="0">
-            <a:schemeClr val="accent2"/>
-          </a:fillRef>
-          <a:effectRef idx="1">
-            <a:schemeClr val="accent2"/>
-          </a:effectRef>
-          <a:fontRef idx="minor">
-            <a:schemeClr val="tx1"/>
-          </a:fontRef>
-        </p:style>
-      </p:cxnSp>
-      <p:cxnSp>
-        <p:nvCxnSpPr>
-          <p:cNvPr id="17" name="직선 화살표 연결선 16">
-            <a:extLst>
-              <a:ext uri="{FF2B5EF4-FFF2-40B4-BE49-F238E27FC236}">
-                <a16:creationId xmlns:a16="http://schemas.microsoft.com/office/drawing/2014/main" id="{CAA4E41C-3291-40D7-8F48-F7F33B210D14}"/>
-              </a:ext>
-            </a:extLst>
-          </p:cNvPr>
-          <p:cNvCxnSpPr>
-            <a:cxnSpLocks/>
-          </p:cNvCxnSpPr>
-          <p:nvPr/>
-        </p:nvCxnSpPr>
-        <p:spPr>
-          <a:xfrm>
-            <a:off x="884766" y="5782895"/>
-            <a:ext cx="702734" cy="0"/>
-          </a:xfrm>
-          <a:prstGeom prst="straightConnector1">
-            <a:avLst/>
-          </a:prstGeom>
-        </p:spPr>
-        <p:style>
-          <a:lnRef idx="2">
-            <a:schemeClr val="accent2"/>
-          </a:lnRef>
-          <a:fillRef idx="0">
-            <a:schemeClr val="accent2"/>
-          </a:fillRef>
-          <a:effectRef idx="1">
-            <a:schemeClr val="accent2"/>
-          </a:effectRef>
-          <a:fontRef idx="minor">
-            <a:schemeClr val="tx1"/>
-          </a:fontRef>
-        </p:style>
-      </p:cxnSp>
-      <p:cxnSp>
-        <p:nvCxnSpPr>
-          <p:cNvPr id="19" name="직선 화살표 연결선 18">
-            <a:extLst>
-              <a:ext uri="{FF2B5EF4-FFF2-40B4-BE49-F238E27FC236}">
-                <a16:creationId xmlns:a16="http://schemas.microsoft.com/office/drawing/2014/main" id="{B0D11CD7-FE37-4B6A-AC70-610B22F83A5C}"/>
-              </a:ext>
-            </a:extLst>
-          </p:cNvPr>
-          <p:cNvCxnSpPr>
-            <a:cxnSpLocks/>
-          </p:cNvCxnSpPr>
-          <p:nvPr/>
-        </p:nvCxnSpPr>
-        <p:spPr>
-          <a:xfrm>
-            <a:off x="5584092" y="5791524"/>
-            <a:ext cx="702734" cy="0"/>
-          </a:xfrm>
-          <a:prstGeom prst="straightConnector1">
-            <a:avLst/>
-          </a:prstGeom>
-        </p:spPr>
-        <p:style>
-          <a:lnRef idx="2">
-            <a:schemeClr val="accent2"/>
-          </a:lnRef>
-          <a:fillRef idx="0">
-            <a:schemeClr val="accent2"/>
-          </a:fillRef>
-          <a:effectRef idx="1">
-            <a:schemeClr val="accent2"/>
-          </a:effectRef>
-          <a:fontRef idx="minor">
-            <a:schemeClr val="tx1"/>
-          </a:fontRef>
-        </p:style>
-      </p:cxnSp>
+      </p:pic>
     </p:spTree>
     <p:extLst>
       <p:ext uri="{BB962C8B-B14F-4D97-AF65-F5344CB8AC3E}">
-        <p14:creationId xmlns:p14="http://schemas.microsoft.com/office/powerpoint/2010/main" val="3262692492"/>
+        <p14:creationId xmlns:p14="http://schemas.microsoft.com/office/powerpoint/2010/main" val="274697955"/>
       </p:ext>
     </p:extLst>
   </p:cSld>
   <p:clrMapOvr>
     <a:masterClrMapping/>
   </p:clrMapOvr>
-  <p:timing>
-    <p:tnLst>
-      <p:par>
-        <p:cTn id="1" dur="indefinite" restart="never" nodeType="tmRoot">
-          <p:childTnLst>
-            <p:seq concurrent="1" nextAc="seek">
-              <p:cTn id="2" dur="indefinite" nodeType="mainSeq">
-                <p:childTnLst>
-                  <p:par>
-                    <p:cTn id="3" fill="hold">
-                      <p:stCondLst>
-                        <p:cond delay="indefinite"/>
-                      </p:stCondLst>
-                      <p:childTnLst>
-                        <p:par>
-                          <p:cTn id="4" fill="hold">
-                            <p:stCondLst>
-                              <p:cond delay="0"/>
-                            </p:stCondLst>
-                            <p:childTnLst>
-                              <p:par>
-                                <p:cTn id="5" presetID="1" presetClass="entr" presetSubtype="0" fill="hold" nodeType="clickEffect">
-                                  <p:stCondLst>
-                                    <p:cond delay="0"/>
-                                  </p:stCondLst>
-                                  <p:childTnLst>
-                                    <p:set>
-                                      <p:cBhvr>
-                                        <p:cTn id="6" dur="1" fill="hold">
-                                          <p:stCondLst>
-                                            <p:cond delay="0"/>
-                                          </p:stCondLst>
-                                        </p:cTn>
-                                        <p:tgtEl>
-                                          <p:spTgt spid="2"/>
-                                        </p:tgtEl>
-                                        <p:attrNameLst>
-                                          <p:attrName>style.visibility</p:attrName>
-                                        </p:attrNameLst>
-                                      </p:cBhvr>
-                                      <p:to>
-                                        <p:strVal val="visible"/>
-                                      </p:to>
-                                    </p:set>
-                                  </p:childTnLst>
-                                </p:cTn>
-                              </p:par>
-                            </p:childTnLst>
-                          </p:cTn>
-                        </p:par>
-                      </p:childTnLst>
-                    </p:cTn>
-                  </p:par>
-                  <p:par>
-                    <p:cTn id="7" fill="hold">
-                      <p:stCondLst>
-                        <p:cond delay="indefinite"/>
-                      </p:stCondLst>
-                      <p:childTnLst>
-                        <p:par>
-                          <p:cTn id="8" fill="hold">
-                            <p:stCondLst>
-                              <p:cond delay="0"/>
-                            </p:stCondLst>
-                            <p:childTnLst>
-                              <p:par>
-                                <p:cTn id="9" presetID="1" presetClass="entr" presetSubtype="0" fill="hold" nodeType="clickEffect">
-                                  <p:stCondLst>
-                                    <p:cond delay="0"/>
-                                  </p:stCondLst>
-                                  <p:childTnLst>
-                                    <p:set>
-                                      <p:cBhvr>
-                                        <p:cTn id="10" dur="1" fill="hold">
-                                          <p:stCondLst>
-                                            <p:cond delay="0"/>
-                                          </p:stCondLst>
-                                        </p:cTn>
-                                        <p:tgtEl>
-                                          <p:spTgt spid="7"/>
-                                        </p:tgtEl>
-                                        <p:attrNameLst>
-                                          <p:attrName>style.visibility</p:attrName>
-                                        </p:attrNameLst>
-                                      </p:cBhvr>
-                                      <p:to>
-                                        <p:strVal val="visible"/>
-                                      </p:to>
-                                    </p:set>
-                                  </p:childTnLst>
-                                </p:cTn>
-                              </p:par>
-                            </p:childTnLst>
-                          </p:cTn>
-                        </p:par>
-                      </p:childTnLst>
-                    </p:cTn>
-                  </p:par>
-                  <p:par>
-                    <p:cTn id="11" fill="hold">
-                      <p:stCondLst>
-                        <p:cond delay="indefinite"/>
-                      </p:stCondLst>
-                      <p:childTnLst>
-                        <p:par>
-                          <p:cTn id="12" fill="hold">
-                            <p:stCondLst>
-                              <p:cond delay="0"/>
-                            </p:stCondLst>
-                            <p:childTnLst>
-                              <p:par>
-                                <p:cTn id="13" presetID="1" presetClass="entr" presetSubtype="0" fill="hold" nodeType="clickEffect">
-                                  <p:stCondLst>
-                                    <p:cond delay="0"/>
-                                  </p:stCondLst>
-                                  <p:childTnLst>
-                                    <p:set>
-                                      <p:cBhvr>
-                                        <p:cTn id="14" dur="1" fill="hold">
-                                          <p:stCondLst>
-                                            <p:cond delay="0"/>
-                                          </p:stCondLst>
-                                        </p:cTn>
-                                        <p:tgtEl>
-                                          <p:spTgt spid="9"/>
-                                        </p:tgtEl>
-                                        <p:attrNameLst>
-                                          <p:attrName>style.visibility</p:attrName>
-                                        </p:attrNameLst>
-                                      </p:cBhvr>
-                                      <p:to>
-                                        <p:strVal val="visible"/>
-                                      </p:to>
-                                    </p:set>
-                                  </p:childTnLst>
-                                </p:cTn>
-                              </p:par>
-                            </p:childTnLst>
-                          </p:cTn>
-                        </p:par>
-                      </p:childTnLst>
-                    </p:cTn>
-                  </p:par>
-                  <p:par>
-                    <p:cTn id="15" fill="hold">
-                      <p:stCondLst>
-                        <p:cond delay="indefinite"/>
-                      </p:stCondLst>
-                      <p:childTnLst>
-                        <p:par>
-                          <p:cTn id="16" fill="hold">
-                            <p:stCondLst>
-                              <p:cond delay="0"/>
-                            </p:stCondLst>
-                            <p:childTnLst>
-                              <p:par>
-                                <p:cTn id="17" presetID="1" presetClass="entr" presetSubtype="0" fill="hold" nodeType="clickEffect">
-                                  <p:stCondLst>
-                                    <p:cond delay="0"/>
-                                  </p:stCondLst>
-                                  <p:childTnLst>
-                                    <p:set>
-                                      <p:cBhvr>
-                                        <p:cTn id="18" dur="1" fill="hold">
-                                          <p:stCondLst>
-                                            <p:cond delay="0"/>
-                                          </p:stCondLst>
-                                        </p:cTn>
-                                        <p:tgtEl>
-                                          <p:spTgt spid="11"/>
-                                        </p:tgtEl>
-                                        <p:attrNameLst>
-                                          <p:attrName>style.visibility</p:attrName>
-                                        </p:attrNameLst>
-                                      </p:cBhvr>
-                                      <p:to>
-                                        <p:strVal val="visible"/>
-                                      </p:to>
-                                    </p:set>
-                                  </p:childTnLst>
-                                </p:cTn>
-                              </p:par>
-                            </p:childTnLst>
-                          </p:cTn>
-                        </p:par>
-                      </p:childTnLst>
-                    </p:cTn>
-                  </p:par>
-                  <p:par>
-                    <p:cTn id="19" fill="hold">
-                      <p:stCondLst>
-                        <p:cond delay="indefinite"/>
-                      </p:stCondLst>
-                      <p:childTnLst>
-                        <p:par>
-                          <p:cTn id="20" fill="hold">
-                            <p:stCondLst>
-                              <p:cond delay="0"/>
-                            </p:stCondLst>
-                            <p:childTnLst>
-                              <p:par>
-                                <p:cTn id="21" presetID="1" presetClass="entr" presetSubtype="0" fill="hold" nodeType="clickEffect">
-                                  <p:stCondLst>
-                                    <p:cond delay="0"/>
-                                  </p:stCondLst>
-                                  <p:childTnLst>
-                                    <p:set>
-                                      <p:cBhvr>
-                                        <p:cTn id="22" dur="1" fill="hold">
-                                          <p:stCondLst>
-                                            <p:cond delay="0"/>
-                                          </p:stCondLst>
-                                        </p:cTn>
-                                        <p:tgtEl>
-                                          <p:spTgt spid="13"/>
-                                        </p:tgtEl>
-                                        <p:attrNameLst>
-                                          <p:attrName>style.visibility</p:attrName>
-                                        </p:attrNameLst>
-                                      </p:cBhvr>
-                                      <p:to>
-                                        <p:strVal val="visible"/>
-                                      </p:to>
-                                    </p:set>
-                                  </p:childTnLst>
-                                </p:cTn>
-                              </p:par>
-                            </p:childTnLst>
-                          </p:cTn>
-                        </p:par>
-                      </p:childTnLst>
-                    </p:cTn>
-                  </p:par>
-                  <p:par>
-                    <p:cTn id="23" fill="hold">
-                      <p:stCondLst>
-                        <p:cond delay="indefinite"/>
-                      </p:stCondLst>
-                      <p:childTnLst>
-                        <p:par>
-                          <p:cTn id="24" fill="hold">
-                            <p:stCondLst>
-                              <p:cond delay="0"/>
-                            </p:stCondLst>
-                            <p:childTnLst>
-                              <p:par>
-                                <p:cTn id="25" presetID="1" presetClass="entr" presetSubtype="0" fill="hold" nodeType="clickEffect">
-                                  <p:stCondLst>
-                                    <p:cond delay="0"/>
-                                  </p:stCondLst>
-                                  <p:childTnLst>
-                                    <p:set>
-                                      <p:cBhvr>
-                                        <p:cTn id="26" dur="1" fill="hold">
-                                          <p:stCondLst>
-                                            <p:cond delay="0"/>
-                                          </p:stCondLst>
-                                        </p:cTn>
-                                        <p:tgtEl>
-                                          <p:spTgt spid="15"/>
-                                        </p:tgtEl>
-                                        <p:attrNameLst>
-                                          <p:attrName>style.visibility</p:attrName>
-                                        </p:attrNameLst>
-                                      </p:cBhvr>
-                                      <p:to>
-                                        <p:strVal val="visible"/>
-                                      </p:to>
-                                    </p:set>
-                                  </p:childTnLst>
-                                </p:cTn>
-                              </p:par>
-                            </p:childTnLst>
-                          </p:cTn>
-                        </p:par>
-                      </p:childTnLst>
-                    </p:cTn>
-                  </p:par>
-                  <p:par>
-                    <p:cTn id="27" fill="hold">
-                      <p:stCondLst>
-                        <p:cond delay="indefinite"/>
-                      </p:stCondLst>
-                      <p:childTnLst>
-                        <p:par>
-                          <p:cTn id="28" fill="hold">
-                            <p:stCondLst>
-                              <p:cond delay="0"/>
-                            </p:stCondLst>
-                            <p:childTnLst>
-                              <p:par>
-                                <p:cTn id="29" presetID="1" presetClass="entr" presetSubtype="0" fill="hold" nodeType="clickEffect">
-                                  <p:stCondLst>
-                                    <p:cond delay="0"/>
-                                  </p:stCondLst>
-                                  <p:childTnLst>
-                                    <p:set>
-                                      <p:cBhvr>
-                                        <p:cTn id="30" dur="1" fill="hold">
-                                          <p:stCondLst>
-                                            <p:cond delay="0"/>
-                                          </p:stCondLst>
-                                        </p:cTn>
-                                        <p:tgtEl>
-                                          <p:spTgt spid="17"/>
-                                        </p:tgtEl>
-                                        <p:attrNameLst>
-                                          <p:attrName>style.visibility</p:attrName>
-                                        </p:attrNameLst>
-                                      </p:cBhvr>
-                                      <p:to>
-                                        <p:strVal val="visible"/>
-                                      </p:to>
-                                    </p:set>
-                                  </p:childTnLst>
-                                </p:cTn>
-                              </p:par>
-                            </p:childTnLst>
-                          </p:cTn>
-                        </p:par>
-                      </p:childTnLst>
-                    </p:cTn>
-                  </p:par>
-                  <p:par>
-                    <p:cTn id="31" fill="hold">
-                      <p:stCondLst>
-                        <p:cond delay="indefinite"/>
-                      </p:stCondLst>
-                      <p:childTnLst>
-                        <p:par>
-                          <p:cTn id="32" fill="hold">
-                            <p:stCondLst>
-                              <p:cond delay="0"/>
-                            </p:stCondLst>
-                            <p:childTnLst>
-                              <p:par>
-                                <p:cTn id="33" presetID="1" presetClass="entr" presetSubtype="0" fill="hold" nodeType="clickEffect">
-                                  <p:stCondLst>
-                                    <p:cond delay="0"/>
-                                  </p:stCondLst>
-                                  <p:childTnLst>
-                                    <p:set>
-                                      <p:cBhvr>
-                                        <p:cTn id="34" dur="1" fill="hold">
-                                          <p:stCondLst>
-                                            <p:cond delay="0"/>
-                                          </p:stCondLst>
-                                        </p:cTn>
-                                        <p:tgtEl>
-                                          <p:spTgt spid="19"/>
-                                        </p:tgtEl>
-                                        <p:attrNameLst>
-                                          <p:attrName>style.visibility</p:attrName>
-                                        </p:attrNameLst>
-                                      </p:cBhvr>
-                                      <p:to>
-                                        <p:strVal val="visible"/>
-                                      </p:to>
-                                    </p:set>
-                                  </p:childTnLst>
-                                </p:cTn>
-                              </p:par>
-                            </p:childTnLst>
-                          </p:cTn>
-                        </p:par>
-                      </p:childTnLst>
-                    </p:cTn>
-                  </p:par>
-                </p:childTnLst>
-              </p:cTn>
-              <p:prevCondLst>
-                <p:cond evt="onPrev" delay="0">
-                  <p:tgtEl>
-                    <p:sldTgt/>
-                  </p:tgtEl>
-                </p:cond>
-              </p:prevCondLst>
-              <p:nextCondLst>
-                <p:cond evt="onNext" delay="0">
-                  <p:tgtEl>
-                    <p:sldTgt/>
-                  </p:tgtEl>
-                </p:cond>
-              </p:nextCondLst>
-            </p:seq>
-          </p:childTnLst>
-        </p:cTn>
-      </p:par>
-    </p:tnLst>
-  </p:timing>
 </p:sld>
 </file>
 
@@ -24454,260 +25266,6 @@
           <p:cNvPr id="2" name="제목 1">
             <a:extLst>
               <a:ext uri="{FF2B5EF4-FFF2-40B4-BE49-F238E27FC236}">
-                <a16:creationId xmlns:a16="http://schemas.microsoft.com/office/drawing/2014/main" id="{6B1DF135-B173-4D1B-82A9-791ACAB2CF85}"/>
-              </a:ext>
-            </a:extLst>
-          </p:cNvPr>
-          <p:cNvSpPr>
-            <a:spLocks noGrp="1"/>
-          </p:cNvSpPr>
-          <p:nvPr>
-            <p:ph type="title"/>
-          </p:nvPr>
-        </p:nvSpPr>
-        <p:spPr/>
-        <p:txBody>
-          <a:bodyPr/>
-          <a:lstStyle/>
-          <a:p>
-            <a:r>
-              <a:rPr lang="ko" altLang="en-US"/>
-              <a:t>질문 사항</a:t>
-            </a:r>
-            <a:endParaRPr lang="ko-KR" altLang="en-US"/>
-          </a:p>
-        </p:txBody>
-      </p:sp>
-      <p:sp>
-        <p:nvSpPr>
-          <p:cNvPr id="3" name="내용 개체 틀 2">
-            <a:extLst>
-              <a:ext uri="{FF2B5EF4-FFF2-40B4-BE49-F238E27FC236}">
-                <a16:creationId xmlns:a16="http://schemas.microsoft.com/office/drawing/2014/main" id="{1BAD0D56-6F8A-4210-B0D5-8D5FCEC075C0}"/>
-              </a:ext>
-            </a:extLst>
-          </p:cNvPr>
-          <p:cNvSpPr>
-            <a:spLocks noGrp="1"/>
-          </p:cNvSpPr>
-          <p:nvPr>
-            <p:ph idx="1"/>
-          </p:nvPr>
-        </p:nvSpPr>
-        <p:spPr/>
-        <p:txBody>
-          <a:bodyPr/>
-          <a:lstStyle/>
-          <a:p>
-            <a:endParaRPr lang="ko-KR" altLang="en-US"/>
-          </a:p>
-        </p:txBody>
-      </p:sp>
-    </p:spTree>
-    <p:extLst>
-      <p:ext uri="{BB962C8B-B14F-4D97-AF65-F5344CB8AC3E}">
-        <p14:creationId xmlns:p14="http://schemas.microsoft.com/office/powerpoint/2010/main" val="555893149"/>
-      </p:ext>
-    </p:extLst>
-  </p:cSld>
-  <p:clrMapOvr>
-    <a:masterClrMapping/>
-  </p:clrMapOvr>
-</p:sld>
-</file>
-
-<file path=ppt/slides/slide35.xml><?xml version="1.0" encoding="utf-8"?>
-<p:sld xmlns:a="http://schemas.openxmlformats.org/drawingml/2006/main" xmlns:r="http://schemas.openxmlformats.org/officeDocument/2006/relationships" xmlns:p="http://schemas.openxmlformats.org/presentationml/2006/main">
-  <p:cSld>
-    <p:spTree>
-      <p:nvGrpSpPr>
-        <p:cNvPr id="1" name=""/>
-        <p:cNvGrpSpPr/>
-        <p:nvPr/>
-      </p:nvGrpSpPr>
-      <p:grpSpPr>
-        <a:xfrm>
-          <a:off x="0" y="0"/>
-          <a:ext cx="0" cy="0"/>
-          <a:chOff x="0" y="0"/>
-          <a:chExt cx="0" cy="0"/>
-        </a:xfrm>
-      </p:grpSpPr>
-      <p:sp>
-        <p:nvSpPr>
-          <p:cNvPr id="2" name="제목 1">
-            <a:extLst>
-              <a:ext uri="{FF2B5EF4-FFF2-40B4-BE49-F238E27FC236}">
-                <a16:creationId xmlns:a16="http://schemas.microsoft.com/office/drawing/2014/main" id="{8B6056B6-26C9-4688-A503-0D9DB2EC68CA}"/>
-              </a:ext>
-            </a:extLst>
-          </p:cNvPr>
-          <p:cNvSpPr>
-            <a:spLocks noGrp="1"/>
-          </p:cNvSpPr>
-          <p:nvPr>
-            <p:ph type="title"/>
-          </p:nvPr>
-        </p:nvSpPr>
-        <p:spPr/>
-        <p:txBody>
-          <a:bodyPr/>
-          <a:lstStyle/>
-          <a:p>
-            <a:endParaRPr lang="ko-KR" altLang="en-US"/>
-          </a:p>
-        </p:txBody>
-      </p:sp>
-      <p:pic>
-        <p:nvPicPr>
-          <p:cNvPr id="4" name="그림 4">
-            <a:extLst>
-              <a:ext uri="{FF2B5EF4-FFF2-40B4-BE49-F238E27FC236}">
-                <a16:creationId xmlns:a16="http://schemas.microsoft.com/office/drawing/2014/main" id="{3F6D5E5E-B974-49CC-8396-87518CFCF4BA}"/>
-              </a:ext>
-            </a:extLst>
-          </p:cNvPr>
-          <p:cNvPicPr>
-            <a:picLocks noGrp="1" noChangeAspect="1"/>
-          </p:cNvPicPr>
-          <p:nvPr>
-            <p:ph idx="1"/>
-          </p:nvPr>
-        </p:nvPicPr>
-        <p:blipFill>
-          <a:blip r:embed="rId2">
-            <a:extLst>
-              <a:ext uri="{28A0092B-C50C-407E-A947-70E740481C1C}">
-                <a14:useLocalDpi xmlns:a14="http://schemas.microsoft.com/office/drawing/2010/main" val="0"/>
-              </a:ext>
-            </a:extLst>
-          </a:blip>
-          <a:stretch>
-            <a:fillRect/>
-          </a:stretch>
-        </p:blipFill>
-        <p:spPr>
-          <a:xfrm>
-            <a:off x="0" y="14389"/>
-            <a:ext cx="12230942" cy="6938861"/>
-          </a:xfrm>
-        </p:spPr>
-      </p:pic>
-    </p:spTree>
-    <p:extLst>
-      <p:ext uri="{BB962C8B-B14F-4D97-AF65-F5344CB8AC3E}">
-        <p14:creationId xmlns:p14="http://schemas.microsoft.com/office/powerpoint/2010/main" val="2091271417"/>
-      </p:ext>
-    </p:extLst>
-  </p:cSld>
-  <p:clrMapOvr>
-    <a:masterClrMapping/>
-  </p:clrMapOvr>
-</p:sld>
-</file>
-
-<file path=ppt/slides/slide36.xml><?xml version="1.0" encoding="utf-8"?>
-<p:sld xmlns:a="http://schemas.openxmlformats.org/drawingml/2006/main" xmlns:r="http://schemas.openxmlformats.org/officeDocument/2006/relationships" xmlns:p="http://schemas.openxmlformats.org/presentationml/2006/main">
-  <p:cSld>
-    <p:spTree>
-      <p:nvGrpSpPr>
-        <p:cNvPr id="1" name=""/>
-        <p:cNvGrpSpPr/>
-        <p:nvPr/>
-      </p:nvGrpSpPr>
-      <p:grpSpPr>
-        <a:xfrm>
-          <a:off x="0" y="0"/>
-          <a:ext cx="0" cy="0"/>
-          <a:chOff x="0" y="0"/>
-          <a:chExt cx="0" cy="0"/>
-        </a:xfrm>
-      </p:grpSpPr>
-      <p:sp>
-        <p:nvSpPr>
-          <p:cNvPr id="2" name="제목 1">
-            <a:extLst>
-              <a:ext uri="{FF2B5EF4-FFF2-40B4-BE49-F238E27FC236}">
-                <a16:creationId xmlns:a16="http://schemas.microsoft.com/office/drawing/2014/main" id="{303EFB45-F291-4308-8D83-46C402C6B90A}"/>
-              </a:ext>
-            </a:extLst>
-          </p:cNvPr>
-          <p:cNvSpPr>
-            <a:spLocks noGrp="1"/>
-          </p:cNvSpPr>
-          <p:nvPr>
-            <p:ph type="title"/>
-          </p:nvPr>
-        </p:nvSpPr>
-        <p:spPr/>
-        <p:txBody>
-          <a:bodyPr/>
-          <a:lstStyle/>
-          <a:p>
-            <a:endParaRPr lang="ko-KR" altLang="en-US"/>
-          </a:p>
-        </p:txBody>
-      </p:sp>
-      <p:sp>
-        <p:nvSpPr>
-          <p:cNvPr id="3" name="내용 개체 틀 2">
-            <a:extLst>
-              <a:ext uri="{FF2B5EF4-FFF2-40B4-BE49-F238E27FC236}">
-                <a16:creationId xmlns:a16="http://schemas.microsoft.com/office/drawing/2014/main" id="{B49808B5-CC7C-4CA6-9810-DAE8B49D288C}"/>
-              </a:ext>
-            </a:extLst>
-          </p:cNvPr>
-          <p:cNvSpPr>
-            <a:spLocks noGrp="1"/>
-          </p:cNvSpPr>
-          <p:nvPr>
-            <p:ph idx="1"/>
-          </p:nvPr>
-        </p:nvSpPr>
-        <p:spPr/>
-        <p:txBody>
-          <a:bodyPr/>
-          <a:lstStyle/>
-          <a:p>
-            <a:endParaRPr lang="ko-KR" altLang="en-US"/>
-          </a:p>
-        </p:txBody>
-      </p:sp>
-    </p:spTree>
-    <p:extLst>
-      <p:ext uri="{BB962C8B-B14F-4D97-AF65-F5344CB8AC3E}">
-        <p14:creationId xmlns:p14="http://schemas.microsoft.com/office/powerpoint/2010/main" val="274697955"/>
-      </p:ext>
-    </p:extLst>
-  </p:cSld>
-  <p:clrMapOvr>
-    <a:masterClrMapping/>
-  </p:clrMapOvr>
-</p:sld>
-</file>
-
-<file path=ppt/slides/slide37.xml><?xml version="1.0" encoding="utf-8"?>
-<p:sld xmlns:a="http://schemas.openxmlformats.org/drawingml/2006/main" xmlns:r="http://schemas.openxmlformats.org/officeDocument/2006/relationships" xmlns:p="http://schemas.openxmlformats.org/presentationml/2006/main">
-  <p:cSld>
-    <p:spTree>
-      <p:nvGrpSpPr>
-        <p:cNvPr id="1" name=""/>
-        <p:cNvGrpSpPr/>
-        <p:nvPr/>
-      </p:nvGrpSpPr>
-      <p:grpSpPr>
-        <a:xfrm>
-          <a:off x="0" y="0"/>
-          <a:ext cx="0" cy="0"/>
-          <a:chOff x="0" y="0"/>
-          <a:chExt cx="0" cy="0"/>
-        </a:xfrm>
-      </p:grpSpPr>
-      <p:sp>
-        <p:nvSpPr>
-          <p:cNvPr id="2" name="제목 1">
-            <a:extLst>
-              <a:ext uri="{FF2B5EF4-FFF2-40B4-BE49-F238E27FC236}">
                 <a16:creationId xmlns:a16="http://schemas.microsoft.com/office/drawing/2014/main" id="{A664CBA2-F4FC-459C-9A62-A02437A19252}"/>
               </a:ext>
             </a:extLst>
@@ -24843,6 +25401,128 @@
     <p:extLst>
       <p:ext uri="{BB962C8B-B14F-4D97-AF65-F5344CB8AC3E}">
         <p14:creationId xmlns:p14="http://schemas.microsoft.com/office/powerpoint/2010/main" val="840576036"/>
+      </p:ext>
+    </p:extLst>
+  </p:cSld>
+  <p:clrMapOvr>
+    <a:masterClrMapping/>
+  </p:clrMapOvr>
+</p:sld>
+</file>
+
+<file path=ppt/slides/slide35.xml><?xml version="1.0" encoding="utf-8"?>
+<p:sld xmlns:a="http://schemas.openxmlformats.org/drawingml/2006/main" xmlns:r="http://schemas.openxmlformats.org/officeDocument/2006/relationships" xmlns:p="http://schemas.openxmlformats.org/presentationml/2006/main">
+  <p:cSld>
+    <p:spTree>
+      <p:nvGrpSpPr>
+        <p:cNvPr id="1" name=""/>
+        <p:cNvGrpSpPr/>
+        <p:nvPr/>
+      </p:nvGrpSpPr>
+      <p:grpSpPr>
+        <a:xfrm>
+          <a:off x="0" y="0"/>
+          <a:ext cx="0" cy="0"/>
+          <a:chOff x="0" y="0"/>
+          <a:chExt cx="0" cy="0"/>
+        </a:xfrm>
+      </p:grpSpPr>
+    </p:spTree>
+    <p:extLst>
+      <p:ext uri="{BB962C8B-B14F-4D97-AF65-F5344CB8AC3E}">
+        <p14:creationId xmlns:p14="http://schemas.microsoft.com/office/powerpoint/2010/main" val="3693969912"/>
+      </p:ext>
+    </p:extLst>
+  </p:cSld>
+  <p:clrMapOvr>
+    <a:masterClrMapping/>
+  </p:clrMapOvr>
+</p:sld>
+</file>
+
+<file path=ppt/slides/slide36.xml><?xml version="1.0" encoding="utf-8"?>
+<p:sld xmlns:a="http://schemas.openxmlformats.org/drawingml/2006/main" xmlns:r="http://schemas.openxmlformats.org/officeDocument/2006/relationships" xmlns:p="http://schemas.openxmlformats.org/presentationml/2006/main">
+  <p:cSld>
+    <p:spTree>
+      <p:nvGrpSpPr>
+        <p:cNvPr id="1" name=""/>
+        <p:cNvGrpSpPr/>
+        <p:nvPr/>
+      </p:nvGrpSpPr>
+      <p:grpSpPr>
+        <a:xfrm>
+          <a:off x="0" y="0"/>
+          <a:ext cx="0" cy="0"/>
+          <a:chOff x="0" y="0"/>
+          <a:chExt cx="0" cy="0"/>
+        </a:xfrm>
+      </p:grpSpPr>
+      <p:sp>
+        <p:nvSpPr>
+          <p:cNvPr id="2" name="제목 1">
+            <a:extLst>
+              <a:ext uri="{FF2B5EF4-FFF2-40B4-BE49-F238E27FC236}">
+                <a16:creationId xmlns:a16="http://schemas.microsoft.com/office/drawing/2014/main" id="{A8825A3A-46BD-46AF-91D6-F8A3DD1A8763}"/>
+              </a:ext>
+            </a:extLst>
+          </p:cNvPr>
+          <p:cNvSpPr>
+            <a:spLocks noGrp="1"/>
+          </p:cNvSpPr>
+          <p:nvPr>
+            <p:ph type="title"/>
+          </p:nvPr>
+        </p:nvSpPr>
+        <p:spPr/>
+        <p:txBody>
+          <a:bodyPr/>
+          <a:lstStyle/>
+          <a:p>
+            <a:r>
+              <a:rPr lang="af-ZA" altLang="ko-KR"/>
+              <a:t>R</a:t>
+            </a:r>
+            <a:r>
+              <a:rPr lang="LID4096" altLang="ko-KR"/>
+              <a:t>2</a:t>
+            </a:r>
+            <a:r>
+              <a:rPr lang="ko" altLang="en-US"/>
+              <a:t> 스코어</a:t>
+            </a:r>
+            <a:endParaRPr lang="ko-KR" altLang="en-US"/>
+          </a:p>
+        </p:txBody>
+      </p:sp>
+      <p:sp>
+        <p:nvSpPr>
+          <p:cNvPr id="3" name="내용 개체 틀 2">
+            <a:extLst>
+              <a:ext uri="{FF2B5EF4-FFF2-40B4-BE49-F238E27FC236}">
+                <a16:creationId xmlns:a16="http://schemas.microsoft.com/office/drawing/2014/main" id="{9F54871D-2D6A-4371-8557-2FA599D8113B}"/>
+              </a:ext>
+            </a:extLst>
+          </p:cNvPr>
+          <p:cNvSpPr>
+            <a:spLocks noGrp="1"/>
+          </p:cNvSpPr>
+          <p:nvPr>
+            <p:ph idx="1"/>
+          </p:nvPr>
+        </p:nvSpPr>
+        <p:spPr/>
+        <p:txBody>
+          <a:bodyPr/>
+          <a:lstStyle/>
+          <a:p>
+            <a:endParaRPr lang="ko-KR" altLang="en-US"/>
+          </a:p>
+        </p:txBody>
+      </p:sp>
+    </p:spTree>
+    <p:extLst>
+      <p:ext uri="{BB962C8B-B14F-4D97-AF65-F5344CB8AC3E}">
+        <p14:creationId xmlns:p14="http://schemas.microsoft.com/office/powerpoint/2010/main" val="2554699977"/>
       </p:ext>
     </p:extLst>
   </p:cSld>

--- a/개인1/발표용 파일/발표용.pptx
+++ b/개인1/발표용 파일/발표용.pptx
@@ -17914,7 +17914,7 @@
                             </p:stCondLst>
                             <p:childTnLst>
                               <p:par>
-                                <p:cTn id="13" presetID="1" presetClass="exit" presetSubtype="0" fill="hold" grpId="1" nodeType="clickEffect">
+                                <p:cTn id="13" presetID="1" presetClass="entr" presetSubtype="0" fill="hold" grpId="0" nodeType="clickEffect">
                                   <p:stCondLst>
                                     <p:cond delay="0"/>
                                   </p:stCondLst>
@@ -17927,59 +17927,14 @@
                                           </p:stCondLst>
                                         </p:cTn>
                                         <p:tgtEl>
-                                          <p:spTgt spid="7"/>
+                                          <p:spTgt spid="11"/>
                                         </p:tgtEl>
                                         <p:attrNameLst>
                                           <p:attrName>style.visibility</p:attrName>
                                         </p:attrNameLst>
                                       </p:cBhvr>
                                       <p:to>
-                                        <p:strVal val="hidden"/>
-                                      </p:to>
-                                    </p:set>
-                                  </p:childTnLst>
-                                </p:cTn>
-                              </p:par>
-                            </p:childTnLst>
-                          </p:cTn>
-                        </p:par>
-                      </p:childTnLst>
-                    </p:cTn>
-                  </p:par>
-                  <p:par>
-                    <p:cTn id="15" fill="hold">
-                      <p:stCondLst>
-                        <p:cond delay="indefinite"/>
-                      </p:stCondLst>
-                      <p:childTnLst>
-                        <p:par>
-                          <p:cTn id="16" fill="hold">
-                            <p:stCondLst>
-                              <p:cond delay="0"/>
-                            </p:stCondLst>
-                            <p:childTnLst>
-                              <p:par>
-                                <p:cTn id="17" presetID="1" presetClass="exit" presetSubtype="0" fill="hold" grpId="1" nodeType="clickEffect">
-                                  <p:stCondLst>
-                                    <p:cond delay="0"/>
-                                  </p:stCondLst>
-                                  <p:childTnLst>
-                                    <p:set>
-                                      <p:cBhvr>
-                                        <p:cTn id="18" dur="1" fill="hold">
-                                          <p:stCondLst>
-                                            <p:cond delay="0"/>
-                                          </p:stCondLst>
-                                        </p:cTn>
-                                        <p:tgtEl>
-                                          <p:spTgt spid="9"/>
-                                        </p:tgtEl>
-                                        <p:attrNameLst>
-                                          <p:attrName>style.visibility</p:attrName>
-                                        </p:attrNameLst>
-                                      </p:cBhvr>
-                                      <p:to>
-                                        <p:strVal val="hidden"/>
+                                        <p:strVal val="visible"/>
                                       </p:to>
                                     </p:set>
                                   </p:childTnLst>
@@ -18014,9 +17969,8 @@
     </p:tnLst>
     <p:bldLst>
       <p:bldP spid="7" grpId="0" animBg="1"/>
-      <p:bldP spid="7" grpId="1" animBg="1"/>
       <p:bldP spid="9" grpId="0" animBg="1"/>
-      <p:bldP spid="9" grpId="1" animBg="1"/>
+      <p:bldP spid="11" grpId="0" animBg="1"/>
     </p:bldLst>
   </p:timing>
 </p:sld>
@@ -25427,6 +25381,1163 @@
           <a:chExt cx="0" cy="0"/>
         </a:xfrm>
       </p:grpSpPr>
+      <p:sp>
+        <p:nvSpPr>
+          <p:cNvPr id="2" name="제목 1">
+            <a:extLst>
+              <a:ext uri="{FF2B5EF4-FFF2-40B4-BE49-F238E27FC236}">
+                <a16:creationId xmlns:a16="http://schemas.microsoft.com/office/drawing/2014/main" id="{0EEB838E-52CE-4197-A5AB-B35B620D7E6C}"/>
+              </a:ext>
+            </a:extLst>
+          </p:cNvPr>
+          <p:cNvSpPr>
+            <a:spLocks noGrp="1"/>
+          </p:cNvSpPr>
+          <p:nvPr>
+            <p:ph type="title" idx="4294967295"/>
+          </p:nvPr>
+        </p:nvSpPr>
+        <p:spPr>
+          <a:xfrm>
+            <a:off x="-122116" y="1963865"/>
+            <a:ext cx="3500438" cy="2457450"/>
+          </a:xfrm>
+        </p:spPr>
+        <p:txBody>
+          <a:bodyPr/>
+          <a:lstStyle/>
+          <a:p>
+            <a:r>
+              <a:rPr lang="LID4096" altLang="ko-KR"/>
+              <a:t>Time Table</a:t>
+            </a:r>
+            <a:endParaRPr lang="ko-KR" altLang="en-US"/>
+          </a:p>
+        </p:txBody>
+      </p:sp>
+      <p:graphicFrame>
+        <p:nvGraphicFramePr>
+          <p:cNvPr id="4" name="표 3">
+            <a:extLst>
+              <a:ext uri="{FF2B5EF4-FFF2-40B4-BE49-F238E27FC236}">
+                <a16:creationId xmlns:a16="http://schemas.microsoft.com/office/drawing/2014/main" id="{C00CF652-1144-41E4-A5C4-D382408CAC7C}"/>
+              </a:ext>
+            </a:extLst>
+          </p:cNvPr>
+          <p:cNvGraphicFramePr/>
+          <p:nvPr>
+            <p:extLst>
+              <p:ext uri="{D42A27DB-BD31-4B8C-83A1-F6EECF244321}">
+                <p14:modId xmlns:p14="http://schemas.microsoft.com/office/powerpoint/2010/main" val="740807937"/>
+              </p:ext>
+            </p:extLst>
+          </p:nvPr>
+        </p:nvGraphicFramePr>
+        <p:xfrm>
+          <a:off x="3004038" y="805962"/>
+          <a:ext cx="9012114" cy="5161412"/>
+        </p:xfrm>
+        <a:graphic>
+          <a:graphicData uri="http://schemas.openxmlformats.org/drawingml/2006/table">
+            <a:tbl>
+              <a:tblPr>
+                <a:tableStyleId>{5C22544A-7EE6-4342-B048-85BDC9FD1C3A}</a:tableStyleId>
+              </a:tblPr>
+              <a:tblGrid>
+                <a:gridCol w="1001346">
+                  <a:extLst>
+                    <a:ext uri="{9D8B030D-6E8A-4147-A177-3AD203B41FA5}">
+                      <a16:colId xmlns:a16="http://schemas.microsoft.com/office/drawing/2014/main" val="2118618898"/>
+                    </a:ext>
+                  </a:extLst>
+                </a:gridCol>
+                <a:gridCol w="1001346">
+                  <a:extLst>
+                    <a:ext uri="{9D8B030D-6E8A-4147-A177-3AD203B41FA5}">
+                      <a16:colId xmlns:a16="http://schemas.microsoft.com/office/drawing/2014/main" val="1672201112"/>
+                    </a:ext>
+                  </a:extLst>
+                </a:gridCol>
+                <a:gridCol w="1001346">
+                  <a:extLst>
+                    <a:ext uri="{9D8B030D-6E8A-4147-A177-3AD203B41FA5}">
+                      <a16:colId xmlns:a16="http://schemas.microsoft.com/office/drawing/2014/main" val="874424319"/>
+                    </a:ext>
+                  </a:extLst>
+                </a:gridCol>
+                <a:gridCol w="1001346">
+                  <a:extLst>
+                    <a:ext uri="{9D8B030D-6E8A-4147-A177-3AD203B41FA5}">
+                      <a16:colId xmlns:a16="http://schemas.microsoft.com/office/drawing/2014/main" val="4257170788"/>
+                    </a:ext>
+                  </a:extLst>
+                </a:gridCol>
+                <a:gridCol w="1001346">
+                  <a:extLst>
+                    <a:ext uri="{9D8B030D-6E8A-4147-A177-3AD203B41FA5}">
+                      <a16:colId xmlns:a16="http://schemas.microsoft.com/office/drawing/2014/main" val="4152863344"/>
+                    </a:ext>
+                  </a:extLst>
+                </a:gridCol>
+                <a:gridCol w="1001346">
+                  <a:extLst>
+                    <a:ext uri="{9D8B030D-6E8A-4147-A177-3AD203B41FA5}">
+                      <a16:colId xmlns:a16="http://schemas.microsoft.com/office/drawing/2014/main" val="3785572568"/>
+                    </a:ext>
+                  </a:extLst>
+                </a:gridCol>
+                <a:gridCol w="1001346">
+                  <a:extLst>
+                    <a:ext uri="{9D8B030D-6E8A-4147-A177-3AD203B41FA5}">
+                      <a16:colId xmlns:a16="http://schemas.microsoft.com/office/drawing/2014/main" val="1933305932"/>
+                    </a:ext>
+                  </a:extLst>
+                </a:gridCol>
+                <a:gridCol w="1001346">
+                  <a:extLst>
+                    <a:ext uri="{9D8B030D-6E8A-4147-A177-3AD203B41FA5}">
+                      <a16:colId xmlns:a16="http://schemas.microsoft.com/office/drawing/2014/main" val="3425636512"/>
+                    </a:ext>
+                  </a:extLst>
+                </a:gridCol>
+                <a:gridCol w="1001346">
+                  <a:extLst>
+                    <a:ext uri="{9D8B030D-6E8A-4147-A177-3AD203B41FA5}">
+                      <a16:colId xmlns:a16="http://schemas.microsoft.com/office/drawing/2014/main" val="2895301053"/>
+                    </a:ext>
+                  </a:extLst>
+                </a:gridCol>
+              </a:tblGrid>
+              <a:tr h="1290353">
+                <a:tc>
+                  <a:txBody>
+                    <a:bodyPr/>
+                    <a:lstStyle/>
+                    <a:p>
+                      <a:pPr algn="l" fontAlgn="auto"/>
+                      <a:r>
+                        <a:rPr lang="ko-KR" altLang="en-US" sz="1500">
+                          <a:effectLst/>
+                        </a:rPr>
+                        <a:t>​</a:t>
+                      </a:r>
+                      <a:endParaRPr lang="ko-KR" altLang="en-US" sz="1500" b="1" i="0">
+                        <a:solidFill>
+                          <a:srgbClr val="FFFFFF"/>
+                        </a:solidFill>
+                        <a:effectLst/>
+                        <a:ea typeface="맑은 고딕" panose="020B0503020000020004" pitchFamily="34" charset="-127"/>
+                      </a:endParaRPr>
+                    </a:p>
+                  </a:txBody>
+                  <a:tcPr marL="78107" marR="78107" marT="39053" marB="39053"/>
+                </a:tc>
+                <a:tc>
+                  <a:txBody>
+                    <a:bodyPr/>
+                    <a:lstStyle/>
+                    <a:p>
+                      <a:pPr algn="l" fontAlgn="base"/>
+                      <a:r>
+                        <a:rPr lang="en-US" altLang="ko-KR" sz="1500">
+                          <a:effectLst/>
+                        </a:rPr>
+                        <a:t>25</a:t>
+                      </a:r>
+                      <a:r>
+                        <a:rPr lang="ko-KR" altLang="en-US" sz="1500">
+                          <a:effectLst/>
+                        </a:rPr>
+                        <a:t>​</a:t>
+                      </a:r>
+                      <a:endParaRPr lang="ko-KR" altLang="en-US" sz="1500" b="1" i="0">
+                        <a:solidFill>
+                          <a:srgbClr val="FFFFFF"/>
+                        </a:solidFill>
+                        <a:effectLst/>
+                      </a:endParaRPr>
+                    </a:p>
+                  </a:txBody>
+                  <a:tcPr marL="78107" marR="78107" marT="39053" marB="39053"/>
+                </a:tc>
+                <a:tc>
+                  <a:txBody>
+                    <a:bodyPr/>
+                    <a:lstStyle/>
+                    <a:p>
+                      <a:pPr algn="l" fontAlgn="base"/>
+                      <a:r>
+                        <a:rPr lang="en-US" altLang="ko-KR" sz="1500">
+                          <a:effectLst/>
+                        </a:rPr>
+                        <a:t>26</a:t>
+                      </a:r>
+                      <a:r>
+                        <a:rPr lang="ko-KR" altLang="en-US" sz="1500">
+                          <a:effectLst/>
+                        </a:rPr>
+                        <a:t>​</a:t>
+                      </a:r>
+                      <a:endParaRPr lang="ko-KR" altLang="en-US" sz="1500" b="1" i="0">
+                        <a:solidFill>
+                          <a:srgbClr val="FFFFFF"/>
+                        </a:solidFill>
+                        <a:effectLst/>
+                      </a:endParaRPr>
+                    </a:p>
+                  </a:txBody>
+                  <a:tcPr marL="78107" marR="78107" marT="39053" marB="39053"/>
+                </a:tc>
+                <a:tc>
+                  <a:txBody>
+                    <a:bodyPr/>
+                    <a:lstStyle/>
+                    <a:p>
+                      <a:pPr algn="l" fontAlgn="base"/>
+                      <a:r>
+                        <a:rPr lang="en-US" altLang="ko-KR" sz="1500">
+                          <a:effectLst/>
+                        </a:rPr>
+                        <a:t>27</a:t>
+                      </a:r>
+                      <a:r>
+                        <a:rPr lang="ko-KR" altLang="en-US" sz="1500">
+                          <a:effectLst/>
+                        </a:rPr>
+                        <a:t>​</a:t>
+                      </a:r>
+                      <a:endParaRPr lang="ko-KR" altLang="en-US" sz="1500" b="1" i="0">
+                        <a:solidFill>
+                          <a:srgbClr val="FFFFFF"/>
+                        </a:solidFill>
+                        <a:effectLst/>
+                      </a:endParaRPr>
+                    </a:p>
+                  </a:txBody>
+                  <a:tcPr marL="78107" marR="78107" marT="39053" marB="39053"/>
+                </a:tc>
+                <a:tc>
+                  <a:txBody>
+                    <a:bodyPr/>
+                    <a:lstStyle/>
+                    <a:p>
+                      <a:pPr algn="l" fontAlgn="base"/>
+                      <a:r>
+                        <a:rPr lang="en-US" altLang="ko-KR" sz="1500">
+                          <a:effectLst/>
+                        </a:rPr>
+                        <a:t>28</a:t>
+                      </a:r>
+                      <a:r>
+                        <a:rPr lang="ko-KR" altLang="en-US" sz="1500">
+                          <a:effectLst/>
+                        </a:rPr>
+                        <a:t>​</a:t>
+                      </a:r>
+                      <a:endParaRPr lang="ko-KR" altLang="en-US" sz="1500" b="1" i="0">
+                        <a:solidFill>
+                          <a:srgbClr val="FFFFFF"/>
+                        </a:solidFill>
+                        <a:effectLst/>
+                      </a:endParaRPr>
+                    </a:p>
+                  </a:txBody>
+                  <a:tcPr marL="78107" marR="78107" marT="39053" marB="39053"/>
+                </a:tc>
+                <a:tc>
+                  <a:txBody>
+                    <a:bodyPr/>
+                    <a:lstStyle/>
+                    <a:p>
+                      <a:pPr algn="l" fontAlgn="base"/>
+                      <a:r>
+                        <a:rPr lang="en-US" altLang="ko-KR" sz="1500">
+                          <a:effectLst/>
+                        </a:rPr>
+                        <a:t>29</a:t>
+                      </a:r>
+                      <a:r>
+                        <a:rPr lang="ko-KR" altLang="en-US" sz="1500">
+                          <a:effectLst/>
+                        </a:rPr>
+                        <a:t>​</a:t>
+                      </a:r>
+                      <a:endParaRPr lang="ko-KR" altLang="en-US" sz="1500" b="1" i="0">
+                        <a:solidFill>
+                          <a:srgbClr val="FFFFFF"/>
+                        </a:solidFill>
+                        <a:effectLst/>
+                      </a:endParaRPr>
+                    </a:p>
+                  </a:txBody>
+                  <a:tcPr marL="78107" marR="78107" marT="39053" marB="39053"/>
+                </a:tc>
+                <a:tc>
+                  <a:txBody>
+                    <a:bodyPr/>
+                    <a:lstStyle/>
+                    <a:p>
+                      <a:pPr algn="l" fontAlgn="base"/>
+                      <a:r>
+                        <a:rPr lang="en-US" altLang="ko-KR" sz="1500">
+                          <a:effectLst/>
+                        </a:rPr>
+                        <a:t>30</a:t>
+                      </a:r>
+                      <a:r>
+                        <a:rPr lang="ko-KR" altLang="en-US" sz="1500">
+                          <a:effectLst/>
+                        </a:rPr>
+                        <a:t>​</a:t>
+                      </a:r>
+                      <a:endParaRPr lang="ko-KR" altLang="en-US" sz="1500" b="1" i="0">
+                        <a:solidFill>
+                          <a:srgbClr val="FFFFFF"/>
+                        </a:solidFill>
+                        <a:effectLst/>
+                      </a:endParaRPr>
+                    </a:p>
+                  </a:txBody>
+                  <a:tcPr marL="78107" marR="78107" marT="39053" marB="39053"/>
+                </a:tc>
+                <a:tc>
+                  <a:txBody>
+                    <a:bodyPr/>
+                    <a:lstStyle/>
+                    <a:p>
+                      <a:pPr algn="l" fontAlgn="base"/>
+                      <a:r>
+                        <a:rPr lang="en-US" altLang="ko-KR" sz="1500">
+                          <a:effectLst/>
+                        </a:rPr>
+                        <a:t>31</a:t>
+                      </a:r>
+                      <a:r>
+                        <a:rPr lang="ko-KR" altLang="en-US" sz="1500">
+                          <a:effectLst/>
+                        </a:rPr>
+                        <a:t>​</a:t>
+                      </a:r>
+                      <a:endParaRPr lang="ko-KR" altLang="en-US" sz="1500" b="1" i="0">
+                        <a:solidFill>
+                          <a:srgbClr val="FFFFFF"/>
+                        </a:solidFill>
+                        <a:effectLst/>
+                      </a:endParaRPr>
+                    </a:p>
+                  </a:txBody>
+                  <a:tcPr marL="78107" marR="78107" marT="39053" marB="39053"/>
+                </a:tc>
+                <a:tc>
+                  <a:txBody>
+                    <a:bodyPr/>
+                    <a:lstStyle/>
+                    <a:p>
+                      <a:pPr algn="l" fontAlgn="base"/>
+                      <a:r>
+                        <a:rPr lang="en-US" altLang="ko-KR" sz="1500">
+                          <a:effectLst/>
+                        </a:rPr>
+                        <a:t>1</a:t>
+                      </a:r>
+                      <a:r>
+                        <a:rPr lang="ko-KR" altLang="en-US" sz="1500">
+                          <a:effectLst/>
+                        </a:rPr>
+                        <a:t>​</a:t>
+                      </a:r>
+                      <a:endParaRPr lang="ko-KR" altLang="en-US" sz="1500" b="1" i="0">
+                        <a:solidFill>
+                          <a:srgbClr val="FFFFFF"/>
+                        </a:solidFill>
+                        <a:effectLst/>
+                      </a:endParaRPr>
+                    </a:p>
+                  </a:txBody>
+                  <a:tcPr marL="78107" marR="78107" marT="39053" marB="39053"/>
+                </a:tc>
+                <a:extLst>
+                  <a:ext uri="{0D108BD9-81ED-4DB2-BD59-A6C34878D82A}">
+                    <a16:rowId xmlns:a16="http://schemas.microsoft.com/office/drawing/2014/main" val="4000217872"/>
+                  </a:ext>
+                </a:extLst>
+              </a:tr>
+              <a:tr h="1290353">
+                <a:tc>
+                  <a:txBody>
+                    <a:bodyPr/>
+                    <a:lstStyle/>
+                    <a:p>
+                      <a:pPr algn="l" fontAlgn="base"/>
+                      <a:r>
+                        <a:rPr lang="af-ZA" altLang="ko-KR" sz="1500">
+                          <a:effectLst/>
+                        </a:rPr>
+                        <a:t>Data ​</a:t>
+                      </a:r>
+                    </a:p>
+                    <a:p>
+                      <a:pPr algn="l" fontAlgn="base"/>
+                      <a:r>
+                        <a:rPr lang="ko-KR" altLang="en-US" sz="1500">
+                          <a:effectLst/>
+                        </a:rPr>
+                        <a:t>수집​</a:t>
+                      </a:r>
+                      <a:endParaRPr lang="ko-KR" altLang="en-US" sz="1500" b="1" i="0">
+                        <a:solidFill>
+                          <a:srgbClr val="FFFFFF"/>
+                        </a:solidFill>
+                        <a:effectLst/>
+                      </a:endParaRPr>
+                    </a:p>
+                  </a:txBody>
+                  <a:tcPr marL="78107" marR="78107" marT="39053" marB="39053"/>
+                </a:tc>
+                <a:tc>
+                  <a:txBody>
+                    <a:bodyPr/>
+                    <a:lstStyle/>
+                    <a:p>
+                      <a:pPr algn="l" fontAlgn="auto"/>
+                      <a:r>
+                        <a:rPr lang="ko-KR" altLang="en-US" sz="1500">
+                          <a:effectLst/>
+                        </a:rPr>
+                        <a:t>​</a:t>
+                      </a:r>
+                      <a:endParaRPr lang="ko-KR" altLang="en-US" sz="1500" b="0" i="0">
+                        <a:solidFill>
+                          <a:srgbClr val="000000"/>
+                        </a:solidFill>
+                        <a:effectLst/>
+                        <a:ea typeface="맑은 고딕" panose="020B0503020000020004" pitchFamily="34" charset="-127"/>
+                      </a:endParaRPr>
+                    </a:p>
+                  </a:txBody>
+                  <a:tcPr marL="78107" marR="78107" marT="39053" marB="39053">
+                    <a:solidFill>
+                      <a:schemeClr val="accent2"/>
+                    </a:solidFill>
+                  </a:tcPr>
+                </a:tc>
+                <a:tc>
+                  <a:txBody>
+                    <a:bodyPr/>
+                    <a:lstStyle/>
+                    <a:p>
+                      <a:pPr algn="l" fontAlgn="auto"/>
+                      <a:r>
+                        <a:rPr lang="ko-KR" altLang="en-US" sz="1500">
+                          <a:effectLst/>
+                        </a:rPr>
+                        <a:t>​</a:t>
+                      </a:r>
+                      <a:endParaRPr lang="ko-KR" altLang="en-US" sz="1500" b="0" i="0">
+                        <a:solidFill>
+                          <a:srgbClr val="000000"/>
+                        </a:solidFill>
+                        <a:effectLst/>
+                        <a:ea typeface="맑은 고딕" panose="020B0503020000020004" pitchFamily="34" charset="-127"/>
+                      </a:endParaRPr>
+                    </a:p>
+                  </a:txBody>
+                  <a:tcPr marL="78107" marR="78107" marT="39053" marB="39053">
+                    <a:solidFill>
+                      <a:schemeClr val="accent2"/>
+                    </a:solidFill>
+                  </a:tcPr>
+                </a:tc>
+                <a:tc>
+                  <a:txBody>
+                    <a:bodyPr/>
+                    <a:lstStyle/>
+                    <a:p>
+                      <a:pPr algn="l" fontAlgn="auto"/>
+                      <a:r>
+                        <a:rPr lang="ko-KR" altLang="en-US" sz="1500">
+                          <a:effectLst/>
+                        </a:rPr>
+                        <a:t>​</a:t>
+                      </a:r>
+                      <a:endParaRPr lang="ko-KR" altLang="en-US" sz="1500" b="0" i="0">
+                        <a:solidFill>
+                          <a:srgbClr val="000000"/>
+                        </a:solidFill>
+                        <a:effectLst/>
+                        <a:ea typeface="맑은 고딕" panose="020B0503020000020004" pitchFamily="34" charset="-127"/>
+                      </a:endParaRPr>
+                    </a:p>
+                  </a:txBody>
+                  <a:tcPr marL="78107" marR="78107" marT="39053" marB="39053"/>
+                </a:tc>
+                <a:tc>
+                  <a:txBody>
+                    <a:bodyPr/>
+                    <a:lstStyle/>
+                    <a:p>
+                      <a:pPr algn="l" fontAlgn="auto"/>
+                      <a:r>
+                        <a:rPr lang="ko-KR" altLang="en-US" sz="1500">
+                          <a:effectLst/>
+                        </a:rPr>
+                        <a:t>​</a:t>
+                      </a:r>
+                      <a:endParaRPr lang="ko-KR" altLang="en-US" sz="1500" b="0" i="0">
+                        <a:solidFill>
+                          <a:srgbClr val="000000"/>
+                        </a:solidFill>
+                        <a:effectLst/>
+                        <a:ea typeface="맑은 고딕" panose="020B0503020000020004" pitchFamily="34" charset="-127"/>
+                      </a:endParaRPr>
+                    </a:p>
+                  </a:txBody>
+                  <a:tcPr marL="78107" marR="78107" marT="39053" marB="39053"/>
+                </a:tc>
+                <a:tc>
+                  <a:txBody>
+                    <a:bodyPr/>
+                    <a:lstStyle/>
+                    <a:p>
+                      <a:pPr algn="l" fontAlgn="auto"/>
+                      <a:r>
+                        <a:rPr lang="ko-KR" altLang="en-US" sz="1500">
+                          <a:effectLst/>
+                        </a:rPr>
+                        <a:t>​</a:t>
+                      </a:r>
+                      <a:endParaRPr lang="ko-KR" altLang="en-US" sz="1500" b="0" i="0">
+                        <a:solidFill>
+                          <a:srgbClr val="000000"/>
+                        </a:solidFill>
+                        <a:effectLst/>
+                        <a:ea typeface="맑은 고딕" panose="020B0503020000020004" pitchFamily="34" charset="-127"/>
+                      </a:endParaRPr>
+                    </a:p>
+                  </a:txBody>
+                  <a:tcPr marL="78107" marR="78107" marT="39053" marB="39053"/>
+                </a:tc>
+                <a:tc>
+                  <a:txBody>
+                    <a:bodyPr/>
+                    <a:lstStyle/>
+                    <a:p>
+                      <a:pPr algn="l" fontAlgn="auto"/>
+                      <a:r>
+                        <a:rPr lang="ko-KR" altLang="en-US" sz="1500">
+                          <a:effectLst/>
+                        </a:rPr>
+                        <a:t>​</a:t>
+                      </a:r>
+                      <a:endParaRPr lang="ko-KR" altLang="en-US" sz="1500" b="0" i="0">
+                        <a:solidFill>
+                          <a:srgbClr val="000000"/>
+                        </a:solidFill>
+                        <a:effectLst/>
+                        <a:ea typeface="맑은 고딕" panose="020B0503020000020004" pitchFamily="34" charset="-127"/>
+                      </a:endParaRPr>
+                    </a:p>
+                  </a:txBody>
+                  <a:tcPr marL="78107" marR="78107" marT="39053" marB="39053"/>
+                </a:tc>
+                <a:tc>
+                  <a:txBody>
+                    <a:bodyPr/>
+                    <a:lstStyle/>
+                    <a:p>
+                      <a:pPr algn="l" fontAlgn="auto"/>
+                      <a:r>
+                        <a:rPr lang="ko-KR" altLang="en-US" sz="1500">
+                          <a:effectLst/>
+                        </a:rPr>
+                        <a:t>​</a:t>
+                      </a:r>
+                      <a:endParaRPr lang="ko-KR" altLang="en-US" sz="1500" b="0" i="0">
+                        <a:solidFill>
+                          <a:srgbClr val="000000"/>
+                        </a:solidFill>
+                        <a:effectLst/>
+                        <a:ea typeface="맑은 고딕" panose="020B0503020000020004" pitchFamily="34" charset="-127"/>
+                      </a:endParaRPr>
+                    </a:p>
+                  </a:txBody>
+                  <a:tcPr marL="78107" marR="78107" marT="39053" marB="39053"/>
+                </a:tc>
+                <a:tc>
+                  <a:txBody>
+                    <a:bodyPr/>
+                    <a:lstStyle/>
+                    <a:p>
+                      <a:pPr algn="l" fontAlgn="auto"/>
+                      <a:r>
+                        <a:rPr lang="ko-KR" altLang="en-US" sz="1500">
+                          <a:effectLst/>
+                        </a:rPr>
+                        <a:t>​</a:t>
+                      </a:r>
+                      <a:endParaRPr lang="ko-KR" altLang="en-US" sz="1500" b="0" i="0">
+                        <a:solidFill>
+                          <a:srgbClr val="000000"/>
+                        </a:solidFill>
+                        <a:effectLst/>
+                        <a:ea typeface="맑은 고딕" panose="020B0503020000020004" pitchFamily="34" charset="-127"/>
+                      </a:endParaRPr>
+                    </a:p>
+                  </a:txBody>
+                  <a:tcPr marL="78107" marR="78107" marT="39053" marB="39053"/>
+                </a:tc>
+                <a:extLst>
+                  <a:ext uri="{0D108BD9-81ED-4DB2-BD59-A6C34878D82A}">
+                    <a16:rowId xmlns:a16="http://schemas.microsoft.com/office/drawing/2014/main" val="3106373552"/>
+                  </a:ext>
+                </a:extLst>
+              </a:tr>
+              <a:tr h="1290353">
+                <a:tc>
+                  <a:txBody>
+                    <a:bodyPr/>
+                    <a:lstStyle/>
+                    <a:p>
+                      <a:pPr algn="l" fontAlgn="base"/>
+                      <a:r>
+                        <a:rPr lang="ko-KR" altLang="en-US" sz="1500">
+                          <a:effectLst/>
+                        </a:rPr>
+                        <a:t>전처리</a:t>
+                      </a:r>
+                      <a:r>
+                        <a:rPr lang="en-US" altLang="ko-KR" sz="1500">
+                          <a:effectLst/>
+                        </a:rPr>
+                        <a:t>,</a:t>
+                      </a:r>
+                    </a:p>
+                    <a:p>
+                      <a:pPr algn="l" fontAlgn="base"/>
+                      <a:r>
+                        <a:rPr lang="ko" altLang="en-US" sz="1500">
+                          <a:effectLst/>
+                        </a:rPr>
+                        <a:t> 모델 구성</a:t>
+                      </a:r>
+                      <a:endParaRPr lang="ko-KR" altLang="en-US" sz="1500" b="1" i="0">
+                        <a:solidFill>
+                          <a:srgbClr val="FFFFFF"/>
+                        </a:solidFill>
+                        <a:effectLst/>
+                      </a:endParaRPr>
+                    </a:p>
+                  </a:txBody>
+                  <a:tcPr marL="78107" marR="78107" marT="39053" marB="39053"/>
+                </a:tc>
+                <a:tc>
+                  <a:txBody>
+                    <a:bodyPr/>
+                    <a:lstStyle/>
+                    <a:p>
+                      <a:pPr algn="l" fontAlgn="auto"/>
+                      <a:r>
+                        <a:rPr lang="ko-KR" altLang="en-US" sz="1500">
+                          <a:effectLst/>
+                        </a:rPr>
+                        <a:t>​</a:t>
+                      </a:r>
+                      <a:endParaRPr lang="ko-KR" altLang="en-US" sz="1500" b="0" i="0">
+                        <a:solidFill>
+                          <a:srgbClr val="000000"/>
+                        </a:solidFill>
+                        <a:effectLst/>
+                        <a:ea typeface="맑은 고딕" panose="020B0503020000020004" pitchFamily="34" charset="-127"/>
+                      </a:endParaRPr>
+                    </a:p>
+                  </a:txBody>
+                  <a:tcPr marL="78107" marR="78107" marT="39053" marB="39053"/>
+                </a:tc>
+                <a:tc>
+                  <a:txBody>
+                    <a:bodyPr/>
+                    <a:lstStyle/>
+                    <a:p>
+                      <a:pPr algn="l" fontAlgn="auto"/>
+                      <a:r>
+                        <a:rPr lang="ko-KR" altLang="en-US" sz="1500">
+                          <a:effectLst/>
+                        </a:rPr>
+                        <a:t>​</a:t>
+                      </a:r>
+                      <a:endParaRPr lang="ko-KR" altLang="en-US" sz="1500" b="0" i="0">
+                        <a:solidFill>
+                          <a:srgbClr val="000000"/>
+                        </a:solidFill>
+                        <a:effectLst/>
+                        <a:ea typeface="맑은 고딕" panose="020B0503020000020004" pitchFamily="34" charset="-127"/>
+                      </a:endParaRPr>
+                    </a:p>
+                  </a:txBody>
+                  <a:tcPr marL="78107" marR="78107" marT="39053" marB="39053">
+                    <a:solidFill>
+                      <a:schemeClr val="accent2">
+                        <a:lumMod val="75000"/>
+                      </a:schemeClr>
+                    </a:solidFill>
+                  </a:tcPr>
+                </a:tc>
+                <a:tc>
+                  <a:txBody>
+                    <a:bodyPr/>
+                    <a:lstStyle/>
+                    <a:p>
+                      <a:pPr algn="l" fontAlgn="auto"/>
+                      <a:r>
+                        <a:rPr lang="ko-KR" altLang="en-US" sz="1500">
+                          <a:effectLst/>
+                        </a:rPr>
+                        <a:t>​</a:t>
+                      </a:r>
+                      <a:endParaRPr lang="ko-KR" altLang="en-US" sz="1500" b="0" i="0">
+                        <a:solidFill>
+                          <a:srgbClr val="000000"/>
+                        </a:solidFill>
+                        <a:effectLst/>
+                        <a:ea typeface="맑은 고딕" panose="020B0503020000020004" pitchFamily="34" charset="-127"/>
+                      </a:endParaRPr>
+                    </a:p>
+                  </a:txBody>
+                  <a:tcPr marL="78107" marR="78107" marT="39053" marB="39053">
+                    <a:solidFill>
+                      <a:schemeClr val="accent2">
+                        <a:lumMod val="75000"/>
+                      </a:schemeClr>
+                    </a:solidFill>
+                  </a:tcPr>
+                </a:tc>
+                <a:tc>
+                  <a:txBody>
+                    <a:bodyPr/>
+                    <a:lstStyle/>
+                    <a:p>
+                      <a:pPr algn="l" fontAlgn="auto"/>
+                      <a:r>
+                        <a:rPr lang="ko-KR" altLang="en-US" sz="1500">
+                          <a:effectLst/>
+                        </a:rPr>
+                        <a:t>​</a:t>
+                      </a:r>
+                      <a:endParaRPr lang="ko-KR" altLang="en-US" sz="1500" b="0" i="0">
+                        <a:solidFill>
+                          <a:srgbClr val="000000"/>
+                        </a:solidFill>
+                        <a:effectLst/>
+                        <a:ea typeface="맑은 고딕" panose="020B0503020000020004" pitchFamily="34" charset="-127"/>
+                      </a:endParaRPr>
+                    </a:p>
+                  </a:txBody>
+                  <a:tcPr marL="78107" marR="78107" marT="39053" marB="39053">
+                    <a:solidFill>
+                      <a:schemeClr val="accent2">
+                        <a:lumMod val="75000"/>
+                      </a:schemeClr>
+                    </a:solidFill>
+                  </a:tcPr>
+                </a:tc>
+                <a:tc>
+                  <a:txBody>
+                    <a:bodyPr/>
+                    <a:lstStyle/>
+                    <a:p>
+                      <a:pPr algn="l" fontAlgn="auto"/>
+                      <a:r>
+                        <a:rPr lang="ko-KR" altLang="en-US" sz="1500">
+                          <a:effectLst/>
+                        </a:rPr>
+                        <a:t>​</a:t>
+                      </a:r>
+                      <a:endParaRPr lang="ko-KR" altLang="en-US" sz="1500" b="0" i="0">
+                        <a:solidFill>
+                          <a:srgbClr val="000000"/>
+                        </a:solidFill>
+                        <a:effectLst/>
+                        <a:ea typeface="맑은 고딕" panose="020B0503020000020004" pitchFamily="34" charset="-127"/>
+                      </a:endParaRPr>
+                    </a:p>
+                  </a:txBody>
+                  <a:tcPr marL="78107" marR="78107" marT="39053" marB="39053">
+                    <a:solidFill>
+                      <a:schemeClr val="accent2">
+                        <a:lumMod val="75000"/>
+                      </a:schemeClr>
+                    </a:solidFill>
+                  </a:tcPr>
+                </a:tc>
+                <a:tc>
+                  <a:txBody>
+                    <a:bodyPr/>
+                    <a:lstStyle/>
+                    <a:p>
+                      <a:pPr algn="l" fontAlgn="auto"/>
+                      <a:r>
+                        <a:rPr lang="ko-KR" altLang="en-US" sz="1500">
+                          <a:effectLst/>
+                        </a:rPr>
+                        <a:t>​</a:t>
+                      </a:r>
+                      <a:endParaRPr lang="ko-KR" altLang="en-US" sz="1500" b="0" i="0">
+                        <a:solidFill>
+                          <a:srgbClr val="000000"/>
+                        </a:solidFill>
+                        <a:effectLst/>
+                        <a:ea typeface="맑은 고딕" panose="020B0503020000020004" pitchFamily="34" charset="-127"/>
+                      </a:endParaRPr>
+                    </a:p>
+                  </a:txBody>
+                  <a:tcPr marL="78107" marR="78107" marT="39053" marB="39053">
+                    <a:solidFill>
+                      <a:schemeClr val="accent2">
+                        <a:lumMod val="75000"/>
+                      </a:schemeClr>
+                    </a:solidFill>
+                  </a:tcPr>
+                </a:tc>
+                <a:tc>
+                  <a:txBody>
+                    <a:bodyPr/>
+                    <a:lstStyle/>
+                    <a:p>
+                      <a:pPr algn="l" fontAlgn="auto"/>
+                      <a:r>
+                        <a:rPr lang="ko-KR" altLang="en-US" sz="1500">
+                          <a:effectLst/>
+                        </a:rPr>
+                        <a:t>​</a:t>
+                      </a:r>
+                      <a:endParaRPr lang="ko-KR" altLang="en-US" sz="1500" b="0" i="0">
+                        <a:solidFill>
+                          <a:srgbClr val="000000"/>
+                        </a:solidFill>
+                        <a:effectLst/>
+                        <a:ea typeface="맑은 고딕" panose="020B0503020000020004" pitchFamily="34" charset="-127"/>
+                      </a:endParaRPr>
+                    </a:p>
+                  </a:txBody>
+                  <a:tcPr marL="78107" marR="78107" marT="39053" marB="39053">
+                    <a:solidFill>
+                      <a:schemeClr val="accent2">
+                        <a:lumMod val="75000"/>
+                      </a:schemeClr>
+                    </a:solidFill>
+                  </a:tcPr>
+                </a:tc>
+                <a:tc>
+                  <a:txBody>
+                    <a:bodyPr/>
+                    <a:lstStyle/>
+                    <a:p>
+                      <a:pPr algn="l" fontAlgn="auto"/>
+                      <a:r>
+                        <a:rPr lang="ko-KR" altLang="en-US" sz="1500">
+                          <a:effectLst/>
+                        </a:rPr>
+                        <a:t>​</a:t>
+                      </a:r>
+                      <a:endParaRPr lang="ko-KR" altLang="en-US" sz="1500" b="0" i="0">
+                        <a:solidFill>
+                          <a:srgbClr val="000000"/>
+                        </a:solidFill>
+                        <a:effectLst/>
+                        <a:ea typeface="맑은 고딕" panose="020B0503020000020004" pitchFamily="34" charset="-127"/>
+                      </a:endParaRPr>
+                    </a:p>
+                  </a:txBody>
+                  <a:tcPr marL="78107" marR="78107" marT="39053" marB="39053"/>
+                </a:tc>
+                <a:extLst>
+                  <a:ext uri="{0D108BD9-81ED-4DB2-BD59-A6C34878D82A}">
+                    <a16:rowId xmlns:a16="http://schemas.microsoft.com/office/drawing/2014/main" val="1125135808"/>
+                  </a:ext>
+                </a:extLst>
+              </a:tr>
+              <a:tr h="1290353">
+                <a:tc>
+                  <a:txBody>
+                    <a:bodyPr/>
+                    <a:lstStyle/>
+                    <a:p>
+                      <a:pPr algn="l" fontAlgn="auto"/>
+                      <a:r>
+                        <a:rPr lang="ko-KR" altLang="en-US" sz="1500">
+                          <a:effectLst/>
+                        </a:rPr>
+                        <a:t>​</a:t>
+                      </a:r>
+                      <a:r>
+                        <a:rPr lang="ko" altLang="en-US" sz="1500">
+                          <a:effectLst/>
+                        </a:rPr>
+                        <a:t>튜닝</a:t>
+                      </a:r>
+                      <a:r>
+                        <a:rPr lang="en-US" altLang="ko" sz="1500">
+                          <a:effectLst/>
+                        </a:rPr>
+                        <a:t>,</a:t>
+                      </a:r>
+                      <a:r>
+                        <a:rPr lang="ko" altLang="en-US" sz="1500">
+                          <a:effectLst/>
+                        </a:rPr>
+                        <a:t> </a:t>
+                      </a:r>
+                      <a:endParaRPr lang="en-US" altLang="ko" sz="1500">
+                        <a:effectLst/>
+                      </a:endParaRPr>
+                    </a:p>
+                    <a:p>
+                      <a:pPr algn="l" fontAlgn="auto"/>
+                      <a:r>
+                        <a:rPr lang="ko" altLang="en-US" sz="1500">
+                          <a:effectLst/>
+                        </a:rPr>
+                        <a:t> 발표준비</a:t>
+                      </a:r>
+                      <a:endParaRPr lang="en-US" altLang="ko" sz="1500">
+                        <a:effectLst/>
+                      </a:endParaRPr>
+                    </a:p>
+                    <a:p>
+                      <a:pPr algn="l" fontAlgn="auto"/>
+                      <a:r>
+                        <a:rPr lang="ko" altLang="en-US" sz="1500" b="1" i="0">
+                          <a:solidFill>
+                            <a:srgbClr val="FFFFFF"/>
+                          </a:solidFill>
+                          <a:effectLst/>
+                          <a:ea typeface="맑은 고딕" panose="020B0503020000020004" pitchFamily="34" charset="-127"/>
+                        </a:rPr>
+                        <a:t> </a:t>
+                      </a:r>
+                      <a:endParaRPr lang="ko-KR" altLang="en-US" sz="1500" b="1" i="0">
+                        <a:solidFill>
+                          <a:srgbClr val="FFFFFF"/>
+                        </a:solidFill>
+                        <a:effectLst/>
+                        <a:ea typeface="맑은 고딕" panose="020B0503020000020004" pitchFamily="34" charset="-127"/>
+                      </a:endParaRPr>
+                    </a:p>
+                  </a:txBody>
+                  <a:tcPr marL="78107" marR="78107" marT="39053" marB="39053"/>
+                </a:tc>
+                <a:tc>
+                  <a:txBody>
+                    <a:bodyPr/>
+                    <a:lstStyle/>
+                    <a:p>
+                      <a:pPr algn="l" fontAlgn="auto"/>
+                      <a:r>
+                        <a:rPr lang="ko-KR" altLang="en-US" sz="1500">
+                          <a:effectLst/>
+                        </a:rPr>
+                        <a:t>​</a:t>
+                      </a:r>
+                      <a:endParaRPr lang="ko-KR" altLang="en-US" sz="1500" b="0" i="0">
+                        <a:solidFill>
+                          <a:srgbClr val="000000"/>
+                        </a:solidFill>
+                        <a:effectLst/>
+                        <a:ea typeface="맑은 고딕" panose="020B0503020000020004" pitchFamily="34" charset="-127"/>
+                      </a:endParaRPr>
+                    </a:p>
+                  </a:txBody>
+                  <a:tcPr marL="78107" marR="78107" marT="39053" marB="39053"/>
+                </a:tc>
+                <a:tc>
+                  <a:txBody>
+                    <a:bodyPr/>
+                    <a:lstStyle/>
+                    <a:p>
+                      <a:pPr algn="l" fontAlgn="auto"/>
+                      <a:r>
+                        <a:rPr lang="ko-KR" altLang="en-US" sz="1500">
+                          <a:effectLst/>
+                        </a:rPr>
+                        <a:t>​</a:t>
+                      </a:r>
+                      <a:endParaRPr lang="ko-KR" altLang="en-US" sz="1500" b="0" i="0">
+                        <a:solidFill>
+                          <a:srgbClr val="000000"/>
+                        </a:solidFill>
+                        <a:effectLst/>
+                        <a:ea typeface="맑은 고딕" panose="020B0503020000020004" pitchFamily="34" charset="-127"/>
+                      </a:endParaRPr>
+                    </a:p>
+                  </a:txBody>
+                  <a:tcPr marL="78107" marR="78107" marT="39053" marB="39053"/>
+                </a:tc>
+                <a:tc>
+                  <a:txBody>
+                    <a:bodyPr/>
+                    <a:lstStyle/>
+                    <a:p>
+                      <a:pPr algn="l" fontAlgn="auto"/>
+                      <a:r>
+                        <a:rPr lang="ko-KR" altLang="en-US" sz="1500">
+                          <a:effectLst/>
+                        </a:rPr>
+                        <a:t>​</a:t>
+                      </a:r>
+                      <a:endParaRPr lang="ko-KR" altLang="en-US" sz="1500" b="0" i="0">
+                        <a:solidFill>
+                          <a:srgbClr val="000000"/>
+                        </a:solidFill>
+                        <a:effectLst/>
+                        <a:ea typeface="맑은 고딕" panose="020B0503020000020004" pitchFamily="34" charset="-127"/>
+                      </a:endParaRPr>
+                    </a:p>
+                  </a:txBody>
+                  <a:tcPr marL="78107" marR="78107" marT="39053" marB="39053"/>
+                </a:tc>
+                <a:tc>
+                  <a:txBody>
+                    <a:bodyPr/>
+                    <a:lstStyle/>
+                    <a:p>
+                      <a:pPr algn="l" fontAlgn="auto"/>
+                      <a:r>
+                        <a:rPr lang="ko-KR" altLang="en-US" sz="1500">
+                          <a:effectLst/>
+                        </a:rPr>
+                        <a:t>​</a:t>
+                      </a:r>
+                      <a:endParaRPr lang="ko-KR" altLang="en-US" sz="1500" b="0" i="0">
+                        <a:solidFill>
+                          <a:srgbClr val="000000"/>
+                        </a:solidFill>
+                        <a:effectLst/>
+                        <a:ea typeface="맑은 고딕" panose="020B0503020000020004" pitchFamily="34" charset="-127"/>
+                      </a:endParaRPr>
+                    </a:p>
+                  </a:txBody>
+                  <a:tcPr marL="78107" marR="78107" marT="39053" marB="39053"/>
+                </a:tc>
+                <a:tc>
+                  <a:txBody>
+                    <a:bodyPr/>
+                    <a:lstStyle/>
+                    <a:p>
+                      <a:pPr algn="l" fontAlgn="auto"/>
+                      <a:r>
+                        <a:rPr lang="ko-KR" altLang="en-US" sz="1500">
+                          <a:effectLst/>
+                        </a:rPr>
+                        <a:t>​</a:t>
+                      </a:r>
+                      <a:endParaRPr lang="ko-KR" altLang="en-US" sz="1500" b="0" i="0">
+                        <a:solidFill>
+                          <a:srgbClr val="000000"/>
+                        </a:solidFill>
+                        <a:effectLst/>
+                        <a:ea typeface="맑은 고딕" panose="020B0503020000020004" pitchFamily="34" charset="-127"/>
+                      </a:endParaRPr>
+                    </a:p>
+                  </a:txBody>
+                  <a:tcPr marL="78107" marR="78107" marT="39053" marB="39053"/>
+                </a:tc>
+                <a:tc>
+                  <a:txBody>
+                    <a:bodyPr/>
+                    <a:lstStyle/>
+                    <a:p>
+                      <a:pPr algn="l" fontAlgn="auto"/>
+                      <a:r>
+                        <a:rPr lang="ko-KR" altLang="en-US" sz="1500">
+                          <a:effectLst/>
+                        </a:rPr>
+                        <a:t>​</a:t>
+                      </a:r>
+                      <a:endParaRPr lang="ko-KR" altLang="en-US" sz="1500" b="0" i="0">
+                        <a:solidFill>
+                          <a:srgbClr val="000000"/>
+                        </a:solidFill>
+                        <a:effectLst/>
+                        <a:ea typeface="맑은 고딕" panose="020B0503020000020004" pitchFamily="34" charset="-127"/>
+                      </a:endParaRPr>
+                    </a:p>
+                  </a:txBody>
+                  <a:tcPr marL="78107" marR="78107" marT="39053" marB="39053">
+                    <a:solidFill>
+                      <a:schemeClr val="accent2">
+                        <a:lumMod val="50000"/>
+                      </a:schemeClr>
+                    </a:solidFill>
+                  </a:tcPr>
+                </a:tc>
+                <a:tc>
+                  <a:txBody>
+                    <a:bodyPr/>
+                    <a:lstStyle/>
+                    <a:p>
+                      <a:pPr algn="l" fontAlgn="auto"/>
+                      <a:r>
+                        <a:rPr lang="ko-KR" altLang="en-US" sz="1500">
+                          <a:effectLst/>
+                        </a:rPr>
+                        <a:t>​</a:t>
+                      </a:r>
+                      <a:endParaRPr lang="ko-KR" altLang="en-US" sz="1500" b="0" i="0">
+                        <a:solidFill>
+                          <a:srgbClr val="000000"/>
+                        </a:solidFill>
+                        <a:effectLst/>
+                        <a:ea typeface="맑은 고딕" panose="020B0503020000020004" pitchFamily="34" charset="-127"/>
+                      </a:endParaRPr>
+                    </a:p>
+                  </a:txBody>
+                  <a:tcPr marL="78107" marR="78107" marT="39053" marB="39053">
+                    <a:solidFill>
+                      <a:schemeClr val="accent2">
+                        <a:lumMod val="50000"/>
+                      </a:schemeClr>
+                    </a:solidFill>
+                  </a:tcPr>
+                </a:tc>
+                <a:tc>
+                  <a:txBody>
+                    <a:bodyPr/>
+                    <a:lstStyle/>
+                    <a:p>
+                      <a:pPr algn="l" fontAlgn="auto"/>
+                      <a:r>
+                        <a:rPr lang="ko-KR" altLang="en-US" sz="1500">
+                          <a:effectLst/>
+                        </a:rPr>
+                        <a:t>​</a:t>
+                      </a:r>
+                      <a:endParaRPr lang="ko-KR" altLang="en-US" sz="1500" b="0" i="0">
+                        <a:solidFill>
+                          <a:srgbClr val="000000"/>
+                        </a:solidFill>
+                        <a:effectLst/>
+                        <a:ea typeface="맑은 고딕" panose="020B0503020000020004" pitchFamily="34" charset="-127"/>
+                      </a:endParaRPr>
+                    </a:p>
+                  </a:txBody>
+                  <a:tcPr marL="78107" marR="78107" marT="39053" marB="39053">
+                    <a:solidFill>
+                      <a:schemeClr val="accent2">
+                        <a:lumMod val="50000"/>
+                      </a:schemeClr>
+                    </a:solidFill>
+                  </a:tcPr>
+                </a:tc>
+                <a:extLst>
+                  <a:ext uri="{0D108BD9-81ED-4DB2-BD59-A6C34878D82A}">
+                    <a16:rowId xmlns:a16="http://schemas.microsoft.com/office/drawing/2014/main" val="3873535988"/>
+                  </a:ext>
+                </a:extLst>
+              </a:tr>
+            </a:tbl>
+          </a:graphicData>
+        </a:graphic>
+      </p:graphicFrame>
     </p:spTree>
     <p:extLst>
       <p:ext uri="{BB962C8B-B14F-4D97-AF65-F5344CB8AC3E}">
